--- a/jpmc.pptx
+++ b/jpmc.pptx
@@ -5,49 +5,51 @@
     <p:sldMasterId id="2147483659" r:id="rId1"/>
   </p:sldMasterIdLst>
   <p:notesMasterIdLst>
-    <p:notesMasterId r:id="rId11"/>
+    <p:notesMasterId r:id="rId13"/>
   </p:notesMasterIdLst>
   <p:sldIdLst>
     <p:sldId id="256" r:id="rId2"/>
     <p:sldId id="257" r:id="rId3"/>
-    <p:sldId id="258" r:id="rId4"/>
-    <p:sldId id="259" r:id="rId5"/>
-    <p:sldId id="260" r:id="rId6"/>
-    <p:sldId id="261" r:id="rId7"/>
-    <p:sldId id="262" r:id="rId8"/>
-    <p:sldId id="263" r:id="rId9"/>
-    <p:sldId id="264" r:id="rId10"/>
+    <p:sldId id="265" r:id="rId4"/>
+    <p:sldId id="258" r:id="rId5"/>
+    <p:sldId id="259" r:id="rId6"/>
+    <p:sldId id="260" r:id="rId7"/>
+    <p:sldId id="261" r:id="rId8"/>
+    <p:sldId id="262" r:id="rId9"/>
+    <p:sldId id="266" r:id="rId10"/>
+    <p:sldId id="263" r:id="rId11"/>
+    <p:sldId id="264" r:id="rId12"/>
   </p:sldIdLst>
   <p:sldSz cx="9144000" cy="5143500" type="screen16x9"/>
   <p:notesSz cx="6858000" cy="9144000"/>
   <p:embeddedFontLst>
     <p:embeddedFont>
+      <p:font typeface="Roboto Medium" panose="020B0604020202020204" charset="0"/>
+      <p:regular r:id="rId14"/>
+      <p:bold r:id="rId15"/>
+      <p:italic r:id="rId16"/>
+      <p:boldItalic r:id="rId17"/>
+    </p:embeddedFont>
+    <p:embeddedFont>
       <p:font typeface="Roboto" panose="020B0604020202020204" charset="0"/>
-      <p:regular r:id="rId12"/>
-      <p:bold r:id="rId13"/>
-      <p:italic r:id="rId14"/>
-      <p:boldItalic r:id="rId15"/>
+      <p:regular r:id="rId18"/>
+      <p:bold r:id="rId19"/>
+      <p:italic r:id="rId20"/>
+      <p:boldItalic r:id="rId21"/>
+    </p:embeddedFont>
+    <p:embeddedFont>
+      <p:font typeface="Montserrat" panose="020B0604020202020204" charset="0"/>
+      <p:regular r:id="rId22"/>
+      <p:bold r:id="rId23"/>
+      <p:italic r:id="rId24"/>
+      <p:boldItalic r:id="rId25"/>
     </p:embeddedFont>
     <p:embeddedFont>
       <p:font typeface="Lato" panose="020B0604020202020204" charset="0"/>
-      <p:regular r:id="rId16"/>
-      <p:bold r:id="rId17"/>
-      <p:italic r:id="rId18"/>
-      <p:boldItalic r:id="rId19"/>
-    </p:embeddedFont>
-    <p:embeddedFont>
-      <p:font typeface="Roboto Medium" panose="020B0604020202020204" charset="0"/>
-      <p:regular r:id="rId20"/>
-      <p:bold r:id="rId21"/>
-      <p:italic r:id="rId22"/>
-      <p:boldItalic r:id="rId23"/>
-    </p:embeddedFont>
-    <p:embeddedFont>
-      <p:font typeface="Montserrat" panose="020B0604020202020204" charset="0"/>
-      <p:regular r:id="rId24"/>
-      <p:bold r:id="rId25"/>
-      <p:italic r:id="rId26"/>
-      <p:boldItalic r:id="rId27"/>
+      <p:regular r:id="rId26"/>
+      <p:bold r:id="rId27"/>
+      <p:italic r:id="rId28"/>
+      <p:boldItalic r:id="rId29"/>
     </p:embeddedFont>
   </p:embeddedFontLst>
   <p:defaultTextStyle>
@@ -281,7 +283,7 @@
   </p:defaultTextStyle>
   <p:extLst>
     <p:ext uri="{EFAFB233-063F-42B5-8137-9DF3F51BA10A}">
-      <p15:sldGuideLst xmlns="" xmlns:mc="http://schemas.openxmlformats.org/markup-compatibility/2006" xmlns:mv="urn:schemas-microsoft-com:mac:vml" xmlns:c="http://schemas.openxmlformats.org/drawingml/2006/chart" xmlns:dgm="http://schemas.openxmlformats.org/drawingml/2006/diagram" xmlns:o="urn:schemas-microsoft-com:office:office" xmlns:v="urn:schemas-microsoft-com:vml" xmlns:pvml="urn:schemas-microsoft-com:office:powerpoint" xmlns:com="http://schemas.openxmlformats.org/drawingml/2006/compatibility" xmlns:p14="http://schemas.microsoft.com/office/powerpoint/2010/main" xmlns:p15="http://schemas.microsoft.com/office/powerpoint/2012/main">
+      <p15:sldGuideLst xmlns:p15="http://schemas.microsoft.com/office/powerpoint/2012/main" xmlns:p14="http://schemas.microsoft.com/office/powerpoint/2010/main" xmlns:com="http://schemas.openxmlformats.org/drawingml/2006/compatibility" xmlns:pvml="urn:schemas-microsoft-com:office:powerpoint" xmlns:v="urn:schemas-microsoft-com:vml" xmlns:o="urn:schemas-microsoft-com:office:office" xmlns:dgm="http://schemas.openxmlformats.org/drawingml/2006/diagram" xmlns:c="http://schemas.openxmlformats.org/drawingml/2006/chart" xmlns:mv="urn:schemas-microsoft-com:mac:vml" xmlns:mc="http://schemas.openxmlformats.org/markup-compatibility/2006" xmlns="">
         <p15:guide id="1" orient="horz" pos="1620">
           <p15:clr>
             <a:srgbClr val="A4A3A4"/>
@@ -296,6 +298,6163 @@
     </p:ext>
   </p:extLst>
 </p:presentation>
+</file>
+
+<file path=ppt/diagrams/colors1.xml><?xml version="1.0" encoding="utf-8"?>
+<dgm:colorsDef xmlns:dgm="http://schemas.openxmlformats.org/drawingml/2006/diagram" xmlns:a="http://schemas.openxmlformats.org/drawingml/2006/main" uniqueId="urn:microsoft.com/office/officeart/2005/8/colors/accent1_2">
+  <dgm:title val=""/>
+  <dgm:desc val=""/>
+  <dgm:catLst>
+    <dgm:cat type="accent1" pri="11200"/>
+  </dgm:catLst>
+  <dgm:styleLbl name="node0">
+    <dgm:fillClrLst meth="repeat">
+      <a:schemeClr val="accent1"/>
+    </dgm:fillClrLst>
+    <dgm:linClrLst meth="repeat">
+      <a:schemeClr val="lt1"/>
+    </dgm:linClrLst>
+    <dgm:effectClrLst/>
+    <dgm:txLinClrLst/>
+    <dgm:txFillClrLst/>
+    <dgm:txEffectClrLst/>
+  </dgm:styleLbl>
+  <dgm:styleLbl name="alignNode1">
+    <dgm:fillClrLst meth="repeat">
+      <a:schemeClr val="accent1"/>
+    </dgm:fillClrLst>
+    <dgm:linClrLst meth="repeat">
+      <a:schemeClr val="accent1"/>
+    </dgm:linClrLst>
+    <dgm:effectClrLst/>
+    <dgm:txLinClrLst/>
+    <dgm:txFillClrLst/>
+    <dgm:txEffectClrLst/>
+  </dgm:styleLbl>
+  <dgm:styleLbl name="node1">
+    <dgm:fillClrLst meth="repeat">
+      <a:schemeClr val="accent1"/>
+    </dgm:fillClrLst>
+    <dgm:linClrLst meth="repeat">
+      <a:schemeClr val="lt1"/>
+    </dgm:linClrLst>
+    <dgm:effectClrLst/>
+    <dgm:txLinClrLst/>
+    <dgm:txFillClrLst/>
+    <dgm:txEffectClrLst/>
+  </dgm:styleLbl>
+  <dgm:styleLbl name="lnNode1">
+    <dgm:fillClrLst meth="repeat">
+      <a:schemeClr val="accent1"/>
+    </dgm:fillClrLst>
+    <dgm:linClrLst meth="repeat">
+      <a:schemeClr val="lt1"/>
+    </dgm:linClrLst>
+    <dgm:effectClrLst/>
+    <dgm:txLinClrLst/>
+    <dgm:txFillClrLst/>
+    <dgm:txEffectClrLst/>
+  </dgm:styleLbl>
+  <dgm:styleLbl name="vennNode1">
+    <dgm:fillClrLst meth="repeat">
+      <a:schemeClr val="accent1">
+        <a:alpha val="50000"/>
+      </a:schemeClr>
+    </dgm:fillClrLst>
+    <dgm:linClrLst meth="repeat">
+      <a:schemeClr val="lt1"/>
+    </dgm:linClrLst>
+    <dgm:effectClrLst/>
+    <dgm:txLinClrLst/>
+    <dgm:txFillClrLst/>
+    <dgm:txEffectClrLst/>
+  </dgm:styleLbl>
+  <dgm:styleLbl name="node2">
+    <dgm:fillClrLst meth="repeat">
+      <a:schemeClr val="accent1"/>
+    </dgm:fillClrLst>
+    <dgm:linClrLst meth="repeat">
+      <a:schemeClr val="lt1"/>
+    </dgm:linClrLst>
+    <dgm:effectClrLst/>
+    <dgm:txLinClrLst/>
+    <dgm:txFillClrLst/>
+    <dgm:txEffectClrLst/>
+  </dgm:styleLbl>
+  <dgm:styleLbl name="node3">
+    <dgm:fillClrLst meth="repeat">
+      <a:schemeClr val="accent1"/>
+    </dgm:fillClrLst>
+    <dgm:linClrLst meth="repeat">
+      <a:schemeClr val="lt1"/>
+    </dgm:linClrLst>
+    <dgm:effectClrLst/>
+    <dgm:txLinClrLst/>
+    <dgm:txFillClrLst/>
+    <dgm:txEffectClrLst/>
+  </dgm:styleLbl>
+  <dgm:styleLbl name="node4">
+    <dgm:fillClrLst meth="repeat">
+      <a:schemeClr val="accent1"/>
+    </dgm:fillClrLst>
+    <dgm:linClrLst meth="repeat">
+      <a:schemeClr val="lt1"/>
+    </dgm:linClrLst>
+    <dgm:effectClrLst/>
+    <dgm:txLinClrLst/>
+    <dgm:txFillClrLst/>
+    <dgm:txEffectClrLst/>
+  </dgm:styleLbl>
+  <dgm:styleLbl name="fgImgPlace1">
+    <dgm:fillClrLst meth="repeat">
+      <a:schemeClr val="accent1">
+        <a:tint val="50000"/>
+      </a:schemeClr>
+    </dgm:fillClrLst>
+    <dgm:linClrLst meth="repeat">
+      <a:schemeClr val="lt1"/>
+    </dgm:linClrLst>
+    <dgm:effectClrLst/>
+    <dgm:txLinClrLst/>
+    <dgm:txFillClrLst meth="repeat">
+      <a:schemeClr val="lt1"/>
+    </dgm:txFillClrLst>
+    <dgm:txEffectClrLst/>
+  </dgm:styleLbl>
+  <dgm:styleLbl name="alignImgPlace1">
+    <dgm:fillClrLst meth="repeat">
+      <a:schemeClr val="accent1">
+        <a:tint val="50000"/>
+      </a:schemeClr>
+    </dgm:fillClrLst>
+    <dgm:linClrLst meth="repeat">
+      <a:schemeClr val="lt1"/>
+    </dgm:linClrLst>
+    <dgm:effectClrLst/>
+    <dgm:txLinClrLst/>
+    <dgm:txFillClrLst meth="repeat">
+      <a:schemeClr val="lt1"/>
+    </dgm:txFillClrLst>
+    <dgm:txEffectClrLst/>
+  </dgm:styleLbl>
+  <dgm:styleLbl name="bgImgPlace1">
+    <dgm:fillClrLst meth="repeat">
+      <a:schemeClr val="accent1">
+        <a:tint val="50000"/>
+      </a:schemeClr>
+    </dgm:fillClrLst>
+    <dgm:linClrLst meth="repeat">
+      <a:schemeClr val="lt1"/>
+    </dgm:linClrLst>
+    <dgm:effectClrLst/>
+    <dgm:txLinClrLst/>
+    <dgm:txFillClrLst meth="repeat">
+      <a:schemeClr val="lt1"/>
+    </dgm:txFillClrLst>
+    <dgm:txEffectClrLst/>
+  </dgm:styleLbl>
+  <dgm:styleLbl name="sibTrans2D1">
+    <dgm:fillClrLst meth="repeat">
+      <a:schemeClr val="accent1">
+        <a:tint val="60000"/>
+      </a:schemeClr>
+    </dgm:fillClrLst>
+    <dgm:linClrLst meth="repeat">
+      <a:schemeClr val="accent1">
+        <a:tint val="60000"/>
+      </a:schemeClr>
+    </dgm:linClrLst>
+    <dgm:effectClrLst/>
+    <dgm:txLinClrLst/>
+    <dgm:txFillClrLst/>
+    <dgm:txEffectClrLst/>
+  </dgm:styleLbl>
+  <dgm:styleLbl name="fgSibTrans2D1">
+    <dgm:fillClrLst meth="repeat">
+      <a:schemeClr val="accent1">
+        <a:tint val="60000"/>
+      </a:schemeClr>
+    </dgm:fillClrLst>
+    <dgm:linClrLst meth="repeat">
+      <a:schemeClr val="accent1">
+        <a:tint val="60000"/>
+      </a:schemeClr>
+    </dgm:linClrLst>
+    <dgm:effectClrLst/>
+    <dgm:txLinClrLst/>
+    <dgm:txFillClrLst/>
+    <dgm:txEffectClrLst/>
+  </dgm:styleLbl>
+  <dgm:styleLbl name="bgSibTrans2D1">
+    <dgm:fillClrLst meth="repeat">
+      <a:schemeClr val="accent1">
+        <a:tint val="60000"/>
+      </a:schemeClr>
+    </dgm:fillClrLst>
+    <dgm:linClrLst meth="repeat">
+      <a:schemeClr val="accent1">
+        <a:tint val="60000"/>
+      </a:schemeClr>
+    </dgm:linClrLst>
+    <dgm:effectClrLst/>
+    <dgm:txLinClrLst/>
+    <dgm:txFillClrLst/>
+    <dgm:txEffectClrLst/>
+  </dgm:styleLbl>
+  <dgm:styleLbl name="sibTrans1D1">
+    <dgm:fillClrLst meth="repeat">
+      <a:schemeClr val="accent1"/>
+    </dgm:fillClrLst>
+    <dgm:linClrLst meth="repeat">
+      <a:schemeClr val="accent1"/>
+    </dgm:linClrLst>
+    <dgm:effectClrLst/>
+    <dgm:txLinClrLst/>
+    <dgm:txFillClrLst meth="repeat">
+      <a:schemeClr val="tx1"/>
+    </dgm:txFillClrLst>
+    <dgm:txEffectClrLst/>
+  </dgm:styleLbl>
+  <dgm:styleLbl name="callout">
+    <dgm:fillClrLst meth="repeat">
+      <a:schemeClr val="accent1"/>
+    </dgm:fillClrLst>
+    <dgm:linClrLst meth="repeat">
+      <a:schemeClr val="accent1">
+        <a:tint val="50000"/>
+      </a:schemeClr>
+    </dgm:linClrLst>
+    <dgm:effectClrLst/>
+    <dgm:txLinClrLst/>
+    <dgm:txFillClrLst meth="repeat">
+      <a:schemeClr val="tx1"/>
+    </dgm:txFillClrLst>
+    <dgm:txEffectClrLst/>
+  </dgm:styleLbl>
+  <dgm:styleLbl name="asst0">
+    <dgm:fillClrLst meth="repeat">
+      <a:schemeClr val="accent1"/>
+    </dgm:fillClrLst>
+    <dgm:linClrLst meth="repeat">
+      <a:schemeClr val="lt1"/>
+    </dgm:linClrLst>
+    <dgm:effectClrLst/>
+    <dgm:txLinClrLst/>
+    <dgm:txFillClrLst/>
+    <dgm:txEffectClrLst/>
+  </dgm:styleLbl>
+  <dgm:styleLbl name="asst1">
+    <dgm:fillClrLst meth="repeat">
+      <a:schemeClr val="accent1"/>
+    </dgm:fillClrLst>
+    <dgm:linClrLst meth="repeat">
+      <a:schemeClr val="lt1"/>
+    </dgm:linClrLst>
+    <dgm:effectClrLst/>
+    <dgm:txLinClrLst/>
+    <dgm:txFillClrLst/>
+    <dgm:txEffectClrLst/>
+  </dgm:styleLbl>
+  <dgm:styleLbl name="asst2">
+    <dgm:fillClrLst meth="repeat">
+      <a:schemeClr val="accent1"/>
+    </dgm:fillClrLst>
+    <dgm:linClrLst meth="repeat">
+      <a:schemeClr val="lt1"/>
+    </dgm:linClrLst>
+    <dgm:effectClrLst/>
+    <dgm:txLinClrLst/>
+    <dgm:txFillClrLst/>
+    <dgm:txEffectClrLst/>
+  </dgm:styleLbl>
+  <dgm:styleLbl name="asst3">
+    <dgm:fillClrLst meth="repeat">
+      <a:schemeClr val="accent1"/>
+    </dgm:fillClrLst>
+    <dgm:linClrLst meth="repeat">
+      <a:schemeClr val="lt1"/>
+    </dgm:linClrLst>
+    <dgm:effectClrLst/>
+    <dgm:txLinClrLst/>
+    <dgm:txFillClrLst/>
+    <dgm:txEffectClrLst/>
+  </dgm:styleLbl>
+  <dgm:styleLbl name="asst4">
+    <dgm:fillClrLst meth="repeat">
+      <a:schemeClr val="accent1"/>
+    </dgm:fillClrLst>
+    <dgm:linClrLst meth="repeat">
+      <a:schemeClr val="lt1"/>
+    </dgm:linClrLst>
+    <dgm:effectClrLst/>
+    <dgm:txLinClrLst/>
+    <dgm:txFillClrLst/>
+    <dgm:txEffectClrLst/>
+  </dgm:styleLbl>
+  <dgm:styleLbl name="parChTrans2D1">
+    <dgm:fillClrLst meth="repeat">
+      <a:schemeClr val="accent1">
+        <a:tint val="60000"/>
+      </a:schemeClr>
+    </dgm:fillClrLst>
+    <dgm:linClrLst meth="repeat">
+      <a:schemeClr val="accent1">
+        <a:tint val="60000"/>
+      </a:schemeClr>
+    </dgm:linClrLst>
+    <dgm:effectClrLst/>
+    <dgm:txLinClrLst/>
+    <dgm:txFillClrLst meth="repeat">
+      <a:schemeClr val="lt1"/>
+    </dgm:txFillClrLst>
+    <dgm:txEffectClrLst/>
+  </dgm:styleLbl>
+  <dgm:styleLbl name="parChTrans2D2">
+    <dgm:fillClrLst meth="repeat">
+      <a:schemeClr val="accent1"/>
+    </dgm:fillClrLst>
+    <dgm:linClrLst meth="repeat">
+      <a:schemeClr val="accent1"/>
+    </dgm:linClrLst>
+    <dgm:effectClrLst/>
+    <dgm:txLinClrLst/>
+    <dgm:txFillClrLst meth="repeat">
+      <a:schemeClr val="lt1"/>
+    </dgm:txFillClrLst>
+    <dgm:txEffectClrLst/>
+  </dgm:styleLbl>
+  <dgm:styleLbl name="parChTrans2D3">
+    <dgm:fillClrLst meth="repeat">
+      <a:schemeClr val="accent1"/>
+    </dgm:fillClrLst>
+    <dgm:linClrLst meth="repeat">
+      <a:schemeClr val="accent1"/>
+    </dgm:linClrLst>
+    <dgm:effectClrLst/>
+    <dgm:txLinClrLst/>
+    <dgm:txFillClrLst meth="repeat">
+      <a:schemeClr val="lt1"/>
+    </dgm:txFillClrLst>
+    <dgm:txEffectClrLst/>
+  </dgm:styleLbl>
+  <dgm:styleLbl name="parChTrans2D4">
+    <dgm:fillClrLst meth="repeat">
+      <a:schemeClr val="accent1"/>
+    </dgm:fillClrLst>
+    <dgm:linClrLst meth="repeat">
+      <a:schemeClr val="accent1"/>
+    </dgm:linClrLst>
+    <dgm:effectClrLst/>
+    <dgm:txLinClrLst/>
+    <dgm:txFillClrLst meth="repeat">
+      <a:schemeClr val="lt1"/>
+    </dgm:txFillClrLst>
+    <dgm:txEffectClrLst/>
+  </dgm:styleLbl>
+  <dgm:styleLbl name="parChTrans1D1">
+    <dgm:fillClrLst meth="repeat">
+      <a:schemeClr val="accent1"/>
+    </dgm:fillClrLst>
+    <dgm:linClrLst meth="repeat">
+      <a:schemeClr val="accent1">
+        <a:shade val="60000"/>
+      </a:schemeClr>
+    </dgm:linClrLst>
+    <dgm:effectClrLst/>
+    <dgm:txLinClrLst/>
+    <dgm:txFillClrLst meth="repeat">
+      <a:schemeClr val="tx1"/>
+    </dgm:txFillClrLst>
+    <dgm:txEffectClrLst/>
+  </dgm:styleLbl>
+  <dgm:styleLbl name="parChTrans1D2">
+    <dgm:fillClrLst meth="repeat">
+      <a:schemeClr val="accent1"/>
+    </dgm:fillClrLst>
+    <dgm:linClrLst meth="repeat">
+      <a:schemeClr val="accent1">
+        <a:shade val="60000"/>
+      </a:schemeClr>
+    </dgm:linClrLst>
+    <dgm:effectClrLst/>
+    <dgm:txLinClrLst/>
+    <dgm:txFillClrLst meth="repeat">
+      <a:schemeClr val="tx1"/>
+    </dgm:txFillClrLst>
+    <dgm:txEffectClrLst/>
+  </dgm:styleLbl>
+  <dgm:styleLbl name="parChTrans1D3">
+    <dgm:fillClrLst meth="repeat">
+      <a:schemeClr val="accent1"/>
+    </dgm:fillClrLst>
+    <dgm:linClrLst meth="repeat">
+      <a:schemeClr val="accent1">
+        <a:shade val="80000"/>
+      </a:schemeClr>
+    </dgm:linClrLst>
+    <dgm:effectClrLst/>
+    <dgm:txLinClrLst/>
+    <dgm:txFillClrLst meth="repeat">
+      <a:schemeClr val="tx1"/>
+    </dgm:txFillClrLst>
+    <dgm:txEffectClrLst/>
+  </dgm:styleLbl>
+  <dgm:styleLbl name="parChTrans1D4">
+    <dgm:fillClrLst meth="repeat">
+      <a:schemeClr val="accent1"/>
+    </dgm:fillClrLst>
+    <dgm:linClrLst meth="repeat">
+      <a:schemeClr val="accent1">
+        <a:shade val="80000"/>
+      </a:schemeClr>
+    </dgm:linClrLst>
+    <dgm:effectClrLst/>
+    <dgm:txLinClrLst/>
+    <dgm:txFillClrLst meth="repeat">
+      <a:schemeClr val="tx1"/>
+    </dgm:txFillClrLst>
+    <dgm:txEffectClrLst/>
+  </dgm:styleLbl>
+  <dgm:styleLbl name="fgAcc1">
+    <dgm:fillClrLst meth="repeat">
+      <a:schemeClr val="lt1">
+        <a:alpha val="90000"/>
+      </a:schemeClr>
+    </dgm:fillClrLst>
+    <dgm:linClrLst meth="repeat">
+      <a:schemeClr val="accent1"/>
+    </dgm:linClrLst>
+    <dgm:effectClrLst/>
+    <dgm:txLinClrLst/>
+    <dgm:txFillClrLst meth="repeat">
+      <a:schemeClr val="dk1"/>
+    </dgm:txFillClrLst>
+    <dgm:txEffectClrLst/>
+  </dgm:styleLbl>
+  <dgm:styleLbl name="conFgAcc1">
+    <dgm:fillClrLst meth="repeat">
+      <a:schemeClr val="lt1">
+        <a:alpha val="90000"/>
+      </a:schemeClr>
+    </dgm:fillClrLst>
+    <dgm:linClrLst meth="repeat">
+      <a:schemeClr val="accent1"/>
+    </dgm:linClrLst>
+    <dgm:effectClrLst/>
+    <dgm:txLinClrLst/>
+    <dgm:txFillClrLst meth="repeat">
+      <a:schemeClr val="dk1"/>
+    </dgm:txFillClrLst>
+    <dgm:txEffectClrLst/>
+  </dgm:styleLbl>
+  <dgm:styleLbl name="alignAcc1">
+    <dgm:fillClrLst meth="repeat">
+      <a:schemeClr val="lt1">
+        <a:alpha val="90000"/>
+      </a:schemeClr>
+    </dgm:fillClrLst>
+    <dgm:linClrLst meth="repeat">
+      <a:schemeClr val="accent1"/>
+    </dgm:linClrLst>
+    <dgm:effectClrLst/>
+    <dgm:txLinClrLst/>
+    <dgm:txFillClrLst meth="repeat">
+      <a:schemeClr val="dk1"/>
+    </dgm:txFillClrLst>
+    <dgm:txEffectClrLst/>
+  </dgm:styleLbl>
+  <dgm:styleLbl name="trAlignAcc1">
+    <dgm:fillClrLst meth="repeat">
+      <a:schemeClr val="lt1">
+        <a:alpha val="40000"/>
+      </a:schemeClr>
+    </dgm:fillClrLst>
+    <dgm:linClrLst meth="repeat">
+      <a:schemeClr val="accent1"/>
+    </dgm:linClrLst>
+    <dgm:effectClrLst/>
+    <dgm:txLinClrLst/>
+    <dgm:txFillClrLst meth="repeat">
+      <a:schemeClr val="dk1"/>
+    </dgm:txFillClrLst>
+    <dgm:txEffectClrLst/>
+  </dgm:styleLbl>
+  <dgm:styleLbl name="bgAcc1">
+    <dgm:fillClrLst meth="repeat">
+      <a:schemeClr val="lt1">
+        <a:alpha val="90000"/>
+      </a:schemeClr>
+    </dgm:fillClrLst>
+    <dgm:linClrLst meth="repeat">
+      <a:schemeClr val="accent1"/>
+    </dgm:linClrLst>
+    <dgm:effectClrLst/>
+    <dgm:txLinClrLst/>
+    <dgm:txFillClrLst meth="repeat">
+      <a:schemeClr val="dk1"/>
+    </dgm:txFillClrLst>
+    <dgm:txEffectClrLst/>
+  </dgm:styleLbl>
+  <dgm:styleLbl name="solidFgAcc1">
+    <dgm:fillClrLst meth="repeat">
+      <a:schemeClr val="lt1"/>
+    </dgm:fillClrLst>
+    <dgm:linClrLst meth="repeat">
+      <a:schemeClr val="accent1"/>
+    </dgm:linClrLst>
+    <dgm:effectClrLst/>
+    <dgm:txLinClrLst/>
+    <dgm:txFillClrLst meth="repeat">
+      <a:schemeClr val="dk1"/>
+    </dgm:txFillClrLst>
+    <dgm:txEffectClrLst/>
+  </dgm:styleLbl>
+  <dgm:styleLbl name="solidAlignAcc1">
+    <dgm:fillClrLst meth="repeat">
+      <a:schemeClr val="lt1"/>
+    </dgm:fillClrLst>
+    <dgm:linClrLst meth="repeat">
+      <a:schemeClr val="accent1"/>
+    </dgm:linClrLst>
+    <dgm:effectClrLst/>
+    <dgm:txLinClrLst/>
+    <dgm:txFillClrLst meth="repeat">
+      <a:schemeClr val="dk1"/>
+    </dgm:txFillClrLst>
+    <dgm:txEffectClrLst/>
+  </dgm:styleLbl>
+  <dgm:styleLbl name="solidBgAcc1">
+    <dgm:fillClrLst meth="repeat">
+      <a:schemeClr val="lt1"/>
+    </dgm:fillClrLst>
+    <dgm:linClrLst meth="repeat">
+      <a:schemeClr val="accent1"/>
+    </dgm:linClrLst>
+    <dgm:effectClrLst/>
+    <dgm:txLinClrLst/>
+    <dgm:txFillClrLst meth="repeat">
+      <a:schemeClr val="dk1"/>
+    </dgm:txFillClrLst>
+    <dgm:txEffectClrLst/>
+  </dgm:styleLbl>
+  <dgm:styleLbl name="fgAccFollowNode1">
+    <dgm:fillClrLst meth="repeat">
+      <a:schemeClr val="accent1">
+        <a:alpha val="90000"/>
+        <a:tint val="40000"/>
+      </a:schemeClr>
+    </dgm:fillClrLst>
+    <dgm:linClrLst meth="repeat">
+      <a:schemeClr val="accent1">
+        <a:alpha val="90000"/>
+        <a:tint val="40000"/>
+      </a:schemeClr>
+    </dgm:linClrLst>
+    <dgm:effectClrLst/>
+    <dgm:txLinClrLst/>
+    <dgm:txFillClrLst meth="repeat">
+      <a:schemeClr val="dk1"/>
+    </dgm:txFillClrLst>
+    <dgm:txEffectClrLst/>
+  </dgm:styleLbl>
+  <dgm:styleLbl name="alignAccFollowNode1">
+    <dgm:fillClrLst meth="repeat">
+      <a:schemeClr val="accent1">
+        <a:alpha val="90000"/>
+        <a:tint val="40000"/>
+      </a:schemeClr>
+    </dgm:fillClrLst>
+    <dgm:linClrLst meth="repeat">
+      <a:schemeClr val="accent1">
+        <a:alpha val="90000"/>
+        <a:tint val="40000"/>
+      </a:schemeClr>
+    </dgm:linClrLst>
+    <dgm:effectClrLst/>
+    <dgm:txLinClrLst/>
+    <dgm:txFillClrLst meth="repeat">
+      <a:schemeClr val="dk1"/>
+    </dgm:txFillClrLst>
+    <dgm:txEffectClrLst/>
+  </dgm:styleLbl>
+  <dgm:styleLbl name="bgAccFollowNode1">
+    <dgm:fillClrLst meth="repeat">
+      <a:schemeClr val="accent1">
+        <a:alpha val="90000"/>
+        <a:tint val="40000"/>
+      </a:schemeClr>
+    </dgm:fillClrLst>
+    <dgm:linClrLst meth="repeat">
+      <a:schemeClr val="accent1">
+        <a:alpha val="90000"/>
+        <a:tint val="40000"/>
+      </a:schemeClr>
+    </dgm:linClrLst>
+    <dgm:effectClrLst/>
+    <dgm:txLinClrLst/>
+    <dgm:txFillClrLst meth="repeat">
+      <a:schemeClr val="dk1"/>
+    </dgm:txFillClrLst>
+    <dgm:txEffectClrLst/>
+  </dgm:styleLbl>
+  <dgm:styleLbl name="fgAcc0">
+    <dgm:fillClrLst meth="repeat">
+      <a:schemeClr val="lt1">
+        <a:alpha val="90000"/>
+      </a:schemeClr>
+    </dgm:fillClrLst>
+    <dgm:linClrLst meth="repeat">
+      <a:schemeClr val="accent1"/>
+    </dgm:linClrLst>
+    <dgm:effectClrLst/>
+    <dgm:txLinClrLst/>
+    <dgm:txFillClrLst meth="repeat">
+      <a:schemeClr val="dk1"/>
+    </dgm:txFillClrLst>
+    <dgm:txEffectClrLst/>
+  </dgm:styleLbl>
+  <dgm:styleLbl name="fgAcc2">
+    <dgm:fillClrLst meth="repeat">
+      <a:schemeClr val="lt1">
+        <a:alpha val="90000"/>
+      </a:schemeClr>
+    </dgm:fillClrLst>
+    <dgm:linClrLst meth="repeat">
+      <a:schemeClr val="accent1"/>
+    </dgm:linClrLst>
+    <dgm:effectClrLst/>
+    <dgm:txLinClrLst/>
+    <dgm:txFillClrLst meth="repeat">
+      <a:schemeClr val="dk1"/>
+    </dgm:txFillClrLst>
+    <dgm:txEffectClrLst/>
+  </dgm:styleLbl>
+  <dgm:styleLbl name="fgAcc3">
+    <dgm:fillClrLst meth="repeat">
+      <a:schemeClr val="lt1">
+        <a:alpha val="90000"/>
+      </a:schemeClr>
+    </dgm:fillClrLst>
+    <dgm:linClrLst meth="repeat">
+      <a:schemeClr val="accent1"/>
+    </dgm:linClrLst>
+    <dgm:effectClrLst/>
+    <dgm:txLinClrLst/>
+    <dgm:txFillClrLst meth="repeat">
+      <a:schemeClr val="dk1"/>
+    </dgm:txFillClrLst>
+    <dgm:txEffectClrLst/>
+  </dgm:styleLbl>
+  <dgm:styleLbl name="fgAcc4">
+    <dgm:fillClrLst meth="repeat">
+      <a:schemeClr val="lt1">
+        <a:alpha val="90000"/>
+      </a:schemeClr>
+    </dgm:fillClrLst>
+    <dgm:linClrLst meth="repeat">
+      <a:schemeClr val="accent1"/>
+    </dgm:linClrLst>
+    <dgm:effectClrLst/>
+    <dgm:txLinClrLst/>
+    <dgm:txFillClrLst meth="repeat">
+      <a:schemeClr val="dk1"/>
+    </dgm:txFillClrLst>
+    <dgm:txEffectClrLst/>
+  </dgm:styleLbl>
+  <dgm:styleLbl name="bgShp">
+    <dgm:fillClrLst meth="repeat">
+      <a:schemeClr val="accent1">
+        <a:tint val="40000"/>
+      </a:schemeClr>
+    </dgm:fillClrLst>
+    <dgm:linClrLst meth="repeat">
+      <a:schemeClr val="accent1"/>
+    </dgm:linClrLst>
+    <dgm:effectClrLst/>
+    <dgm:txLinClrLst/>
+    <dgm:txFillClrLst meth="repeat">
+      <a:schemeClr val="dk1"/>
+    </dgm:txFillClrLst>
+    <dgm:txEffectClrLst/>
+  </dgm:styleLbl>
+  <dgm:styleLbl name="dkBgShp">
+    <dgm:fillClrLst meth="repeat">
+      <a:schemeClr val="accent1">
+        <a:shade val="80000"/>
+      </a:schemeClr>
+    </dgm:fillClrLst>
+    <dgm:linClrLst meth="repeat">
+      <a:schemeClr val="accent1"/>
+    </dgm:linClrLst>
+    <dgm:effectClrLst/>
+    <dgm:txLinClrLst/>
+    <dgm:txFillClrLst meth="repeat">
+      <a:schemeClr val="lt1"/>
+    </dgm:txFillClrLst>
+    <dgm:txEffectClrLst/>
+  </dgm:styleLbl>
+  <dgm:styleLbl name="trBgShp">
+    <dgm:fillClrLst meth="repeat">
+      <a:schemeClr val="accent1">
+        <a:tint val="50000"/>
+        <a:alpha val="40000"/>
+      </a:schemeClr>
+    </dgm:fillClrLst>
+    <dgm:linClrLst meth="repeat">
+      <a:schemeClr val="accent1"/>
+    </dgm:linClrLst>
+    <dgm:effectClrLst/>
+    <dgm:txLinClrLst/>
+    <dgm:txFillClrLst meth="repeat">
+      <a:schemeClr val="lt1"/>
+    </dgm:txFillClrLst>
+    <dgm:txEffectClrLst/>
+  </dgm:styleLbl>
+  <dgm:styleLbl name="fgShp">
+    <dgm:fillClrLst meth="repeat">
+      <a:schemeClr val="accent1">
+        <a:tint val="60000"/>
+      </a:schemeClr>
+    </dgm:fillClrLst>
+    <dgm:linClrLst meth="repeat">
+      <a:schemeClr val="lt1"/>
+    </dgm:linClrLst>
+    <dgm:effectClrLst/>
+    <dgm:txLinClrLst/>
+    <dgm:txFillClrLst meth="repeat">
+      <a:schemeClr val="dk1"/>
+    </dgm:txFillClrLst>
+    <dgm:txEffectClrLst/>
+  </dgm:styleLbl>
+  <dgm:styleLbl name="revTx">
+    <dgm:fillClrLst meth="repeat">
+      <a:schemeClr val="lt1">
+        <a:alpha val="0"/>
+      </a:schemeClr>
+    </dgm:fillClrLst>
+    <dgm:linClrLst meth="repeat">
+      <a:schemeClr val="dk1">
+        <a:alpha val="0"/>
+      </a:schemeClr>
+    </dgm:linClrLst>
+    <dgm:effectClrLst/>
+    <dgm:txLinClrLst/>
+    <dgm:txFillClrLst meth="repeat">
+      <a:schemeClr val="tx1"/>
+    </dgm:txFillClrLst>
+    <dgm:txEffectClrLst/>
+  </dgm:styleLbl>
+</dgm:colorsDef>
+</file>
+
+<file path=ppt/diagrams/colors2.xml><?xml version="1.0" encoding="utf-8"?>
+<dgm:colorsDef xmlns:dgm="http://schemas.openxmlformats.org/drawingml/2006/diagram" xmlns:a="http://schemas.openxmlformats.org/drawingml/2006/main" uniqueId="urn:microsoft.com/office/officeart/2005/8/colors/accent1_2">
+  <dgm:title val=""/>
+  <dgm:desc val=""/>
+  <dgm:catLst>
+    <dgm:cat type="accent1" pri="11200"/>
+  </dgm:catLst>
+  <dgm:styleLbl name="node0">
+    <dgm:fillClrLst meth="repeat">
+      <a:schemeClr val="accent1"/>
+    </dgm:fillClrLst>
+    <dgm:linClrLst meth="repeat">
+      <a:schemeClr val="lt1"/>
+    </dgm:linClrLst>
+    <dgm:effectClrLst/>
+    <dgm:txLinClrLst/>
+    <dgm:txFillClrLst/>
+    <dgm:txEffectClrLst/>
+  </dgm:styleLbl>
+  <dgm:styleLbl name="alignNode1">
+    <dgm:fillClrLst meth="repeat">
+      <a:schemeClr val="accent1"/>
+    </dgm:fillClrLst>
+    <dgm:linClrLst meth="repeat">
+      <a:schemeClr val="accent1"/>
+    </dgm:linClrLst>
+    <dgm:effectClrLst/>
+    <dgm:txLinClrLst/>
+    <dgm:txFillClrLst/>
+    <dgm:txEffectClrLst/>
+  </dgm:styleLbl>
+  <dgm:styleLbl name="node1">
+    <dgm:fillClrLst meth="repeat">
+      <a:schemeClr val="accent1"/>
+    </dgm:fillClrLst>
+    <dgm:linClrLst meth="repeat">
+      <a:schemeClr val="lt1"/>
+    </dgm:linClrLst>
+    <dgm:effectClrLst/>
+    <dgm:txLinClrLst/>
+    <dgm:txFillClrLst/>
+    <dgm:txEffectClrLst/>
+  </dgm:styleLbl>
+  <dgm:styleLbl name="lnNode1">
+    <dgm:fillClrLst meth="repeat">
+      <a:schemeClr val="accent1"/>
+    </dgm:fillClrLst>
+    <dgm:linClrLst meth="repeat">
+      <a:schemeClr val="lt1"/>
+    </dgm:linClrLst>
+    <dgm:effectClrLst/>
+    <dgm:txLinClrLst/>
+    <dgm:txFillClrLst/>
+    <dgm:txEffectClrLst/>
+  </dgm:styleLbl>
+  <dgm:styleLbl name="vennNode1">
+    <dgm:fillClrLst meth="repeat">
+      <a:schemeClr val="accent1">
+        <a:alpha val="50000"/>
+      </a:schemeClr>
+    </dgm:fillClrLst>
+    <dgm:linClrLst meth="repeat">
+      <a:schemeClr val="lt1"/>
+    </dgm:linClrLst>
+    <dgm:effectClrLst/>
+    <dgm:txLinClrLst/>
+    <dgm:txFillClrLst/>
+    <dgm:txEffectClrLst/>
+  </dgm:styleLbl>
+  <dgm:styleLbl name="node2">
+    <dgm:fillClrLst meth="repeat">
+      <a:schemeClr val="accent1"/>
+    </dgm:fillClrLst>
+    <dgm:linClrLst meth="repeat">
+      <a:schemeClr val="lt1"/>
+    </dgm:linClrLst>
+    <dgm:effectClrLst/>
+    <dgm:txLinClrLst/>
+    <dgm:txFillClrLst/>
+    <dgm:txEffectClrLst/>
+  </dgm:styleLbl>
+  <dgm:styleLbl name="node3">
+    <dgm:fillClrLst meth="repeat">
+      <a:schemeClr val="accent1"/>
+    </dgm:fillClrLst>
+    <dgm:linClrLst meth="repeat">
+      <a:schemeClr val="lt1"/>
+    </dgm:linClrLst>
+    <dgm:effectClrLst/>
+    <dgm:txLinClrLst/>
+    <dgm:txFillClrLst/>
+    <dgm:txEffectClrLst/>
+  </dgm:styleLbl>
+  <dgm:styleLbl name="node4">
+    <dgm:fillClrLst meth="repeat">
+      <a:schemeClr val="accent1"/>
+    </dgm:fillClrLst>
+    <dgm:linClrLst meth="repeat">
+      <a:schemeClr val="lt1"/>
+    </dgm:linClrLst>
+    <dgm:effectClrLst/>
+    <dgm:txLinClrLst/>
+    <dgm:txFillClrLst/>
+    <dgm:txEffectClrLst/>
+  </dgm:styleLbl>
+  <dgm:styleLbl name="fgImgPlace1">
+    <dgm:fillClrLst meth="repeat">
+      <a:schemeClr val="accent1">
+        <a:tint val="50000"/>
+      </a:schemeClr>
+    </dgm:fillClrLst>
+    <dgm:linClrLst meth="repeat">
+      <a:schemeClr val="lt1"/>
+    </dgm:linClrLst>
+    <dgm:effectClrLst/>
+    <dgm:txLinClrLst/>
+    <dgm:txFillClrLst meth="repeat">
+      <a:schemeClr val="lt1"/>
+    </dgm:txFillClrLst>
+    <dgm:txEffectClrLst/>
+  </dgm:styleLbl>
+  <dgm:styleLbl name="alignImgPlace1">
+    <dgm:fillClrLst meth="repeat">
+      <a:schemeClr val="accent1">
+        <a:tint val="50000"/>
+      </a:schemeClr>
+    </dgm:fillClrLst>
+    <dgm:linClrLst meth="repeat">
+      <a:schemeClr val="lt1"/>
+    </dgm:linClrLst>
+    <dgm:effectClrLst/>
+    <dgm:txLinClrLst/>
+    <dgm:txFillClrLst meth="repeat">
+      <a:schemeClr val="lt1"/>
+    </dgm:txFillClrLst>
+    <dgm:txEffectClrLst/>
+  </dgm:styleLbl>
+  <dgm:styleLbl name="bgImgPlace1">
+    <dgm:fillClrLst meth="repeat">
+      <a:schemeClr val="accent1">
+        <a:tint val="50000"/>
+      </a:schemeClr>
+    </dgm:fillClrLst>
+    <dgm:linClrLst meth="repeat">
+      <a:schemeClr val="lt1"/>
+    </dgm:linClrLst>
+    <dgm:effectClrLst/>
+    <dgm:txLinClrLst/>
+    <dgm:txFillClrLst meth="repeat">
+      <a:schemeClr val="lt1"/>
+    </dgm:txFillClrLst>
+    <dgm:txEffectClrLst/>
+  </dgm:styleLbl>
+  <dgm:styleLbl name="sibTrans2D1">
+    <dgm:fillClrLst meth="repeat">
+      <a:schemeClr val="accent1">
+        <a:tint val="60000"/>
+      </a:schemeClr>
+    </dgm:fillClrLst>
+    <dgm:linClrLst meth="repeat">
+      <a:schemeClr val="accent1">
+        <a:tint val="60000"/>
+      </a:schemeClr>
+    </dgm:linClrLst>
+    <dgm:effectClrLst/>
+    <dgm:txLinClrLst/>
+    <dgm:txFillClrLst/>
+    <dgm:txEffectClrLst/>
+  </dgm:styleLbl>
+  <dgm:styleLbl name="fgSibTrans2D1">
+    <dgm:fillClrLst meth="repeat">
+      <a:schemeClr val="accent1">
+        <a:tint val="60000"/>
+      </a:schemeClr>
+    </dgm:fillClrLst>
+    <dgm:linClrLst meth="repeat">
+      <a:schemeClr val="accent1">
+        <a:tint val="60000"/>
+      </a:schemeClr>
+    </dgm:linClrLst>
+    <dgm:effectClrLst/>
+    <dgm:txLinClrLst/>
+    <dgm:txFillClrLst/>
+    <dgm:txEffectClrLst/>
+  </dgm:styleLbl>
+  <dgm:styleLbl name="bgSibTrans2D1">
+    <dgm:fillClrLst meth="repeat">
+      <a:schemeClr val="accent1">
+        <a:tint val="60000"/>
+      </a:schemeClr>
+    </dgm:fillClrLst>
+    <dgm:linClrLst meth="repeat">
+      <a:schemeClr val="accent1">
+        <a:tint val="60000"/>
+      </a:schemeClr>
+    </dgm:linClrLst>
+    <dgm:effectClrLst/>
+    <dgm:txLinClrLst/>
+    <dgm:txFillClrLst/>
+    <dgm:txEffectClrLst/>
+  </dgm:styleLbl>
+  <dgm:styleLbl name="sibTrans1D1">
+    <dgm:fillClrLst meth="repeat">
+      <a:schemeClr val="accent1"/>
+    </dgm:fillClrLst>
+    <dgm:linClrLst meth="repeat">
+      <a:schemeClr val="accent1"/>
+    </dgm:linClrLst>
+    <dgm:effectClrLst/>
+    <dgm:txLinClrLst/>
+    <dgm:txFillClrLst meth="repeat">
+      <a:schemeClr val="tx1"/>
+    </dgm:txFillClrLst>
+    <dgm:txEffectClrLst/>
+  </dgm:styleLbl>
+  <dgm:styleLbl name="callout">
+    <dgm:fillClrLst meth="repeat">
+      <a:schemeClr val="accent1"/>
+    </dgm:fillClrLst>
+    <dgm:linClrLst meth="repeat">
+      <a:schemeClr val="accent1">
+        <a:tint val="50000"/>
+      </a:schemeClr>
+    </dgm:linClrLst>
+    <dgm:effectClrLst/>
+    <dgm:txLinClrLst/>
+    <dgm:txFillClrLst meth="repeat">
+      <a:schemeClr val="tx1"/>
+    </dgm:txFillClrLst>
+    <dgm:txEffectClrLst/>
+  </dgm:styleLbl>
+  <dgm:styleLbl name="asst0">
+    <dgm:fillClrLst meth="repeat">
+      <a:schemeClr val="accent1"/>
+    </dgm:fillClrLst>
+    <dgm:linClrLst meth="repeat">
+      <a:schemeClr val="lt1"/>
+    </dgm:linClrLst>
+    <dgm:effectClrLst/>
+    <dgm:txLinClrLst/>
+    <dgm:txFillClrLst/>
+    <dgm:txEffectClrLst/>
+  </dgm:styleLbl>
+  <dgm:styleLbl name="asst1">
+    <dgm:fillClrLst meth="repeat">
+      <a:schemeClr val="accent1"/>
+    </dgm:fillClrLst>
+    <dgm:linClrLst meth="repeat">
+      <a:schemeClr val="lt1"/>
+    </dgm:linClrLst>
+    <dgm:effectClrLst/>
+    <dgm:txLinClrLst/>
+    <dgm:txFillClrLst/>
+    <dgm:txEffectClrLst/>
+  </dgm:styleLbl>
+  <dgm:styleLbl name="asst2">
+    <dgm:fillClrLst meth="repeat">
+      <a:schemeClr val="accent1"/>
+    </dgm:fillClrLst>
+    <dgm:linClrLst meth="repeat">
+      <a:schemeClr val="lt1"/>
+    </dgm:linClrLst>
+    <dgm:effectClrLst/>
+    <dgm:txLinClrLst/>
+    <dgm:txFillClrLst/>
+    <dgm:txEffectClrLst/>
+  </dgm:styleLbl>
+  <dgm:styleLbl name="asst3">
+    <dgm:fillClrLst meth="repeat">
+      <a:schemeClr val="accent1"/>
+    </dgm:fillClrLst>
+    <dgm:linClrLst meth="repeat">
+      <a:schemeClr val="lt1"/>
+    </dgm:linClrLst>
+    <dgm:effectClrLst/>
+    <dgm:txLinClrLst/>
+    <dgm:txFillClrLst/>
+    <dgm:txEffectClrLst/>
+  </dgm:styleLbl>
+  <dgm:styleLbl name="asst4">
+    <dgm:fillClrLst meth="repeat">
+      <a:schemeClr val="accent1"/>
+    </dgm:fillClrLst>
+    <dgm:linClrLst meth="repeat">
+      <a:schemeClr val="lt1"/>
+    </dgm:linClrLst>
+    <dgm:effectClrLst/>
+    <dgm:txLinClrLst/>
+    <dgm:txFillClrLst/>
+    <dgm:txEffectClrLst/>
+  </dgm:styleLbl>
+  <dgm:styleLbl name="parChTrans2D1">
+    <dgm:fillClrLst meth="repeat">
+      <a:schemeClr val="accent1">
+        <a:tint val="60000"/>
+      </a:schemeClr>
+    </dgm:fillClrLst>
+    <dgm:linClrLst meth="repeat">
+      <a:schemeClr val="accent1">
+        <a:tint val="60000"/>
+      </a:schemeClr>
+    </dgm:linClrLst>
+    <dgm:effectClrLst/>
+    <dgm:txLinClrLst/>
+    <dgm:txFillClrLst meth="repeat">
+      <a:schemeClr val="lt1"/>
+    </dgm:txFillClrLst>
+    <dgm:txEffectClrLst/>
+  </dgm:styleLbl>
+  <dgm:styleLbl name="parChTrans2D2">
+    <dgm:fillClrLst meth="repeat">
+      <a:schemeClr val="accent1"/>
+    </dgm:fillClrLst>
+    <dgm:linClrLst meth="repeat">
+      <a:schemeClr val="accent1"/>
+    </dgm:linClrLst>
+    <dgm:effectClrLst/>
+    <dgm:txLinClrLst/>
+    <dgm:txFillClrLst meth="repeat">
+      <a:schemeClr val="lt1"/>
+    </dgm:txFillClrLst>
+    <dgm:txEffectClrLst/>
+  </dgm:styleLbl>
+  <dgm:styleLbl name="parChTrans2D3">
+    <dgm:fillClrLst meth="repeat">
+      <a:schemeClr val="accent1"/>
+    </dgm:fillClrLst>
+    <dgm:linClrLst meth="repeat">
+      <a:schemeClr val="accent1"/>
+    </dgm:linClrLst>
+    <dgm:effectClrLst/>
+    <dgm:txLinClrLst/>
+    <dgm:txFillClrLst meth="repeat">
+      <a:schemeClr val="lt1"/>
+    </dgm:txFillClrLst>
+    <dgm:txEffectClrLst/>
+  </dgm:styleLbl>
+  <dgm:styleLbl name="parChTrans2D4">
+    <dgm:fillClrLst meth="repeat">
+      <a:schemeClr val="accent1"/>
+    </dgm:fillClrLst>
+    <dgm:linClrLst meth="repeat">
+      <a:schemeClr val="accent1"/>
+    </dgm:linClrLst>
+    <dgm:effectClrLst/>
+    <dgm:txLinClrLst/>
+    <dgm:txFillClrLst meth="repeat">
+      <a:schemeClr val="lt1"/>
+    </dgm:txFillClrLst>
+    <dgm:txEffectClrLst/>
+  </dgm:styleLbl>
+  <dgm:styleLbl name="parChTrans1D1">
+    <dgm:fillClrLst meth="repeat">
+      <a:schemeClr val="accent1"/>
+    </dgm:fillClrLst>
+    <dgm:linClrLst meth="repeat">
+      <a:schemeClr val="accent1">
+        <a:shade val="60000"/>
+      </a:schemeClr>
+    </dgm:linClrLst>
+    <dgm:effectClrLst/>
+    <dgm:txLinClrLst/>
+    <dgm:txFillClrLst meth="repeat">
+      <a:schemeClr val="tx1"/>
+    </dgm:txFillClrLst>
+    <dgm:txEffectClrLst/>
+  </dgm:styleLbl>
+  <dgm:styleLbl name="parChTrans1D2">
+    <dgm:fillClrLst meth="repeat">
+      <a:schemeClr val="accent1"/>
+    </dgm:fillClrLst>
+    <dgm:linClrLst meth="repeat">
+      <a:schemeClr val="accent1">
+        <a:shade val="60000"/>
+      </a:schemeClr>
+    </dgm:linClrLst>
+    <dgm:effectClrLst/>
+    <dgm:txLinClrLst/>
+    <dgm:txFillClrLst meth="repeat">
+      <a:schemeClr val="tx1"/>
+    </dgm:txFillClrLst>
+    <dgm:txEffectClrLst/>
+  </dgm:styleLbl>
+  <dgm:styleLbl name="parChTrans1D3">
+    <dgm:fillClrLst meth="repeat">
+      <a:schemeClr val="accent1"/>
+    </dgm:fillClrLst>
+    <dgm:linClrLst meth="repeat">
+      <a:schemeClr val="accent1">
+        <a:shade val="80000"/>
+      </a:schemeClr>
+    </dgm:linClrLst>
+    <dgm:effectClrLst/>
+    <dgm:txLinClrLst/>
+    <dgm:txFillClrLst meth="repeat">
+      <a:schemeClr val="tx1"/>
+    </dgm:txFillClrLst>
+    <dgm:txEffectClrLst/>
+  </dgm:styleLbl>
+  <dgm:styleLbl name="parChTrans1D4">
+    <dgm:fillClrLst meth="repeat">
+      <a:schemeClr val="accent1"/>
+    </dgm:fillClrLst>
+    <dgm:linClrLst meth="repeat">
+      <a:schemeClr val="accent1">
+        <a:shade val="80000"/>
+      </a:schemeClr>
+    </dgm:linClrLst>
+    <dgm:effectClrLst/>
+    <dgm:txLinClrLst/>
+    <dgm:txFillClrLst meth="repeat">
+      <a:schemeClr val="tx1"/>
+    </dgm:txFillClrLst>
+    <dgm:txEffectClrLst/>
+  </dgm:styleLbl>
+  <dgm:styleLbl name="fgAcc1">
+    <dgm:fillClrLst meth="repeat">
+      <a:schemeClr val="lt1">
+        <a:alpha val="90000"/>
+      </a:schemeClr>
+    </dgm:fillClrLst>
+    <dgm:linClrLst meth="repeat">
+      <a:schemeClr val="accent1"/>
+    </dgm:linClrLst>
+    <dgm:effectClrLst/>
+    <dgm:txLinClrLst/>
+    <dgm:txFillClrLst meth="repeat">
+      <a:schemeClr val="dk1"/>
+    </dgm:txFillClrLst>
+    <dgm:txEffectClrLst/>
+  </dgm:styleLbl>
+  <dgm:styleLbl name="conFgAcc1">
+    <dgm:fillClrLst meth="repeat">
+      <a:schemeClr val="lt1">
+        <a:alpha val="90000"/>
+      </a:schemeClr>
+    </dgm:fillClrLst>
+    <dgm:linClrLst meth="repeat">
+      <a:schemeClr val="accent1"/>
+    </dgm:linClrLst>
+    <dgm:effectClrLst/>
+    <dgm:txLinClrLst/>
+    <dgm:txFillClrLst meth="repeat">
+      <a:schemeClr val="dk1"/>
+    </dgm:txFillClrLst>
+    <dgm:txEffectClrLst/>
+  </dgm:styleLbl>
+  <dgm:styleLbl name="alignAcc1">
+    <dgm:fillClrLst meth="repeat">
+      <a:schemeClr val="lt1">
+        <a:alpha val="90000"/>
+      </a:schemeClr>
+    </dgm:fillClrLst>
+    <dgm:linClrLst meth="repeat">
+      <a:schemeClr val="accent1"/>
+    </dgm:linClrLst>
+    <dgm:effectClrLst/>
+    <dgm:txLinClrLst/>
+    <dgm:txFillClrLst meth="repeat">
+      <a:schemeClr val="dk1"/>
+    </dgm:txFillClrLst>
+    <dgm:txEffectClrLst/>
+  </dgm:styleLbl>
+  <dgm:styleLbl name="trAlignAcc1">
+    <dgm:fillClrLst meth="repeat">
+      <a:schemeClr val="lt1">
+        <a:alpha val="40000"/>
+      </a:schemeClr>
+    </dgm:fillClrLst>
+    <dgm:linClrLst meth="repeat">
+      <a:schemeClr val="accent1"/>
+    </dgm:linClrLst>
+    <dgm:effectClrLst/>
+    <dgm:txLinClrLst/>
+    <dgm:txFillClrLst meth="repeat">
+      <a:schemeClr val="dk1"/>
+    </dgm:txFillClrLst>
+    <dgm:txEffectClrLst/>
+  </dgm:styleLbl>
+  <dgm:styleLbl name="bgAcc1">
+    <dgm:fillClrLst meth="repeat">
+      <a:schemeClr val="lt1">
+        <a:alpha val="90000"/>
+      </a:schemeClr>
+    </dgm:fillClrLst>
+    <dgm:linClrLst meth="repeat">
+      <a:schemeClr val="accent1"/>
+    </dgm:linClrLst>
+    <dgm:effectClrLst/>
+    <dgm:txLinClrLst/>
+    <dgm:txFillClrLst meth="repeat">
+      <a:schemeClr val="dk1"/>
+    </dgm:txFillClrLst>
+    <dgm:txEffectClrLst/>
+  </dgm:styleLbl>
+  <dgm:styleLbl name="solidFgAcc1">
+    <dgm:fillClrLst meth="repeat">
+      <a:schemeClr val="lt1"/>
+    </dgm:fillClrLst>
+    <dgm:linClrLst meth="repeat">
+      <a:schemeClr val="accent1"/>
+    </dgm:linClrLst>
+    <dgm:effectClrLst/>
+    <dgm:txLinClrLst/>
+    <dgm:txFillClrLst meth="repeat">
+      <a:schemeClr val="dk1"/>
+    </dgm:txFillClrLst>
+    <dgm:txEffectClrLst/>
+  </dgm:styleLbl>
+  <dgm:styleLbl name="solidAlignAcc1">
+    <dgm:fillClrLst meth="repeat">
+      <a:schemeClr val="lt1"/>
+    </dgm:fillClrLst>
+    <dgm:linClrLst meth="repeat">
+      <a:schemeClr val="accent1"/>
+    </dgm:linClrLst>
+    <dgm:effectClrLst/>
+    <dgm:txLinClrLst/>
+    <dgm:txFillClrLst meth="repeat">
+      <a:schemeClr val="dk1"/>
+    </dgm:txFillClrLst>
+    <dgm:txEffectClrLst/>
+  </dgm:styleLbl>
+  <dgm:styleLbl name="solidBgAcc1">
+    <dgm:fillClrLst meth="repeat">
+      <a:schemeClr val="lt1"/>
+    </dgm:fillClrLst>
+    <dgm:linClrLst meth="repeat">
+      <a:schemeClr val="accent1"/>
+    </dgm:linClrLst>
+    <dgm:effectClrLst/>
+    <dgm:txLinClrLst/>
+    <dgm:txFillClrLst meth="repeat">
+      <a:schemeClr val="dk1"/>
+    </dgm:txFillClrLst>
+    <dgm:txEffectClrLst/>
+  </dgm:styleLbl>
+  <dgm:styleLbl name="fgAccFollowNode1">
+    <dgm:fillClrLst meth="repeat">
+      <a:schemeClr val="accent1">
+        <a:alpha val="90000"/>
+        <a:tint val="40000"/>
+      </a:schemeClr>
+    </dgm:fillClrLst>
+    <dgm:linClrLst meth="repeat">
+      <a:schemeClr val="accent1">
+        <a:alpha val="90000"/>
+        <a:tint val="40000"/>
+      </a:schemeClr>
+    </dgm:linClrLst>
+    <dgm:effectClrLst/>
+    <dgm:txLinClrLst/>
+    <dgm:txFillClrLst meth="repeat">
+      <a:schemeClr val="dk1"/>
+    </dgm:txFillClrLst>
+    <dgm:txEffectClrLst/>
+  </dgm:styleLbl>
+  <dgm:styleLbl name="alignAccFollowNode1">
+    <dgm:fillClrLst meth="repeat">
+      <a:schemeClr val="accent1">
+        <a:alpha val="90000"/>
+        <a:tint val="40000"/>
+      </a:schemeClr>
+    </dgm:fillClrLst>
+    <dgm:linClrLst meth="repeat">
+      <a:schemeClr val="accent1">
+        <a:alpha val="90000"/>
+        <a:tint val="40000"/>
+      </a:schemeClr>
+    </dgm:linClrLst>
+    <dgm:effectClrLst/>
+    <dgm:txLinClrLst/>
+    <dgm:txFillClrLst meth="repeat">
+      <a:schemeClr val="dk1"/>
+    </dgm:txFillClrLst>
+    <dgm:txEffectClrLst/>
+  </dgm:styleLbl>
+  <dgm:styleLbl name="bgAccFollowNode1">
+    <dgm:fillClrLst meth="repeat">
+      <a:schemeClr val="accent1">
+        <a:alpha val="90000"/>
+        <a:tint val="40000"/>
+      </a:schemeClr>
+    </dgm:fillClrLst>
+    <dgm:linClrLst meth="repeat">
+      <a:schemeClr val="accent1">
+        <a:alpha val="90000"/>
+        <a:tint val="40000"/>
+      </a:schemeClr>
+    </dgm:linClrLst>
+    <dgm:effectClrLst/>
+    <dgm:txLinClrLst/>
+    <dgm:txFillClrLst meth="repeat">
+      <a:schemeClr val="dk1"/>
+    </dgm:txFillClrLst>
+    <dgm:txEffectClrLst/>
+  </dgm:styleLbl>
+  <dgm:styleLbl name="fgAcc0">
+    <dgm:fillClrLst meth="repeat">
+      <a:schemeClr val="lt1">
+        <a:alpha val="90000"/>
+      </a:schemeClr>
+    </dgm:fillClrLst>
+    <dgm:linClrLst meth="repeat">
+      <a:schemeClr val="accent1"/>
+    </dgm:linClrLst>
+    <dgm:effectClrLst/>
+    <dgm:txLinClrLst/>
+    <dgm:txFillClrLst meth="repeat">
+      <a:schemeClr val="dk1"/>
+    </dgm:txFillClrLst>
+    <dgm:txEffectClrLst/>
+  </dgm:styleLbl>
+  <dgm:styleLbl name="fgAcc2">
+    <dgm:fillClrLst meth="repeat">
+      <a:schemeClr val="lt1">
+        <a:alpha val="90000"/>
+      </a:schemeClr>
+    </dgm:fillClrLst>
+    <dgm:linClrLst meth="repeat">
+      <a:schemeClr val="accent1"/>
+    </dgm:linClrLst>
+    <dgm:effectClrLst/>
+    <dgm:txLinClrLst/>
+    <dgm:txFillClrLst meth="repeat">
+      <a:schemeClr val="dk1"/>
+    </dgm:txFillClrLst>
+    <dgm:txEffectClrLst/>
+  </dgm:styleLbl>
+  <dgm:styleLbl name="fgAcc3">
+    <dgm:fillClrLst meth="repeat">
+      <a:schemeClr val="lt1">
+        <a:alpha val="90000"/>
+      </a:schemeClr>
+    </dgm:fillClrLst>
+    <dgm:linClrLst meth="repeat">
+      <a:schemeClr val="accent1"/>
+    </dgm:linClrLst>
+    <dgm:effectClrLst/>
+    <dgm:txLinClrLst/>
+    <dgm:txFillClrLst meth="repeat">
+      <a:schemeClr val="dk1"/>
+    </dgm:txFillClrLst>
+    <dgm:txEffectClrLst/>
+  </dgm:styleLbl>
+  <dgm:styleLbl name="fgAcc4">
+    <dgm:fillClrLst meth="repeat">
+      <a:schemeClr val="lt1">
+        <a:alpha val="90000"/>
+      </a:schemeClr>
+    </dgm:fillClrLst>
+    <dgm:linClrLst meth="repeat">
+      <a:schemeClr val="accent1"/>
+    </dgm:linClrLst>
+    <dgm:effectClrLst/>
+    <dgm:txLinClrLst/>
+    <dgm:txFillClrLst meth="repeat">
+      <a:schemeClr val="dk1"/>
+    </dgm:txFillClrLst>
+    <dgm:txEffectClrLst/>
+  </dgm:styleLbl>
+  <dgm:styleLbl name="bgShp">
+    <dgm:fillClrLst meth="repeat">
+      <a:schemeClr val="accent1">
+        <a:tint val="40000"/>
+      </a:schemeClr>
+    </dgm:fillClrLst>
+    <dgm:linClrLst meth="repeat">
+      <a:schemeClr val="accent1"/>
+    </dgm:linClrLst>
+    <dgm:effectClrLst/>
+    <dgm:txLinClrLst/>
+    <dgm:txFillClrLst meth="repeat">
+      <a:schemeClr val="dk1"/>
+    </dgm:txFillClrLst>
+    <dgm:txEffectClrLst/>
+  </dgm:styleLbl>
+  <dgm:styleLbl name="dkBgShp">
+    <dgm:fillClrLst meth="repeat">
+      <a:schemeClr val="accent1">
+        <a:shade val="80000"/>
+      </a:schemeClr>
+    </dgm:fillClrLst>
+    <dgm:linClrLst meth="repeat">
+      <a:schemeClr val="accent1"/>
+    </dgm:linClrLst>
+    <dgm:effectClrLst/>
+    <dgm:txLinClrLst/>
+    <dgm:txFillClrLst meth="repeat">
+      <a:schemeClr val="lt1"/>
+    </dgm:txFillClrLst>
+    <dgm:txEffectClrLst/>
+  </dgm:styleLbl>
+  <dgm:styleLbl name="trBgShp">
+    <dgm:fillClrLst meth="repeat">
+      <a:schemeClr val="accent1">
+        <a:tint val="50000"/>
+        <a:alpha val="40000"/>
+      </a:schemeClr>
+    </dgm:fillClrLst>
+    <dgm:linClrLst meth="repeat">
+      <a:schemeClr val="accent1"/>
+    </dgm:linClrLst>
+    <dgm:effectClrLst/>
+    <dgm:txLinClrLst/>
+    <dgm:txFillClrLst meth="repeat">
+      <a:schemeClr val="lt1"/>
+    </dgm:txFillClrLst>
+    <dgm:txEffectClrLst/>
+  </dgm:styleLbl>
+  <dgm:styleLbl name="fgShp">
+    <dgm:fillClrLst meth="repeat">
+      <a:schemeClr val="accent1">
+        <a:tint val="60000"/>
+      </a:schemeClr>
+    </dgm:fillClrLst>
+    <dgm:linClrLst meth="repeat">
+      <a:schemeClr val="lt1"/>
+    </dgm:linClrLst>
+    <dgm:effectClrLst/>
+    <dgm:txLinClrLst/>
+    <dgm:txFillClrLst meth="repeat">
+      <a:schemeClr val="dk1"/>
+    </dgm:txFillClrLst>
+    <dgm:txEffectClrLst/>
+  </dgm:styleLbl>
+  <dgm:styleLbl name="revTx">
+    <dgm:fillClrLst meth="repeat">
+      <a:schemeClr val="lt1">
+        <a:alpha val="0"/>
+      </a:schemeClr>
+    </dgm:fillClrLst>
+    <dgm:linClrLst meth="repeat">
+      <a:schemeClr val="dk1">
+        <a:alpha val="0"/>
+      </a:schemeClr>
+    </dgm:linClrLst>
+    <dgm:effectClrLst/>
+    <dgm:txLinClrLst/>
+    <dgm:txFillClrLst meth="repeat">
+      <a:schemeClr val="tx1"/>
+    </dgm:txFillClrLst>
+    <dgm:txEffectClrLst/>
+  </dgm:styleLbl>
+</dgm:colorsDef>
+</file>
+
+<file path=ppt/diagrams/data1.xml><?xml version="1.0" encoding="utf-8"?>
+<dgm:dataModel xmlns:dgm="http://schemas.openxmlformats.org/drawingml/2006/diagram" xmlns:a="http://schemas.openxmlformats.org/drawingml/2006/main">
+  <dgm:ptLst>
+    <dgm:pt modelId="{1DD50390-C8B1-4566-977C-B4C25179264A}" type="doc">
+      <dgm:prSet loTypeId="urn:microsoft.com/office/officeart/2005/8/layout/chevron2" loCatId="list" qsTypeId="urn:microsoft.com/office/officeart/2005/8/quickstyle/simple1" qsCatId="simple" csTypeId="urn:microsoft.com/office/officeart/2005/8/colors/accent1_2" csCatId="accent1" phldr="1"/>
+      <dgm:spPr/>
+      <dgm:t>
+        <a:bodyPr/>
+        <a:lstStyle/>
+        <a:p>
+          <a:endParaRPr lang="en-US"/>
+        </a:p>
+      </dgm:t>
+    </dgm:pt>
+    <dgm:pt modelId="{52CA9208-EA91-4CF7-9F33-B4AE3C4F049C}">
+      <dgm:prSet phldrT="[Text]"/>
+      <dgm:spPr/>
+      <dgm:t>
+        <a:bodyPr/>
+        <a:lstStyle/>
+        <a:p>
+          <a:r>
+            <a:rPr lang="en-US" dirty="0" smtClean="0"/>
+            <a:t>1.</a:t>
+          </a:r>
+          <a:endParaRPr lang="en-US" dirty="0"/>
+        </a:p>
+      </dgm:t>
+    </dgm:pt>
+    <dgm:pt modelId="{A6F14C92-6F49-4F0E-8A29-72AF29A39E83}" type="parTrans" cxnId="{6E8A0260-1C82-4ED8-AA7F-696875954221}">
+      <dgm:prSet/>
+      <dgm:spPr/>
+      <dgm:t>
+        <a:bodyPr/>
+        <a:lstStyle/>
+        <a:p>
+          <a:endParaRPr lang="en-US"/>
+        </a:p>
+      </dgm:t>
+    </dgm:pt>
+    <dgm:pt modelId="{A0FF8F1E-6C0A-4153-9CD4-6C3F71E51BBD}" type="sibTrans" cxnId="{6E8A0260-1C82-4ED8-AA7F-696875954221}">
+      <dgm:prSet/>
+      <dgm:spPr/>
+      <dgm:t>
+        <a:bodyPr/>
+        <a:lstStyle/>
+        <a:p>
+          <a:endParaRPr lang="en-US"/>
+        </a:p>
+      </dgm:t>
+    </dgm:pt>
+    <dgm:pt modelId="{BEAA85E4-32BB-4812-83ED-F02721C8DF98}">
+      <dgm:prSet phldrT="[Text]" custT="1"/>
+      <dgm:spPr/>
+      <dgm:t>
+        <a:bodyPr/>
+        <a:lstStyle/>
+        <a:p>
+          <a:r>
+            <a:rPr lang="en-US" sz="1800" dirty="0" smtClean="0"/>
+            <a:t>Time Consuming.</a:t>
+          </a:r>
+          <a:endParaRPr lang="en-US" sz="1800" dirty="0"/>
+        </a:p>
+      </dgm:t>
+    </dgm:pt>
+    <dgm:pt modelId="{DB9B9780-4099-45AF-B533-21E632895153}" type="parTrans" cxnId="{70FA0B0E-4053-4E29-9D9B-AD2A0C373CCE}">
+      <dgm:prSet/>
+      <dgm:spPr/>
+      <dgm:t>
+        <a:bodyPr/>
+        <a:lstStyle/>
+        <a:p>
+          <a:endParaRPr lang="en-US"/>
+        </a:p>
+      </dgm:t>
+    </dgm:pt>
+    <dgm:pt modelId="{243C10B1-B8BD-4A22-8961-6EA1743A5242}" type="sibTrans" cxnId="{70FA0B0E-4053-4E29-9D9B-AD2A0C373CCE}">
+      <dgm:prSet/>
+      <dgm:spPr/>
+      <dgm:t>
+        <a:bodyPr/>
+        <a:lstStyle/>
+        <a:p>
+          <a:endParaRPr lang="en-US"/>
+        </a:p>
+      </dgm:t>
+    </dgm:pt>
+    <dgm:pt modelId="{81FD5CAC-4603-4DDF-8238-BC9E43F11DEC}">
+      <dgm:prSet phldrT="[Text]"/>
+      <dgm:spPr/>
+      <dgm:t>
+        <a:bodyPr/>
+        <a:lstStyle/>
+        <a:p>
+          <a:r>
+            <a:rPr lang="en-US" dirty="0" smtClean="0"/>
+            <a:t>2.</a:t>
+          </a:r>
+          <a:endParaRPr lang="en-US" dirty="0"/>
+        </a:p>
+      </dgm:t>
+    </dgm:pt>
+    <dgm:pt modelId="{7D6BBCD9-9986-439B-B92D-EBDBD9FC7A8B}" type="parTrans" cxnId="{28B7230B-EAAF-457C-BECB-C21C2F71CEFF}">
+      <dgm:prSet/>
+      <dgm:spPr/>
+      <dgm:t>
+        <a:bodyPr/>
+        <a:lstStyle/>
+        <a:p>
+          <a:endParaRPr lang="en-US"/>
+        </a:p>
+      </dgm:t>
+    </dgm:pt>
+    <dgm:pt modelId="{833B7F17-FBA5-4596-AD08-279131AD773C}" type="sibTrans" cxnId="{28B7230B-EAAF-457C-BECB-C21C2F71CEFF}">
+      <dgm:prSet/>
+      <dgm:spPr/>
+      <dgm:t>
+        <a:bodyPr/>
+        <a:lstStyle/>
+        <a:p>
+          <a:endParaRPr lang="en-US"/>
+        </a:p>
+      </dgm:t>
+    </dgm:pt>
+    <dgm:pt modelId="{D1BA8E5F-8AE7-4E4C-B3D3-FB2153D2B709}">
+      <dgm:prSet phldrT="[Text]" custT="1"/>
+      <dgm:spPr/>
+      <dgm:t>
+        <a:bodyPr/>
+        <a:lstStyle/>
+        <a:p>
+          <a:r>
+            <a:rPr lang="en-US" sz="1800" dirty="0" smtClean="0"/>
+            <a:t>Input is taken on unreliable sources.</a:t>
+          </a:r>
+          <a:endParaRPr lang="en-US" sz="1800" dirty="0"/>
+        </a:p>
+      </dgm:t>
+    </dgm:pt>
+    <dgm:pt modelId="{8A336C6F-D738-44A2-87B5-965482BACEE4}" type="parTrans" cxnId="{598FD622-DEE9-48B4-835C-BF6E10195855}">
+      <dgm:prSet/>
+      <dgm:spPr/>
+      <dgm:t>
+        <a:bodyPr/>
+        <a:lstStyle/>
+        <a:p>
+          <a:endParaRPr lang="en-US"/>
+        </a:p>
+      </dgm:t>
+    </dgm:pt>
+    <dgm:pt modelId="{F0B6D1EC-8655-4BAB-AEB9-0E111AB8C3FA}" type="sibTrans" cxnId="{598FD622-DEE9-48B4-835C-BF6E10195855}">
+      <dgm:prSet/>
+      <dgm:spPr/>
+      <dgm:t>
+        <a:bodyPr/>
+        <a:lstStyle/>
+        <a:p>
+          <a:endParaRPr lang="en-US"/>
+        </a:p>
+      </dgm:t>
+    </dgm:pt>
+    <dgm:pt modelId="{8724B52A-EF39-4EA7-B778-A2302174228F}">
+      <dgm:prSet phldrT="[Text]"/>
+      <dgm:spPr/>
+      <dgm:t>
+        <a:bodyPr/>
+        <a:lstStyle/>
+        <a:p>
+          <a:r>
+            <a:rPr lang="en-US" smtClean="0"/>
+            <a:t>3</a:t>
+          </a:r>
+          <a:endParaRPr lang="en-US" dirty="0"/>
+        </a:p>
+      </dgm:t>
+    </dgm:pt>
+    <dgm:pt modelId="{2DDBEDC1-B757-4F46-BA39-AA20D71D89E0}" type="parTrans" cxnId="{9A1E5E35-96D8-4F93-A440-1C5D7D64EB3A}">
+      <dgm:prSet/>
+      <dgm:spPr/>
+      <dgm:t>
+        <a:bodyPr/>
+        <a:lstStyle/>
+        <a:p>
+          <a:endParaRPr lang="en-US"/>
+        </a:p>
+      </dgm:t>
+    </dgm:pt>
+    <dgm:pt modelId="{ACF4DA91-4B38-446F-B51A-3E33ACA189D3}" type="sibTrans" cxnId="{9A1E5E35-96D8-4F93-A440-1C5D7D64EB3A}">
+      <dgm:prSet/>
+      <dgm:spPr/>
+      <dgm:t>
+        <a:bodyPr/>
+        <a:lstStyle/>
+        <a:p>
+          <a:endParaRPr lang="en-US"/>
+        </a:p>
+      </dgm:t>
+    </dgm:pt>
+    <dgm:pt modelId="{30E7B5A5-7CF9-49CC-B95B-83765E95865B}">
+      <dgm:prSet phldrT="[Text]" custT="1"/>
+      <dgm:spPr/>
+      <dgm:t>
+        <a:bodyPr/>
+        <a:lstStyle/>
+        <a:p>
+          <a:r>
+            <a:rPr lang="en-US" sz="1800" dirty="0" smtClean="0"/>
+            <a:t>Poor means to visualize and compare</a:t>
+          </a:r>
+          <a:endParaRPr lang="en-US" sz="1800" dirty="0"/>
+        </a:p>
+      </dgm:t>
+    </dgm:pt>
+    <dgm:pt modelId="{195BABDC-1BAC-4398-B5C3-571342BFDB4F}" type="parTrans" cxnId="{2CC0FCD3-CBBB-45B5-8F76-D515B477248D}">
+      <dgm:prSet/>
+      <dgm:spPr/>
+      <dgm:t>
+        <a:bodyPr/>
+        <a:lstStyle/>
+        <a:p>
+          <a:endParaRPr lang="en-US"/>
+        </a:p>
+      </dgm:t>
+    </dgm:pt>
+    <dgm:pt modelId="{2DD76570-9DC6-48AB-9889-9B33FA49F354}" type="sibTrans" cxnId="{2CC0FCD3-CBBB-45B5-8F76-D515B477248D}">
+      <dgm:prSet/>
+      <dgm:spPr/>
+      <dgm:t>
+        <a:bodyPr/>
+        <a:lstStyle/>
+        <a:p>
+          <a:endParaRPr lang="en-US"/>
+        </a:p>
+      </dgm:t>
+    </dgm:pt>
+    <dgm:pt modelId="{B94D465E-5233-459F-AF73-387E53D4C06F}" type="pres">
+      <dgm:prSet presAssocID="{1DD50390-C8B1-4566-977C-B4C25179264A}" presName="linearFlow" presStyleCnt="0">
+        <dgm:presLayoutVars>
+          <dgm:dir/>
+          <dgm:animLvl val="lvl"/>
+          <dgm:resizeHandles val="exact"/>
+        </dgm:presLayoutVars>
+      </dgm:prSet>
+      <dgm:spPr/>
+    </dgm:pt>
+    <dgm:pt modelId="{8C6A9679-07BA-4E5D-B97B-5367379F1343}" type="pres">
+      <dgm:prSet presAssocID="{52CA9208-EA91-4CF7-9F33-B4AE3C4F049C}" presName="composite" presStyleCnt="0"/>
+      <dgm:spPr/>
+    </dgm:pt>
+    <dgm:pt modelId="{50B733CA-6D0E-4D3E-8D05-62328FBAE372}" type="pres">
+      <dgm:prSet presAssocID="{52CA9208-EA91-4CF7-9F33-B4AE3C4F049C}" presName="parentText" presStyleLbl="alignNode1" presStyleIdx="0" presStyleCnt="3">
+        <dgm:presLayoutVars>
+          <dgm:chMax val="1"/>
+          <dgm:bulletEnabled val="1"/>
+        </dgm:presLayoutVars>
+      </dgm:prSet>
+      <dgm:spPr/>
+    </dgm:pt>
+    <dgm:pt modelId="{7D2A4557-0A83-49D4-BF4C-4C7F9C67F832}" type="pres">
+      <dgm:prSet presAssocID="{52CA9208-EA91-4CF7-9F33-B4AE3C4F049C}" presName="descendantText" presStyleLbl="alignAcc1" presStyleIdx="0" presStyleCnt="3">
+        <dgm:presLayoutVars>
+          <dgm:bulletEnabled val="1"/>
+        </dgm:presLayoutVars>
+      </dgm:prSet>
+      <dgm:spPr/>
+      <dgm:t>
+        <a:bodyPr/>
+        <a:lstStyle/>
+        <a:p>
+          <a:endParaRPr lang="en-US"/>
+        </a:p>
+      </dgm:t>
+    </dgm:pt>
+    <dgm:pt modelId="{0CDA659A-2802-48BF-93E6-871623781FA1}" type="pres">
+      <dgm:prSet presAssocID="{A0FF8F1E-6C0A-4153-9CD4-6C3F71E51BBD}" presName="sp" presStyleCnt="0"/>
+      <dgm:spPr/>
+    </dgm:pt>
+    <dgm:pt modelId="{3AA14708-4D32-4D41-953B-6485231CB392}" type="pres">
+      <dgm:prSet presAssocID="{81FD5CAC-4603-4DDF-8238-BC9E43F11DEC}" presName="composite" presStyleCnt="0"/>
+      <dgm:spPr/>
+    </dgm:pt>
+    <dgm:pt modelId="{30F89650-44DB-451A-9DC8-8D0C92DD8894}" type="pres">
+      <dgm:prSet presAssocID="{81FD5CAC-4603-4DDF-8238-BC9E43F11DEC}" presName="parentText" presStyleLbl="alignNode1" presStyleIdx="1" presStyleCnt="3">
+        <dgm:presLayoutVars>
+          <dgm:chMax val="1"/>
+          <dgm:bulletEnabled val="1"/>
+        </dgm:presLayoutVars>
+      </dgm:prSet>
+      <dgm:spPr/>
+    </dgm:pt>
+    <dgm:pt modelId="{F9A8C83E-A9BF-4B2E-AEF5-FD6C5443A7A7}" type="pres">
+      <dgm:prSet presAssocID="{81FD5CAC-4603-4DDF-8238-BC9E43F11DEC}" presName="descendantText" presStyleLbl="alignAcc1" presStyleIdx="1" presStyleCnt="3">
+        <dgm:presLayoutVars>
+          <dgm:bulletEnabled val="1"/>
+        </dgm:presLayoutVars>
+      </dgm:prSet>
+      <dgm:spPr/>
+      <dgm:t>
+        <a:bodyPr/>
+        <a:lstStyle/>
+        <a:p>
+          <a:endParaRPr lang="en-US"/>
+        </a:p>
+      </dgm:t>
+    </dgm:pt>
+    <dgm:pt modelId="{907920A1-58FB-4ACD-AF07-66906A4FEE2E}" type="pres">
+      <dgm:prSet presAssocID="{833B7F17-FBA5-4596-AD08-279131AD773C}" presName="sp" presStyleCnt="0"/>
+      <dgm:spPr/>
+    </dgm:pt>
+    <dgm:pt modelId="{BE68983E-9B6B-4528-A739-C4D445672CC9}" type="pres">
+      <dgm:prSet presAssocID="{8724B52A-EF39-4EA7-B778-A2302174228F}" presName="composite" presStyleCnt="0"/>
+      <dgm:spPr/>
+    </dgm:pt>
+    <dgm:pt modelId="{2BF8C685-6C4F-4CDD-80CD-1A86D69C08EC}" type="pres">
+      <dgm:prSet presAssocID="{8724B52A-EF39-4EA7-B778-A2302174228F}" presName="parentText" presStyleLbl="alignNode1" presStyleIdx="2" presStyleCnt="3">
+        <dgm:presLayoutVars>
+          <dgm:chMax val="1"/>
+          <dgm:bulletEnabled val="1"/>
+        </dgm:presLayoutVars>
+      </dgm:prSet>
+      <dgm:spPr/>
+    </dgm:pt>
+    <dgm:pt modelId="{C276924F-0E78-4A02-8B1A-558A9A7C68EA}" type="pres">
+      <dgm:prSet presAssocID="{8724B52A-EF39-4EA7-B778-A2302174228F}" presName="descendantText" presStyleLbl="alignAcc1" presStyleIdx="2" presStyleCnt="3">
+        <dgm:presLayoutVars>
+          <dgm:bulletEnabled val="1"/>
+        </dgm:presLayoutVars>
+      </dgm:prSet>
+      <dgm:spPr/>
+      <dgm:t>
+        <a:bodyPr/>
+        <a:lstStyle/>
+        <a:p>
+          <a:endParaRPr lang="en-US"/>
+        </a:p>
+      </dgm:t>
+    </dgm:pt>
+  </dgm:ptLst>
+  <dgm:cxnLst>
+    <dgm:cxn modelId="{31619EC7-CFA0-4E62-97BE-BF6940FD98D6}" type="presOf" srcId="{30E7B5A5-7CF9-49CC-B95B-83765E95865B}" destId="{C276924F-0E78-4A02-8B1A-558A9A7C68EA}" srcOrd="0" destOrd="0" presId="urn:microsoft.com/office/officeart/2005/8/layout/chevron2"/>
+    <dgm:cxn modelId="{949AD1A1-6F07-4C4F-99C8-43706A442F97}" type="presOf" srcId="{8724B52A-EF39-4EA7-B778-A2302174228F}" destId="{2BF8C685-6C4F-4CDD-80CD-1A86D69C08EC}" srcOrd="0" destOrd="0" presId="urn:microsoft.com/office/officeart/2005/8/layout/chevron2"/>
+    <dgm:cxn modelId="{6E8A0260-1C82-4ED8-AA7F-696875954221}" srcId="{1DD50390-C8B1-4566-977C-B4C25179264A}" destId="{52CA9208-EA91-4CF7-9F33-B4AE3C4F049C}" srcOrd="0" destOrd="0" parTransId="{A6F14C92-6F49-4F0E-8A29-72AF29A39E83}" sibTransId="{A0FF8F1E-6C0A-4153-9CD4-6C3F71E51BBD}"/>
+    <dgm:cxn modelId="{2CC0FCD3-CBBB-45B5-8F76-D515B477248D}" srcId="{8724B52A-EF39-4EA7-B778-A2302174228F}" destId="{30E7B5A5-7CF9-49CC-B95B-83765E95865B}" srcOrd="0" destOrd="0" parTransId="{195BABDC-1BAC-4398-B5C3-571342BFDB4F}" sibTransId="{2DD76570-9DC6-48AB-9889-9B33FA49F354}"/>
+    <dgm:cxn modelId="{8446BC6B-C360-451E-980F-D85750160295}" type="presOf" srcId="{BEAA85E4-32BB-4812-83ED-F02721C8DF98}" destId="{7D2A4557-0A83-49D4-BF4C-4C7F9C67F832}" srcOrd="0" destOrd="0" presId="urn:microsoft.com/office/officeart/2005/8/layout/chevron2"/>
+    <dgm:cxn modelId="{C2EA34A6-2180-4C27-BE41-5966318A5373}" type="presOf" srcId="{81FD5CAC-4603-4DDF-8238-BC9E43F11DEC}" destId="{30F89650-44DB-451A-9DC8-8D0C92DD8894}" srcOrd="0" destOrd="0" presId="urn:microsoft.com/office/officeart/2005/8/layout/chevron2"/>
+    <dgm:cxn modelId="{9A1E5E35-96D8-4F93-A440-1C5D7D64EB3A}" srcId="{1DD50390-C8B1-4566-977C-B4C25179264A}" destId="{8724B52A-EF39-4EA7-B778-A2302174228F}" srcOrd="2" destOrd="0" parTransId="{2DDBEDC1-B757-4F46-BA39-AA20D71D89E0}" sibTransId="{ACF4DA91-4B38-446F-B51A-3E33ACA189D3}"/>
+    <dgm:cxn modelId="{10EE72B3-E957-4A53-A24C-1B0EA7F9D564}" type="presOf" srcId="{1DD50390-C8B1-4566-977C-B4C25179264A}" destId="{B94D465E-5233-459F-AF73-387E53D4C06F}" srcOrd="0" destOrd="0" presId="urn:microsoft.com/office/officeart/2005/8/layout/chevron2"/>
+    <dgm:cxn modelId="{598FD622-DEE9-48B4-835C-BF6E10195855}" srcId="{81FD5CAC-4603-4DDF-8238-BC9E43F11DEC}" destId="{D1BA8E5F-8AE7-4E4C-B3D3-FB2153D2B709}" srcOrd="0" destOrd="0" parTransId="{8A336C6F-D738-44A2-87B5-965482BACEE4}" sibTransId="{F0B6D1EC-8655-4BAB-AEB9-0E111AB8C3FA}"/>
+    <dgm:cxn modelId="{4A9E8FE7-73EF-4E12-B60A-AA8C592AF287}" type="presOf" srcId="{D1BA8E5F-8AE7-4E4C-B3D3-FB2153D2B709}" destId="{F9A8C83E-A9BF-4B2E-AEF5-FD6C5443A7A7}" srcOrd="0" destOrd="0" presId="urn:microsoft.com/office/officeart/2005/8/layout/chevron2"/>
+    <dgm:cxn modelId="{28B7230B-EAAF-457C-BECB-C21C2F71CEFF}" srcId="{1DD50390-C8B1-4566-977C-B4C25179264A}" destId="{81FD5CAC-4603-4DDF-8238-BC9E43F11DEC}" srcOrd="1" destOrd="0" parTransId="{7D6BBCD9-9986-439B-B92D-EBDBD9FC7A8B}" sibTransId="{833B7F17-FBA5-4596-AD08-279131AD773C}"/>
+    <dgm:cxn modelId="{70FA0B0E-4053-4E29-9D9B-AD2A0C373CCE}" srcId="{52CA9208-EA91-4CF7-9F33-B4AE3C4F049C}" destId="{BEAA85E4-32BB-4812-83ED-F02721C8DF98}" srcOrd="0" destOrd="0" parTransId="{DB9B9780-4099-45AF-B533-21E632895153}" sibTransId="{243C10B1-B8BD-4A22-8961-6EA1743A5242}"/>
+    <dgm:cxn modelId="{BA33B07A-150F-4D4F-AF04-9BF60CF6B1A4}" type="presOf" srcId="{52CA9208-EA91-4CF7-9F33-B4AE3C4F049C}" destId="{50B733CA-6D0E-4D3E-8D05-62328FBAE372}" srcOrd="0" destOrd="0" presId="urn:microsoft.com/office/officeart/2005/8/layout/chevron2"/>
+    <dgm:cxn modelId="{09935371-FDB3-4161-8146-9142E9F7823B}" type="presParOf" srcId="{B94D465E-5233-459F-AF73-387E53D4C06F}" destId="{8C6A9679-07BA-4E5D-B97B-5367379F1343}" srcOrd="0" destOrd="0" presId="urn:microsoft.com/office/officeart/2005/8/layout/chevron2"/>
+    <dgm:cxn modelId="{BB703FE9-3E2C-4BD1-92F5-51699DFD68CC}" type="presParOf" srcId="{8C6A9679-07BA-4E5D-B97B-5367379F1343}" destId="{50B733CA-6D0E-4D3E-8D05-62328FBAE372}" srcOrd="0" destOrd="0" presId="urn:microsoft.com/office/officeart/2005/8/layout/chevron2"/>
+    <dgm:cxn modelId="{42BB6649-226F-45AD-9687-B3360493BBA8}" type="presParOf" srcId="{8C6A9679-07BA-4E5D-B97B-5367379F1343}" destId="{7D2A4557-0A83-49D4-BF4C-4C7F9C67F832}" srcOrd="1" destOrd="0" presId="urn:microsoft.com/office/officeart/2005/8/layout/chevron2"/>
+    <dgm:cxn modelId="{38819634-C4BA-4426-A10E-557DA9E85CD3}" type="presParOf" srcId="{B94D465E-5233-459F-AF73-387E53D4C06F}" destId="{0CDA659A-2802-48BF-93E6-871623781FA1}" srcOrd="1" destOrd="0" presId="urn:microsoft.com/office/officeart/2005/8/layout/chevron2"/>
+    <dgm:cxn modelId="{843819CD-28CA-4E25-BF88-C7A9CF1D892C}" type="presParOf" srcId="{B94D465E-5233-459F-AF73-387E53D4C06F}" destId="{3AA14708-4D32-4D41-953B-6485231CB392}" srcOrd="2" destOrd="0" presId="urn:microsoft.com/office/officeart/2005/8/layout/chevron2"/>
+    <dgm:cxn modelId="{77F76E33-1724-414B-B78D-AD7F5963452E}" type="presParOf" srcId="{3AA14708-4D32-4D41-953B-6485231CB392}" destId="{30F89650-44DB-451A-9DC8-8D0C92DD8894}" srcOrd="0" destOrd="0" presId="urn:microsoft.com/office/officeart/2005/8/layout/chevron2"/>
+    <dgm:cxn modelId="{8932FF4B-287E-4F6C-9D62-6949E80D1049}" type="presParOf" srcId="{3AA14708-4D32-4D41-953B-6485231CB392}" destId="{F9A8C83E-A9BF-4B2E-AEF5-FD6C5443A7A7}" srcOrd="1" destOrd="0" presId="urn:microsoft.com/office/officeart/2005/8/layout/chevron2"/>
+    <dgm:cxn modelId="{5B3082F9-4B8A-4BD3-B486-712CFF252630}" type="presParOf" srcId="{B94D465E-5233-459F-AF73-387E53D4C06F}" destId="{907920A1-58FB-4ACD-AF07-66906A4FEE2E}" srcOrd="3" destOrd="0" presId="urn:microsoft.com/office/officeart/2005/8/layout/chevron2"/>
+    <dgm:cxn modelId="{6EF07E1B-C655-4EE3-8848-87A4FBA08EBD}" type="presParOf" srcId="{B94D465E-5233-459F-AF73-387E53D4C06F}" destId="{BE68983E-9B6B-4528-A739-C4D445672CC9}" srcOrd="4" destOrd="0" presId="urn:microsoft.com/office/officeart/2005/8/layout/chevron2"/>
+    <dgm:cxn modelId="{F58E7018-C1E7-4C59-A8AC-E2904571F470}" type="presParOf" srcId="{BE68983E-9B6B-4528-A739-C4D445672CC9}" destId="{2BF8C685-6C4F-4CDD-80CD-1A86D69C08EC}" srcOrd="0" destOrd="0" presId="urn:microsoft.com/office/officeart/2005/8/layout/chevron2"/>
+    <dgm:cxn modelId="{57C61E8A-77CB-485D-BDE9-B49AD2785224}" type="presParOf" srcId="{BE68983E-9B6B-4528-A739-C4D445672CC9}" destId="{C276924F-0E78-4A02-8B1A-558A9A7C68EA}" srcOrd="1" destOrd="0" presId="urn:microsoft.com/office/officeart/2005/8/layout/chevron2"/>
+  </dgm:cxnLst>
+  <dgm:bg/>
+  <dgm:whole/>
+  <dgm:extLst>
+    <a:ext uri="http://schemas.microsoft.com/office/drawing/2008/diagram">
+      <dsp:dataModelExt xmlns:dsp="http://schemas.microsoft.com/office/drawing/2008/diagram" relId="rId7" minVer="http://schemas.openxmlformats.org/drawingml/2006/diagram"/>
+    </a:ext>
+  </dgm:extLst>
+</dgm:dataModel>
+</file>
+
+<file path=ppt/diagrams/data2.xml><?xml version="1.0" encoding="utf-8"?>
+<dgm:dataModel xmlns:dgm="http://schemas.openxmlformats.org/drawingml/2006/diagram" xmlns:a="http://schemas.openxmlformats.org/drawingml/2006/main">
+  <dgm:ptLst>
+    <dgm:pt modelId="{4FF0039D-64B0-41B1-B5C2-00FB1DB065A6}" type="doc">
+      <dgm:prSet loTypeId="urn:microsoft.com/office/officeart/2005/8/layout/hList1" loCatId="list" qsTypeId="urn:microsoft.com/office/officeart/2005/8/quickstyle/simple1" qsCatId="simple" csTypeId="urn:microsoft.com/office/officeart/2005/8/colors/accent1_2" csCatId="accent1" phldr="1"/>
+      <dgm:spPr/>
+      <dgm:t>
+        <a:bodyPr/>
+        <a:lstStyle/>
+        <a:p>
+          <a:endParaRPr lang="en-US"/>
+        </a:p>
+      </dgm:t>
+    </dgm:pt>
+    <dgm:pt modelId="{46DA820D-201C-4EE5-BA95-E85B327DDA56}">
+      <dgm:prSet phldrT="[Text]"/>
+      <dgm:spPr/>
+      <dgm:t>
+        <a:bodyPr/>
+        <a:lstStyle/>
+        <a:p>
+          <a:r>
+            <a:rPr lang="en-US" dirty="0" smtClean="0"/>
+            <a:t>Front end</a:t>
+          </a:r>
+          <a:endParaRPr lang="en-US" dirty="0"/>
+        </a:p>
+      </dgm:t>
+    </dgm:pt>
+    <dgm:pt modelId="{A945D324-7886-4C4B-9588-8DADC968DEB0}" type="parTrans" cxnId="{EE07772F-9557-4AE9-A790-685F84674D52}">
+      <dgm:prSet/>
+      <dgm:spPr/>
+      <dgm:t>
+        <a:bodyPr/>
+        <a:lstStyle/>
+        <a:p>
+          <a:endParaRPr lang="en-US"/>
+        </a:p>
+      </dgm:t>
+    </dgm:pt>
+    <dgm:pt modelId="{2822D40C-B250-496B-A45A-90FC1BDF3C49}" type="sibTrans" cxnId="{EE07772F-9557-4AE9-A790-685F84674D52}">
+      <dgm:prSet/>
+      <dgm:spPr/>
+      <dgm:t>
+        <a:bodyPr/>
+        <a:lstStyle/>
+        <a:p>
+          <a:endParaRPr lang="en-US"/>
+        </a:p>
+      </dgm:t>
+    </dgm:pt>
+    <dgm:pt modelId="{4E91D0CD-AC00-4466-BAAA-EC4BE3ED89B7}">
+      <dgm:prSet phldrT="[Text]"/>
+      <dgm:spPr/>
+      <dgm:t>
+        <a:bodyPr/>
+        <a:lstStyle/>
+        <a:p>
+          <a:r>
+            <a:rPr lang="en-US" dirty="0" smtClean="0"/>
+            <a:t>Html</a:t>
+          </a:r>
+          <a:endParaRPr lang="en-US" dirty="0"/>
+        </a:p>
+      </dgm:t>
+    </dgm:pt>
+    <dgm:pt modelId="{BD3EAEDA-F730-46B2-9A62-1ADA4470FAAC}" type="parTrans" cxnId="{2454FDC0-5715-4421-95A9-ADE4A493FA2E}">
+      <dgm:prSet/>
+      <dgm:spPr/>
+      <dgm:t>
+        <a:bodyPr/>
+        <a:lstStyle/>
+        <a:p>
+          <a:endParaRPr lang="en-US"/>
+        </a:p>
+      </dgm:t>
+    </dgm:pt>
+    <dgm:pt modelId="{71A38ED7-2CA9-4451-A67C-F253BA24C263}" type="sibTrans" cxnId="{2454FDC0-5715-4421-95A9-ADE4A493FA2E}">
+      <dgm:prSet/>
+      <dgm:spPr/>
+      <dgm:t>
+        <a:bodyPr/>
+        <a:lstStyle/>
+        <a:p>
+          <a:endParaRPr lang="en-US"/>
+        </a:p>
+      </dgm:t>
+    </dgm:pt>
+    <dgm:pt modelId="{161FFA56-3887-4515-BC36-BB566BAC2969}">
+      <dgm:prSet phldrT="[Text]"/>
+      <dgm:spPr/>
+      <dgm:t>
+        <a:bodyPr/>
+        <a:lstStyle/>
+        <a:p>
+          <a:r>
+            <a:rPr lang="en-US" dirty="0" smtClean="0"/>
+            <a:t>CSS</a:t>
+          </a:r>
+          <a:endParaRPr lang="en-US" dirty="0"/>
+        </a:p>
+      </dgm:t>
+    </dgm:pt>
+    <dgm:pt modelId="{955FC536-03A0-427F-84C5-0BCDE3DF21EC}" type="parTrans" cxnId="{03250648-4EFB-4691-BDA1-00E126D26DE1}">
+      <dgm:prSet/>
+      <dgm:spPr/>
+      <dgm:t>
+        <a:bodyPr/>
+        <a:lstStyle/>
+        <a:p>
+          <a:endParaRPr lang="en-US"/>
+        </a:p>
+      </dgm:t>
+    </dgm:pt>
+    <dgm:pt modelId="{5CAFE2A5-1B67-4C92-86B1-A289974ABED7}" type="sibTrans" cxnId="{03250648-4EFB-4691-BDA1-00E126D26DE1}">
+      <dgm:prSet/>
+      <dgm:spPr/>
+      <dgm:t>
+        <a:bodyPr/>
+        <a:lstStyle/>
+        <a:p>
+          <a:endParaRPr lang="en-US"/>
+        </a:p>
+      </dgm:t>
+    </dgm:pt>
+    <dgm:pt modelId="{046966D4-F873-4A1D-AD72-6E45C27860B1}">
+      <dgm:prSet phldrT="[Text]"/>
+      <dgm:spPr/>
+      <dgm:t>
+        <a:bodyPr/>
+        <a:lstStyle/>
+        <a:p>
+          <a:r>
+            <a:rPr lang="en-US" dirty="0" smtClean="0"/>
+            <a:t>Back end</a:t>
+          </a:r>
+          <a:endParaRPr lang="en-US" dirty="0"/>
+        </a:p>
+      </dgm:t>
+    </dgm:pt>
+    <dgm:pt modelId="{F9A5BFEB-59A0-41AD-9621-CD58C9B0B9F4}" type="parTrans" cxnId="{469E7FF9-C6D7-4847-9983-54F01FBE5743}">
+      <dgm:prSet/>
+      <dgm:spPr/>
+      <dgm:t>
+        <a:bodyPr/>
+        <a:lstStyle/>
+        <a:p>
+          <a:endParaRPr lang="en-US"/>
+        </a:p>
+      </dgm:t>
+    </dgm:pt>
+    <dgm:pt modelId="{C69E1B29-0468-4DA4-8C9A-E343BD867B85}" type="sibTrans" cxnId="{469E7FF9-C6D7-4847-9983-54F01FBE5743}">
+      <dgm:prSet/>
+      <dgm:spPr/>
+      <dgm:t>
+        <a:bodyPr/>
+        <a:lstStyle/>
+        <a:p>
+          <a:endParaRPr lang="en-US"/>
+        </a:p>
+      </dgm:t>
+    </dgm:pt>
+    <dgm:pt modelId="{AE88C527-BEFA-4762-AB06-CEA6FDAD25C5}">
+      <dgm:prSet phldrT="[Text]"/>
+      <dgm:spPr/>
+      <dgm:t>
+        <a:bodyPr/>
+        <a:lstStyle/>
+        <a:p>
+          <a:r>
+            <a:rPr lang="en-US" dirty="0" smtClean="0"/>
+            <a:t>Python</a:t>
+          </a:r>
+          <a:endParaRPr lang="en-US" dirty="0"/>
+        </a:p>
+      </dgm:t>
+    </dgm:pt>
+    <dgm:pt modelId="{D7DA9E31-EB10-4479-9477-51C5B041949B}" type="parTrans" cxnId="{60319872-C32F-4859-A49D-BD5CC323683F}">
+      <dgm:prSet/>
+      <dgm:spPr/>
+      <dgm:t>
+        <a:bodyPr/>
+        <a:lstStyle/>
+        <a:p>
+          <a:endParaRPr lang="en-US"/>
+        </a:p>
+      </dgm:t>
+    </dgm:pt>
+    <dgm:pt modelId="{D5C4BFED-1D33-468C-9B6A-8EB857FDA7CA}" type="sibTrans" cxnId="{60319872-C32F-4859-A49D-BD5CC323683F}">
+      <dgm:prSet/>
+      <dgm:spPr/>
+      <dgm:t>
+        <a:bodyPr/>
+        <a:lstStyle/>
+        <a:p>
+          <a:endParaRPr lang="en-US"/>
+        </a:p>
+      </dgm:t>
+    </dgm:pt>
+    <dgm:pt modelId="{80F709CA-D933-4078-A0A5-04D1865E3622}">
+      <dgm:prSet phldrT="[Text]"/>
+      <dgm:spPr/>
+      <dgm:t>
+        <a:bodyPr/>
+        <a:lstStyle/>
+        <a:p>
+          <a:r>
+            <a:rPr lang="en-US" dirty="0" smtClean="0"/>
+            <a:t>MySQL</a:t>
+          </a:r>
+          <a:endParaRPr lang="en-US" dirty="0"/>
+        </a:p>
+      </dgm:t>
+    </dgm:pt>
+    <dgm:pt modelId="{F8D5DA4D-69AE-49D0-8D2C-EE4D346E92D1}" type="parTrans" cxnId="{20722ABC-F6D0-4D6E-AA35-C0731E98341E}">
+      <dgm:prSet/>
+      <dgm:spPr/>
+      <dgm:t>
+        <a:bodyPr/>
+        <a:lstStyle/>
+        <a:p>
+          <a:endParaRPr lang="en-US"/>
+        </a:p>
+      </dgm:t>
+    </dgm:pt>
+    <dgm:pt modelId="{784191C2-E904-4B1F-9769-B413D0EA81A1}" type="sibTrans" cxnId="{20722ABC-F6D0-4D6E-AA35-C0731E98341E}">
+      <dgm:prSet/>
+      <dgm:spPr/>
+      <dgm:t>
+        <a:bodyPr/>
+        <a:lstStyle/>
+        <a:p>
+          <a:endParaRPr lang="en-US"/>
+        </a:p>
+      </dgm:t>
+    </dgm:pt>
+    <dgm:pt modelId="{C3215DB5-EFB7-4E5B-8364-A64E35A5D2CD}">
+      <dgm:prSet phldrT="[Text]"/>
+      <dgm:spPr/>
+      <dgm:t>
+        <a:bodyPr/>
+        <a:lstStyle/>
+        <a:p>
+          <a:r>
+            <a:rPr lang="en-US" dirty="0" smtClean="0"/>
+            <a:t>Add-ons</a:t>
+          </a:r>
+          <a:endParaRPr lang="en-US" dirty="0"/>
+        </a:p>
+      </dgm:t>
+    </dgm:pt>
+    <dgm:pt modelId="{30B0A19C-B37E-4C49-80EE-A1987DF6CCB8}" type="parTrans" cxnId="{77B0171B-18D0-4EE9-99B4-99386E10CC1D}">
+      <dgm:prSet/>
+      <dgm:spPr/>
+      <dgm:t>
+        <a:bodyPr/>
+        <a:lstStyle/>
+        <a:p>
+          <a:endParaRPr lang="en-US"/>
+        </a:p>
+      </dgm:t>
+    </dgm:pt>
+    <dgm:pt modelId="{95593F36-B659-4A3D-99C5-E8A7041D0D99}" type="sibTrans" cxnId="{77B0171B-18D0-4EE9-99B4-99386E10CC1D}">
+      <dgm:prSet/>
+      <dgm:spPr/>
+      <dgm:t>
+        <a:bodyPr/>
+        <a:lstStyle/>
+        <a:p>
+          <a:endParaRPr lang="en-US"/>
+        </a:p>
+      </dgm:t>
+    </dgm:pt>
+    <dgm:pt modelId="{12EB942C-400A-43B3-8C53-DA1E650F0498}">
+      <dgm:prSet phldrT="[Text]"/>
+      <dgm:spPr/>
+      <dgm:t>
+        <a:bodyPr/>
+        <a:lstStyle/>
+        <a:p>
+          <a:r>
+            <a:rPr lang="en-US" dirty="0" smtClean="0"/>
+            <a:t>SVM</a:t>
+          </a:r>
+          <a:endParaRPr lang="en-US" dirty="0"/>
+        </a:p>
+      </dgm:t>
+    </dgm:pt>
+    <dgm:pt modelId="{4CE960A2-F6DA-48B0-87ED-953E23D9AABA}" type="parTrans" cxnId="{1A1CA1A2-9B16-471E-8C80-21E15C380046}">
+      <dgm:prSet/>
+      <dgm:spPr/>
+      <dgm:t>
+        <a:bodyPr/>
+        <a:lstStyle/>
+        <a:p>
+          <a:endParaRPr lang="en-US"/>
+        </a:p>
+      </dgm:t>
+    </dgm:pt>
+    <dgm:pt modelId="{B31E847C-1420-4605-A3FD-3E466B09CB0C}" type="sibTrans" cxnId="{1A1CA1A2-9B16-471E-8C80-21E15C380046}">
+      <dgm:prSet/>
+      <dgm:spPr/>
+      <dgm:t>
+        <a:bodyPr/>
+        <a:lstStyle/>
+        <a:p>
+          <a:endParaRPr lang="en-US"/>
+        </a:p>
+      </dgm:t>
+    </dgm:pt>
+    <dgm:pt modelId="{BC2F21ED-737D-448C-803D-393606769BD3}">
+      <dgm:prSet phldrT="[Text]"/>
+      <dgm:spPr/>
+      <dgm:t>
+        <a:bodyPr/>
+        <a:lstStyle/>
+        <a:p>
+          <a:r>
+            <a:rPr lang="en-US" dirty="0" smtClean="0"/>
+            <a:t>ANN(using tensor flow and keras).</a:t>
+          </a:r>
+          <a:endParaRPr lang="en-US" dirty="0"/>
+        </a:p>
+      </dgm:t>
+    </dgm:pt>
+    <dgm:pt modelId="{9340573C-77F5-461F-88E3-2D874EFE1CD6}" type="parTrans" cxnId="{20FD5ADF-1190-479B-B629-9BFE6B31A50F}">
+      <dgm:prSet/>
+      <dgm:spPr/>
+      <dgm:t>
+        <a:bodyPr/>
+        <a:lstStyle/>
+        <a:p>
+          <a:endParaRPr lang="en-US"/>
+        </a:p>
+      </dgm:t>
+    </dgm:pt>
+    <dgm:pt modelId="{680B0FC7-5C69-4F70-9E27-00E43C1E401C}" type="sibTrans" cxnId="{20FD5ADF-1190-479B-B629-9BFE6B31A50F}">
+      <dgm:prSet/>
+      <dgm:spPr/>
+      <dgm:t>
+        <a:bodyPr/>
+        <a:lstStyle/>
+        <a:p>
+          <a:endParaRPr lang="en-US"/>
+        </a:p>
+      </dgm:t>
+    </dgm:pt>
+    <dgm:pt modelId="{4D9C37EE-43F0-48ED-BE4A-41204CFDACBF}">
+      <dgm:prSet phldrT="[Text]"/>
+      <dgm:spPr/>
+      <dgm:t>
+        <a:bodyPr/>
+        <a:lstStyle/>
+        <a:p>
+          <a:r>
+            <a:rPr lang="en-US" dirty="0" smtClean="0"/>
+            <a:t>JavaScript</a:t>
+          </a:r>
+          <a:endParaRPr lang="en-US" dirty="0"/>
+        </a:p>
+      </dgm:t>
+    </dgm:pt>
+    <dgm:pt modelId="{24687926-ECC3-4FF5-90B4-488B254D8E34}" type="parTrans" cxnId="{41E05E9E-52A9-46A4-BC8B-EE113E744BBB}">
+      <dgm:prSet/>
+      <dgm:spPr/>
+      <dgm:t>
+        <a:bodyPr/>
+        <a:lstStyle/>
+        <a:p>
+          <a:endParaRPr lang="en-US"/>
+        </a:p>
+      </dgm:t>
+    </dgm:pt>
+    <dgm:pt modelId="{37C36BD5-0993-46D7-B936-100B74313A7D}" type="sibTrans" cxnId="{41E05E9E-52A9-46A4-BC8B-EE113E744BBB}">
+      <dgm:prSet/>
+      <dgm:spPr/>
+      <dgm:t>
+        <a:bodyPr/>
+        <a:lstStyle/>
+        <a:p>
+          <a:endParaRPr lang="en-US"/>
+        </a:p>
+      </dgm:t>
+    </dgm:pt>
+    <dgm:pt modelId="{5C66D256-14BB-4A2F-B6E6-9192F6799BE9}">
+      <dgm:prSet phldrT="[Text]"/>
+      <dgm:spPr/>
+      <dgm:t>
+        <a:bodyPr/>
+        <a:lstStyle/>
+        <a:p>
+          <a:endParaRPr lang="en-US" dirty="0"/>
+        </a:p>
+      </dgm:t>
+    </dgm:pt>
+    <dgm:pt modelId="{BE3D74F5-903D-4375-8B49-BC632CE91F41}" type="parTrans" cxnId="{B74CC56C-F1DA-4876-A0E6-2F552253D5F8}">
+      <dgm:prSet/>
+      <dgm:spPr/>
+      <dgm:t>
+        <a:bodyPr/>
+        <a:lstStyle/>
+        <a:p>
+          <a:endParaRPr lang="en-US"/>
+        </a:p>
+      </dgm:t>
+    </dgm:pt>
+    <dgm:pt modelId="{EF550B28-4D76-43BF-A46C-4B41DA8464DF}" type="sibTrans" cxnId="{B74CC56C-F1DA-4876-A0E6-2F552253D5F8}">
+      <dgm:prSet/>
+      <dgm:spPr/>
+      <dgm:t>
+        <a:bodyPr/>
+        <a:lstStyle/>
+        <a:p>
+          <a:endParaRPr lang="en-US"/>
+        </a:p>
+      </dgm:t>
+    </dgm:pt>
+    <dgm:pt modelId="{267696F5-F79F-4843-973E-2A3C74B0573C}">
+      <dgm:prSet phldrT="[Text]"/>
+      <dgm:spPr/>
+      <dgm:t>
+        <a:bodyPr/>
+        <a:lstStyle/>
+        <a:p>
+          <a:r>
+            <a:rPr lang="en-US" dirty="0" smtClean="0"/>
+            <a:t>XML</a:t>
+          </a:r>
+          <a:endParaRPr lang="en-US" dirty="0"/>
+        </a:p>
+      </dgm:t>
+    </dgm:pt>
+    <dgm:pt modelId="{4B1AFD39-1AE7-46EA-BFE0-FE5AB2D206DF}" type="parTrans" cxnId="{97EE0737-A015-4983-AEF0-83B7898F50A8}">
+      <dgm:prSet/>
+      <dgm:spPr/>
+      <dgm:t>
+        <a:bodyPr/>
+        <a:lstStyle/>
+        <a:p>
+          <a:endParaRPr lang="en-US"/>
+        </a:p>
+      </dgm:t>
+    </dgm:pt>
+    <dgm:pt modelId="{3027EDD3-4523-43EC-B7DB-E8BCBD71DC4E}" type="sibTrans" cxnId="{97EE0737-A015-4983-AEF0-83B7898F50A8}">
+      <dgm:prSet/>
+      <dgm:spPr/>
+      <dgm:t>
+        <a:bodyPr/>
+        <a:lstStyle/>
+        <a:p>
+          <a:endParaRPr lang="en-US"/>
+        </a:p>
+      </dgm:t>
+    </dgm:pt>
+    <dgm:pt modelId="{068148B9-235F-42E9-BF29-D92C298FFBF9}">
+      <dgm:prSet phldrT="[Text]"/>
+      <dgm:spPr/>
+      <dgm:t>
+        <a:bodyPr/>
+        <a:lstStyle/>
+        <a:p>
+          <a:r>
+            <a:rPr lang="en-US" dirty="0" smtClean="0"/>
+            <a:t>Java</a:t>
+          </a:r>
+          <a:endParaRPr lang="en-US" dirty="0"/>
+        </a:p>
+      </dgm:t>
+    </dgm:pt>
+    <dgm:pt modelId="{1903C21C-6446-49F1-98C8-D9AD3FB50CDA}" type="parTrans" cxnId="{0D8AB58A-CA42-4099-80CB-4003C5B7698F}">
+      <dgm:prSet/>
+      <dgm:spPr/>
+      <dgm:t>
+        <a:bodyPr/>
+        <a:lstStyle/>
+        <a:p>
+          <a:endParaRPr lang="en-US"/>
+        </a:p>
+      </dgm:t>
+    </dgm:pt>
+    <dgm:pt modelId="{2A04C4E4-3FD2-4778-A2A5-FA5AC9D73B1A}" type="sibTrans" cxnId="{0D8AB58A-CA42-4099-80CB-4003C5B7698F}">
+      <dgm:prSet/>
+      <dgm:spPr/>
+      <dgm:t>
+        <a:bodyPr/>
+        <a:lstStyle/>
+        <a:p>
+          <a:endParaRPr lang="en-US"/>
+        </a:p>
+      </dgm:t>
+    </dgm:pt>
+    <dgm:pt modelId="{10FE61E8-7E0C-44DA-A5F8-AE40FD910B1A}" type="pres">
+      <dgm:prSet presAssocID="{4FF0039D-64B0-41B1-B5C2-00FB1DB065A6}" presName="Name0" presStyleCnt="0">
+        <dgm:presLayoutVars>
+          <dgm:dir/>
+          <dgm:animLvl val="lvl"/>
+          <dgm:resizeHandles val="exact"/>
+        </dgm:presLayoutVars>
+      </dgm:prSet>
+      <dgm:spPr/>
+    </dgm:pt>
+    <dgm:pt modelId="{D070E1A1-F27D-4AF4-86A8-5B732D8AEB85}" type="pres">
+      <dgm:prSet presAssocID="{46DA820D-201C-4EE5-BA95-E85B327DDA56}" presName="composite" presStyleCnt="0"/>
+      <dgm:spPr/>
+    </dgm:pt>
+    <dgm:pt modelId="{B9D917D1-98D2-432B-BEDD-16A4F6A21A4B}" type="pres">
+      <dgm:prSet presAssocID="{46DA820D-201C-4EE5-BA95-E85B327DDA56}" presName="parTx" presStyleLbl="alignNode1" presStyleIdx="0" presStyleCnt="3">
+        <dgm:presLayoutVars>
+          <dgm:chMax val="0"/>
+          <dgm:chPref val="0"/>
+          <dgm:bulletEnabled val="1"/>
+        </dgm:presLayoutVars>
+      </dgm:prSet>
+      <dgm:spPr/>
+    </dgm:pt>
+    <dgm:pt modelId="{518CE5FA-7563-41EC-87C5-597C1954D7DD}" type="pres">
+      <dgm:prSet presAssocID="{46DA820D-201C-4EE5-BA95-E85B327DDA56}" presName="desTx" presStyleLbl="alignAccFollowNode1" presStyleIdx="0" presStyleCnt="3">
+        <dgm:presLayoutVars>
+          <dgm:bulletEnabled val="1"/>
+        </dgm:presLayoutVars>
+      </dgm:prSet>
+      <dgm:spPr/>
+      <dgm:t>
+        <a:bodyPr/>
+        <a:lstStyle/>
+        <a:p>
+          <a:endParaRPr lang="en-US"/>
+        </a:p>
+      </dgm:t>
+    </dgm:pt>
+    <dgm:pt modelId="{F719EE46-BF8A-41F2-9485-66234BEBB1EC}" type="pres">
+      <dgm:prSet presAssocID="{2822D40C-B250-496B-A45A-90FC1BDF3C49}" presName="space" presStyleCnt="0"/>
+      <dgm:spPr/>
+    </dgm:pt>
+    <dgm:pt modelId="{049C6403-9B7F-4830-B0E3-8858983A5D4A}" type="pres">
+      <dgm:prSet presAssocID="{046966D4-F873-4A1D-AD72-6E45C27860B1}" presName="composite" presStyleCnt="0"/>
+      <dgm:spPr/>
+    </dgm:pt>
+    <dgm:pt modelId="{3D61C0A1-8CC5-4B44-AD36-9D585D949408}" type="pres">
+      <dgm:prSet presAssocID="{046966D4-F873-4A1D-AD72-6E45C27860B1}" presName="parTx" presStyleLbl="alignNode1" presStyleIdx="1" presStyleCnt="3">
+        <dgm:presLayoutVars>
+          <dgm:chMax val="0"/>
+          <dgm:chPref val="0"/>
+          <dgm:bulletEnabled val="1"/>
+        </dgm:presLayoutVars>
+      </dgm:prSet>
+      <dgm:spPr/>
+      <dgm:t>
+        <a:bodyPr/>
+        <a:lstStyle/>
+        <a:p>
+          <a:endParaRPr lang="en-US"/>
+        </a:p>
+      </dgm:t>
+    </dgm:pt>
+    <dgm:pt modelId="{C2403F88-46ED-460A-9BA4-686E791386E3}" type="pres">
+      <dgm:prSet presAssocID="{046966D4-F873-4A1D-AD72-6E45C27860B1}" presName="desTx" presStyleLbl="alignAccFollowNode1" presStyleIdx="1" presStyleCnt="3">
+        <dgm:presLayoutVars>
+          <dgm:bulletEnabled val="1"/>
+        </dgm:presLayoutVars>
+      </dgm:prSet>
+      <dgm:spPr/>
+      <dgm:t>
+        <a:bodyPr/>
+        <a:lstStyle/>
+        <a:p>
+          <a:endParaRPr lang="en-US"/>
+        </a:p>
+      </dgm:t>
+    </dgm:pt>
+    <dgm:pt modelId="{E6DFD0C5-E2CF-40DE-B870-3C09CC6D5BF4}" type="pres">
+      <dgm:prSet presAssocID="{C69E1B29-0468-4DA4-8C9A-E343BD867B85}" presName="space" presStyleCnt="0"/>
+      <dgm:spPr/>
+    </dgm:pt>
+    <dgm:pt modelId="{7E7C9404-4C3D-44F4-B9E2-12CDEF23E196}" type="pres">
+      <dgm:prSet presAssocID="{C3215DB5-EFB7-4E5B-8364-A64E35A5D2CD}" presName="composite" presStyleCnt="0"/>
+      <dgm:spPr/>
+    </dgm:pt>
+    <dgm:pt modelId="{E3CD9B98-6067-447E-9C8B-E2522C22BA94}" type="pres">
+      <dgm:prSet presAssocID="{C3215DB5-EFB7-4E5B-8364-A64E35A5D2CD}" presName="parTx" presStyleLbl="alignNode1" presStyleIdx="2" presStyleCnt="3">
+        <dgm:presLayoutVars>
+          <dgm:chMax val="0"/>
+          <dgm:chPref val="0"/>
+          <dgm:bulletEnabled val="1"/>
+        </dgm:presLayoutVars>
+      </dgm:prSet>
+      <dgm:spPr/>
+      <dgm:t>
+        <a:bodyPr/>
+        <a:lstStyle/>
+        <a:p>
+          <a:endParaRPr lang="en-US"/>
+        </a:p>
+      </dgm:t>
+    </dgm:pt>
+    <dgm:pt modelId="{BB81C2C7-1E83-4BB5-8F33-9B7EFCAC800B}" type="pres">
+      <dgm:prSet presAssocID="{C3215DB5-EFB7-4E5B-8364-A64E35A5D2CD}" presName="desTx" presStyleLbl="alignAccFollowNode1" presStyleIdx="2" presStyleCnt="3">
+        <dgm:presLayoutVars>
+          <dgm:bulletEnabled val="1"/>
+        </dgm:presLayoutVars>
+      </dgm:prSet>
+      <dgm:spPr/>
+      <dgm:t>
+        <a:bodyPr/>
+        <a:lstStyle/>
+        <a:p>
+          <a:endParaRPr lang="en-US"/>
+        </a:p>
+      </dgm:t>
+    </dgm:pt>
+  </dgm:ptLst>
+  <dgm:cxnLst>
+    <dgm:cxn modelId="{EE07772F-9557-4AE9-A790-685F84674D52}" srcId="{4FF0039D-64B0-41B1-B5C2-00FB1DB065A6}" destId="{46DA820D-201C-4EE5-BA95-E85B327DDA56}" srcOrd="0" destOrd="0" parTransId="{A945D324-7886-4C4B-9588-8DADC968DEB0}" sibTransId="{2822D40C-B250-496B-A45A-90FC1BDF3C49}"/>
+    <dgm:cxn modelId="{799F73B1-A518-4B29-B061-A9DBBF0DFD23}" type="presOf" srcId="{068148B9-235F-42E9-BF29-D92C298FFBF9}" destId="{C2403F88-46ED-460A-9BA4-686E791386E3}" srcOrd="0" destOrd="2" presId="urn:microsoft.com/office/officeart/2005/8/layout/hList1"/>
+    <dgm:cxn modelId="{77B0171B-18D0-4EE9-99B4-99386E10CC1D}" srcId="{4FF0039D-64B0-41B1-B5C2-00FB1DB065A6}" destId="{C3215DB5-EFB7-4E5B-8364-A64E35A5D2CD}" srcOrd="2" destOrd="0" parTransId="{30B0A19C-B37E-4C49-80EE-A1987DF6CCB8}" sibTransId="{95593F36-B659-4A3D-99C5-E8A7041D0D99}"/>
+    <dgm:cxn modelId="{C13B4731-319B-4165-8EEB-1EED1B7B402E}" type="presOf" srcId="{AE88C527-BEFA-4762-AB06-CEA6FDAD25C5}" destId="{C2403F88-46ED-460A-9BA4-686E791386E3}" srcOrd="0" destOrd="0" presId="urn:microsoft.com/office/officeart/2005/8/layout/hList1"/>
+    <dgm:cxn modelId="{1A1CA1A2-9B16-471E-8C80-21E15C380046}" srcId="{C3215DB5-EFB7-4E5B-8364-A64E35A5D2CD}" destId="{12EB942C-400A-43B3-8C53-DA1E650F0498}" srcOrd="0" destOrd="0" parTransId="{4CE960A2-F6DA-48B0-87ED-953E23D9AABA}" sibTransId="{B31E847C-1420-4605-A3FD-3E466B09CB0C}"/>
+    <dgm:cxn modelId="{BE82CEAE-B6FA-40BB-B41F-E1E86106979E}" type="presOf" srcId="{4E91D0CD-AC00-4466-BAAA-EC4BE3ED89B7}" destId="{518CE5FA-7563-41EC-87C5-597C1954D7DD}" srcOrd="0" destOrd="0" presId="urn:microsoft.com/office/officeart/2005/8/layout/hList1"/>
+    <dgm:cxn modelId="{8EB67578-8E0C-4860-B814-9DCB44F5268E}" type="presOf" srcId="{4FF0039D-64B0-41B1-B5C2-00FB1DB065A6}" destId="{10FE61E8-7E0C-44DA-A5F8-AE40FD910B1A}" srcOrd="0" destOrd="0" presId="urn:microsoft.com/office/officeart/2005/8/layout/hList1"/>
+    <dgm:cxn modelId="{97EE0737-A015-4983-AEF0-83B7898F50A8}" srcId="{46DA820D-201C-4EE5-BA95-E85B327DDA56}" destId="{267696F5-F79F-4843-973E-2A3C74B0573C}" srcOrd="3" destOrd="0" parTransId="{4B1AFD39-1AE7-46EA-BFE0-FE5AB2D206DF}" sibTransId="{3027EDD3-4523-43EC-B7DB-E8BCBD71DC4E}"/>
+    <dgm:cxn modelId="{89E98809-E3A6-4CB6-B163-BB8416F51476}" type="presOf" srcId="{BC2F21ED-737D-448C-803D-393606769BD3}" destId="{BB81C2C7-1E83-4BB5-8F33-9B7EFCAC800B}" srcOrd="0" destOrd="1" presId="urn:microsoft.com/office/officeart/2005/8/layout/hList1"/>
+    <dgm:cxn modelId="{469E7FF9-C6D7-4847-9983-54F01FBE5743}" srcId="{4FF0039D-64B0-41B1-B5C2-00FB1DB065A6}" destId="{046966D4-F873-4A1D-AD72-6E45C27860B1}" srcOrd="1" destOrd="0" parTransId="{F9A5BFEB-59A0-41AD-9621-CD58C9B0B9F4}" sibTransId="{C69E1B29-0468-4DA4-8C9A-E343BD867B85}"/>
+    <dgm:cxn modelId="{5578727F-1078-47EE-8C7B-BCAD6CACE1C5}" type="presOf" srcId="{161FFA56-3887-4515-BC36-BB566BAC2969}" destId="{518CE5FA-7563-41EC-87C5-597C1954D7DD}" srcOrd="0" destOrd="1" presId="urn:microsoft.com/office/officeart/2005/8/layout/hList1"/>
+    <dgm:cxn modelId="{AEA50901-F7FE-456B-B471-25BF6BB733E1}" type="presOf" srcId="{80F709CA-D933-4078-A0A5-04D1865E3622}" destId="{C2403F88-46ED-460A-9BA4-686E791386E3}" srcOrd="0" destOrd="1" presId="urn:microsoft.com/office/officeart/2005/8/layout/hList1"/>
+    <dgm:cxn modelId="{F2CDCDF8-A2FB-4AD9-A657-B4C73658BF89}" type="presOf" srcId="{46DA820D-201C-4EE5-BA95-E85B327DDA56}" destId="{B9D917D1-98D2-432B-BEDD-16A4F6A21A4B}" srcOrd="0" destOrd="0" presId="urn:microsoft.com/office/officeart/2005/8/layout/hList1"/>
+    <dgm:cxn modelId="{7396DD5C-07D3-4264-A348-AB28923EACBF}" type="presOf" srcId="{267696F5-F79F-4843-973E-2A3C74B0573C}" destId="{518CE5FA-7563-41EC-87C5-597C1954D7DD}" srcOrd="0" destOrd="3" presId="urn:microsoft.com/office/officeart/2005/8/layout/hList1"/>
+    <dgm:cxn modelId="{7F58109C-346B-49CC-85EB-52223905A781}" type="presOf" srcId="{5C66D256-14BB-4A2F-B6E6-9192F6799BE9}" destId="{C2403F88-46ED-460A-9BA4-686E791386E3}" srcOrd="0" destOrd="3" presId="urn:microsoft.com/office/officeart/2005/8/layout/hList1"/>
+    <dgm:cxn modelId="{EDED1C39-606A-4D15-A118-E97AA23AD1F2}" type="presOf" srcId="{12EB942C-400A-43B3-8C53-DA1E650F0498}" destId="{BB81C2C7-1E83-4BB5-8F33-9B7EFCAC800B}" srcOrd="0" destOrd="0" presId="urn:microsoft.com/office/officeart/2005/8/layout/hList1"/>
+    <dgm:cxn modelId="{0D8AB58A-CA42-4099-80CB-4003C5B7698F}" srcId="{046966D4-F873-4A1D-AD72-6E45C27860B1}" destId="{068148B9-235F-42E9-BF29-D92C298FFBF9}" srcOrd="2" destOrd="0" parTransId="{1903C21C-6446-49F1-98C8-D9AD3FB50CDA}" sibTransId="{2A04C4E4-3FD2-4778-A2A5-FA5AC9D73B1A}"/>
+    <dgm:cxn modelId="{B74CC56C-F1DA-4876-A0E6-2F552253D5F8}" srcId="{046966D4-F873-4A1D-AD72-6E45C27860B1}" destId="{5C66D256-14BB-4A2F-B6E6-9192F6799BE9}" srcOrd="3" destOrd="0" parTransId="{BE3D74F5-903D-4375-8B49-BC632CE91F41}" sibTransId="{EF550B28-4D76-43BF-A46C-4B41DA8464DF}"/>
+    <dgm:cxn modelId="{41E05E9E-52A9-46A4-BC8B-EE113E744BBB}" srcId="{46DA820D-201C-4EE5-BA95-E85B327DDA56}" destId="{4D9C37EE-43F0-48ED-BE4A-41204CFDACBF}" srcOrd="2" destOrd="0" parTransId="{24687926-ECC3-4FF5-90B4-488B254D8E34}" sibTransId="{37C36BD5-0993-46D7-B936-100B74313A7D}"/>
+    <dgm:cxn modelId="{2454FDC0-5715-4421-95A9-ADE4A493FA2E}" srcId="{46DA820D-201C-4EE5-BA95-E85B327DDA56}" destId="{4E91D0CD-AC00-4466-BAAA-EC4BE3ED89B7}" srcOrd="0" destOrd="0" parTransId="{BD3EAEDA-F730-46B2-9A62-1ADA4470FAAC}" sibTransId="{71A38ED7-2CA9-4451-A67C-F253BA24C263}"/>
+    <dgm:cxn modelId="{20722ABC-F6D0-4D6E-AA35-C0731E98341E}" srcId="{046966D4-F873-4A1D-AD72-6E45C27860B1}" destId="{80F709CA-D933-4078-A0A5-04D1865E3622}" srcOrd="1" destOrd="0" parTransId="{F8D5DA4D-69AE-49D0-8D2C-EE4D346E92D1}" sibTransId="{784191C2-E904-4B1F-9769-B413D0EA81A1}"/>
+    <dgm:cxn modelId="{E6E867D1-6610-411A-8B46-DC27D6CA9E87}" type="presOf" srcId="{4D9C37EE-43F0-48ED-BE4A-41204CFDACBF}" destId="{518CE5FA-7563-41EC-87C5-597C1954D7DD}" srcOrd="0" destOrd="2" presId="urn:microsoft.com/office/officeart/2005/8/layout/hList1"/>
+    <dgm:cxn modelId="{03250648-4EFB-4691-BDA1-00E126D26DE1}" srcId="{46DA820D-201C-4EE5-BA95-E85B327DDA56}" destId="{161FFA56-3887-4515-BC36-BB566BAC2969}" srcOrd="1" destOrd="0" parTransId="{955FC536-03A0-427F-84C5-0BCDE3DF21EC}" sibTransId="{5CAFE2A5-1B67-4C92-86B1-A289974ABED7}"/>
+    <dgm:cxn modelId="{60319872-C32F-4859-A49D-BD5CC323683F}" srcId="{046966D4-F873-4A1D-AD72-6E45C27860B1}" destId="{AE88C527-BEFA-4762-AB06-CEA6FDAD25C5}" srcOrd="0" destOrd="0" parTransId="{D7DA9E31-EB10-4479-9477-51C5B041949B}" sibTransId="{D5C4BFED-1D33-468C-9B6A-8EB857FDA7CA}"/>
+    <dgm:cxn modelId="{550CFA00-1F3B-4176-A661-0C40D70A396E}" type="presOf" srcId="{046966D4-F873-4A1D-AD72-6E45C27860B1}" destId="{3D61C0A1-8CC5-4B44-AD36-9D585D949408}" srcOrd="0" destOrd="0" presId="urn:microsoft.com/office/officeart/2005/8/layout/hList1"/>
+    <dgm:cxn modelId="{20FD5ADF-1190-479B-B629-9BFE6B31A50F}" srcId="{C3215DB5-EFB7-4E5B-8364-A64E35A5D2CD}" destId="{BC2F21ED-737D-448C-803D-393606769BD3}" srcOrd="1" destOrd="0" parTransId="{9340573C-77F5-461F-88E3-2D874EFE1CD6}" sibTransId="{680B0FC7-5C69-4F70-9E27-00E43C1E401C}"/>
+    <dgm:cxn modelId="{B687A620-6C88-493A-A23F-EAA181D4450D}" type="presOf" srcId="{C3215DB5-EFB7-4E5B-8364-A64E35A5D2CD}" destId="{E3CD9B98-6067-447E-9C8B-E2522C22BA94}" srcOrd="0" destOrd="0" presId="urn:microsoft.com/office/officeart/2005/8/layout/hList1"/>
+    <dgm:cxn modelId="{2C1FDA16-324A-4C75-B5EE-16DE5C388438}" type="presParOf" srcId="{10FE61E8-7E0C-44DA-A5F8-AE40FD910B1A}" destId="{D070E1A1-F27D-4AF4-86A8-5B732D8AEB85}" srcOrd="0" destOrd="0" presId="urn:microsoft.com/office/officeart/2005/8/layout/hList1"/>
+    <dgm:cxn modelId="{731C2FCD-DF76-4A04-8249-3A89F0CF07DC}" type="presParOf" srcId="{D070E1A1-F27D-4AF4-86A8-5B732D8AEB85}" destId="{B9D917D1-98D2-432B-BEDD-16A4F6A21A4B}" srcOrd="0" destOrd="0" presId="urn:microsoft.com/office/officeart/2005/8/layout/hList1"/>
+    <dgm:cxn modelId="{59F9CD9C-58BC-4202-BCA0-48B2817C88D5}" type="presParOf" srcId="{D070E1A1-F27D-4AF4-86A8-5B732D8AEB85}" destId="{518CE5FA-7563-41EC-87C5-597C1954D7DD}" srcOrd="1" destOrd="0" presId="urn:microsoft.com/office/officeart/2005/8/layout/hList1"/>
+    <dgm:cxn modelId="{E66D812B-3FBA-4672-8C9B-8C4CD788C343}" type="presParOf" srcId="{10FE61E8-7E0C-44DA-A5F8-AE40FD910B1A}" destId="{F719EE46-BF8A-41F2-9485-66234BEBB1EC}" srcOrd="1" destOrd="0" presId="urn:microsoft.com/office/officeart/2005/8/layout/hList1"/>
+    <dgm:cxn modelId="{D4814260-E8C1-482F-AA20-D017FB2EC16C}" type="presParOf" srcId="{10FE61E8-7E0C-44DA-A5F8-AE40FD910B1A}" destId="{049C6403-9B7F-4830-B0E3-8858983A5D4A}" srcOrd="2" destOrd="0" presId="urn:microsoft.com/office/officeart/2005/8/layout/hList1"/>
+    <dgm:cxn modelId="{7A1BEB46-80D2-4760-B92E-6C3624013ADE}" type="presParOf" srcId="{049C6403-9B7F-4830-B0E3-8858983A5D4A}" destId="{3D61C0A1-8CC5-4B44-AD36-9D585D949408}" srcOrd="0" destOrd="0" presId="urn:microsoft.com/office/officeart/2005/8/layout/hList1"/>
+    <dgm:cxn modelId="{57560C17-8BD3-40A6-8FF0-E84DA077FE4D}" type="presParOf" srcId="{049C6403-9B7F-4830-B0E3-8858983A5D4A}" destId="{C2403F88-46ED-460A-9BA4-686E791386E3}" srcOrd="1" destOrd="0" presId="urn:microsoft.com/office/officeart/2005/8/layout/hList1"/>
+    <dgm:cxn modelId="{4668F996-7BF8-47EE-8E85-35D37ACD5C79}" type="presParOf" srcId="{10FE61E8-7E0C-44DA-A5F8-AE40FD910B1A}" destId="{E6DFD0C5-E2CF-40DE-B870-3C09CC6D5BF4}" srcOrd="3" destOrd="0" presId="urn:microsoft.com/office/officeart/2005/8/layout/hList1"/>
+    <dgm:cxn modelId="{43266B01-A065-472D-840A-EB2C41DD0F70}" type="presParOf" srcId="{10FE61E8-7E0C-44DA-A5F8-AE40FD910B1A}" destId="{7E7C9404-4C3D-44F4-B9E2-12CDEF23E196}" srcOrd="4" destOrd="0" presId="urn:microsoft.com/office/officeart/2005/8/layout/hList1"/>
+    <dgm:cxn modelId="{DA122A54-1DD2-4E1D-8471-6E6F722B7A32}" type="presParOf" srcId="{7E7C9404-4C3D-44F4-B9E2-12CDEF23E196}" destId="{E3CD9B98-6067-447E-9C8B-E2522C22BA94}" srcOrd="0" destOrd="0" presId="urn:microsoft.com/office/officeart/2005/8/layout/hList1"/>
+    <dgm:cxn modelId="{216224DD-525C-42F8-8382-D3BB2483DAAA}" type="presParOf" srcId="{7E7C9404-4C3D-44F4-B9E2-12CDEF23E196}" destId="{BB81C2C7-1E83-4BB5-8F33-9B7EFCAC800B}" srcOrd="1" destOrd="0" presId="urn:microsoft.com/office/officeart/2005/8/layout/hList1"/>
+  </dgm:cxnLst>
+  <dgm:bg/>
+  <dgm:whole/>
+  <dgm:extLst>
+    <a:ext uri="http://schemas.microsoft.com/office/drawing/2008/diagram">
+      <dsp:dataModelExt xmlns:dsp="http://schemas.microsoft.com/office/drawing/2008/diagram" relId="rId7" minVer="http://schemas.openxmlformats.org/drawingml/2006/diagram"/>
+    </a:ext>
+  </dgm:extLst>
+</dgm:dataModel>
+</file>
+
+<file path=ppt/diagrams/drawing1.xml><?xml version="1.0" encoding="utf-8"?>
+<dsp:drawing xmlns:dgm="http://schemas.openxmlformats.org/drawingml/2006/diagram" xmlns:dsp="http://schemas.microsoft.com/office/drawing/2008/diagram" xmlns:a="http://schemas.openxmlformats.org/drawingml/2006/main">
+  <dsp:spTree>
+    <dsp:nvGrpSpPr>
+      <dsp:cNvPr id="0" name=""/>
+      <dsp:cNvGrpSpPr/>
+    </dsp:nvGrpSpPr>
+    <dsp:grpSpPr/>
+    <dsp:sp modelId="{50B733CA-6D0E-4D3E-8D05-62328FBAE372}">
+      <dsp:nvSpPr>
+        <dsp:cNvPr id="0" name=""/>
+        <dsp:cNvSpPr/>
+      </dsp:nvSpPr>
+      <dsp:spPr>
+        <a:xfrm rot="5400000">
+          <a:off x="-164821" y="166350"/>
+          <a:ext cx="1098807" cy="769165"/>
+        </a:xfrm>
+        <a:prstGeom prst="chevron">
+          <a:avLst/>
+        </a:prstGeom>
+        <a:solidFill>
+          <a:schemeClr val="accent1">
+            <a:hueOff val="0"/>
+            <a:satOff val="0"/>
+            <a:lumOff val="0"/>
+            <a:alphaOff val="0"/>
+          </a:schemeClr>
+        </a:solidFill>
+        <a:ln w="25400" cap="flat" cmpd="sng" algn="ctr">
+          <a:solidFill>
+            <a:schemeClr val="accent1">
+              <a:hueOff val="0"/>
+              <a:satOff val="0"/>
+              <a:lumOff val="0"/>
+              <a:alphaOff val="0"/>
+            </a:schemeClr>
+          </a:solidFill>
+          <a:prstDash val="solid"/>
+        </a:ln>
+        <a:effectLst/>
+      </dsp:spPr>
+      <dsp:style>
+        <a:lnRef idx="2">
+          <a:scrgbClr r="0" g="0" b="0"/>
+        </a:lnRef>
+        <a:fillRef idx="1">
+          <a:scrgbClr r="0" g="0" b="0"/>
+        </a:fillRef>
+        <a:effectRef idx="0">
+          <a:scrgbClr r="0" g="0" b="0"/>
+        </a:effectRef>
+        <a:fontRef idx="minor">
+          <a:schemeClr val="lt1"/>
+        </a:fontRef>
+      </dsp:style>
+      <dsp:txBody>
+        <a:bodyPr spcFirstLastPara="0" vert="horz" wrap="square" lIns="13970" tIns="13970" rIns="13970" bIns="13970" numCol="1" spcCol="1270" anchor="ctr" anchorCtr="0">
+          <a:noAutofit/>
+        </a:bodyPr>
+        <a:lstStyle/>
+        <a:p>
+          <a:pPr lvl="0" algn="ctr" defTabSz="977900">
+            <a:lnSpc>
+              <a:spcPct val="90000"/>
+            </a:lnSpc>
+            <a:spcBef>
+              <a:spcPct val="0"/>
+            </a:spcBef>
+            <a:spcAft>
+              <a:spcPct val="35000"/>
+            </a:spcAft>
+          </a:pPr>
+          <a:r>
+            <a:rPr lang="en-US" sz="2200" kern="1200" dirty="0" smtClean="0"/>
+            <a:t>1.</a:t>
+          </a:r>
+          <a:endParaRPr lang="en-US" sz="2200" kern="1200" dirty="0"/>
+        </a:p>
+      </dsp:txBody>
+      <dsp:txXfrm rot="-5400000">
+        <a:off x="1" y="386112"/>
+        <a:ext cx="769165" cy="329642"/>
+      </dsp:txXfrm>
+    </dsp:sp>
+    <dsp:sp modelId="{7D2A4557-0A83-49D4-BF4C-4C7F9C67F832}">
+      <dsp:nvSpPr>
+        <dsp:cNvPr id="0" name=""/>
+        <dsp:cNvSpPr/>
+      </dsp:nvSpPr>
+      <dsp:spPr>
+        <a:xfrm rot="5400000">
+          <a:off x="2812657" y="-2041962"/>
+          <a:ext cx="714224" cy="4801208"/>
+        </a:xfrm>
+        <a:prstGeom prst="round2SameRect">
+          <a:avLst/>
+        </a:prstGeom>
+        <a:solidFill>
+          <a:schemeClr val="lt1">
+            <a:alpha val="90000"/>
+            <a:hueOff val="0"/>
+            <a:satOff val="0"/>
+            <a:lumOff val="0"/>
+            <a:alphaOff val="0"/>
+          </a:schemeClr>
+        </a:solidFill>
+        <a:ln w="25400" cap="flat" cmpd="sng" algn="ctr">
+          <a:solidFill>
+            <a:schemeClr val="accent1">
+              <a:hueOff val="0"/>
+              <a:satOff val="0"/>
+              <a:lumOff val="0"/>
+              <a:alphaOff val="0"/>
+            </a:schemeClr>
+          </a:solidFill>
+          <a:prstDash val="solid"/>
+        </a:ln>
+        <a:effectLst/>
+      </dsp:spPr>
+      <dsp:style>
+        <a:lnRef idx="2">
+          <a:scrgbClr r="0" g="0" b="0"/>
+        </a:lnRef>
+        <a:fillRef idx="1">
+          <a:scrgbClr r="0" g="0" b="0"/>
+        </a:fillRef>
+        <a:effectRef idx="0">
+          <a:scrgbClr r="0" g="0" b="0"/>
+        </a:effectRef>
+        <a:fontRef idx="minor"/>
+      </dsp:style>
+      <dsp:txBody>
+        <a:bodyPr spcFirstLastPara="0" vert="horz" wrap="square" lIns="128016" tIns="11430" rIns="11430" bIns="11430" numCol="1" spcCol="1270" anchor="ctr" anchorCtr="0">
+          <a:noAutofit/>
+        </a:bodyPr>
+        <a:lstStyle/>
+        <a:p>
+          <a:pPr marL="171450" lvl="1" indent="-171450" algn="l" defTabSz="800100">
+            <a:lnSpc>
+              <a:spcPct val="90000"/>
+            </a:lnSpc>
+            <a:spcBef>
+              <a:spcPct val="0"/>
+            </a:spcBef>
+            <a:spcAft>
+              <a:spcPct val="15000"/>
+            </a:spcAft>
+            <a:buChar char="••"/>
+          </a:pPr>
+          <a:r>
+            <a:rPr lang="en-US" sz="1800" kern="1200" dirty="0" smtClean="0"/>
+            <a:t>Time Consuming.</a:t>
+          </a:r>
+          <a:endParaRPr lang="en-US" sz="1800" kern="1200" dirty="0"/>
+        </a:p>
+      </dsp:txBody>
+      <dsp:txXfrm rot="-5400000">
+        <a:off x="769165" y="36396"/>
+        <a:ext cx="4766342" cy="644492"/>
+      </dsp:txXfrm>
+    </dsp:sp>
+    <dsp:sp modelId="{30F89650-44DB-451A-9DC8-8D0C92DD8894}">
+      <dsp:nvSpPr>
+        <dsp:cNvPr id="0" name=""/>
+        <dsp:cNvSpPr/>
+      </dsp:nvSpPr>
+      <dsp:spPr>
+        <a:xfrm rot="5400000">
+          <a:off x="-164821" y="1061662"/>
+          <a:ext cx="1098807" cy="769165"/>
+        </a:xfrm>
+        <a:prstGeom prst="chevron">
+          <a:avLst/>
+        </a:prstGeom>
+        <a:solidFill>
+          <a:schemeClr val="accent1">
+            <a:hueOff val="0"/>
+            <a:satOff val="0"/>
+            <a:lumOff val="0"/>
+            <a:alphaOff val="0"/>
+          </a:schemeClr>
+        </a:solidFill>
+        <a:ln w="25400" cap="flat" cmpd="sng" algn="ctr">
+          <a:solidFill>
+            <a:schemeClr val="accent1">
+              <a:hueOff val="0"/>
+              <a:satOff val="0"/>
+              <a:lumOff val="0"/>
+              <a:alphaOff val="0"/>
+            </a:schemeClr>
+          </a:solidFill>
+          <a:prstDash val="solid"/>
+        </a:ln>
+        <a:effectLst/>
+      </dsp:spPr>
+      <dsp:style>
+        <a:lnRef idx="2">
+          <a:scrgbClr r="0" g="0" b="0"/>
+        </a:lnRef>
+        <a:fillRef idx="1">
+          <a:scrgbClr r="0" g="0" b="0"/>
+        </a:fillRef>
+        <a:effectRef idx="0">
+          <a:scrgbClr r="0" g="0" b="0"/>
+        </a:effectRef>
+        <a:fontRef idx="minor">
+          <a:schemeClr val="lt1"/>
+        </a:fontRef>
+      </dsp:style>
+      <dsp:txBody>
+        <a:bodyPr spcFirstLastPara="0" vert="horz" wrap="square" lIns="13970" tIns="13970" rIns="13970" bIns="13970" numCol="1" spcCol="1270" anchor="ctr" anchorCtr="0">
+          <a:noAutofit/>
+        </a:bodyPr>
+        <a:lstStyle/>
+        <a:p>
+          <a:pPr lvl="0" algn="ctr" defTabSz="977900">
+            <a:lnSpc>
+              <a:spcPct val="90000"/>
+            </a:lnSpc>
+            <a:spcBef>
+              <a:spcPct val="0"/>
+            </a:spcBef>
+            <a:spcAft>
+              <a:spcPct val="35000"/>
+            </a:spcAft>
+          </a:pPr>
+          <a:r>
+            <a:rPr lang="en-US" sz="2200" kern="1200" dirty="0" smtClean="0"/>
+            <a:t>2.</a:t>
+          </a:r>
+          <a:endParaRPr lang="en-US" sz="2200" kern="1200" dirty="0"/>
+        </a:p>
+      </dsp:txBody>
+      <dsp:txXfrm rot="-5400000">
+        <a:off x="1" y="1281424"/>
+        <a:ext cx="769165" cy="329642"/>
+      </dsp:txXfrm>
+    </dsp:sp>
+    <dsp:sp modelId="{F9A8C83E-A9BF-4B2E-AEF5-FD6C5443A7A7}">
+      <dsp:nvSpPr>
+        <dsp:cNvPr id="0" name=""/>
+        <dsp:cNvSpPr/>
+      </dsp:nvSpPr>
+      <dsp:spPr>
+        <a:xfrm rot="5400000">
+          <a:off x="2812657" y="-1146650"/>
+          <a:ext cx="714224" cy="4801208"/>
+        </a:xfrm>
+        <a:prstGeom prst="round2SameRect">
+          <a:avLst/>
+        </a:prstGeom>
+        <a:solidFill>
+          <a:schemeClr val="lt1">
+            <a:alpha val="90000"/>
+            <a:hueOff val="0"/>
+            <a:satOff val="0"/>
+            <a:lumOff val="0"/>
+            <a:alphaOff val="0"/>
+          </a:schemeClr>
+        </a:solidFill>
+        <a:ln w="25400" cap="flat" cmpd="sng" algn="ctr">
+          <a:solidFill>
+            <a:schemeClr val="accent1">
+              <a:hueOff val="0"/>
+              <a:satOff val="0"/>
+              <a:lumOff val="0"/>
+              <a:alphaOff val="0"/>
+            </a:schemeClr>
+          </a:solidFill>
+          <a:prstDash val="solid"/>
+        </a:ln>
+        <a:effectLst/>
+      </dsp:spPr>
+      <dsp:style>
+        <a:lnRef idx="2">
+          <a:scrgbClr r="0" g="0" b="0"/>
+        </a:lnRef>
+        <a:fillRef idx="1">
+          <a:scrgbClr r="0" g="0" b="0"/>
+        </a:fillRef>
+        <a:effectRef idx="0">
+          <a:scrgbClr r="0" g="0" b="0"/>
+        </a:effectRef>
+        <a:fontRef idx="minor"/>
+      </dsp:style>
+      <dsp:txBody>
+        <a:bodyPr spcFirstLastPara="0" vert="horz" wrap="square" lIns="128016" tIns="11430" rIns="11430" bIns="11430" numCol="1" spcCol="1270" anchor="ctr" anchorCtr="0">
+          <a:noAutofit/>
+        </a:bodyPr>
+        <a:lstStyle/>
+        <a:p>
+          <a:pPr marL="171450" lvl="1" indent="-171450" algn="l" defTabSz="800100">
+            <a:lnSpc>
+              <a:spcPct val="90000"/>
+            </a:lnSpc>
+            <a:spcBef>
+              <a:spcPct val="0"/>
+            </a:spcBef>
+            <a:spcAft>
+              <a:spcPct val="15000"/>
+            </a:spcAft>
+            <a:buChar char="••"/>
+          </a:pPr>
+          <a:r>
+            <a:rPr lang="en-US" sz="1800" kern="1200" dirty="0" smtClean="0"/>
+            <a:t>Input is taken on unreliable sources.</a:t>
+          </a:r>
+          <a:endParaRPr lang="en-US" sz="1800" kern="1200" dirty="0"/>
+        </a:p>
+      </dsp:txBody>
+      <dsp:txXfrm rot="-5400000">
+        <a:off x="769165" y="931708"/>
+        <a:ext cx="4766342" cy="644492"/>
+      </dsp:txXfrm>
+    </dsp:sp>
+    <dsp:sp modelId="{2BF8C685-6C4F-4CDD-80CD-1A86D69C08EC}">
+      <dsp:nvSpPr>
+        <dsp:cNvPr id="0" name=""/>
+        <dsp:cNvSpPr/>
+      </dsp:nvSpPr>
+      <dsp:spPr>
+        <a:xfrm rot="5400000">
+          <a:off x="-164821" y="1956974"/>
+          <a:ext cx="1098807" cy="769165"/>
+        </a:xfrm>
+        <a:prstGeom prst="chevron">
+          <a:avLst/>
+        </a:prstGeom>
+        <a:solidFill>
+          <a:schemeClr val="accent1">
+            <a:hueOff val="0"/>
+            <a:satOff val="0"/>
+            <a:lumOff val="0"/>
+            <a:alphaOff val="0"/>
+          </a:schemeClr>
+        </a:solidFill>
+        <a:ln w="25400" cap="flat" cmpd="sng" algn="ctr">
+          <a:solidFill>
+            <a:schemeClr val="accent1">
+              <a:hueOff val="0"/>
+              <a:satOff val="0"/>
+              <a:lumOff val="0"/>
+              <a:alphaOff val="0"/>
+            </a:schemeClr>
+          </a:solidFill>
+          <a:prstDash val="solid"/>
+        </a:ln>
+        <a:effectLst/>
+      </dsp:spPr>
+      <dsp:style>
+        <a:lnRef idx="2">
+          <a:scrgbClr r="0" g="0" b="0"/>
+        </a:lnRef>
+        <a:fillRef idx="1">
+          <a:scrgbClr r="0" g="0" b="0"/>
+        </a:fillRef>
+        <a:effectRef idx="0">
+          <a:scrgbClr r="0" g="0" b="0"/>
+        </a:effectRef>
+        <a:fontRef idx="minor">
+          <a:schemeClr val="lt1"/>
+        </a:fontRef>
+      </dsp:style>
+      <dsp:txBody>
+        <a:bodyPr spcFirstLastPara="0" vert="horz" wrap="square" lIns="13970" tIns="13970" rIns="13970" bIns="13970" numCol="1" spcCol="1270" anchor="ctr" anchorCtr="0">
+          <a:noAutofit/>
+        </a:bodyPr>
+        <a:lstStyle/>
+        <a:p>
+          <a:pPr lvl="0" algn="ctr" defTabSz="977900">
+            <a:lnSpc>
+              <a:spcPct val="90000"/>
+            </a:lnSpc>
+            <a:spcBef>
+              <a:spcPct val="0"/>
+            </a:spcBef>
+            <a:spcAft>
+              <a:spcPct val="35000"/>
+            </a:spcAft>
+          </a:pPr>
+          <a:r>
+            <a:rPr lang="en-US" sz="2200" kern="1200" smtClean="0"/>
+            <a:t>3</a:t>
+          </a:r>
+          <a:endParaRPr lang="en-US" sz="2200" kern="1200" dirty="0"/>
+        </a:p>
+      </dsp:txBody>
+      <dsp:txXfrm rot="-5400000">
+        <a:off x="1" y="2176736"/>
+        <a:ext cx="769165" cy="329642"/>
+      </dsp:txXfrm>
+    </dsp:sp>
+    <dsp:sp modelId="{C276924F-0E78-4A02-8B1A-558A9A7C68EA}">
+      <dsp:nvSpPr>
+        <dsp:cNvPr id="0" name=""/>
+        <dsp:cNvSpPr/>
+      </dsp:nvSpPr>
+      <dsp:spPr>
+        <a:xfrm rot="5400000">
+          <a:off x="2812657" y="-251339"/>
+          <a:ext cx="714224" cy="4801208"/>
+        </a:xfrm>
+        <a:prstGeom prst="round2SameRect">
+          <a:avLst/>
+        </a:prstGeom>
+        <a:solidFill>
+          <a:schemeClr val="lt1">
+            <a:alpha val="90000"/>
+            <a:hueOff val="0"/>
+            <a:satOff val="0"/>
+            <a:lumOff val="0"/>
+            <a:alphaOff val="0"/>
+          </a:schemeClr>
+        </a:solidFill>
+        <a:ln w="25400" cap="flat" cmpd="sng" algn="ctr">
+          <a:solidFill>
+            <a:schemeClr val="accent1">
+              <a:hueOff val="0"/>
+              <a:satOff val="0"/>
+              <a:lumOff val="0"/>
+              <a:alphaOff val="0"/>
+            </a:schemeClr>
+          </a:solidFill>
+          <a:prstDash val="solid"/>
+        </a:ln>
+        <a:effectLst/>
+      </dsp:spPr>
+      <dsp:style>
+        <a:lnRef idx="2">
+          <a:scrgbClr r="0" g="0" b="0"/>
+        </a:lnRef>
+        <a:fillRef idx="1">
+          <a:scrgbClr r="0" g="0" b="0"/>
+        </a:fillRef>
+        <a:effectRef idx="0">
+          <a:scrgbClr r="0" g="0" b="0"/>
+        </a:effectRef>
+        <a:fontRef idx="minor"/>
+      </dsp:style>
+      <dsp:txBody>
+        <a:bodyPr spcFirstLastPara="0" vert="horz" wrap="square" lIns="128016" tIns="11430" rIns="11430" bIns="11430" numCol="1" spcCol="1270" anchor="ctr" anchorCtr="0">
+          <a:noAutofit/>
+        </a:bodyPr>
+        <a:lstStyle/>
+        <a:p>
+          <a:pPr marL="171450" lvl="1" indent="-171450" algn="l" defTabSz="800100">
+            <a:lnSpc>
+              <a:spcPct val="90000"/>
+            </a:lnSpc>
+            <a:spcBef>
+              <a:spcPct val="0"/>
+            </a:spcBef>
+            <a:spcAft>
+              <a:spcPct val="15000"/>
+            </a:spcAft>
+            <a:buChar char="••"/>
+          </a:pPr>
+          <a:r>
+            <a:rPr lang="en-US" sz="1800" kern="1200" dirty="0" smtClean="0"/>
+            <a:t>Poor means to visualize and compare</a:t>
+          </a:r>
+          <a:endParaRPr lang="en-US" sz="1800" kern="1200" dirty="0"/>
+        </a:p>
+      </dsp:txBody>
+      <dsp:txXfrm rot="-5400000">
+        <a:off x="769165" y="1827019"/>
+        <a:ext cx="4766342" cy="644492"/>
+      </dsp:txXfrm>
+    </dsp:sp>
+  </dsp:spTree>
+</dsp:drawing>
+</file>
+
+<file path=ppt/diagrams/drawing2.xml><?xml version="1.0" encoding="utf-8"?>
+<dsp:drawing xmlns:dgm="http://schemas.openxmlformats.org/drawingml/2006/diagram" xmlns:dsp="http://schemas.microsoft.com/office/drawing/2008/diagram" xmlns:a="http://schemas.openxmlformats.org/drawingml/2006/main">
+  <dsp:spTree>
+    <dsp:nvGrpSpPr>
+      <dsp:cNvPr id="0" name=""/>
+      <dsp:cNvGrpSpPr/>
+    </dsp:nvGrpSpPr>
+    <dsp:grpSpPr/>
+    <dsp:sp modelId="{B9D917D1-98D2-432B-BEDD-16A4F6A21A4B}">
+      <dsp:nvSpPr>
+        <dsp:cNvPr id="0" name=""/>
+        <dsp:cNvSpPr/>
+      </dsp:nvSpPr>
+      <dsp:spPr>
+        <a:xfrm>
+          <a:off x="1905" y="815011"/>
+          <a:ext cx="1857374" cy="633600"/>
+        </a:xfrm>
+        <a:prstGeom prst="rect">
+          <a:avLst/>
+        </a:prstGeom>
+        <a:solidFill>
+          <a:schemeClr val="accent1">
+            <a:hueOff val="0"/>
+            <a:satOff val="0"/>
+            <a:lumOff val="0"/>
+            <a:alphaOff val="0"/>
+          </a:schemeClr>
+        </a:solidFill>
+        <a:ln w="25400" cap="flat" cmpd="sng" algn="ctr">
+          <a:solidFill>
+            <a:schemeClr val="accent1">
+              <a:hueOff val="0"/>
+              <a:satOff val="0"/>
+              <a:lumOff val="0"/>
+              <a:alphaOff val="0"/>
+            </a:schemeClr>
+          </a:solidFill>
+          <a:prstDash val="solid"/>
+        </a:ln>
+        <a:effectLst/>
+      </dsp:spPr>
+      <dsp:style>
+        <a:lnRef idx="2">
+          <a:scrgbClr r="0" g="0" b="0"/>
+        </a:lnRef>
+        <a:fillRef idx="1">
+          <a:scrgbClr r="0" g="0" b="0"/>
+        </a:fillRef>
+        <a:effectRef idx="0">
+          <a:scrgbClr r="0" g="0" b="0"/>
+        </a:effectRef>
+        <a:fontRef idx="minor">
+          <a:schemeClr val="lt1"/>
+        </a:fontRef>
+      </dsp:style>
+      <dsp:txBody>
+        <a:bodyPr spcFirstLastPara="0" vert="horz" wrap="square" lIns="156464" tIns="89408" rIns="156464" bIns="89408" numCol="1" spcCol="1270" anchor="ctr" anchorCtr="0">
+          <a:noAutofit/>
+        </a:bodyPr>
+        <a:lstStyle/>
+        <a:p>
+          <a:pPr lvl="0" algn="ctr" defTabSz="977900">
+            <a:lnSpc>
+              <a:spcPct val="90000"/>
+            </a:lnSpc>
+            <a:spcBef>
+              <a:spcPct val="0"/>
+            </a:spcBef>
+            <a:spcAft>
+              <a:spcPct val="35000"/>
+            </a:spcAft>
+          </a:pPr>
+          <a:r>
+            <a:rPr lang="en-US" sz="2200" kern="1200" dirty="0" smtClean="0"/>
+            <a:t>Front end</a:t>
+          </a:r>
+          <a:endParaRPr lang="en-US" sz="2200" kern="1200" dirty="0"/>
+        </a:p>
+      </dsp:txBody>
+      <dsp:txXfrm>
+        <a:off x="1905" y="815011"/>
+        <a:ext cx="1857374" cy="633600"/>
+      </dsp:txXfrm>
+    </dsp:sp>
+    <dsp:sp modelId="{518CE5FA-7563-41EC-87C5-597C1954D7DD}">
+      <dsp:nvSpPr>
+        <dsp:cNvPr id="0" name=""/>
+        <dsp:cNvSpPr/>
+      </dsp:nvSpPr>
+      <dsp:spPr>
+        <a:xfrm>
+          <a:off x="1905" y="1448611"/>
+          <a:ext cx="1857374" cy="1800376"/>
+        </a:xfrm>
+        <a:prstGeom prst="rect">
+          <a:avLst/>
+        </a:prstGeom>
+        <a:solidFill>
+          <a:schemeClr val="accent1">
+            <a:alpha val="90000"/>
+            <a:tint val="40000"/>
+            <a:hueOff val="0"/>
+            <a:satOff val="0"/>
+            <a:lumOff val="0"/>
+            <a:alphaOff val="0"/>
+          </a:schemeClr>
+        </a:solidFill>
+        <a:ln w="25400" cap="flat" cmpd="sng" algn="ctr">
+          <a:solidFill>
+            <a:schemeClr val="accent1">
+              <a:alpha val="90000"/>
+              <a:tint val="40000"/>
+              <a:hueOff val="0"/>
+              <a:satOff val="0"/>
+              <a:lumOff val="0"/>
+              <a:alphaOff val="0"/>
+            </a:schemeClr>
+          </a:solidFill>
+          <a:prstDash val="solid"/>
+        </a:ln>
+        <a:effectLst/>
+      </dsp:spPr>
+      <dsp:style>
+        <a:lnRef idx="2">
+          <a:scrgbClr r="0" g="0" b="0"/>
+        </a:lnRef>
+        <a:fillRef idx="1">
+          <a:scrgbClr r="0" g="0" b="0"/>
+        </a:fillRef>
+        <a:effectRef idx="0">
+          <a:scrgbClr r="0" g="0" b="0"/>
+        </a:effectRef>
+        <a:fontRef idx="minor"/>
+      </dsp:style>
+      <dsp:txBody>
+        <a:bodyPr spcFirstLastPara="0" vert="horz" wrap="square" lIns="117348" tIns="117348" rIns="156464" bIns="176022" numCol="1" spcCol="1270" anchor="t" anchorCtr="0">
+          <a:noAutofit/>
+        </a:bodyPr>
+        <a:lstStyle/>
+        <a:p>
+          <a:pPr marL="228600" lvl="1" indent="-228600" algn="l" defTabSz="977900">
+            <a:lnSpc>
+              <a:spcPct val="90000"/>
+            </a:lnSpc>
+            <a:spcBef>
+              <a:spcPct val="0"/>
+            </a:spcBef>
+            <a:spcAft>
+              <a:spcPct val="15000"/>
+            </a:spcAft>
+            <a:buChar char="••"/>
+          </a:pPr>
+          <a:r>
+            <a:rPr lang="en-US" sz="2200" kern="1200" dirty="0" smtClean="0"/>
+            <a:t>Html</a:t>
+          </a:r>
+          <a:endParaRPr lang="en-US" sz="2200" kern="1200" dirty="0"/>
+        </a:p>
+        <a:p>
+          <a:pPr marL="228600" lvl="1" indent="-228600" algn="l" defTabSz="977900">
+            <a:lnSpc>
+              <a:spcPct val="90000"/>
+            </a:lnSpc>
+            <a:spcBef>
+              <a:spcPct val="0"/>
+            </a:spcBef>
+            <a:spcAft>
+              <a:spcPct val="15000"/>
+            </a:spcAft>
+            <a:buChar char="••"/>
+          </a:pPr>
+          <a:r>
+            <a:rPr lang="en-US" sz="2200" kern="1200" dirty="0" smtClean="0"/>
+            <a:t>CSS</a:t>
+          </a:r>
+          <a:endParaRPr lang="en-US" sz="2200" kern="1200" dirty="0"/>
+        </a:p>
+        <a:p>
+          <a:pPr marL="228600" lvl="1" indent="-228600" algn="l" defTabSz="977900">
+            <a:lnSpc>
+              <a:spcPct val="90000"/>
+            </a:lnSpc>
+            <a:spcBef>
+              <a:spcPct val="0"/>
+            </a:spcBef>
+            <a:spcAft>
+              <a:spcPct val="15000"/>
+            </a:spcAft>
+            <a:buChar char="••"/>
+          </a:pPr>
+          <a:r>
+            <a:rPr lang="en-US" sz="2200" kern="1200" dirty="0" smtClean="0"/>
+            <a:t>JavaScript</a:t>
+          </a:r>
+          <a:endParaRPr lang="en-US" sz="2200" kern="1200" dirty="0"/>
+        </a:p>
+        <a:p>
+          <a:pPr marL="228600" lvl="1" indent="-228600" algn="l" defTabSz="977900">
+            <a:lnSpc>
+              <a:spcPct val="90000"/>
+            </a:lnSpc>
+            <a:spcBef>
+              <a:spcPct val="0"/>
+            </a:spcBef>
+            <a:spcAft>
+              <a:spcPct val="15000"/>
+            </a:spcAft>
+            <a:buChar char="••"/>
+          </a:pPr>
+          <a:r>
+            <a:rPr lang="en-US" sz="2200" kern="1200" dirty="0" smtClean="0"/>
+            <a:t>XML</a:t>
+          </a:r>
+          <a:endParaRPr lang="en-US" sz="2200" kern="1200" dirty="0"/>
+        </a:p>
+      </dsp:txBody>
+      <dsp:txXfrm>
+        <a:off x="1905" y="1448611"/>
+        <a:ext cx="1857374" cy="1800376"/>
+      </dsp:txXfrm>
+    </dsp:sp>
+    <dsp:sp modelId="{3D61C0A1-8CC5-4B44-AD36-9D585D949408}">
+      <dsp:nvSpPr>
+        <dsp:cNvPr id="0" name=""/>
+        <dsp:cNvSpPr/>
+      </dsp:nvSpPr>
+      <dsp:spPr>
+        <a:xfrm>
+          <a:off x="2119312" y="815011"/>
+          <a:ext cx="1857374" cy="633600"/>
+        </a:xfrm>
+        <a:prstGeom prst="rect">
+          <a:avLst/>
+        </a:prstGeom>
+        <a:solidFill>
+          <a:schemeClr val="accent1">
+            <a:hueOff val="0"/>
+            <a:satOff val="0"/>
+            <a:lumOff val="0"/>
+            <a:alphaOff val="0"/>
+          </a:schemeClr>
+        </a:solidFill>
+        <a:ln w="25400" cap="flat" cmpd="sng" algn="ctr">
+          <a:solidFill>
+            <a:schemeClr val="accent1">
+              <a:hueOff val="0"/>
+              <a:satOff val="0"/>
+              <a:lumOff val="0"/>
+              <a:alphaOff val="0"/>
+            </a:schemeClr>
+          </a:solidFill>
+          <a:prstDash val="solid"/>
+        </a:ln>
+        <a:effectLst/>
+      </dsp:spPr>
+      <dsp:style>
+        <a:lnRef idx="2">
+          <a:scrgbClr r="0" g="0" b="0"/>
+        </a:lnRef>
+        <a:fillRef idx="1">
+          <a:scrgbClr r="0" g="0" b="0"/>
+        </a:fillRef>
+        <a:effectRef idx="0">
+          <a:scrgbClr r="0" g="0" b="0"/>
+        </a:effectRef>
+        <a:fontRef idx="minor">
+          <a:schemeClr val="lt1"/>
+        </a:fontRef>
+      </dsp:style>
+      <dsp:txBody>
+        <a:bodyPr spcFirstLastPara="0" vert="horz" wrap="square" lIns="156464" tIns="89408" rIns="156464" bIns="89408" numCol="1" spcCol="1270" anchor="ctr" anchorCtr="0">
+          <a:noAutofit/>
+        </a:bodyPr>
+        <a:lstStyle/>
+        <a:p>
+          <a:pPr lvl="0" algn="ctr" defTabSz="977900">
+            <a:lnSpc>
+              <a:spcPct val="90000"/>
+            </a:lnSpc>
+            <a:spcBef>
+              <a:spcPct val="0"/>
+            </a:spcBef>
+            <a:spcAft>
+              <a:spcPct val="35000"/>
+            </a:spcAft>
+          </a:pPr>
+          <a:r>
+            <a:rPr lang="en-US" sz="2200" kern="1200" dirty="0" smtClean="0"/>
+            <a:t>Back end</a:t>
+          </a:r>
+          <a:endParaRPr lang="en-US" sz="2200" kern="1200" dirty="0"/>
+        </a:p>
+      </dsp:txBody>
+      <dsp:txXfrm>
+        <a:off x="2119312" y="815011"/>
+        <a:ext cx="1857374" cy="633600"/>
+      </dsp:txXfrm>
+    </dsp:sp>
+    <dsp:sp modelId="{C2403F88-46ED-460A-9BA4-686E791386E3}">
+      <dsp:nvSpPr>
+        <dsp:cNvPr id="0" name=""/>
+        <dsp:cNvSpPr/>
+      </dsp:nvSpPr>
+      <dsp:spPr>
+        <a:xfrm>
+          <a:off x="2119312" y="1448611"/>
+          <a:ext cx="1857374" cy="1800376"/>
+        </a:xfrm>
+        <a:prstGeom prst="rect">
+          <a:avLst/>
+        </a:prstGeom>
+        <a:solidFill>
+          <a:schemeClr val="accent1">
+            <a:alpha val="90000"/>
+            <a:tint val="40000"/>
+            <a:hueOff val="0"/>
+            <a:satOff val="0"/>
+            <a:lumOff val="0"/>
+            <a:alphaOff val="0"/>
+          </a:schemeClr>
+        </a:solidFill>
+        <a:ln w="25400" cap="flat" cmpd="sng" algn="ctr">
+          <a:solidFill>
+            <a:schemeClr val="accent1">
+              <a:alpha val="90000"/>
+              <a:tint val="40000"/>
+              <a:hueOff val="0"/>
+              <a:satOff val="0"/>
+              <a:lumOff val="0"/>
+              <a:alphaOff val="0"/>
+            </a:schemeClr>
+          </a:solidFill>
+          <a:prstDash val="solid"/>
+        </a:ln>
+        <a:effectLst/>
+      </dsp:spPr>
+      <dsp:style>
+        <a:lnRef idx="2">
+          <a:scrgbClr r="0" g="0" b="0"/>
+        </a:lnRef>
+        <a:fillRef idx="1">
+          <a:scrgbClr r="0" g="0" b="0"/>
+        </a:fillRef>
+        <a:effectRef idx="0">
+          <a:scrgbClr r="0" g="0" b="0"/>
+        </a:effectRef>
+        <a:fontRef idx="minor"/>
+      </dsp:style>
+      <dsp:txBody>
+        <a:bodyPr spcFirstLastPara="0" vert="horz" wrap="square" lIns="117348" tIns="117348" rIns="156464" bIns="176022" numCol="1" spcCol="1270" anchor="t" anchorCtr="0">
+          <a:noAutofit/>
+        </a:bodyPr>
+        <a:lstStyle/>
+        <a:p>
+          <a:pPr marL="228600" lvl="1" indent="-228600" algn="l" defTabSz="977900">
+            <a:lnSpc>
+              <a:spcPct val="90000"/>
+            </a:lnSpc>
+            <a:spcBef>
+              <a:spcPct val="0"/>
+            </a:spcBef>
+            <a:spcAft>
+              <a:spcPct val="15000"/>
+            </a:spcAft>
+            <a:buChar char="••"/>
+          </a:pPr>
+          <a:r>
+            <a:rPr lang="en-US" sz="2200" kern="1200" dirty="0" smtClean="0"/>
+            <a:t>Python</a:t>
+          </a:r>
+          <a:endParaRPr lang="en-US" sz="2200" kern="1200" dirty="0"/>
+        </a:p>
+        <a:p>
+          <a:pPr marL="228600" lvl="1" indent="-228600" algn="l" defTabSz="977900">
+            <a:lnSpc>
+              <a:spcPct val="90000"/>
+            </a:lnSpc>
+            <a:spcBef>
+              <a:spcPct val="0"/>
+            </a:spcBef>
+            <a:spcAft>
+              <a:spcPct val="15000"/>
+            </a:spcAft>
+            <a:buChar char="••"/>
+          </a:pPr>
+          <a:r>
+            <a:rPr lang="en-US" sz="2200" kern="1200" dirty="0" smtClean="0"/>
+            <a:t>MySQL</a:t>
+          </a:r>
+          <a:endParaRPr lang="en-US" sz="2200" kern="1200" dirty="0"/>
+        </a:p>
+        <a:p>
+          <a:pPr marL="228600" lvl="1" indent="-228600" algn="l" defTabSz="977900">
+            <a:lnSpc>
+              <a:spcPct val="90000"/>
+            </a:lnSpc>
+            <a:spcBef>
+              <a:spcPct val="0"/>
+            </a:spcBef>
+            <a:spcAft>
+              <a:spcPct val="15000"/>
+            </a:spcAft>
+            <a:buChar char="••"/>
+          </a:pPr>
+          <a:r>
+            <a:rPr lang="en-US" sz="2200" kern="1200" dirty="0" smtClean="0"/>
+            <a:t>Java</a:t>
+          </a:r>
+          <a:endParaRPr lang="en-US" sz="2200" kern="1200" dirty="0"/>
+        </a:p>
+        <a:p>
+          <a:pPr marL="228600" lvl="1" indent="-228600" algn="l" defTabSz="977900">
+            <a:lnSpc>
+              <a:spcPct val="90000"/>
+            </a:lnSpc>
+            <a:spcBef>
+              <a:spcPct val="0"/>
+            </a:spcBef>
+            <a:spcAft>
+              <a:spcPct val="15000"/>
+            </a:spcAft>
+            <a:buChar char="••"/>
+          </a:pPr>
+          <a:endParaRPr lang="en-US" sz="2200" kern="1200" dirty="0"/>
+        </a:p>
+      </dsp:txBody>
+      <dsp:txXfrm>
+        <a:off x="2119312" y="1448611"/>
+        <a:ext cx="1857374" cy="1800376"/>
+      </dsp:txXfrm>
+    </dsp:sp>
+    <dsp:sp modelId="{E3CD9B98-6067-447E-9C8B-E2522C22BA94}">
+      <dsp:nvSpPr>
+        <dsp:cNvPr id="0" name=""/>
+        <dsp:cNvSpPr/>
+      </dsp:nvSpPr>
+      <dsp:spPr>
+        <a:xfrm>
+          <a:off x="4236719" y="815011"/>
+          <a:ext cx="1857374" cy="633600"/>
+        </a:xfrm>
+        <a:prstGeom prst="rect">
+          <a:avLst/>
+        </a:prstGeom>
+        <a:solidFill>
+          <a:schemeClr val="accent1">
+            <a:hueOff val="0"/>
+            <a:satOff val="0"/>
+            <a:lumOff val="0"/>
+            <a:alphaOff val="0"/>
+          </a:schemeClr>
+        </a:solidFill>
+        <a:ln w="25400" cap="flat" cmpd="sng" algn="ctr">
+          <a:solidFill>
+            <a:schemeClr val="accent1">
+              <a:hueOff val="0"/>
+              <a:satOff val="0"/>
+              <a:lumOff val="0"/>
+              <a:alphaOff val="0"/>
+            </a:schemeClr>
+          </a:solidFill>
+          <a:prstDash val="solid"/>
+        </a:ln>
+        <a:effectLst/>
+      </dsp:spPr>
+      <dsp:style>
+        <a:lnRef idx="2">
+          <a:scrgbClr r="0" g="0" b="0"/>
+        </a:lnRef>
+        <a:fillRef idx="1">
+          <a:scrgbClr r="0" g="0" b="0"/>
+        </a:fillRef>
+        <a:effectRef idx="0">
+          <a:scrgbClr r="0" g="0" b="0"/>
+        </a:effectRef>
+        <a:fontRef idx="minor">
+          <a:schemeClr val="lt1"/>
+        </a:fontRef>
+      </dsp:style>
+      <dsp:txBody>
+        <a:bodyPr spcFirstLastPara="0" vert="horz" wrap="square" lIns="156464" tIns="89408" rIns="156464" bIns="89408" numCol="1" spcCol="1270" anchor="ctr" anchorCtr="0">
+          <a:noAutofit/>
+        </a:bodyPr>
+        <a:lstStyle/>
+        <a:p>
+          <a:pPr lvl="0" algn="ctr" defTabSz="977900">
+            <a:lnSpc>
+              <a:spcPct val="90000"/>
+            </a:lnSpc>
+            <a:spcBef>
+              <a:spcPct val="0"/>
+            </a:spcBef>
+            <a:spcAft>
+              <a:spcPct val="35000"/>
+            </a:spcAft>
+          </a:pPr>
+          <a:r>
+            <a:rPr lang="en-US" sz="2200" kern="1200" dirty="0" smtClean="0"/>
+            <a:t>Add-ons</a:t>
+          </a:r>
+          <a:endParaRPr lang="en-US" sz="2200" kern="1200" dirty="0"/>
+        </a:p>
+      </dsp:txBody>
+      <dsp:txXfrm>
+        <a:off x="4236719" y="815011"/>
+        <a:ext cx="1857374" cy="633600"/>
+      </dsp:txXfrm>
+    </dsp:sp>
+    <dsp:sp modelId="{BB81C2C7-1E83-4BB5-8F33-9B7EFCAC800B}">
+      <dsp:nvSpPr>
+        <dsp:cNvPr id="0" name=""/>
+        <dsp:cNvSpPr/>
+      </dsp:nvSpPr>
+      <dsp:spPr>
+        <a:xfrm>
+          <a:off x="4236719" y="1448611"/>
+          <a:ext cx="1857374" cy="1800376"/>
+        </a:xfrm>
+        <a:prstGeom prst="rect">
+          <a:avLst/>
+        </a:prstGeom>
+        <a:solidFill>
+          <a:schemeClr val="accent1">
+            <a:alpha val="90000"/>
+            <a:tint val="40000"/>
+            <a:hueOff val="0"/>
+            <a:satOff val="0"/>
+            <a:lumOff val="0"/>
+            <a:alphaOff val="0"/>
+          </a:schemeClr>
+        </a:solidFill>
+        <a:ln w="25400" cap="flat" cmpd="sng" algn="ctr">
+          <a:solidFill>
+            <a:schemeClr val="accent1">
+              <a:alpha val="90000"/>
+              <a:tint val="40000"/>
+              <a:hueOff val="0"/>
+              <a:satOff val="0"/>
+              <a:lumOff val="0"/>
+              <a:alphaOff val="0"/>
+            </a:schemeClr>
+          </a:solidFill>
+          <a:prstDash val="solid"/>
+        </a:ln>
+        <a:effectLst/>
+      </dsp:spPr>
+      <dsp:style>
+        <a:lnRef idx="2">
+          <a:scrgbClr r="0" g="0" b="0"/>
+        </a:lnRef>
+        <a:fillRef idx="1">
+          <a:scrgbClr r="0" g="0" b="0"/>
+        </a:fillRef>
+        <a:effectRef idx="0">
+          <a:scrgbClr r="0" g="0" b="0"/>
+        </a:effectRef>
+        <a:fontRef idx="minor"/>
+      </dsp:style>
+      <dsp:txBody>
+        <a:bodyPr spcFirstLastPara="0" vert="horz" wrap="square" lIns="117348" tIns="117348" rIns="156464" bIns="176022" numCol="1" spcCol="1270" anchor="t" anchorCtr="0">
+          <a:noAutofit/>
+        </a:bodyPr>
+        <a:lstStyle/>
+        <a:p>
+          <a:pPr marL="228600" lvl="1" indent="-228600" algn="l" defTabSz="977900">
+            <a:lnSpc>
+              <a:spcPct val="90000"/>
+            </a:lnSpc>
+            <a:spcBef>
+              <a:spcPct val="0"/>
+            </a:spcBef>
+            <a:spcAft>
+              <a:spcPct val="15000"/>
+            </a:spcAft>
+            <a:buChar char="••"/>
+          </a:pPr>
+          <a:r>
+            <a:rPr lang="en-US" sz="2200" kern="1200" dirty="0" smtClean="0"/>
+            <a:t>SVM</a:t>
+          </a:r>
+          <a:endParaRPr lang="en-US" sz="2200" kern="1200" dirty="0"/>
+        </a:p>
+        <a:p>
+          <a:pPr marL="228600" lvl="1" indent="-228600" algn="l" defTabSz="977900">
+            <a:lnSpc>
+              <a:spcPct val="90000"/>
+            </a:lnSpc>
+            <a:spcBef>
+              <a:spcPct val="0"/>
+            </a:spcBef>
+            <a:spcAft>
+              <a:spcPct val="15000"/>
+            </a:spcAft>
+            <a:buChar char="••"/>
+          </a:pPr>
+          <a:r>
+            <a:rPr lang="en-US" sz="2200" kern="1200" dirty="0" smtClean="0"/>
+            <a:t>ANN(using tensor flow and keras).</a:t>
+          </a:r>
+          <a:endParaRPr lang="en-US" sz="2200" kern="1200" dirty="0"/>
+        </a:p>
+      </dsp:txBody>
+      <dsp:txXfrm>
+        <a:off x="4236719" y="1448611"/>
+        <a:ext cx="1857374" cy="1800376"/>
+      </dsp:txXfrm>
+    </dsp:sp>
+  </dsp:spTree>
+</dsp:drawing>
+</file>
+
+<file path=ppt/diagrams/layout1.xml><?xml version="1.0" encoding="utf-8"?>
+<dgm:layoutDef xmlns:dgm="http://schemas.openxmlformats.org/drawingml/2006/diagram" xmlns:a="http://schemas.openxmlformats.org/drawingml/2006/main" uniqueId="urn:microsoft.com/office/officeart/2005/8/layout/chevron2">
+  <dgm:title val=""/>
+  <dgm:desc val=""/>
+  <dgm:catLst>
+    <dgm:cat type="process" pri="12000"/>
+    <dgm:cat type="list" pri="16000"/>
+    <dgm:cat type="convert" pri="11000"/>
+  </dgm:catLst>
+  <dgm:sampData>
+    <dgm:dataModel>
+      <dgm:ptLst>
+        <dgm:pt modelId="0" type="doc"/>
+        <dgm:pt modelId="1">
+          <dgm:prSet phldr="1"/>
+        </dgm:pt>
+        <dgm:pt modelId="11">
+          <dgm:prSet phldr="1"/>
+        </dgm:pt>
+        <dgm:pt modelId="12">
+          <dgm:prSet phldr="1"/>
+        </dgm:pt>
+        <dgm:pt modelId="2">
+          <dgm:prSet phldr="1"/>
+        </dgm:pt>
+        <dgm:pt modelId="21">
+          <dgm:prSet phldr="1"/>
+        </dgm:pt>
+        <dgm:pt modelId="22">
+          <dgm:prSet phldr="1"/>
+        </dgm:pt>
+        <dgm:pt modelId="3">
+          <dgm:prSet phldr="1"/>
+        </dgm:pt>
+        <dgm:pt modelId="31">
+          <dgm:prSet phldr="1"/>
+        </dgm:pt>
+        <dgm:pt modelId="32">
+          <dgm:prSet phldr="1"/>
+        </dgm:pt>
+      </dgm:ptLst>
+      <dgm:cxnLst>
+        <dgm:cxn modelId="4" srcId="0" destId="1" srcOrd="0" destOrd="0"/>
+        <dgm:cxn modelId="5" srcId="0" destId="2" srcOrd="1" destOrd="0"/>
+        <dgm:cxn modelId="6" srcId="0" destId="3" srcOrd="2" destOrd="0"/>
+        <dgm:cxn modelId="13" srcId="1" destId="11" srcOrd="0" destOrd="0"/>
+        <dgm:cxn modelId="14" srcId="1" destId="12" srcOrd="1" destOrd="0"/>
+        <dgm:cxn modelId="23" srcId="2" destId="21" srcOrd="0" destOrd="0"/>
+        <dgm:cxn modelId="24" srcId="2" destId="22" srcOrd="1" destOrd="0"/>
+        <dgm:cxn modelId="33" srcId="3" destId="31" srcOrd="0" destOrd="0"/>
+        <dgm:cxn modelId="34" srcId="3" destId="32" srcOrd="1" destOrd="0"/>
+      </dgm:cxnLst>
+      <dgm:bg/>
+      <dgm:whole/>
+    </dgm:dataModel>
+  </dgm:sampData>
+  <dgm:styleData>
+    <dgm:dataModel>
+      <dgm:ptLst>
+        <dgm:pt modelId="0" type="doc"/>
+        <dgm:pt modelId="1"/>
+      </dgm:ptLst>
+      <dgm:cxnLst>
+        <dgm:cxn modelId="4" srcId="0" destId="1" srcOrd="0" destOrd="0"/>
+      </dgm:cxnLst>
+      <dgm:bg/>
+      <dgm:whole/>
+    </dgm:dataModel>
+  </dgm:styleData>
+  <dgm:clrData>
+    <dgm:dataModel>
+      <dgm:ptLst>
+        <dgm:pt modelId="0" type="doc"/>
+        <dgm:pt modelId="1"/>
+        <dgm:pt modelId="11"/>
+        <dgm:pt modelId="2"/>
+        <dgm:pt modelId="21"/>
+        <dgm:pt modelId="3"/>
+        <dgm:pt modelId="31"/>
+        <dgm:pt modelId="4"/>
+        <dgm:pt modelId="41"/>
+      </dgm:ptLst>
+      <dgm:cxnLst>
+        <dgm:cxn modelId="5" srcId="0" destId="1" srcOrd="0" destOrd="0"/>
+        <dgm:cxn modelId="6" srcId="0" destId="2" srcOrd="1" destOrd="0"/>
+        <dgm:cxn modelId="7" srcId="0" destId="3" srcOrd="2" destOrd="0"/>
+        <dgm:cxn modelId="8" srcId="0" destId="4" srcOrd="3" destOrd="0"/>
+        <dgm:cxn modelId="13" srcId="1" destId="11" srcOrd="0" destOrd="0"/>
+        <dgm:cxn modelId="23" srcId="2" destId="21" srcOrd="0" destOrd="0"/>
+        <dgm:cxn modelId="33" srcId="3" destId="31" srcOrd="0" destOrd="0"/>
+        <dgm:cxn modelId="43" srcId="4" destId="41" srcOrd="0" destOrd="0"/>
+      </dgm:cxnLst>
+      <dgm:bg/>
+      <dgm:whole/>
+    </dgm:dataModel>
+  </dgm:clrData>
+  <dgm:layoutNode name="linearFlow">
+    <dgm:varLst>
+      <dgm:dir/>
+      <dgm:animLvl val="lvl"/>
+      <dgm:resizeHandles val="exact"/>
+    </dgm:varLst>
+    <dgm:alg type="lin">
+      <dgm:param type="linDir" val="fromT"/>
+      <dgm:param type="nodeHorzAlign" val="l"/>
+    </dgm:alg>
+    <dgm:shape xmlns:r="http://schemas.openxmlformats.org/officeDocument/2006/relationships" r:blip="">
+      <dgm:adjLst/>
+    </dgm:shape>
+    <dgm:presOf/>
+    <dgm:constrLst>
+      <dgm:constr type="h" for="ch" forName="composite" refType="h"/>
+      <dgm:constr type="w" for="ch" forName="composite" refType="w"/>
+      <dgm:constr type="h" for="des" forName="parentText" op="equ"/>
+      <dgm:constr type="h" for="ch" forName="sp" val="-14.88"/>
+      <dgm:constr type="h" for="ch" forName="sp" refType="w" refFor="des" refForName="parentText" op="gte" fact="-0.3"/>
+      <dgm:constr type="primFontSz" for="des" forName="parentText" op="equ" val="65"/>
+      <dgm:constr type="primFontSz" for="des" forName="descendantText" op="equ" val="65"/>
+    </dgm:constrLst>
+    <dgm:ruleLst/>
+    <dgm:forEach name="Name0" axis="ch" ptType="node">
+      <dgm:layoutNode name="composite">
+        <dgm:alg type="composite"/>
+        <dgm:shape xmlns:r="http://schemas.openxmlformats.org/officeDocument/2006/relationships" r:blip="">
+          <dgm:adjLst/>
+        </dgm:shape>
+        <dgm:presOf/>
+        <dgm:choose name="Name1">
+          <dgm:if name="Name2" func="var" arg="dir" op="equ" val="norm">
+            <dgm:constrLst>
+              <dgm:constr type="t" for="ch" forName="parentText"/>
+              <dgm:constr type="l" for="ch" forName="parentText"/>
+              <dgm:constr type="w" for="ch" forName="parentText" refType="w" fact="0.4"/>
+              <dgm:constr type="h" for="ch" forName="parentText" refType="h"/>
+              <dgm:constr type="w" for="ch" forName="parentText" refType="w" op="lte" fact="0.5"/>
+              <dgm:constr type="w" for="ch" forName="parentText" refType="h" refFor="ch" refForName="parentText" op="lte" fact="0.7"/>
+              <dgm:constr type="h" for="ch" forName="parentText" refType="w" refFor="ch" refForName="parentText" op="lte" fact="3"/>
+              <dgm:constr type="l" for="ch" forName="descendantText" refType="w" refFor="ch" refForName="parentText"/>
+              <dgm:constr type="w" for="ch" forName="descendantText" refType="w"/>
+              <dgm:constr type="wOff" for="ch" forName="descendantText" refType="w" refFor="ch" refForName="parentText" fact="-1"/>
+              <dgm:constr type="t" for="ch" forName="descendantText"/>
+              <dgm:constr type="b" for="ch" forName="descendantText" refType="h" refFor="ch" refForName="parentText"/>
+              <dgm:constr type="bOff" for="ch" forName="descendantText" refType="w" refFor="ch" refForName="parentText" fact="-0.5"/>
+            </dgm:constrLst>
+          </dgm:if>
+          <dgm:else name="Name3">
+            <dgm:constrLst>
+              <dgm:constr type="t" for="ch" forName="parentText"/>
+              <dgm:constr type="r" for="ch" forName="parentText" refType="w"/>
+              <dgm:constr type="w" for="ch" forName="parentText" refType="w" fact="0.4"/>
+              <dgm:constr type="h" for="ch" forName="parentText" refType="h"/>
+              <dgm:constr type="w" for="ch" forName="parentText" refType="w" op="lte" fact="0.5"/>
+              <dgm:constr type="w" for="ch" forName="parentText" refType="h" refFor="ch" refForName="parentText" op="lte" fact="0.7"/>
+              <dgm:constr type="h" for="ch" forName="parentText" refType="w" refFor="ch" refForName="parentText" op="lte" fact="3"/>
+              <dgm:constr type="l" for="ch" forName="descendantText"/>
+              <dgm:constr type="w" for="ch" forName="descendantText" refType="w"/>
+              <dgm:constr type="wOff" for="ch" forName="descendantText" refType="w" refFor="ch" refForName="parentText" fact="-1"/>
+              <dgm:constr type="t" for="ch" forName="descendantText"/>
+              <dgm:constr type="b" for="ch" forName="descendantText" refType="h" refFor="ch" refForName="parentText"/>
+              <dgm:constr type="bOff" for="ch" forName="descendantText" refType="w" refFor="ch" refForName="parentText" fact="-0.5"/>
+            </dgm:constrLst>
+          </dgm:else>
+        </dgm:choose>
+        <dgm:ruleLst/>
+        <dgm:layoutNode name="parentText" styleLbl="alignNode1">
+          <dgm:varLst>
+            <dgm:chMax val="1"/>
+            <dgm:bulletEnabled val="1"/>
+          </dgm:varLst>
+          <dgm:alg type="tx"/>
+          <dgm:shape xmlns:r="http://schemas.openxmlformats.org/officeDocument/2006/relationships" rot="90" type="chevron" r:blip="">
+            <dgm:adjLst/>
+          </dgm:shape>
+          <dgm:presOf axis="self" ptType="node"/>
+          <dgm:constrLst>
+            <dgm:constr type="lMarg" refType="primFontSz" fact="0.05"/>
+            <dgm:constr type="rMarg" refType="primFontSz" fact="0.05"/>
+            <dgm:constr type="tMarg" refType="primFontSz" fact="0.05"/>
+            <dgm:constr type="bMarg" refType="primFontSz" fact="0.05"/>
+          </dgm:constrLst>
+          <dgm:ruleLst>
+            <dgm:rule type="h" val="100" fact="NaN" max="NaN"/>
+            <dgm:rule type="primFontSz" val="24" fact="NaN" max="NaN"/>
+            <dgm:rule type="h" val="110" fact="NaN" max="NaN"/>
+            <dgm:rule type="primFontSz" val="18" fact="NaN" max="NaN"/>
+            <dgm:rule type="h" val="INF" fact="NaN" max="NaN"/>
+            <dgm:rule type="primFontSz" val="5" fact="NaN" max="NaN"/>
+          </dgm:ruleLst>
+        </dgm:layoutNode>
+        <dgm:layoutNode name="descendantText" styleLbl="alignAcc1">
+          <dgm:varLst>
+            <dgm:bulletEnabled val="1"/>
+          </dgm:varLst>
+          <dgm:choose name="Name4">
+            <dgm:if name="Name5" func="var" arg="dir" op="equ" val="norm">
+              <dgm:alg type="tx">
+                <dgm:param type="stBulletLvl" val="1"/>
+                <dgm:param type="txAnchorVertCh" val="mid"/>
+              </dgm:alg>
+              <dgm:shape xmlns:r="http://schemas.openxmlformats.org/officeDocument/2006/relationships" rot="90" type="round2SameRect" r:blip="">
+                <dgm:adjLst/>
+              </dgm:shape>
+            </dgm:if>
+            <dgm:else name="Name6">
+              <dgm:alg type="tx">
+                <dgm:param type="stBulletLvl" val="1"/>
+                <dgm:param type="txAnchorVertCh" val="mid"/>
+              </dgm:alg>
+              <dgm:shape xmlns:r="http://schemas.openxmlformats.org/officeDocument/2006/relationships" rot="-90" type="round2SameRect" r:blip="">
+                <dgm:adjLst/>
+              </dgm:shape>
+            </dgm:else>
+          </dgm:choose>
+          <dgm:presOf axis="des" ptType="node"/>
+          <dgm:choose name="Name7">
+            <dgm:if name="Name8" func="var" arg="dir" op="equ" val="norm">
+              <dgm:constrLst>
+                <dgm:constr type="secFontSz" refType="primFontSz"/>
+                <dgm:constr type="tMarg" refType="primFontSz" fact="0.05"/>
+                <dgm:constr type="bMarg" refType="primFontSz" fact="0.05"/>
+                <dgm:constr type="rMarg" refType="primFontSz" fact="0.05"/>
+              </dgm:constrLst>
+            </dgm:if>
+            <dgm:else name="Name9">
+              <dgm:constrLst>
+                <dgm:constr type="secFontSz" refType="primFontSz"/>
+                <dgm:constr type="tMarg" refType="primFontSz" fact="0.05"/>
+                <dgm:constr type="bMarg" refType="primFontSz" fact="0.05"/>
+                <dgm:constr type="lMarg" refType="primFontSz" fact="0.05"/>
+              </dgm:constrLst>
+            </dgm:else>
+          </dgm:choose>
+          <dgm:ruleLst>
+            <dgm:rule type="primFontSz" val="5" fact="NaN" max="NaN"/>
+          </dgm:ruleLst>
+        </dgm:layoutNode>
+      </dgm:layoutNode>
+      <dgm:forEach name="Name10" axis="followSib" ptType="sibTrans" cnt="1">
+        <dgm:layoutNode name="sp">
+          <dgm:alg type="sp"/>
+          <dgm:shape xmlns:r="http://schemas.openxmlformats.org/officeDocument/2006/relationships" r:blip="">
+            <dgm:adjLst/>
+          </dgm:shape>
+          <dgm:presOf axis="self"/>
+          <dgm:constrLst>
+            <dgm:constr type="w" val="1"/>
+            <dgm:constr type="h" val="37.5"/>
+          </dgm:constrLst>
+          <dgm:ruleLst/>
+        </dgm:layoutNode>
+      </dgm:forEach>
+    </dgm:forEach>
+  </dgm:layoutNode>
+</dgm:layoutDef>
+</file>
+
+<file path=ppt/diagrams/layout2.xml><?xml version="1.0" encoding="utf-8"?>
+<dgm:layoutDef xmlns:dgm="http://schemas.openxmlformats.org/drawingml/2006/diagram" xmlns:a="http://schemas.openxmlformats.org/drawingml/2006/main" uniqueId="urn:microsoft.com/office/officeart/2005/8/layout/hList1">
+  <dgm:title val=""/>
+  <dgm:desc val=""/>
+  <dgm:catLst>
+    <dgm:cat type="list" pri="5000"/>
+    <dgm:cat type="convert" pri="5000"/>
+  </dgm:catLst>
+  <dgm:sampData>
+    <dgm:dataModel>
+      <dgm:ptLst>
+        <dgm:pt modelId="0" type="doc"/>
+        <dgm:pt modelId="1">
+          <dgm:prSet phldr="1"/>
+        </dgm:pt>
+        <dgm:pt modelId="11">
+          <dgm:prSet phldr="1"/>
+        </dgm:pt>
+        <dgm:pt modelId="12">
+          <dgm:prSet phldr="1"/>
+        </dgm:pt>
+        <dgm:pt modelId="2">
+          <dgm:prSet phldr="1"/>
+        </dgm:pt>
+        <dgm:pt modelId="21">
+          <dgm:prSet phldr="1"/>
+        </dgm:pt>
+        <dgm:pt modelId="22">
+          <dgm:prSet phldr="1"/>
+        </dgm:pt>
+        <dgm:pt modelId="3">
+          <dgm:prSet phldr="1"/>
+        </dgm:pt>
+        <dgm:pt modelId="31">
+          <dgm:prSet phldr="1"/>
+        </dgm:pt>
+        <dgm:pt modelId="32">
+          <dgm:prSet phldr="1"/>
+        </dgm:pt>
+      </dgm:ptLst>
+      <dgm:cxnLst>
+        <dgm:cxn modelId="4" srcId="0" destId="1" srcOrd="0" destOrd="0"/>
+        <dgm:cxn modelId="5" srcId="0" destId="2" srcOrd="1" destOrd="0"/>
+        <dgm:cxn modelId="6" srcId="0" destId="3" srcOrd="2" destOrd="0"/>
+        <dgm:cxn modelId="13" srcId="1" destId="11" srcOrd="0" destOrd="0"/>
+        <dgm:cxn modelId="14" srcId="1" destId="12" srcOrd="1" destOrd="0"/>
+        <dgm:cxn modelId="23" srcId="2" destId="21" srcOrd="0" destOrd="0"/>
+        <dgm:cxn modelId="24" srcId="2" destId="22" srcOrd="1" destOrd="0"/>
+        <dgm:cxn modelId="33" srcId="3" destId="31" srcOrd="0" destOrd="0"/>
+        <dgm:cxn modelId="34" srcId="3" destId="32" srcOrd="1" destOrd="0"/>
+      </dgm:cxnLst>
+      <dgm:bg/>
+      <dgm:whole/>
+    </dgm:dataModel>
+  </dgm:sampData>
+  <dgm:styleData>
+    <dgm:dataModel>
+      <dgm:ptLst>
+        <dgm:pt modelId="0" type="doc"/>
+        <dgm:pt modelId="1">
+          <dgm:prSet phldr="1"/>
+        </dgm:pt>
+        <dgm:pt modelId="2">
+          <dgm:prSet phldr="1"/>
+        </dgm:pt>
+      </dgm:ptLst>
+      <dgm:cxnLst>
+        <dgm:cxn modelId="3" srcId="0" destId="1" srcOrd="0" destOrd="0"/>
+        <dgm:cxn modelId="4" srcId="0" destId="2" srcOrd="1" destOrd="0"/>
+      </dgm:cxnLst>
+      <dgm:bg/>
+      <dgm:whole/>
+    </dgm:dataModel>
+  </dgm:styleData>
+  <dgm:clrData>
+    <dgm:dataModel>
+      <dgm:ptLst>
+        <dgm:pt modelId="0" type="doc"/>
+        <dgm:pt modelId="1">
+          <dgm:prSet phldr="1"/>
+        </dgm:pt>
+        <dgm:pt modelId="2">
+          <dgm:prSet phldr="1"/>
+        </dgm:pt>
+        <dgm:pt modelId="3">
+          <dgm:prSet phldr="1"/>
+        </dgm:pt>
+        <dgm:pt modelId="4">
+          <dgm:prSet phldr="1"/>
+        </dgm:pt>
+      </dgm:ptLst>
+      <dgm:cxnLst>
+        <dgm:cxn modelId="5" srcId="0" destId="1" srcOrd="0" destOrd="0"/>
+        <dgm:cxn modelId="6" srcId="0" destId="2" srcOrd="1" destOrd="0"/>
+        <dgm:cxn modelId="7" srcId="0" destId="3" srcOrd="2" destOrd="0"/>
+        <dgm:cxn modelId="8" srcId="0" destId="4" srcOrd="3" destOrd="0"/>
+      </dgm:cxnLst>
+      <dgm:bg/>
+      <dgm:whole/>
+    </dgm:dataModel>
+  </dgm:clrData>
+  <dgm:layoutNode name="Name0">
+    <dgm:varLst>
+      <dgm:dir/>
+      <dgm:animLvl val="lvl"/>
+      <dgm:resizeHandles val="exact"/>
+    </dgm:varLst>
+    <dgm:choose name="Name1">
+      <dgm:if name="Name2" func="var" arg="dir" op="equ" val="norm">
+        <dgm:alg type="lin"/>
+      </dgm:if>
+      <dgm:else name="Name3">
+        <dgm:alg type="lin">
+          <dgm:param type="linDir" val="fromR"/>
+        </dgm:alg>
+      </dgm:else>
+    </dgm:choose>
+    <dgm:shape xmlns:r="http://schemas.openxmlformats.org/officeDocument/2006/relationships" r:blip="">
+      <dgm:adjLst/>
+    </dgm:shape>
+    <dgm:presOf/>
+    <dgm:constrLst>
+      <dgm:constr type="h" for="ch" forName="composite" refType="h"/>
+      <dgm:constr type="w" for="ch" forName="composite" refType="w"/>
+      <dgm:constr type="w" for="des" forName="parTx"/>
+      <dgm:constr type="h" for="des" forName="parTx" op="equ"/>
+      <dgm:constr type="w" for="des" forName="desTx"/>
+      <dgm:constr type="h" for="des" forName="desTx" op="equ"/>
+      <dgm:constr type="primFontSz" for="des" forName="parTx" val="65"/>
+      <dgm:constr type="secFontSz" for="des" forName="desTx" refType="primFontSz" refFor="des" refForName="parTx" op="equ"/>
+      <dgm:constr type="h" for="des" forName="parTx" refType="primFontSz" refFor="des" refForName="parTx" fact="0.8"/>
+      <dgm:constr type="h" for="des" forName="desTx" refType="primFontSz" refFor="des" refForName="parTx" fact="1.22"/>
+      <dgm:constr type="w" for="ch" forName="space" refType="w" refFor="ch" refForName="composite" op="equ" fact="0.14"/>
+    </dgm:constrLst>
+    <dgm:ruleLst>
+      <dgm:rule type="w" for="ch" forName="composite" val="0" fact="NaN" max="NaN"/>
+      <dgm:rule type="primFontSz" for="des" forName="parTx" val="5" fact="NaN" max="NaN"/>
+    </dgm:ruleLst>
+    <dgm:forEach name="Name4" axis="ch" ptType="node">
+      <dgm:layoutNode name="composite">
+        <dgm:alg type="composite"/>
+        <dgm:shape xmlns:r="http://schemas.openxmlformats.org/officeDocument/2006/relationships" r:blip="">
+          <dgm:adjLst/>
+        </dgm:shape>
+        <dgm:presOf/>
+        <dgm:constrLst>
+          <dgm:constr type="l" for="ch" forName="parTx"/>
+          <dgm:constr type="w" for="ch" forName="parTx" refType="w"/>
+          <dgm:constr type="t" for="ch" forName="parTx"/>
+          <dgm:constr type="l" for="ch" forName="desTx"/>
+          <dgm:constr type="w" for="ch" forName="desTx" refType="w" refFor="ch" refForName="parTx"/>
+          <dgm:constr type="t" for="ch" forName="desTx" refType="h" refFor="ch" refForName="parTx"/>
+        </dgm:constrLst>
+        <dgm:ruleLst>
+          <dgm:rule type="h" val="INF" fact="NaN" max="NaN"/>
+        </dgm:ruleLst>
+        <dgm:layoutNode name="parTx" styleLbl="alignNode1">
+          <dgm:varLst>
+            <dgm:chMax val="0"/>
+            <dgm:chPref val="0"/>
+            <dgm:bulletEnabled val="1"/>
+          </dgm:varLst>
+          <dgm:alg type="tx"/>
+          <dgm:shape xmlns:r="http://schemas.openxmlformats.org/officeDocument/2006/relationships" type="rect" r:blip="">
+            <dgm:adjLst/>
+          </dgm:shape>
+          <dgm:presOf axis="self" ptType="node"/>
+          <dgm:constrLst>
+            <dgm:constr type="h" refType="w" op="lte" fact="0.4"/>
+            <dgm:constr type="h"/>
+            <dgm:constr type="tMarg" refType="primFontSz" fact="0.32"/>
+            <dgm:constr type="bMarg" refType="primFontSz" fact="0.32"/>
+          </dgm:constrLst>
+          <dgm:ruleLst>
+            <dgm:rule type="h" val="INF" fact="NaN" max="NaN"/>
+          </dgm:ruleLst>
+        </dgm:layoutNode>
+        <dgm:layoutNode name="desTx" styleLbl="alignAccFollowNode1">
+          <dgm:varLst>
+            <dgm:bulletEnabled val="1"/>
+          </dgm:varLst>
+          <dgm:alg type="tx">
+            <dgm:param type="stBulletLvl" val="1"/>
+          </dgm:alg>
+          <dgm:shape xmlns:r="http://schemas.openxmlformats.org/officeDocument/2006/relationships" type="rect" r:blip="">
+            <dgm:adjLst/>
+          </dgm:shape>
+          <dgm:presOf axis="des" ptType="node"/>
+          <dgm:constrLst>
+            <dgm:constr type="secFontSz" val="65"/>
+            <dgm:constr type="primFontSz" refType="secFontSz"/>
+            <dgm:constr type="h"/>
+            <dgm:constr type="lMarg" refType="primFontSz" fact="0.42"/>
+            <dgm:constr type="tMarg" refType="primFontSz" fact="0.42"/>
+            <dgm:constr type="bMarg" refType="primFontSz" fact="0.63"/>
+          </dgm:constrLst>
+          <dgm:ruleLst>
+            <dgm:rule type="h" val="INF" fact="NaN" max="NaN"/>
+          </dgm:ruleLst>
+        </dgm:layoutNode>
+      </dgm:layoutNode>
+      <dgm:forEach name="Name5" axis="followSib" ptType="sibTrans" cnt="1">
+        <dgm:layoutNode name="space">
+          <dgm:alg type="sp"/>
+          <dgm:shape xmlns:r="http://schemas.openxmlformats.org/officeDocument/2006/relationships" r:blip="">
+            <dgm:adjLst/>
+          </dgm:shape>
+          <dgm:presOf/>
+          <dgm:constrLst/>
+          <dgm:ruleLst/>
+        </dgm:layoutNode>
+      </dgm:forEach>
+    </dgm:forEach>
+  </dgm:layoutNode>
+</dgm:layoutDef>
+</file>
+
+<file path=ppt/diagrams/quickStyle1.xml><?xml version="1.0" encoding="utf-8"?>
+<dgm:styleDef xmlns:dgm="http://schemas.openxmlformats.org/drawingml/2006/diagram" xmlns:a="http://schemas.openxmlformats.org/drawingml/2006/main" uniqueId="urn:microsoft.com/office/officeart/2005/8/quickstyle/simple1">
+  <dgm:title val=""/>
+  <dgm:desc val=""/>
+  <dgm:catLst>
+    <dgm:cat type="simple" pri="10100"/>
+  </dgm:catLst>
+  <dgm:scene3d>
+    <a:camera prst="orthographicFront"/>
+    <a:lightRig rig="threePt" dir="t"/>
+  </dgm:scene3d>
+  <dgm:styleLbl name="node0">
+    <dgm:scene3d>
+      <a:camera prst="orthographicFront"/>
+      <a:lightRig rig="threePt" dir="t"/>
+    </dgm:scene3d>
+    <dgm:sp3d/>
+    <dgm:txPr/>
+    <dgm:style>
+      <a:lnRef idx="2">
+        <a:scrgbClr r="0" g="0" b="0"/>
+      </a:lnRef>
+      <a:fillRef idx="1">
+        <a:scrgbClr r="0" g="0" b="0"/>
+      </a:fillRef>
+      <a:effectRef idx="0">
+        <a:scrgbClr r="0" g="0" b="0"/>
+      </a:effectRef>
+      <a:fontRef idx="minor">
+        <a:schemeClr val="lt1"/>
+      </a:fontRef>
+    </dgm:style>
+  </dgm:styleLbl>
+  <dgm:styleLbl name="lnNode1">
+    <dgm:scene3d>
+      <a:camera prst="orthographicFront"/>
+      <a:lightRig rig="threePt" dir="t"/>
+    </dgm:scene3d>
+    <dgm:sp3d/>
+    <dgm:txPr/>
+    <dgm:style>
+      <a:lnRef idx="2">
+        <a:scrgbClr r="0" g="0" b="0"/>
+      </a:lnRef>
+      <a:fillRef idx="1">
+        <a:scrgbClr r="0" g="0" b="0"/>
+      </a:fillRef>
+      <a:effectRef idx="0">
+        <a:scrgbClr r="0" g="0" b="0"/>
+      </a:effectRef>
+      <a:fontRef idx="minor">
+        <a:schemeClr val="lt1"/>
+      </a:fontRef>
+    </dgm:style>
+  </dgm:styleLbl>
+  <dgm:styleLbl name="vennNode1">
+    <dgm:scene3d>
+      <a:camera prst="orthographicFront"/>
+      <a:lightRig rig="threePt" dir="t"/>
+    </dgm:scene3d>
+    <dgm:sp3d/>
+    <dgm:txPr/>
+    <dgm:style>
+      <a:lnRef idx="2">
+        <a:scrgbClr r="0" g="0" b="0"/>
+      </a:lnRef>
+      <a:fillRef idx="1">
+        <a:scrgbClr r="0" g="0" b="0"/>
+      </a:fillRef>
+      <a:effectRef idx="0">
+        <a:scrgbClr r="0" g="0" b="0"/>
+      </a:effectRef>
+      <a:fontRef idx="minor">
+        <a:schemeClr val="tx1"/>
+      </a:fontRef>
+    </dgm:style>
+  </dgm:styleLbl>
+  <dgm:styleLbl name="alignNode1">
+    <dgm:scene3d>
+      <a:camera prst="orthographicFront"/>
+      <a:lightRig rig="threePt" dir="t"/>
+    </dgm:scene3d>
+    <dgm:sp3d/>
+    <dgm:txPr/>
+    <dgm:style>
+      <a:lnRef idx="2">
+        <a:scrgbClr r="0" g="0" b="0"/>
+      </a:lnRef>
+      <a:fillRef idx="1">
+        <a:scrgbClr r="0" g="0" b="0"/>
+      </a:fillRef>
+      <a:effectRef idx="0">
+        <a:scrgbClr r="0" g="0" b="0"/>
+      </a:effectRef>
+      <a:fontRef idx="minor">
+        <a:schemeClr val="lt1"/>
+      </a:fontRef>
+    </dgm:style>
+  </dgm:styleLbl>
+  <dgm:styleLbl name="node1">
+    <dgm:scene3d>
+      <a:camera prst="orthographicFront"/>
+      <a:lightRig rig="threePt" dir="t"/>
+    </dgm:scene3d>
+    <dgm:sp3d/>
+    <dgm:txPr/>
+    <dgm:style>
+      <a:lnRef idx="2">
+        <a:scrgbClr r="0" g="0" b="0"/>
+      </a:lnRef>
+      <a:fillRef idx="1">
+        <a:scrgbClr r="0" g="0" b="0"/>
+      </a:fillRef>
+      <a:effectRef idx="0">
+        <a:scrgbClr r="0" g="0" b="0"/>
+      </a:effectRef>
+      <a:fontRef idx="minor">
+        <a:schemeClr val="lt1"/>
+      </a:fontRef>
+    </dgm:style>
+  </dgm:styleLbl>
+  <dgm:styleLbl name="node2">
+    <dgm:scene3d>
+      <a:camera prst="orthographicFront"/>
+      <a:lightRig rig="threePt" dir="t"/>
+    </dgm:scene3d>
+    <dgm:sp3d/>
+    <dgm:txPr/>
+    <dgm:style>
+      <a:lnRef idx="2">
+        <a:scrgbClr r="0" g="0" b="0"/>
+      </a:lnRef>
+      <a:fillRef idx="1">
+        <a:scrgbClr r="0" g="0" b="0"/>
+      </a:fillRef>
+      <a:effectRef idx="0">
+        <a:scrgbClr r="0" g="0" b="0"/>
+      </a:effectRef>
+      <a:fontRef idx="minor">
+        <a:schemeClr val="lt1"/>
+      </a:fontRef>
+    </dgm:style>
+  </dgm:styleLbl>
+  <dgm:styleLbl name="node3">
+    <dgm:scene3d>
+      <a:camera prst="orthographicFront"/>
+      <a:lightRig rig="threePt" dir="t"/>
+    </dgm:scene3d>
+    <dgm:sp3d/>
+    <dgm:txPr/>
+    <dgm:style>
+      <a:lnRef idx="2">
+        <a:scrgbClr r="0" g="0" b="0"/>
+      </a:lnRef>
+      <a:fillRef idx="1">
+        <a:scrgbClr r="0" g="0" b="0"/>
+      </a:fillRef>
+      <a:effectRef idx="0">
+        <a:scrgbClr r="0" g="0" b="0"/>
+      </a:effectRef>
+      <a:fontRef idx="minor">
+        <a:schemeClr val="lt1"/>
+      </a:fontRef>
+    </dgm:style>
+  </dgm:styleLbl>
+  <dgm:styleLbl name="node4">
+    <dgm:scene3d>
+      <a:camera prst="orthographicFront"/>
+      <a:lightRig rig="threePt" dir="t"/>
+    </dgm:scene3d>
+    <dgm:sp3d/>
+    <dgm:txPr/>
+    <dgm:style>
+      <a:lnRef idx="2">
+        <a:scrgbClr r="0" g="0" b="0"/>
+      </a:lnRef>
+      <a:fillRef idx="1">
+        <a:scrgbClr r="0" g="0" b="0"/>
+      </a:fillRef>
+      <a:effectRef idx="0">
+        <a:scrgbClr r="0" g="0" b="0"/>
+      </a:effectRef>
+      <a:fontRef idx="minor">
+        <a:schemeClr val="lt1"/>
+      </a:fontRef>
+    </dgm:style>
+  </dgm:styleLbl>
+  <dgm:styleLbl name="fgImgPlace1">
+    <dgm:scene3d>
+      <a:camera prst="orthographicFront"/>
+      <a:lightRig rig="threePt" dir="t"/>
+    </dgm:scene3d>
+    <dgm:sp3d/>
+    <dgm:txPr/>
+    <dgm:style>
+      <a:lnRef idx="2">
+        <a:scrgbClr r="0" g="0" b="0"/>
+      </a:lnRef>
+      <a:fillRef idx="1">
+        <a:scrgbClr r="0" g="0" b="0"/>
+      </a:fillRef>
+      <a:effectRef idx="0">
+        <a:scrgbClr r="0" g="0" b="0"/>
+      </a:effectRef>
+      <a:fontRef idx="minor"/>
+    </dgm:style>
+  </dgm:styleLbl>
+  <dgm:styleLbl name="alignImgPlace1">
+    <dgm:scene3d>
+      <a:camera prst="orthographicFront"/>
+      <a:lightRig rig="threePt" dir="t"/>
+    </dgm:scene3d>
+    <dgm:sp3d/>
+    <dgm:txPr/>
+    <dgm:style>
+      <a:lnRef idx="2">
+        <a:scrgbClr r="0" g="0" b="0"/>
+      </a:lnRef>
+      <a:fillRef idx="1">
+        <a:scrgbClr r="0" g="0" b="0"/>
+      </a:fillRef>
+      <a:effectRef idx="0">
+        <a:scrgbClr r="0" g="0" b="0"/>
+      </a:effectRef>
+      <a:fontRef idx="minor"/>
+    </dgm:style>
+  </dgm:styleLbl>
+  <dgm:styleLbl name="bgImgPlace1">
+    <dgm:scene3d>
+      <a:camera prst="orthographicFront"/>
+      <a:lightRig rig="threePt" dir="t"/>
+    </dgm:scene3d>
+    <dgm:sp3d/>
+    <dgm:txPr/>
+    <dgm:style>
+      <a:lnRef idx="2">
+        <a:scrgbClr r="0" g="0" b="0"/>
+      </a:lnRef>
+      <a:fillRef idx="1">
+        <a:scrgbClr r="0" g="0" b="0"/>
+      </a:fillRef>
+      <a:effectRef idx="0">
+        <a:scrgbClr r="0" g="0" b="0"/>
+      </a:effectRef>
+      <a:fontRef idx="minor"/>
+    </dgm:style>
+  </dgm:styleLbl>
+  <dgm:styleLbl name="sibTrans2D1">
+    <dgm:scene3d>
+      <a:camera prst="orthographicFront"/>
+      <a:lightRig rig="threePt" dir="t"/>
+    </dgm:scene3d>
+    <dgm:sp3d/>
+    <dgm:txPr/>
+    <dgm:style>
+      <a:lnRef idx="0">
+        <a:scrgbClr r="0" g="0" b="0"/>
+      </a:lnRef>
+      <a:fillRef idx="1">
+        <a:scrgbClr r="0" g="0" b="0"/>
+      </a:fillRef>
+      <a:effectRef idx="0">
+        <a:scrgbClr r="0" g="0" b="0"/>
+      </a:effectRef>
+      <a:fontRef idx="minor">
+        <a:schemeClr val="lt1"/>
+      </a:fontRef>
+    </dgm:style>
+  </dgm:styleLbl>
+  <dgm:styleLbl name="fgSibTrans2D1">
+    <dgm:scene3d>
+      <a:camera prst="orthographicFront"/>
+      <a:lightRig rig="threePt" dir="t"/>
+    </dgm:scene3d>
+    <dgm:sp3d/>
+    <dgm:txPr/>
+    <dgm:style>
+      <a:lnRef idx="0">
+        <a:scrgbClr r="0" g="0" b="0"/>
+      </a:lnRef>
+      <a:fillRef idx="1">
+        <a:scrgbClr r="0" g="0" b="0"/>
+      </a:fillRef>
+      <a:effectRef idx="0">
+        <a:scrgbClr r="0" g="0" b="0"/>
+      </a:effectRef>
+      <a:fontRef idx="minor">
+        <a:schemeClr val="lt1"/>
+      </a:fontRef>
+    </dgm:style>
+  </dgm:styleLbl>
+  <dgm:styleLbl name="bgSibTrans2D1">
+    <dgm:scene3d>
+      <a:camera prst="orthographicFront"/>
+      <a:lightRig rig="threePt" dir="t"/>
+    </dgm:scene3d>
+    <dgm:sp3d/>
+    <dgm:txPr/>
+    <dgm:style>
+      <a:lnRef idx="0">
+        <a:scrgbClr r="0" g="0" b="0"/>
+      </a:lnRef>
+      <a:fillRef idx="1">
+        <a:scrgbClr r="0" g="0" b="0"/>
+      </a:fillRef>
+      <a:effectRef idx="0">
+        <a:scrgbClr r="0" g="0" b="0"/>
+      </a:effectRef>
+      <a:fontRef idx="minor">
+        <a:schemeClr val="lt1"/>
+      </a:fontRef>
+    </dgm:style>
+  </dgm:styleLbl>
+  <dgm:styleLbl name="sibTrans1D1">
+    <dgm:scene3d>
+      <a:camera prst="orthographicFront"/>
+      <a:lightRig rig="threePt" dir="t"/>
+    </dgm:scene3d>
+    <dgm:sp3d/>
+    <dgm:txPr/>
+    <dgm:style>
+      <a:lnRef idx="1">
+        <a:scrgbClr r="0" g="0" b="0"/>
+      </a:lnRef>
+      <a:fillRef idx="0">
+        <a:scrgbClr r="0" g="0" b="0"/>
+      </a:fillRef>
+      <a:effectRef idx="0">
+        <a:scrgbClr r="0" g="0" b="0"/>
+      </a:effectRef>
+      <a:fontRef idx="minor"/>
+    </dgm:style>
+  </dgm:styleLbl>
+  <dgm:styleLbl name="callout">
+    <dgm:scene3d>
+      <a:camera prst="orthographicFront"/>
+      <a:lightRig rig="threePt" dir="t"/>
+    </dgm:scene3d>
+    <dgm:sp3d/>
+    <dgm:txPr/>
+    <dgm:style>
+      <a:lnRef idx="2">
+        <a:scrgbClr r="0" g="0" b="0"/>
+      </a:lnRef>
+      <a:fillRef idx="1">
+        <a:scrgbClr r="0" g="0" b="0"/>
+      </a:fillRef>
+      <a:effectRef idx="0">
+        <a:scrgbClr r="0" g="0" b="0"/>
+      </a:effectRef>
+      <a:fontRef idx="minor"/>
+    </dgm:style>
+  </dgm:styleLbl>
+  <dgm:styleLbl name="asst0">
+    <dgm:scene3d>
+      <a:camera prst="orthographicFront"/>
+      <a:lightRig rig="threePt" dir="t"/>
+    </dgm:scene3d>
+    <dgm:sp3d/>
+    <dgm:txPr/>
+    <dgm:style>
+      <a:lnRef idx="2">
+        <a:scrgbClr r="0" g="0" b="0"/>
+      </a:lnRef>
+      <a:fillRef idx="1">
+        <a:scrgbClr r="0" g="0" b="0"/>
+      </a:fillRef>
+      <a:effectRef idx="0">
+        <a:scrgbClr r="0" g="0" b="0"/>
+      </a:effectRef>
+      <a:fontRef idx="minor">
+        <a:schemeClr val="lt1"/>
+      </a:fontRef>
+    </dgm:style>
+  </dgm:styleLbl>
+  <dgm:styleLbl name="asst1">
+    <dgm:scene3d>
+      <a:camera prst="orthographicFront"/>
+      <a:lightRig rig="threePt" dir="t"/>
+    </dgm:scene3d>
+    <dgm:sp3d/>
+    <dgm:txPr/>
+    <dgm:style>
+      <a:lnRef idx="2">
+        <a:scrgbClr r="0" g="0" b="0"/>
+      </a:lnRef>
+      <a:fillRef idx="1">
+        <a:scrgbClr r="0" g="0" b="0"/>
+      </a:fillRef>
+      <a:effectRef idx="0">
+        <a:scrgbClr r="0" g="0" b="0"/>
+      </a:effectRef>
+      <a:fontRef idx="minor">
+        <a:schemeClr val="lt1"/>
+      </a:fontRef>
+    </dgm:style>
+  </dgm:styleLbl>
+  <dgm:styleLbl name="asst2">
+    <dgm:scene3d>
+      <a:camera prst="orthographicFront"/>
+      <a:lightRig rig="threePt" dir="t"/>
+    </dgm:scene3d>
+    <dgm:sp3d/>
+    <dgm:txPr/>
+    <dgm:style>
+      <a:lnRef idx="2">
+        <a:scrgbClr r="0" g="0" b="0"/>
+      </a:lnRef>
+      <a:fillRef idx="1">
+        <a:scrgbClr r="0" g="0" b="0"/>
+      </a:fillRef>
+      <a:effectRef idx="0">
+        <a:scrgbClr r="0" g="0" b="0"/>
+      </a:effectRef>
+      <a:fontRef idx="minor">
+        <a:schemeClr val="lt1"/>
+      </a:fontRef>
+    </dgm:style>
+  </dgm:styleLbl>
+  <dgm:styleLbl name="asst3">
+    <dgm:scene3d>
+      <a:camera prst="orthographicFront"/>
+      <a:lightRig rig="threePt" dir="t"/>
+    </dgm:scene3d>
+    <dgm:sp3d/>
+    <dgm:txPr/>
+    <dgm:style>
+      <a:lnRef idx="2">
+        <a:scrgbClr r="0" g="0" b="0"/>
+      </a:lnRef>
+      <a:fillRef idx="1">
+        <a:scrgbClr r="0" g="0" b="0"/>
+      </a:fillRef>
+      <a:effectRef idx="0">
+        <a:scrgbClr r="0" g="0" b="0"/>
+      </a:effectRef>
+      <a:fontRef idx="minor">
+        <a:schemeClr val="lt1"/>
+      </a:fontRef>
+    </dgm:style>
+  </dgm:styleLbl>
+  <dgm:styleLbl name="asst4">
+    <dgm:scene3d>
+      <a:camera prst="orthographicFront"/>
+      <a:lightRig rig="threePt" dir="t"/>
+    </dgm:scene3d>
+    <dgm:sp3d/>
+    <dgm:txPr/>
+    <dgm:style>
+      <a:lnRef idx="2">
+        <a:scrgbClr r="0" g="0" b="0"/>
+      </a:lnRef>
+      <a:fillRef idx="1">
+        <a:scrgbClr r="0" g="0" b="0"/>
+      </a:fillRef>
+      <a:effectRef idx="0">
+        <a:scrgbClr r="0" g="0" b="0"/>
+      </a:effectRef>
+      <a:fontRef idx="minor">
+        <a:schemeClr val="lt1"/>
+      </a:fontRef>
+    </dgm:style>
+  </dgm:styleLbl>
+  <dgm:styleLbl name="parChTrans2D1">
+    <dgm:scene3d>
+      <a:camera prst="orthographicFront"/>
+      <a:lightRig rig="threePt" dir="t"/>
+    </dgm:scene3d>
+    <dgm:sp3d/>
+    <dgm:txPr/>
+    <dgm:style>
+      <a:lnRef idx="2">
+        <a:scrgbClr r="0" g="0" b="0"/>
+      </a:lnRef>
+      <a:fillRef idx="1">
+        <a:scrgbClr r="0" g="0" b="0"/>
+      </a:fillRef>
+      <a:effectRef idx="0">
+        <a:scrgbClr r="0" g="0" b="0"/>
+      </a:effectRef>
+      <a:fontRef idx="minor">
+        <a:schemeClr val="lt1"/>
+      </a:fontRef>
+    </dgm:style>
+  </dgm:styleLbl>
+  <dgm:styleLbl name="parChTrans2D2">
+    <dgm:scene3d>
+      <a:camera prst="orthographicFront"/>
+      <a:lightRig rig="threePt" dir="t"/>
+    </dgm:scene3d>
+    <dgm:sp3d/>
+    <dgm:txPr/>
+    <dgm:style>
+      <a:lnRef idx="2">
+        <a:scrgbClr r="0" g="0" b="0"/>
+      </a:lnRef>
+      <a:fillRef idx="1">
+        <a:scrgbClr r="0" g="0" b="0"/>
+      </a:fillRef>
+      <a:effectRef idx="0">
+        <a:scrgbClr r="0" g="0" b="0"/>
+      </a:effectRef>
+      <a:fontRef idx="minor">
+        <a:schemeClr val="lt1"/>
+      </a:fontRef>
+    </dgm:style>
+  </dgm:styleLbl>
+  <dgm:styleLbl name="parChTrans2D3">
+    <dgm:scene3d>
+      <a:camera prst="orthographicFront"/>
+      <a:lightRig rig="threePt" dir="t"/>
+    </dgm:scene3d>
+    <dgm:sp3d/>
+    <dgm:txPr/>
+    <dgm:style>
+      <a:lnRef idx="2">
+        <a:scrgbClr r="0" g="0" b="0"/>
+      </a:lnRef>
+      <a:fillRef idx="1">
+        <a:scrgbClr r="0" g="0" b="0"/>
+      </a:fillRef>
+      <a:effectRef idx="0">
+        <a:scrgbClr r="0" g="0" b="0"/>
+      </a:effectRef>
+      <a:fontRef idx="minor">
+        <a:schemeClr val="lt1"/>
+      </a:fontRef>
+    </dgm:style>
+  </dgm:styleLbl>
+  <dgm:styleLbl name="parChTrans2D4">
+    <dgm:scene3d>
+      <a:camera prst="orthographicFront"/>
+      <a:lightRig rig="threePt" dir="t"/>
+    </dgm:scene3d>
+    <dgm:sp3d/>
+    <dgm:txPr/>
+    <dgm:style>
+      <a:lnRef idx="2">
+        <a:scrgbClr r="0" g="0" b="0"/>
+      </a:lnRef>
+      <a:fillRef idx="1">
+        <a:scrgbClr r="0" g="0" b="0"/>
+      </a:fillRef>
+      <a:effectRef idx="0">
+        <a:scrgbClr r="0" g="0" b="0"/>
+      </a:effectRef>
+      <a:fontRef idx="minor">
+        <a:schemeClr val="lt1"/>
+      </a:fontRef>
+    </dgm:style>
+  </dgm:styleLbl>
+  <dgm:styleLbl name="parChTrans1D1">
+    <dgm:scene3d>
+      <a:camera prst="orthographicFront"/>
+      <a:lightRig rig="threePt" dir="t"/>
+    </dgm:scene3d>
+    <dgm:sp3d/>
+    <dgm:txPr/>
+    <dgm:style>
+      <a:lnRef idx="2">
+        <a:scrgbClr r="0" g="0" b="0"/>
+      </a:lnRef>
+      <a:fillRef idx="0">
+        <a:scrgbClr r="0" g="0" b="0"/>
+      </a:fillRef>
+      <a:effectRef idx="0">
+        <a:scrgbClr r="0" g="0" b="0"/>
+      </a:effectRef>
+      <a:fontRef idx="minor"/>
+    </dgm:style>
+  </dgm:styleLbl>
+  <dgm:styleLbl name="parChTrans1D2">
+    <dgm:scene3d>
+      <a:camera prst="orthographicFront"/>
+      <a:lightRig rig="threePt" dir="t"/>
+    </dgm:scene3d>
+    <dgm:sp3d/>
+    <dgm:txPr/>
+    <dgm:style>
+      <a:lnRef idx="2">
+        <a:scrgbClr r="0" g="0" b="0"/>
+      </a:lnRef>
+      <a:fillRef idx="0">
+        <a:scrgbClr r="0" g="0" b="0"/>
+      </a:fillRef>
+      <a:effectRef idx="0">
+        <a:scrgbClr r="0" g="0" b="0"/>
+      </a:effectRef>
+      <a:fontRef idx="minor"/>
+    </dgm:style>
+  </dgm:styleLbl>
+  <dgm:styleLbl name="parChTrans1D3">
+    <dgm:scene3d>
+      <a:camera prst="orthographicFront"/>
+      <a:lightRig rig="threePt" dir="t"/>
+    </dgm:scene3d>
+    <dgm:sp3d/>
+    <dgm:txPr/>
+    <dgm:style>
+      <a:lnRef idx="2">
+        <a:scrgbClr r="0" g="0" b="0"/>
+      </a:lnRef>
+      <a:fillRef idx="0">
+        <a:scrgbClr r="0" g="0" b="0"/>
+      </a:fillRef>
+      <a:effectRef idx="0">
+        <a:scrgbClr r="0" g="0" b="0"/>
+      </a:effectRef>
+      <a:fontRef idx="minor"/>
+    </dgm:style>
+  </dgm:styleLbl>
+  <dgm:styleLbl name="parChTrans1D4">
+    <dgm:scene3d>
+      <a:camera prst="orthographicFront"/>
+      <a:lightRig rig="threePt" dir="t"/>
+    </dgm:scene3d>
+    <dgm:sp3d/>
+    <dgm:txPr/>
+    <dgm:style>
+      <a:lnRef idx="2">
+        <a:scrgbClr r="0" g="0" b="0"/>
+      </a:lnRef>
+      <a:fillRef idx="0">
+        <a:scrgbClr r="0" g="0" b="0"/>
+      </a:fillRef>
+      <a:effectRef idx="0">
+        <a:scrgbClr r="0" g="0" b="0"/>
+      </a:effectRef>
+      <a:fontRef idx="minor"/>
+    </dgm:style>
+  </dgm:styleLbl>
+  <dgm:styleLbl name="fgAcc1">
+    <dgm:scene3d>
+      <a:camera prst="orthographicFront"/>
+      <a:lightRig rig="threePt" dir="t"/>
+    </dgm:scene3d>
+    <dgm:sp3d/>
+    <dgm:txPr/>
+    <dgm:style>
+      <a:lnRef idx="2">
+        <a:scrgbClr r="0" g="0" b="0"/>
+      </a:lnRef>
+      <a:fillRef idx="1">
+        <a:scrgbClr r="0" g="0" b="0"/>
+      </a:fillRef>
+      <a:effectRef idx="0">
+        <a:scrgbClr r="0" g="0" b="0"/>
+      </a:effectRef>
+      <a:fontRef idx="minor"/>
+    </dgm:style>
+  </dgm:styleLbl>
+  <dgm:styleLbl name="conFgAcc1">
+    <dgm:scene3d>
+      <a:camera prst="orthographicFront"/>
+      <a:lightRig rig="threePt" dir="t"/>
+    </dgm:scene3d>
+    <dgm:sp3d/>
+    <dgm:txPr/>
+    <dgm:style>
+      <a:lnRef idx="2">
+        <a:scrgbClr r="0" g="0" b="0"/>
+      </a:lnRef>
+      <a:fillRef idx="1">
+        <a:scrgbClr r="0" g="0" b="0"/>
+      </a:fillRef>
+      <a:effectRef idx="0">
+        <a:scrgbClr r="0" g="0" b="0"/>
+      </a:effectRef>
+      <a:fontRef idx="minor"/>
+    </dgm:style>
+  </dgm:styleLbl>
+  <dgm:styleLbl name="alignAcc1">
+    <dgm:scene3d>
+      <a:camera prst="orthographicFront"/>
+      <a:lightRig rig="threePt" dir="t"/>
+    </dgm:scene3d>
+    <dgm:sp3d/>
+    <dgm:txPr/>
+    <dgm:style>
+      <a:lnRef idx="2">
+        <a:scrgbClr r="0" g="0" b="0"/>
+      </a:lnRef>
+      <a:fillRef idx="1">
+        <a:scrgbClr r="0" g="0" b="0"/>
+      </a:fillRef>
+      <a:effectRef idx="0">
+        <a:scrgbClr r="0" g="0" b="0"/>
+      </a:effectRef>
+      <a:fontRef idx="minor"/>
+    </dgm:style>
+  </dgm:styleLbl>
+  <dgm:styleLbl name="trAlignAcc1">
+    <dgm:scene3d>
+      <a:camera prst="orthographicFront"/>
+      <a:lightRig rig="threePt" dir="t"/>
+    </dgm:scene3d>
+    <dgm:sp3d/>
+    <dgm:txPr/>
+    <dgm:style>
+      <a:lnRef idx="1">
+        <a:scrgbClr r="0" g="0" b="0"/>
+      </a:lnRef>
+      <a:fillRef idx="1">
+        <a:scrgbClr r="0" g="0" b="0"/>
+      </a:fillRef>
+      <a:effectRef idx="0">
+        <a:scrgbClr r="0" g="0" b="0"/>
+      </a:effectRef>
+      <a:fontRef idx="minor"/>
+    </dgm:style>
+  </dgm:styleLbl>
+  <dgm:styleLbl name="bgAcc1">
+    <dgm:scene3d>
+      <a:camera prst="orthographicFront"/>
+      <a:lightRig rig="threePt" dir="t"/>
+    </dgm:scene3d>
+    <dgm:sp3d/>
+    <dgm:txPr/>
+    <dgm:style>
+      <a:lnRef idx="2">
+        <a:scrgbClr r="0" g="0" b="0"/>
+      </a:lnRef>
+      <a:fillRef idx="1">
+        <a:scrgbClr r="0" g="0" b="0"/>
+      </a:fillRef>
+      <a:effectRef idx="0">
+        <a:scrgbClr r="0" g="0" b="0"/>
+      </a:effectRef>
+      <a:fontRef idx="minor"/>
+    </dgm:style>
+  </dgm:styleLbl>
+  <dgm:styleLbl name="solidFgAcc1">
+    <dgm:scene3d>
+      <a:camera prst="orthographicFront"/>
+      <a:lightRig rig="threePt" dir="t"/>
+    </dgm:scene3d>
+    <dgm:sp3d/>
+    <dgm:txPr/>
+    <dgm:style>
+      <a:lnRef idx="2">
+        <a:scrgbClr r="0" g="0" b="0"/>
+      </a:lnRef>
+      <a:fillRef idx="1">
+        <a:scrgbClr r="0" g="0" b="0"/>
+      </a:fillRef>
+      <a:effectRef idx="0">
+        <a:scrgbClr r="0" g="0" b="0"/>
+      </a:effectRef>
+      <a:fontRef idx="minor"/>
+    </dgm:style>
+  </dgm:styleLbl>
+  <dgm:styleLbl name="solidAlignAcc1">
+    <dgm:scene3d>
+      <a:camera prst="orthographicFront"/>
+      <a:lightRig rig="threePt" dir="t"/>
+    </dgm:scene3d>
+    <dgm:sp3d/>
+    <dgm:txPr/>
+    <dgm:style>
+      <a:lnRef idx="2">
+        <a:scrgbClr r="0" g="0" b="0"/>
+      </a:lnRef>
+      <a:fillRef idx="1">
+        <a:scrgbClr r="0" g="0" b="0"/>
+      </a:fillRef>
+      <a:effectRef idx="0">
+        <a:scrgbClr r="0" g="0" b="0"/>
+      </a:effectRef>
+      <a:fontRef idx="minor"/>
+    </dgm:style>
+  </dgm:styleLbl>
+  <dgm:styleLbl name="solidBgAcc1">
+    <dgm:scene3d>
+      <a:camera prst="orthographicFront"/>
+      <a:lightRig rig="threePt" dir="t"/>
+    </dgm:scene3d>
+    <dgm:sp3d/>
+    <dgm:txPr/>
+    <dgm:style>
+      <a:lnRef idx="2">
+        <a:scrgbClr r="0" g="0" b="0"/>
+      </a:lnRef>
+      <a:fillRef idx="1">
+        <a:scrgbClr r="0" g="0" b="0"/>
+      </a:fillRef>
+      <a:effectRef idx="0">
+        <a:scrgbClr r="0" g="0" b="0"/>
+      </a:effectRef>
+      <a:fontRef idx="minor"/>
+    </dgm:style>
+  </dgm:styleLbl>
+  <dgm:styleLbl name="fgAccFollowNode1">
+    <dgm:scene3d>
+      <a:camera prst="orthographicFront"/>
+      <a:lightRig rig="threePt" dir="t"/>
+    </dgm:scene3d>
+    <dgm:sp3d/>
+    <dgm:txPr/>
+    <dgm:style>
+      <a:lnRef idx="2">
+        <a:scrgbClr r="0" g="0" b="0"/>
+      </a:lnRef>
+      <a:fillRef idx="1">
+        <a:scrgbClr r="0" g="0" b="0"/>
+      </a:fillRef>
+      <a:effectRef idx="0">
+        <a:scrgbClr r="0" g="0" b="0"/>
+      </a:effectRef>
+      <a:fontRef idx="minor"/>
+    </dgm:style>
+  </dgm:styleLbl>
+  <dgm:styleLbl name="alignAccFollowNode1">
+    <dgm:scene3d>
+      <a:camera prst="orthographicFront"/>
+      <a:lightRig rig="threePt" dir="t"/>
+    </dgm:scene3d>
+    <dgm:sp3d/>
+    <dgm:txPr/>
+    <dgm:style>
+      <a:lnRef idx="2">
+        <a:scrgbClr r="0" g="0" b="0"/>
+      </a:lnRef>
+      <a:fillRef idx="1">
+        <a:scrgbClr r="0" g="0" b="0"/>
+      </a:fillRef>
+      <a:effectRef idx="0">
+        <a:scrgbClr r="0" g="0" b="0"/>
+      </a:effectRef>
+      <a:fontRef idx="minor"/>
+    </dgm:style>
+  </dgm:styleLbl>
+  <dgm:styleLbl name="bgAccFollowNode1">
+    <dgm:scene3d>
+      <a:camera prst="orthographicFront"/>
+      <a:lightRig rig="threePt" dir="t"/>
+    </dgm:scene3d>
+    <dgm:sp3d/>
+    <dgm:txPr/>
+    <dgm:style>
+      <a:lnRef idx="2">
+        <a:scrgbClr r="0" g="0" b="0"/>
+      </a:lnRef>
+      <a:fillRef idx="1">
+        <a:scrgbClr r="0" g="0" b="0"/>
+      </a:fillRef>
+      <a:effectRef idx="0">
+        <a:scrgbClr r="0" g="0" b="0"/>
+      </a:effectRef>
+      <a:fontRef idx="minor"/>
+    </dgm:style>
+  </dgm:styleLbl>
+  <dgm:styleLbl name="fgAcc0">
+    <dgm:scene3d>
+      <a:camera prst="orthographicFront"/>
+      <a:lightRig rig="threePt" dir="t"/>
+    </dgm:scene3d>
+    <dgm:sp3d/>
+    <dgm:txPr/>
+    <dgm:style>
+      <a:lnRef idx="2">
+        <a:scrgbClr r="0" g="0" b="0"/>
+      </a:lnRef>
+      <a:fillRef idx="1">
+        <a:scrgbClr r="0" g="0" b="0"/>
+      </a:fillRef>
+      <a:effectRef idx="0">
+        <a:scrgbClr r="0" g="0" b="0"/>
+      </a:effectRef>
+      <a:fontRef idx="minor"/>
+    </dgm:style>
+  </dgm:styleLbl>
+  <dgm:styleLbl name="fgAcc2">
+    <dgm:scene3d>
+      <a:camera prst="orthographicFront"/>
+      <a:lightRig rig="threePt" dir="t"/>
+    </dgm:scene3d>
+    <dgm:sp3d/>
+    <dgm:txPr/>
+    <dgm:style>
+      <a:lnRef idx="2">
+        <a:scrgbClr r="0" g="0" b="0"/>
+      </a:lnRef>
+      <a:fillRef idx="1">
+        <a:scrgbClr r="0" g="0" b="0"/>
+      </a:fillRef>
+      <a:effectRef idx="0">
+        <a:scrgbClr r="0" g="0" b="0"/>
+      </a:effectRef>
+      <a:fontRef idx="minor"/>
+    </dgm:style>
+  </dgm:styleLbl>
+  <dgm:styleLbl name="fgAcc3">
+    <dgm:scene3d>
+      <a:camera prst="orthographicFront"/>
+      <a:lightRig rig="threePt" dir="t"/>
+    </dgm:scene3d>
+    <dgm:sp3d/>
+    <dgm:txPr/>
+    <dgm:style>
+      <a:lnRef idx="2">
+        <a:scrgbClr r="0" g="0" b="0"/>
+      </a:lnRef>
+      <a:fillRef idx="1">
+        <a:scrgbClr r="0" g="0" b="0"/>
+      </a:fillRef>
+      <a:effectRef idx="0">
+        <a:scrgbClr r="0" g="0" b="0"/>
+      </a:effectRef>
+      <a:fontRef idx="minor"/>
+    </dgm:style>
+  </dgm:styleLbl>
+  <dgm:styleLbl name="fgAcc4">
+    <dgm:scene3d>
+      <a:camera prst="orthographicFront"/>
+      <a:lightRig rig="threePt" dir="t"/>
+    </dgm:scene3d>
+    <dgm:sp3d/>
+    <dgm:txPr/>
+    <dgm:style>
+      <a:lnRef idx="2">
+        <a:scrgbClr r="0" g="0" b="0"/>
+      </a:lnRef>
+      <a:fillRef idx="1">
+        <a:scrgbClr r="0" g="0" b="0"/>
+      </a:fillRef>
+      <a:effectRef idx="0">
+        <a:scrgbClr r="0" g="0" b="0"/>
+      </a:effectRef>
+      <a:fontRef idx="minor"/>
+    </dgm:style>
+  </dgm:styleLbl>
+  <dgm:styleLbl name="bgShp">
+    <dgm:scene3d>
+      <a:camera prst="orthographicFront"/>
+      <a:lightRig rig="threePt" dir="t"/>
+    </dgm:scene3d>
+    <dgm:sp3d/>
+    <dgm:txPr/>
+    <dgm:style>
+      <a:lnRef idx="0">
+        <a:scrgbClr r="0" g="0" b="0"/>
+      </a:lnRef>
+      <a:fillRef idx="1">
+        <a:scrgbClr r="0" g="0" b="0"/>
+      </a:fillRef>
+      <a:effectRef idx="0">
+        <a:scrgbClr r="0" g="0" b="0"/>
+      </a:effectRef>
+      <a:fontRef idx="minor"/>
+    </dgm:style>
+  </dgm:styleLbl>
+  <dgm:styleLbl name="dkBgShp">
+    <dgm:scene3d>
+      <a:camera prst="orthographicFront"/>
+      <a:lightRig rig="threePt" dir="t"/>
+    </dgm:scene3d>
+    <dgm:sp3d/>
+    <dgm:txPr/>
+    <dgm:style>
+      <a:lnRef idx="0">
+        <a:scrgbClr r="0" g="0" b="0"/>
+      </a:lnRef>
+      <a:fillRef idx="1">
+        <a:scrgbClr r="0" g="0" b="0"/>
+      </a:fillRef>
+      <a:effectRef idx="0">
+        <a:scrgbClr r="0" g="0" b="0"/>
+      </a:effectRef>
+      <a:fontRef idx="minor"/>
+    </dgm:style>
+  </dgm:styleLbl>
+  <dgm:styleLbl name="trBgShp">
+    <dgm:scene3d>
+      <a:camera prst="orthographicFront"/>
+      <a:lightRig rig="threePt" dir="t"/>
+    </dgm:scene3d>
+    <dgm:sp3d/>
+    <dgm:txPr/>
+    <dgm:style>
+      <a:lnRef idx="0">
+        <a:scrgbClr r="0" g="0" b="0"/>
+      </a:lnRef>
+      <a:fillRef idx="1">
+        <a:scrgbClr r="0" g="0" b="0"/>
+      </a:fillRef>
+      <a:effectRef idx="0">
+        <a:scrgbClr r="0" g="0" b="0"/>
+      </a:effectRef>
+      <a:fontRef idx="minor"/>
+    </dgm:style>
+  </dgm:styleLbl>
+  <dgm:styleLbl name="fgShp">
+    <dgm:scene3d>
+      <a:camera prst="orthographicFront"/>
+      <a:lightRig rig="threePt" dir="t"/>
+    </dgm:scene3d>
+    <dgm:sp3d/>
+    <dgm:txPr/>
+    <dgm:style>
+      <a:lnRef idx="2">
+        <a:scrgbClr r="0" g="0" b="0"/>
+      </a:lnRef>
+      <a:fillRef idx="1">
+        <a:scrgbClr r="0" g="0" b="0"/>
+      </a:fillRef>
+      <a:effectRef idx="0">
+        <a:scrgbClr r="0" g="0" b="0"/>
+      </a:effectRef>
+      <a:fontRef idx="minor"/>
+    </dgm:style>
+  </dgm:styleLbl>
+  <dgm:styleLbl name="revTx">
+    <dgm:scene3d>
+      <a:camera prst="orthographicFront"/>
+      <a:lightRig rig="threePt" dir="t"/>
+    </dgm:scene3d>
+    <dgm:sp3d/>
+    <dgm:txPr/>
+    <dgm:style>
+      <a:lnRef idx="0">
+        <a:scrgbClr r="0" g="0" b="0"/>
+      </a:lnRef>
+      <a:fillRef idx="0">
+        <a:scrgbClr r="0" g="0" b="0"/>
+      </a:fillRef>
+      <a:effectRef idx="0">
+        <a:scrgbClr r="0" g="0" b="0"/>
+      </a:effectRef>
+      <a:fontRef idx="minor"/>
+    </dgm:style>
+  </dgm:styleLbl>
+</dgm:styleDef>
+</file>
+
+<file path=ppt/diagrams/quickStyle2.xml><?xml version="1.0" encoding="utf-8"?>
+<dgm:styleDef xmlns:dgm="http://schemas.openxmlformats.org/drawingml/2006/diagram" xmlns:a="http://schemas.openxmlformats.org/drawingml/2006/main" uniqueId="urn:microsoft.com/office/officeart/2005/8/quickstyle/simple1">
+  <dgm:title val=""/>
+  <dgm:desc val=""/>
+  <dgm:catLst>
+    <dgm:cat type="simple" pri="10100"/>
+  </dgm:catLst>
+  <dgm:scene3d>
+    <a:camera prst="orthographicFront"/>
+    <a:lightRig rig="threePt" dir="t"/>
+  </dgm:scene3d>
+  <dgm:styleLbl name="node0">
+    <dgm:scene3d>
+      <a:camera prst="orthographicFront"/>
+      <a:lightRig rig="threePt" dir="t"/>
+    </dgm:scene3d>
+    <dgm:sp3d/>
+    <dgm:txPr/>
+    <dgm:style>
+      <a:lnRef idx="2">
+        <a:scrgbClr r="0" g="0" b="0"/>
+      </a:lnRef>
+      <a:fillRef idx="1">
+        <a:scrgbClr r="0" g="0" b="0"/>
+      </a:fillRef>
+      <a:effectRef idx="0">
+        <a:scrgbClr r="0" g="0" b="0"/>
+      </a:effectRef>
+      <a:fontRef idx="minor">
+        <a:schemeClr val="lt1"/>
+      </a:fontRef>
+    </dgm:style>
+  </dgm:styleLbl>
+  <dgm:styleLbl name="lnNode1">
+    <dgm:scene3d>
+      <a:camera prst="orthographicFront"/>
+      <a:lightRig rig="threePt" dir="t"/>
+    </dgm:scene3d>
+    <dgm:sp3d/>
+    <dgm:txPr/>
+    <dgm:style>
+      <a:lnRef idx="2">
+        <a:scrgbClr r="0" g="0" b="0"/>
+      </a:lnRef>
+      <a:fillRef idx="1">
+        <a:scrgbClr r="0" g="0" b="0"/>
+      </a:fillRef>
+      <a:effectRef idx="0">
+        <a:scrgbClr r="0" g="0" b="0"/>
+      </a:effectRef>
+      <a:fontRef idx="minor">
+        <a:schemeClr val="lt1"/>
+      </a:fontRef>
+    </dgm:style>
+  </dgm:styleLbl>
+  <dgm:styleLbl name="vennNode1">
+    <dgm:scene3d>
+      <a:camera prst="orthographicFront"/>
+      <a:lightRig rig="threePt" dir="t"/>
+    </dgm:scene3d>
+    <dgm:sp3d/>
+    <dgm:txPr/>
+    <dgm:style>
+      <a:lnRef idx="2">
+        <a:scrgbClr r="0" g="0" b="0"/>
+      </a:lnRef>
+      <a:fillRef idx="1">
+        <a:scrgbClr r="0" g="0" b="0"/>
+      </a:fillRef>
+      <a:effectRef idx="0">
+        <a:scrgbClr r="0" g="0" b="0"/>
+      </a:effectRef>
+      <a:fontRef idx="minor">
+        <a:schemeClr val="tx1"/>
+      </a:fontRef>
+    </dgm:style>
+  </dgm:styleLbl>
+  <dgm:styleLbl name="alignNode1">
+    <dgm:scene3d>
+      <a:camera prst="orthographicFront"/>
+      <a:lightRig rig="threePt" dir="t"/>
+    </dgm:scene3d>
+    <dgm:sp3d/>
+    <dgm:txPr/>
+    <dgm:style>
+      <a:lnRef idx="2">
+        <a:scrgbClr r="0" g="0" b="0"/>
+      </a:lnRef>
+      <a:fillRef idx="1">
+        <a:scrgbClr r="0" g="0" b="0"/>
+      </a:fillRef>
+      <a:effectRef idx="0">
+        <a:scrgbClr r="0" g="0" b="0"/>
+      </a:effectRef>
+      <a:fontRef idx="minor">
+        <a:schemeClr val="lt1"/>
+      </a:fontRef>
+    </dgm:style>
+  </dgm:styleLbl>
+  <dgm:styleLbl name="node1">
+    <dgm:scene3d>
+      <a:camera prst="orthographicFront"/>
+      <a:lightRig rig="threePt" dir="t"/>
+    </dgm:scene3d>
+    <dgm:sp3d/>
+    <dgm:txPr/>
+    <dgm:style>
+      <a:lnRef idx="2">
+        <a:scrgbClr r="0" g="0" b="0"/>
+      </a:lnRef>
+      <a:fillRef idx="1">
+        <a:scrgbClr r="0" g="0" b="0"/>
+      </a:fillRef>
+      <a:effectRef idx="0">
+        <a:scrgbClr r="0" g="0" b="0"/>
+      </a:effectRef>
+      <a:fontRef idx="minor">
+        <a:schemeClr val="lt1"/>
+      </a:fontRef>
+    </dgm:style>
+  </dgm:styleLbl>
+  <dgm:styleLbl name="node2">
+    <dgm:scene3d>
+      <a:camera prst="orthographicFront"/>
+      <a:lightRig rig="threePt" dir="t"/>
+    </dgm:scene3d>
+    <dgm:sp3d/>
+    <dgm:txPr/>
+    <dgm:style>
+      <a:lnRef idx="2">
+        <a:scrgbClr r="0" g="0" b="0"/>
+      </a:lnRef>
+      <a:fillRef idx="1">
+        <a:scrgbClr r="0" g="0" b="0"/>
+      </a:fillRef>
+      <a:effectRef idx="0">
+        <a:scrgbClr r="0" g="0" b="0"/>
+      </a:effectRef>
+      <a:fontRef idx="minor">
+        <a:schemeClr val="lt1"/>
+      </a:fontRef>
+    </dgm:style>
+  </dgm:styleLbl>
+  <dgm:styleLbl name="node3">
+    <dgm:scene3d>
+      <a:camera prst="orthographicFront"/>
+      <a:lightRig rig="threePt" dir="t"/>
+    </dgm:scene3d>
+    <dgm:sp3d/>
+    <dgm:txPr/>
+    <dgm:style>
+      <a:lnRef idx="2">
+        <a:scrgbClr r="0" g="0" b="0"/>
+      </a:lnRef>
+      <a:fillRef idx="1">
+        <a:scrgbClr r="0" g="0" b="0"/>
+      </a:fillRef>
+      <a:effectRef idx="0">
+        <a:scrgbClr r="0" g="0" b="0"/>
+      </a:effectRef>
+      <a:fontRef idx="minor">
+        <a:schemeClr val="lt1"/>
+      </a:fontRef>
+    </dgm:style>
+  </dgm:styleLbl>
+  <dgm:styleLbl name="node4">
+    <dgm:scene3d>
+      <a:camera prst="orthographicFront"/>
+      <a:lightRig rig="threePt" dir="t"/>
+    </dgm:scene3d>
+    <dgm:sp3d/>
+    <dgm:txPr/>
+    <dgm:style>
+      <a:lnRef idx="2">
+        <a:scrgbClr r="0" g="0" b="0"/>
+      </a:lnRef>
+      <a:fillRef idx="1">
+        <a:scrgbClr r="0" g="0" b="0"/>
+      </a:fillRef>
+      <a:effectRef idx="0">
+        <a:scrgbClr r="0" g="0" b="0"/>
+      </a:effectRef>
+      <a:fontRef idx="minor">
+        <a:schemeClr val="lt1"/>
+      </a:fontRef>
+    </dgm:style>
+  </dgm:styleLbl>
+  <dgm:styleLbl name="fgImgPlace1">
+    <dgm:scene3d>
+      <a:camera prst="orthographicFront"/>
+      <a:lightRig rig="threePt" dir="t"/>
+    </dgm:scene3d>
+    <dgm:sp3d/>
+    <dgm:txPr/>
+    <dgm:style>
+      <a:lnRef idx="2">
+        <a:scrgbClr r="0" g="0" b="0"/>
+      </a:lnRef>
+      <a:fillRef idx="1">
+        <a:scrgbClr r="0" g="0" b="0"/>
+      </a:fillRef>
+      <a:effectRef idx="0">
+        <a:scrgbClr r="0" g="0" b="0"/>
+      </a:effectRef>
+      <a:fontRef idx="minor"/>
+    </dgm:style>
+  </dgm:styleLbl>
+  <dgm:styleLbl name="alignImgPlace1">
+    <dgm:scene3d>
+      <a:camera prst="orthographicFront"/>
+      <a:lightRig rig="threePt" dir="t"/>
+    </dgm:scene3d>
+    <dgm:sp3d/>
+    <dgm:txPr/>
+    <dgm:style>
+      <a:lnRef idx="2">
+        <a:scrgbClr r="0" g="0" b="0"/>
+      </a:lnRef>
+      <a:fillRef idx="1">
+        <a:scrgbClr r="0" g="0" b="0"/>
+      </a:fillRef>
+      <a:effectRef idx="0">
+        <a:scrgbClr r="0" g="0" b="0"/>
+      </a:effectRef>
+      <a:fontRef idx="minor"/>
+    </dgm:style>
+  </dgm:styleLbl>
+  <dgm:styleLbl name="bgImgPlace1">
+    <dgm:scene3d>
+      <a:camera prst="orthographicFront"/>
+      <a:lightRig rig="threePt" dir="t"/>
+    </dgm:scene3d>
+    <dgm:sp3d/>
+    <dgm:txPr/>
+    <dgm:style>
+      <a:lnRef idx="2">
+        <a:scrgbClr r="0" g="0" b="0"/>
+      </a:lnRef>
+      <a:fillRef idx="1">
+        <a:scrgbClr r="0" g="0" b="0"/>
+      </a:fillRef>
+      <a:effectRef idx="0">
+        <a:scrgbClr r="0" g="0" b="0"/>
+      </a:effectRef>
+      <a:fontRef idx="minor"/>
+    </dgm:style>
+  </dgm:styleLbl>
+  <dgm:styleLbl name="sibTrans2D1">
+    <dgm:scene3d>
+      <a:camera prst="orthographicFront"/>
+      <a:lightRig rig="threePt" dir="t"/>
+    </dgm:scene3d>
+    <dgm:sp3d/>
+    <dgm:txPr/>
+    <dgm:style>
+      <a:lnRef idx="0">
+        <a:scrgbClr r="0" g="0" b="0"/>
+      </a:lnRef>
+      <a:fillRef idx="1">
+        <a:scrgbClr r="0" g="0" b="0"/>
+      </a:fillRef>
+      <a:effectRef idx="0">
+        <a:scrgbClr r="0" g="0" b="0"/>
+      </a:effectRef>
+      <a:fontRef idx="minor">
+        <a:schemeClr val="lt1"/>
+      </a:fontRef>
+    </dgm:style>
+  </dgm:styleLbl>
+  <dgm:styleLbl name="fgSibTrans2D1">
+    <dgm:scene3d>
+      <a:camera prst="orthographicFront"/>
+      <a:lightRig rig="threePt" dir="t"/>
+    </dgm:scene3d>
+    <dgm:sp3d/>
+    <dgm:txPr/>
+    <dgm:style>
+      <a:lnRef idx="0">
+        <a:scrgbClr r="0" g="0" b="0"/>
+      </a:lnRef>
+      <a:fillRef idx="1">
+        <a:scrgbClr r="0" g="0" b="0"/>
+      </a:fillRef>
+      <a:effectRef idx="0">
+        <a:scrgbClr r="0" g="0" b="0"/>
+      </a:effectRef>
+      <a:fontRef idx="minor">
+        <a:schemeClr val="lt1"/>
+      </a:fontRef>
+    </dgm:style>
+  </dgm:styleLbl>
+  <dgm:styleLbl name="bgSibTrans2D1">
+    <dgm:scene3d>
+      <a:camera prst="orthographicFront"/>
+      <a:lightRig rig="threePt" dir="t"/>
+    </dgm:scene3d>
+    <dgm:sp3d/>
+    <dgm:txPr/>
+    <dgm:style>
+      <a:lnRef idx="0">
+        <a:scrgbClr r="0" g="0" b="0"/>
+      </a:lnRef>
+      <a:fillRef idx="1">
+        <a:scrgbClr r="0" g="0" b="0"/>
+      </a:fillRef>
+      <a:effectRef idx="0">
+        <a:scrgbClr r="0" g="0" b="0"/>
+      </a:effectRef>
+      <a:fontRef idx="minor">
+        <a:schemeClr val="lt1"/>
+      </a:fontRef>
+    </dgm:style>
+  </dgm:styleLbl>
+  <dgm:styleLbl name="sibTrans1D1">
+    <dgm:scene3d>
+      <a:camera prst="orthographicFront"/>
+      <a:lightRig rig="threePt" dir="t"/>
+    </dgm:scene3d>
+    <dgm:sp3d/>
+    <dgm:txPr/>
+    <dgm:style>
+      <a:lnRef idx="1">
+        <a:scrgbClr r="0" g="0" b="0"/>
+      </a:lnRef>
+      <a:fillRef idx="0">
+        <a:scrgbClr r="0" g="0" b="0"/>
+      </a:fillRef>
+      <a:effectRef idx="0">
+        <a:scrgbClr r="0" g="0" b="0"/>
+      </a:effectRef>
+      <a:fontRef idx="minor"/>
+    </dgm:style>
+  </dgm:styleLbl>
+  <dgm:styleLbl name="callout">
+    <dgm:scene3d>
+      <a:camera prst="orthographicFront"/>
+      <a:lightRig rig="threePt" dir="t"/>
+    </dgm:scene3d>
+    <dgm:sp3d/>
+    <dgm:txPr/>
+    <dgm:style>
+      <a:lnRef idx="2">
+        <a:scrgbClr r="0" g="0" b="0"/>
+      </a:lnRef>
+      <a:fillRef idx="1">
+        <a:scrgbClr r="0" g="0" b="0"/>
+      </a:fillRef>
+      <a:effectRef idx="0">
+        <a:scrgbClr r="0" g="0" b="0"/>
+      </a:effectRef>
+      <a:fontRef idx="minor"/>
+    </dgm:style>
+  </dgm:styleLbl>
+  <dgm:styleLbl name="asst0">
+    <dgm:scene3d>
+      <a:camera prst="orthographicFront"/>
+      <a:lightRig rig="threePt" dir="t"/>
+    </dgm:scene3d>
+    <dgm:sp3d/>
+    <dgm:txPr/>
+    <dgm:style>
+      <a:lnRef idx="2">
+        <a:scrgbClr r="0" g="0" b="0"/>
+      </a:lnRef>
+      <a:fillRef idx="1">
+        <a:scrgbClr r="0" g="0" b="0"/>
+      </a:fillRef>
+      <a:effectRef idx="0">
+        <a:scrgbClr r="0" g="0" b="0"/>
+      </a:effectRef>
+      <a:fontRef idx="minor">
+        <a:schemeClr val="lt1"/>
+      </a:fontRef>
+    </dgm:style>
+  </dgm:styleLbl>
+  <dgm:styleLbl name="asst1">
+    <dgm:scene3d>
+      <a:camera prst="orthographicFront"/>
+      <a:lightRig rig="threePt" dir="t"/>
+    </dgm:scene3d>
+    <dgm:sp3d/>
+    <dgm:txPr/>
+    <dgm:style>
+      <a:lnRef idx="2">
+        <a:scrgbClr r="0" g="0" b="0"/>
+      </a:lnRef>
+      <a:fillRef idx="1">
+        <a:scrgbClr r="0" g="0" b="0"/>
+      </a:fillRef>
+      <a:effectRef idx="0">
+        <a:scrgbClr r="0" g="0" b="0"/>
+      </a:effectRef>
+      <a:fontRef idx="minor">
+        <a:schemeClr val="lt1"/>
+      </a:fontRef>
+    </dgm:style>
+  </dgm:styleLbl>
+  <dgm:styleLbl name="asst2">
+    <dgm:scene3d>
+      <a:camera prst="orthographicFront"/>
+      <a:lightRig rig="threePt" dir="t"/>
+    </dgm:scene3d>
+    <dgm:sp3d/>
+    <dgm:txPr/>
+    <dgm:style>
+      <a:lnRef idx="2">
+        <a:scrgbClr r="0" g="0" b="0"/>
+      </a:lnRef>
+      <a:fillRef idx="1">
+        <a:scrgbClr r="0" g="0" b="0"/>
+      </a:fillRef>
+      <a:effectRef idx="0">
+        <a:scrgbClr r="0" g="0" b="0"/>
+      </a:effectRef>
+      <a:fontRef idx="minor">
+        <a:schemeClr val="lt1"/>
+      </a:fontRef>
+    </dgm:style>
+  </dgm:styleLbl>
+  <dgm:styleLbl name="asst3">
+    <dgm:scene3d>
+      <a:camera prst="orthographicFront"/>
+      <a:lightRig rig="threePt" dir="t"/>
+    </dgm:scene3d>
+    <dgm:sp3d/>
+    <dgm:txPr/>
+    <dgm:style>
+      <a:lnRef idx="2">
+        <a:scrgbClr r="0" g="0" b="0"/>
+      </a:lnRef>
+      <a:fillRef idx="1">
+        <a:scrgbClr r="0" g="0" b="0"/>
+      </a:fillRef>
+      <a:effectRef idx="0">
+        <a:scrgbClr r="0" g="0" b="0"/>
+      </a:effectRef>
+      <a:fontRef idx="minor">
+        <a:schemeClr val="lt1"/>
+      </a:fontRef>
+    </dgm:style>
+  </dgm:styleLbl>
+  <dgm:styleLbl name="asst4">
+    <dgm:scene3d>
+      <a:camera prst="orthographicFront"/>
+      <a:lightRig rig="threePt" dir="t"/>
+    </dgm:scene3d>
+    <dgm:sp3d/>
+    <dgm:txPr/>
+    <dgm:style>
+      <a:lnRef idx="2">
+        <a:scrgbClr r="0" g="0" b="0"/>
+      </a:lnRef>
+      <a:fillRef idx="1">
+        <a:scrgbClr r="0" g="0" b="0"/>
+      </a:fillRef>
+      <a:effectRef idx="0">
+        <a:scrgbClr r="0" g="0" b="0"/>
+      </a:effectRef>
+      <a:fontRef idx="minor">
+        <a:schemeClr val="lt1"/>
+      </a:fontRef>
+    </dgm:style>
+  </dgm:styleLbl>
+  <dgm:styleLbl name="parChTrans2D1">
+    <dgm:scene3d>
+      <a:camera prst="orthographicFront"/>
+      <a:lightRig rig="threePt" dir="t"/>
+    </dgm:scene3d>
+    <dgm:sp3d/>
+    <dgm:txPr/>
+    <dgm:style>
+      <a:lnRef idx="2">
+        <a:scrgbClr r="0" g="0" b="0"/>
+      </a:lnRef>
+      <a:fillRef idx="1">
+        <a:scrgbClr r="0" g="0" b="0"/>
+      </a:fillRef>
+      <a:effectRef idx="0">
+        <a:scrgbClr r="0" g="0" b="0"/>
+      </a:effectRef>
+      <a:fontRef idx="minor">
+        <a:schemeClr val="lt1"/>
+      </a:fontRef>
+    </dgm:style>
+  </dgm:styleLbl>
+  <dgm:styleLbl name="parChTrans2D2">
+    <dgm:scene3d>
+      <a:camera prst="orthographicFront"/>
+      <a:lightRig rig="threePt" dir="t"/>
+    </dgm:scene3d>
+    <dgm:sp3d/>
+    <dgm:txPr/>
+    <dgm:style>
+      <a:lnRef idx="2">
+        <a:scrgbClr r="0" g="0" b="0"/>
+      </a:lnRef>
+      <a:fillRef idx="1">
+        <a:scrgbClr r="0" g="0" b="0"/>
+      </a:fillRef>
+      <a:effectRef idx="0">
+        <a:scrgbClr r="0" g="0" b="0"/>
+      </a:effectRef>
+      <a:fontRef idx="minor">
+        <a:schemeClr val="lt1"/>
+      </a:fontRef>
+    </dgm:style>
+  </dgm:styleLbl>
+  <dgm:styleLbl name="parChTrans2D3">
+    <dgm:scene3d>
+      <a:camera prst="orthographicFront"/>
+      <a:lightRig rig="threePt" dir="t"/>
+    </dgm:scene3d>
+    <dgm:sp3d/>
+    <dgm:txPr/>
+    <dgm:style>
+      <a:lnRef idx="2">
+        <a:scrgbClr r="0" g="0" b="0"/>
+      </a:lnRef>
+      <a:fillRef idx="1">
+        <a:scrgbClr r="0" g="0" b="0"/>
+      </a:fillRef>
+      <a:effectRef idx="0">
+        <a:scrgbClr r="0" g="0" b="0"/>
+      </a:effectRef>
+      <a:fontRef idx="minor">
+        <a:schemeClr val="lt1"/>
+      </a:fontRef>
+    </dgm:style>
+  </dgm:styleLbl>
+  <dgm:styleLbl name="parChTrans2D4">
+    <dgm:scene3d>
+      <a:camera prst="orthographicFront"/>
+      <a:lightRig rig="threePt" dir="t"/>
+    </dgm:scene3d>
+    <dgm:sp3d/>
+    <dgm:txPr/>
+    <dgm:style>
+      <a:lnRef idx="2">
+        <a:scrgbClr r="0" g="0" b="0"/>
+      </a:lnRef>
+      <a:fillRef idx="1">
+        <a:scrgbClr r="0" g="0" b="0"/>
+      </a:fillRef>
+      <a:effectRef idx="0">
+        <a:scrgbClr r="0" g="0" b="0"/>
+      </a:effectRef>
+      <a:fontRef idx="minor">
+        <a:schemeClr val="lt1"/>
+      </a:fontRef>
+    </dgm:style>
+  </dgm:styleLbl>
+  <dgm:styleLbl name="parChTrans1D1">
+    <dgm:scene3d>
+      <a:camera prst="orthographicFront"/>
+      <a:lightRig rig="threePt" dir="t"/>
+    </dgm:scene3d>
+    <dgm:sp3d/>
+    <dgm:txPr/>
+    <dgm:style>
+      <a:lnRef idx="2">
+        <a:scrgbClr r="0" g="0" b="0"/>
+      </a:lnRef>
+      <a:fillRef idx="0">
+        <a:scrgbClr r="0" g="0" b="0"/>
+      </a:fillRef>
+      <a:effectRef idx="0">
+        <a:scrgbClr r="0" g="0" b="0"/>
+      </a:effectRef>
+      <a:fontRef idx="minor"/>
+    </dgm:style>
+  </dgm:styleLbl>
+  <dgm:styleLbl name="parChTrans1D2">
+    <dgm:scene3d>
+      <a:camera prst="orthographicFront"/>
+      <a:lightRig rig="threePt" dir="t"/>
+    </dgm:scene3d>
+    <dgm:sp3d/>
+    <dgm:txPr/>
+    <dgm:style>
+      <a:lnRef idx="2">
+        <a:scrgbClr r="0" g="0" b="0"/>
+      </a:lnRef>
+      <a:fillRef idx="0">
+        <a:scrgbClr r="0" g="0" b="0"/>
+      </a:fillRef>
+      <a:effectRef idx="0">
+        <a:scrgbClr r="0" g="0" b="0"/>
+      </a:effectRef>
+      <a:fontRef idx="minor"/>
+    </dgm:style>
+  </dgm:styleLbl>
+  <dgm:styleLbl name="parChTrans1D3">
+    <dgm:scene3d>
+      <a:camera prst="orthographicFront"/>
+      <a:lightRig rig="threePt" dir="t"/>
+    </dgm:scene3d>
+    <dgm:sp3d/>
+    <dgm:txPr/>
+    <dgm:style>
+      <a:lnRef idx="2">
+        <a:scrgbClr r="0" g="0" b="0"/>
+      </a:lnRef>
+      <a:fillRef idx="0">
+        <a:scrgbClr r="0" g="0" b="0"/>
+      </a:fillRef>
+      <a:effectRef idx="0">
+        <a:scrgbClr r="0" g="0" b="0"/>
+      </a:effectRef>
+      <a:fontRef idx="minor"/>
+    </dgm:style>
+  </dgm:styleLbl>
+  <dgm:styleLbl name="parChTrans1D4">
+    <dgm:scene3d>
+      <a:camera prst="orthographicFront"/>
+      <a:lightRig rig="threePt" dir="t"/>
+    </dgm:scene3d>
+    <dgm:sp3d/>
+    <dgm:txPr/>
+    <dgm:style>
+      <a:lnRef idx="2">
+        <a:scrgbClr r="0" g="0" b="0"/>
+      </a:lnRef>
+      <a:fillRef idx="0">
+        <a:scrgbClr r="0" g="0" b="0"/>
+      </a:fillRef>
+      <a:effectRef idx="0">
+        <a:scrgbClr r="0" g="0" b="0"/>
+      </a:effectRef>
+      <a:fontRef idx="minor"/>
+    </dgm:style>
+  </dgm:styleLbl>
+  <dgm:styleLbl name="fgAcc1">
+    <dgm:scene3d>
+      <a:camera prst="orthographicFront"/>
+      <a:lightRig rig="threePt" dir="t"/>
+    </dgm:scene3d>
+    <dgm:sp3d/>
+    <dgm:txPr/>
+    <dgm:style>
+      <a:lnRef idx="2">
+        <a:scrgbClr r="0" g="0" b="0"/>
+      </a:lnRef>
+      <a:fillRef idx="1">
+        <a:scrgbClr r="0" g="0" b="0"/>
+      </a:fillRef>
+      <a:effectRef idx="0">
+        <a:scrgbClr r="0" g="0" b="0"/>
+      </a:effectRef>
+      <a:fontRef idx="minor"/>
+    </dgm:style>
+  </dgm:styleLbl>
+  <dgm:styleLbl name="conFgAcc1">
+    <dgm:scene3d>
+      <a:camera prst="orthographicFront"/>
+      <a:lightRig rig="threePt" dir="t"/>
+    </dgm:scene3d>
+    <dgm:sp3d/>
+    <dgm:txPr/>
+    <dgm:style>
+      <a:lnRef idx="2">
+        <a:scrgbClr r="0" g="0" b="0"/>
+      </a:lnRef>
+      <a:fillRef idx="1">
+        <a:scrgbClr r="0" g="0" b="0"/>
+      </a:fillRef>
+      <a:effectRef idx="0">
+        <a:scrgbClr r="0" g="0" b="0"/>
+      </a:effectRef>
+      <a:fontRef idx="minor"/>
+    </dgm:style>
+  </dgm:styleLbl>
+  <dgm:styleLbl name="alignAcc1">
+    <dgm:scene3d>
+      <a:camera prst="orthographicFront"/>
+      <a:lightRig rig="threePt" dir="t"/>
+    </dgm:scene3d>
+    <dgm:sp3d/>
+    <dgm:txPr/>
+    <dgm:style>
+      <a:lnRef idx="2">
+        <a:scrgbClr r="0" g="0" b="0"/>
+      </a:lnRef>
+      <a:fillRef idx="1">
+        <a:scrgbClr r="0" g="0" b="0"/>
+      </a:fillRef>
+      <a:effectRef idx="0">
+        <a:scrgbClr r="0" g="0" b="0"/>
+      </a:effectRef>
+      <a:fontRef idx="minor"/>
+    </dgm:style>
+  </dgm:styleLbl>
+  <dgm:styleLbl name="trAlignAcc1">
+    <dgm:scene3d>
+      <a:camera prst="orthographicFront"/>
+      <a:lightRig rig="threePt" dir="t"/>
+    </dgm:scene3d>
+    <dgm:sp3d/>
+    <dgm:txPr/>
+    <dgm:style>
+      <a:lnRef idx="1">
+        <a:scrgbClr r="0" g="0" b="0"/>
+      </a:lnRef>
+      <a:fillRef idx="1">
+        <a:scrgbClr r="0" g="0" b="0"/>
+      </a:fillRef>
+      <a:effectRef idx="0">
+        <a:scrgbClr r="0" g="0" b="0"/>
+      </a:effectRef>
+      <a:fontRef idx="minor"/>
+    </dgm:style>
+  </dgm:styleLbl>
+  <dgm:styleLbl name="bgAcc1">
+    <dgm:scene3d>
+      <a:camera prst="orthographicFront"/>
+      <a:lightRig rig="threePt" dir="t"/>
+    </dgm:scene3d>
+    <dgm:sp3d/>
+    <dgm:txPr/>
+    <dgm:style>
+      <a:lnRef idx="2">
+        <a:scrgbClr r="0" g="0" b="0"/>
+      </a:lnRef>
+      <a:fillRef idx="1">
+        <a:scrgbClr r="0" g="0" b="0"/>
+      </a:fillRef>
+      <a:effectRef idx="0">
+        <a:scrgbClr r="0" g="0" b="0"/>
+      </a:effectRef>
+      <a:fontRef idx="minor"/>
+    </dgm:style>
+  </dgm:styleLbl>
+  <dgm:styleLbl name="solidFgAcc1">
+    <dgm:scene3d>
+      <a:camera prst="orthographicFront"/>
+      <a:lightRig rig="threePt" dir="t"/>
+    </dgm:scene3d>
+    <dgm:sp3d/>
+    <dgm:txPr/>
+    <dgm:style>
+      <a:lnRef idx="2">
+        <a:scrgbClr r="0" g="0" b="0"/>
+      </a:lnRef>
+      <a:fillRef idx="1">
+        <a:scrgbClr r="0" g="0" b="0"/>
+      </a:fillRef>
+      <a:effectRef idx="0">
+        <a:scrgbClr r="0" g="0" b="0"/>
+      </a:effectRef>
+      <a:fontRef idx="minor"/>
+    </dgm:style>
+  </dgm:styleLbl>
+  <dgm:styleLbl name="solidAlignAcc1">
+    <dgm:scene3d>
+      <a:camera prst="orthographicFront"/>
+      <a:lightRig rig="threePt" dir="t"/>
+    </dgm:scene3d>
+    <dgm:sp3d/>
+    <dgm:txPr/>
+    <dgm:style>
+      <a:lnRef idx="2">
+        <a:scrgbClr r="0" g="0" b="0"/>
+      </a:lnRef>
+      <a:fillRef idx="1">
+        <a:scrgbClr r="0" g="0" b="0"/>
+      </a:fillRef>
+      <a:effectRef idx="0">
+        <a:scrgbClr r="0" g="0" b="0"/>
+      </a:effectRef>
+      <a:fontRef idx="minor"/>
+    </dgm:style>
+  </dgm:styleLbl>
+  <dgm:styleLbl name="solidBgAcc1">
+    <dgm:scene3d>
+      <a:camera prst="orthographicFront"/>
+      <a:lightRig rig="threePt" dir="t"/>
+    </dgm:scene3d>
+    <dgm:sp3d/>
+    <dgm:txPr/>
+    <dgm:style>
+      <a:lnRef idx="2">
+        <a:scrgbClr r="0" g="0" b="0"/>
+      </a:lnRef>
+      <a:fillRef idx="1">
+        <a:scrgbClr r="0" g="0" b="0"/>
+      </a:fillRef>
+      <a:effectRef idx="0">
+        <a:scrgbClr r="0" g="0" b="0"/>
+      </a:effectRef>
+      <a:fontRef idx="minor"/>
+    </dgm:style>
+  </dgm:styleLbl>
+  <dgm:styleLbl name="fgAccFollowNode1">
+    <dgm:scene3d>
+      <a:camera prst="orthographicFront"/>
+      <a:lightRig rig="threePt" dir="t"/>
+    </dgm:scene3d>
+    <dgm:sp3d/>
+    <dgm:txPr/>
+    <dgm:style>
+      <a:lnRef idx="2">
+        <a:scrgbClr r="0" g="0" b="0"/>
+      </a:lnRef>
+      <a:fillRef idx="1">
+        <a:scrgbClr r="0" g="0" b="0"/>
+      </a:fillRef>
+      <a:effectRef idx="0">
+        <a:scrgbClr r="0" g="0" b="0"/>
+      </a:effectRef>
+      <a:fontRef idx="minor"/>
+    </dgm:style>
+  </dgm:styleLbl>
+  <dgm:styleLbl name="alignAccFollowNode1">
+    <dgm:scene3d>
+      <a:camera prst="orthographicFront"/>
+      <a:lightRig rig="threePt" dir="t"/>
+    </dgm:scene3d>
+    <dgm:sp3d/>
+    <dgm:txPr/>
+    <dgm:style>
+      <a:lnRef idx="2">
+        <a:scrgbClr r="0" g="0" b="0"/>
+      </a:lnRef>
+      <a:fillRef idx="1">
+        <a:scrgbClr r="0" g="0" b="0"/>
+      </a:fillRef>
+      <a:effectRef idx="0">
+        <a:scrgbClr r="0" g="0" b="0"/>
+      </a:effectRef>
+      <a:fontRef idx="minor"/>
+    </dgm:style>
+  </dgm:styleLbl>
+  <dgm:styleLbl name="bgAccFollowNode1">
+    <dgm:scene3d>
+      <a:camera prst="orthographicFront"/>
+      <a:lightRig rig="threePt" dir="t"/>
+    </dgm:scene3d>
+    <dgm:sp3d/>
+    <dgm:txPr/>
+    <dgm:style>
+      <a:lnRef idx="2">
+        <a:scrgbClr r="0" g="0" b="0"/>
+      </a:lnRef>
+      <a:fillRef idx="1">
+        <a:scrgbClr r="0" g="0" b="0"/>
+      </a:fillRef>
+      <a:effectRef idx="0">
+        <a:scrgbClr r="0" g="0" b="0"/>
+      </a:effectRef>
+      <a:fontRef idx="minor"/>
+    </dgm:style>
+  </dgm:styleLbl>
+  <dgm:styleLbl name="fgAcc0">
+    <dgm:scene3d>
+      <a:camera prst="orthographicFront"/>
+      <a:lightRig rig="threePt" dir="t"/>
+    </dgm:scene3d>
+    <dgm:sp3d/>
+    <dgm:txPr/>
+    <dgm:style>
+      <a:lnRef idx="2">
+        <a:scrgbClr r="0" g="0" b="0"/>
+      </a:lnRef>
+      <a:fillRef idx="1">
+        <a:scrgbClr r="0" g="0" b="0"/>
+      </a:fillRef>
+      <a:effectRef idx="0">
+        <a:scrgbClr r="0" g="0" b="0"/>
+      </a:effectRef>
+      <a:fontRef idx="minor"/>
+    </dgm:style>
+  </dgm:styleLbl>
+  <dgm:styleLbl name="fgAcc2">
+    <dgm:scene3d>
+      <a:camera prst="orthographicFront"/>
+      <a:lightRig rig="threePt" dir="t"/>
+    </dgm:scene3d>
+    <dgm:sp3d/>
+    <dgm:txPr/>
+    <dgm:style>
+      <a:lnRef idx="2">
+        <a:scrgbClr r="0" g="0" b="0"/>
+      </a:lnRef>
+      <a:fillRef idx="1">
+        <a:scrgbClr r="0" g="0" b="0"/>
+      </a:fillRef>
+      <a:effectRef idx="0">
+        <a:scrgbClr r="0" g="0" b="0"/>
+      </a:effectRef>
+      <a:fontRef idx="minor"/>
+    </dgm:style>
+  </dgm:styleLbl>
+  <dgm:styleLbl name="fgAcc3">
+    <dgm:scene3d>
+      <a:camera prst="orthographicFront"/>
+      <a:lightRig rig="threePt" dir="t"/>
+    </dgm:scene3d>
+    <dgm:sp3d/>
+    <dgm:txPr/>
+    <dgm:style>
+      <a:lnRef idx="2">
+        <a:scrgbClr r="0" g="0" b="0"/>
+      </a:lnRef>
+      <a:fillRef idx="1">
+        <a:scrgbClr r="0" g="0" b="0"/>
+      </a:fillRef>
+      <a:effectRef idx="0">
+        <a:scrgbClr r="0" g="0" b="0"/>
+      </a:effectRef>
+      <a:fontRef idx="minor"/>
+    </dgm:style>
+  </dgm:styleLbl>
+  <dgm:styleLbl name="fgAcc4">
+    <dgm:scene3d>
+      <a:camera prst="orthographicFront"/>
+      <a:lightRig rig="threePt" dir="t"/>
+    </dgm:scene3d>
+    <dgm:sp3d/>
+    <dgm:txPr/>
+    <dgm:style>
+      <a:lnRef idx="2">
+        <a:scrgbClr r="0" g="0" b="0"/>
+      </a:lnRef>
+      <a:fillRef idx="1">
+        <a:scrgbClr r="0" g="0" b="0"/>
+      </a:fillRef>
+      <a:effectRef idx="0">
+        <a:scrgbClr r="0" g="0" b="0"/>
+      </a:effectRef>
+      <a:fontRef idx="minor"/>
+    </dgm:style>
+  </dgm:styleLbl>
+  <dgm:styleLbl name="bgShp">
+    <dgm:scene3d>
+      <a:camera prst="orthographicFront"/>
+      <a:lightRig rig="threePt" dir="t"/>
+    </dgm:scene3d>
+    <dgm:sp3d/>
+    <dgm:txPr/>
+    <dgm:style>
+      <a:lnRef idx="0">
+        <a:scrgbClr r="0" g="0" b="0"/>
+      </a:lnRef>
+      <a:fillRef idx="1">
+        <a:scrgbClr r="0" g="0" b="0"/>
+      </a:fillRef>
+      <a:effectRef idx="0">
+        <a:scrgbClr r="0" g="0" b="0"/>
+      </a:effectRef>
+      <a:fontRef idx="minor"/>
+    </dgm:style>
+  </dgm:styleLbl>
+  <dgm:styleLbl name="dkBgShp">
+    <dgm:scene3d>
+      <a:camera prst="orthographicFront"/>
+      <a:lightRig rig="threePt" dir="t"/>
+    </dgm:scene3d>
+    <dgm:sp3d/>
+    <dgm:txPr/>
+    <dgm:style>
+      <a:lnRef idx="0">
+        <a:scrgbClr r="0" g="0" b="0"/>
+      </a:lnRef>
+      <a:fillRef idx="1">
+        <a:scrgbClr r="0" g="0" b="0"/>
+      </a:fillRef>
+      <a:effectRef idx="0">
+        <a:scrgbClr r="0" g="0" b="0"/>
+      </a:effectRef>
+      <a:fontRef idx="minor"/>
+    </dgm:style>
+  </dgm:styleLbl>
+  <dgm:styleLbl name="trBgShp">
+    <dgm:scene3d>
+      <a:camera prst="orthographicFront"/>
+      <a:lightRig rig="threePt" dir="t"/>
+    </dgm:scene3d>
+    <dgm:sp3d/>
+    <dgm:txPr/>
+    <dgm:style>
+      <a:lnRef idx="0">
+        <a:scrgbClr r="0" g="0" b="0"/>
+      </a:lnRef>
+      <a:fillRef idx="1">
+        <a:scrgbClr r="0" g="0" b="0"/>
+      </a:fillRef>
+      <a:effectRef idx="0">
+        <a:scrgbClr r="0" g="0" b="0"/>
+      </a:effectRef>
+      <a:fontRef idx="minor"/>
+    </dgm:style>
+  </dgm:styleLbl>
+  <dgm:styleLbl name="fgShp">
+    <dgm:scene3d>
+      <a:camera prst="orthographicFront"/>
+      <a:lightRig rig="threePt" dir="t"/>
+    </dgm:scene3d>
+    <dgm:sp3d/>
+    <dgm:txPr/>
+    <dgm:style>
+      <a:lnRef idx="2">
+        <a:scrgbClr r="0" g="0" b="0"/>
+      </a:lnRef>
+      <a:fillRef idx="1">
+        <a:scrgbClr r="0" g="0" b="0"/>
+      </a:fillRef>
+      <a:effectRef idx="0">
+        <a:scrgbClr r="0" g="0" b="0"/>
+      </a:effectRef>
+      <a:fontRef idx="minor"/>
+    </dgm:style>
+  </dgm:styleLbl>
+  <dgm:styleLbl name="revTx">
+    <dgm:scene3d>
+      <a:camera prst="orthographicFront"/>
+      <a:lightRig rig="threePt" dir="t"/>
+    </dgm:scene3d>
+    <dgm:sp3d/>
+    <dgm:txPr/>
+    <dgm:style>
+      <a:lnRef idx="0">
+        <a:scrgbClr r="0" g="0" b="0"/>
+      </a:lnRef>
+      <a:fillRef idx="0">
+        <a:scrgbClr r="0" g="0" b="0"/>
+      </a:fillRef>
+      <a:effectRef idx="0">
+        <a:scrgbClr r="0" g="0" b="0"/>
+      </a:effectRef>
+      <a:fontRef idx="minor"/>
+    </dgm:style>
+  </dgm:styleLbl>
+</dgm:styleDef>
 </file>
 
 <file path=ppt/notesMasters/notesMaster1.xml><?xml version="1.0" encoding="utf-8"?>
@@ -846,6 +7005,214 @@
 </p:notes>
 </file>
 
+<file path=ppt/notesSlides/notesSlide10.xml><?xml version="1.0" encoding="utf-8"?>
+<p:notes xmlns:a="http://schemas.openxmlformats.org/drawingml/2006/main" xmlns:r="http://schemas.openxmlformats.org/officeDocument/2006/relationships" xmlns:p="http://schemas.openxmlformats.org/presentationml/2006/main" showMasterSp="0" showMasterPhAnim="0">
+  <p:cSld>
+    <p:spTree>
+      <p:nvGrpSpPr>
+        <p:cNvPr id="1" name="Shape 264"/>
+        <p:cNvGrpSpPr/>
+        <p:nvPr/>
+      </p:nvGrpSpPr>
+      <p:grpSpPr>
+        <a:xfrm>
+          <a:off x="0" y="0"/>
+          <a:ext cx="0" cy="0"/>
+          <a:chOff x="0" y="0"/>
+          <a:chExt cx="0" cy="0"/>
+        </a:xfrm>
+      </p:grpSpPr>
+      <p:sp>
+        <p:nvSpPr>
+          <p:cNvPr id="265" name="Shape 265"/>
+          <p:cNvSpPr>
+            <a:spLocks noGrp="1" noRot="1" noChangeAspect="1"/>
+          </p:cNvSpPr>
+          <p:nvPr>
+            <p:ph type="sldImg" idx="2"/>
+          </p:nvPr>
+        </p:nvSpPr>
+        <p:spPr>
+          <a:xfrm>
+            <a:off x="381000" y="685800"/>
+            <a:ext cx="6096000" cy="3429000"/>
+          </a:xfrm>
+          <a:custGeom>
+            <a:avLst/>
+            <a:gdLst/>
+            <a:ahLst/>
+            <a:cxnLst/>
+            <a:rect l="0" t="0" r="0" b="0"/>
+            <a:pathLst>
+              <a:path w="120000" h="120000" extrusionOk="0">
+                <a:moveTo>
+                  <a:pt x="0" y="0"/>
+                </a:moveTo>
+                <a:lnTo>
+                  <a:pt x="120000" y="0"/>
+                </a:lnTo>
+                <a:lnTo>
+                  <a:pt x="120000" y="120000"/>
+                </a:lnTo>
+                <a:lnTo>
+                  <a:pt x="0" y="120000"/>
+                </a:lnTo>
+                <a:close/>
+              </a:path>
+            </a:pathLst>
+          </a:custGeom>
+        </p:spPr>
+      </p:sp>
+      <p:sp>
+        <p:nvSpPr>
+          <p:cNvPr id="266" name="Shape 266"/>
+          <p:cNvSpPr txBox="1">
+            <a:spLocks noGrp="1"/>
+          </p:cNvSpPr>
+          <p:nvPr>
+            <p:ph type="body" idx="1"/>
+          </p:nvPr>
+        </p:nvSpPr>
+        <p:spPr>
+          <a:xfrm>
+            <a:off x="685800" y="4343400"/>
+            <a:ext cx="5486400" cy="4114800"/>
+          </a:xfrm>
+          <a:prstGeom prst="rect">
+            <a:avLst/>
+          </a:prstGeom>
+        </p:spPr>
+        <p:txBody>
+          <a:bodyPr spcFirstLastPara="1" wrap="square" lIns="91425" tIns="91425" rIns="91425" bIns="91425" anchor="t" anchorCtr="0">
+            <a:noAutofit/>
+          </a:bodyPr>
+          <a:lstStyle/>
+          <a:p>
+            <a:pPr marL="0" lvl="0" indent="0">
+              <a:spcBef>
+                <a:spcPts val="0"/>
+              </a:spcBef>
+              <a:spcAft>
+                <a:spcPts val="0"/>
+              </a:spcAft>
+              <a:buNone/>
+            </a:pPr>
+            <a:endParaRPr/>
+          </a:p>
+        </p:txBody>
+      </p:sp>
+    </p:spTree>
+  </p:cSld>
+  <p:clrMapOvr>
+    <a:masterClrMapping/>
+  </p:clrMapOvr>
+</p:notes>
+</file>
+
+<file path=ppt/notesSlides/notesSlide11.xml><?xml version="1.0" encoding="utf-8"?>
+<p:notes xmlns:a="http://schemas.openxmlformats.org/drawingml/2006/main" xmlns:r="http://schemas.openxmlformats.org/officeDocument/2006/relationships" xmlns:p="http://schemas.openxmlformats.org/presentationml/2006/main" showMasterSp="0" showMasterPhAnim="0">
+  <p:cSld>
+    <p:spTree>
+      <p:nvGrpSpPr>
+        <p:cNvPr id="1" name="Shape 281"/>
+        <p:cNvGrpSpPr/>
+        <p:nvPr/>
+      </p:nvGrpSpPr>
+      <p:grpSpPr>
+        <a:xfrm>
+          <a:off x="0" y="0"/>
+          <a:ext cx="0" cy="0"/>
+          <a:chOff x="0" y="0"/>
+          <a:chExt cx="0" cy="0"/>
+        </a:xfrm>
+      </p:grpSpPr>
+      <p:sp>
+        <p:nvSpPr>
+          <p:cNvPr id="282" name="Shape 282"/>
+          <p:cNvSpPr>
+            <a:spLocks noGrp="1" noRot="1" noChangeAspect="1"/>
+          </p:cNvSpPr>
+          <p:nvPr>
+            <p:ph type="sldImg" idx="2"/>
+          </p:nvPr>
+        </p:nvSpPr>
+        <p:spPr>
+          <a:xfrm>
+            <a:off x="381000" y="685800"/>
+            <a:ext cx="6096000" cy="3429000"/>
+          </a:xfrm>
+          <a:custGeom>
+            <a:avLst/>
+            <a:gdLst/>
+            <a:ahLst/>
+            <a:cxnLst/>
+            <a:rect l="0" t="0" r="0" b="0"/>
+            <a:pathLst>
+              <a:path w="120000" h="120000" extrusionOk="0">
+                <a:moveTo>
+                  <a:pt x="0" y="0"/>
+                </a:moveTo>
+                <a:lnTo>
+                  <a:pt x="120000" y="0"/>
+                </a:lnTo>
+                <a:lnTo>
+                  <a:pt x="120000" y="120000"/>
+                </a:lnTo>
+                <a:lnTo>
+                  <a:pt x="0" y="120000"/>
+                </a:lnTo>
+                <a:close/>
+              </a:path>
+            </a:pathLst>
+          </a:custGeom>
+        </p:spPr>
+      </p:sp>
+      <p:sp>
+        <p:nvSpPr>
+          <p:cNvPr id="283" name="Shape 283"/>
+          <p:cNvSpPr txBox="1">
+            <a:spLocks noGrp="1"/>
+          </p:cNvSpPr>
+          <p:nvPr>
+            <p:ph type="body" idx="1"/>
+          </p:nvPr>
+        </p:nvSpPr>
+        <p:spPr>
+          <a:xfrm>
+            <a:off x="685800" y="4343400"/>
+            <a:ext cx="5486400" cy="4114800"/>
+          </a:xfrm>
+          <a:prstGeom prst="rect">
+            <a:avLst/>
+          </a:prstGeom>
+        </p:spPr>
+        <p:txBody>
+          <a:bodyPr spcFirstLastPara="1" wrap="square" lIns="91425" tIns="91425" rIns="91425" bIns="91425" anchor="t" anchorCtr="0">
+            <a:noAutofit/>
+          </a:bodyPr>
+          <a:lstStyle/>
+          <a:p>
+            <a:pPr marL="0" lvl="0" indent="0">
+              <a:spcBef>
+                <a:spcPts val="0"/>
+              </a:spcBef>
+              <a:spcAft>
+                <a:spcPts val="0"/>
+              </a:spcAft>
+              <a:buNone/>
+            </a:pPr>
+            <a:endParaRPr/>
+          </a:p>
+        </p:txBody>
+      </p:sp>
+    </p:spTree>
+  </p:cSld>
+  <p:clrMapOvr>
+    <a:masterClrMapping/>
+  </p:clrMapOvr>
+</p:notes>
+</file>
+
 <file path=ppt/notesSlides/notesSlide2.xml><?xml version="1.0" encoding="utf-8"?>
 <p:notes xmlns:a="http://schemas.openxmlformats.org/drawingml/2006/main" xmlns:r="http://schemas.openxmlformats.org/officeDocument/2006/relationships" xmlns:p="http://schemas.openxmlformats.org/presentationml/2006/main" showMasterSp="0" showMasterPhAnim="0">
   <p:cSld>
@@ -955,6 +7322,110 @@
   <p:cSld>
     <p:spTree>
       <p:nvGrpSpPr>
+        <p:cNvPr id="1" name="Shape 139"/>
+        <p:cNvGrpSpPr/>
+        <p:nvPr/>
+      </p:nvGrpSpPr>
+      <p:grpSpPr>
+        <a:xfrm>
+          <a:off x="0" y="0"/>
+          <a:ext cx="0" cy="0"/>
+          <a:chOff x="0" y="0"/>
+          <a:chExt cx="0" cy="0"/>
+        </a:xfrm>
+      </p:grpSpPr>
+      <p:sp>
+        <p:nvSpPr>
+          <p:cNvPr id="140" name="Shape 140"/>
+          <p:cNvSpPr>
+            <a:spLocks noGrp="1" noRot="1" noChangeAspect="1"/>
+          </p:cNvSpPr>
+          <p:nvPr>
+            <p:ph type="sldImg" idx="2"/>
+          </p:nvPr>
+        </p:nvSpPr>
+        <p:spPr>
+          <a:xfrm>
+            <a:off x="381000" y="685800"/>
+            <a:ext cx="6096000" cy="3429000"/>
+          </a:xfrm>
+          <a:custGeom>
+            <a:avLst/>
+            <a:gdLst/>
+            <a:ahLst/>
+            <a:cxnLst/>
+            <a:rect l="0" t="0" r="0" b="0"/>
+            <a:pathLst>
+              <a:path w="120000" h="120000" extrusionOk="0">
+                <a:moveTo>
+                  <a:pt x="0" y="0"/>
+                </a:moveTo>
+                <a:lnTo>
+                  <a:pt x="120000" y="0"/>
+                </a:lnTo>
+                <a:lnTo>
+                  <a:pt x="120000" y="120000"/>
+                </a:lnTo>
+                <a:lnTo>
+                  <a:pt x="0" y="120000"/>
+                </a:lnTo>
+                <a:close/>
+              </a:path>
+            </a:pathLst>
+          </a:custGeom>
+        </p:spPr>
+      </p:sp>
+      <p:sp>
+        <p:nvSpPr>
+          <p:cNvPr id="141" name="Shape 141"/>
+          <p:cNvSpPr txBox="1">
+            <a:spLocks noGrp="1"/>
+          </p:cNvSpPr>
+          <p:nvPr>
+            <p:ph type="body" idx="1"/>
+          </p:nvPr>
+        </p:nvSpPr>
+        <p:spPr>
+          <a:xfrm>
+            <a:off x="685800" y="4343400"/>
+            <a:ext cx="5486400" cy="4114800"/>
+          </a:xfrm>
+          <a:prstGeom prst="rect">
+            <a:avLst/>
+          </a:prstGeom>
+        </p:spPr>
+        <p:txBody>
+          <a:bodyPr spcFirstLastPara="1" wrap="square" lIns="91425" tIns="91425" rIns="91425" bIns="91425" anchor="t" anchorCtr="0">
+            <a:noAutofit/>
+          </a:bodyPr>
+          <a:lstStyle/>
+          <a:p>
+            <a:pPr marL="0" lvl="0" indent="0">
+              <a:spcBef>
+                <a:spcPts val="0"/>
+              </a:spcBef>
+              <a:spcAft>
+                <a:spcPts val="0"/>
+              </a:spcAft>
+              <a:buNone/>
+            </a:pPr>
+            <a:endParaRPr/>
+          </a:p>
+        </p:txBody>
+      </p:sp>
+    </p:spTree>
+  </p:cSld>
+  <p:clrMapOvr>
+    <a:masterClrMapping/>
+  </p:clrMapOvr>
+</p:notes>
+</file>
+
+<file path=ppt/notesSlides/notesSlide4.xml><?xml version="1.0" encoding="utf-8"?>
+<p:notes xmlns:a="http://schemas.openxmlformats.org/drawingml/2006/main" xmlns:r="http://schemas.openxmlformats.org/officeDocument/2006/relationships" xmlns:p="http://schemas.openxmlformats.org/presentationml/2006/main" showMasterSp="0" showMasterPhAnim="0">
+  <p:cSld>
+    <p:spTree>
+      <p:nvGrpSpPr>
         <p:cNvPr id="1" name="Shape 145"/>
         <p:cNvGrpSpPr/>
         <p:nvPr/>
@@ -1054,7 +7525,7 @@
 </p:notes>
 </file>
 
-<file path=ppt/notesSlides/notesSlide4.xml><?xml version="1.0" encoding="utf-8"?>
+<file path=ppt/notesSlides/notesSlide5.xml><?xml version="1.0" encoding="utf-8"?>
 <p:notes xmlns:a="http://schemas.openxmlformats.org/drawingml/2006/main" xmlns:r="http://schemas.openxmlformats.org/officeDocument/2006/relationships" xmlns:p="http://schemas.openxmlformats.org/presentationml/2006/main" showMasterSp="0" showMasterPhAnim="0">
   <p:cSld>
     <p:spTree>
@@ -1158,7 +7629,7 @@
 </p:notes>
 </file>
 
-<file path=ppt/notesSlides/notesSlide5.xml><?xml version="1.0" encoding="utf-8"?>
+<file path=ppt/notesSlides/notesSlide6.xml><?xml version="1.0" encoding="utf-8"?>
 <p:notes xmlns:a="http://schemas.openxmlformats.org/drawingml/2006/main" xmlns:r="http://schemas.openxmlformats.org/officeDocument/2006/relationships" xmlns:p="http://schemas.openxmlformats.org/presentationml/2006/main" showMasterSp="0" showMasterPhAnim="0">
   <p:cSld>
     <p:spTree>
@@ -1262,7 +7733,7 @@
 </p:notes>
 </file>
 
-<file path=ppt/notesSlides/notesSlide6.xml><?xml version="1.0" encoding="utf-8"?>
+<file path=ppt/notesSlides/notesSlide7.xml><?xml version="1.0" encoding="utf-8"?>
 <p:notes xmlns:a="http://schemas.openxmlformats.org/drawingml/2006/main" xmlns:r="http://schemas.openxmlformats.org/officeDocument/2006/relationships" xmlns:p="http://schemas.openxmlformats.org/presentationml/2006/main" showMasterSp="0" showMasterPhAnim="0">
   <p:cSld>
     <p:spTree>
@@ -1366,7 +7837,7 @@
 </p:notes>
 </file>
 
-<file path=ppt/notesSlides/notesSlide7.xml><?xml version="1.0" encoding="utf-8"?>
+<file path=ppt/notesSlides/notesSlide8.xml><?xml version="1.0" encoding="utf-8"?>
 <p:notes xmlns:a="http://schemas.openxmlformats.org/drawingml/2006/main" xmlns:r="http://schemas.openxmlformats.org/officeDocument/2006/relationships" xmlns:p="http://schemas.openxmlformats.org/presentationml/2006/main" showMasterSp="0" showMasterPhAnim="0">
   <p:cSld>
     <p:spTree>
@@ -1470,12 +7941,12 @@
 </p:notes>
 </file>
 
-<file path=ppt/notesSlides/notesSlide8.xml><?xml version="1.0" encoding="utf-8"?>
+<file path=ppt/notesSlides/notesSlide9.xml><?xml version="1.0" encoding="utf-8"?>
 <p:notes xmlns:a="http://schemas.openxmlformats.org/drawingml/2006/main" xmlns:r="http://schemas.openxmlformats.org/officeDocument/2006/relationships" xmlns:p="http://schemas.openxmlformats.org/presentationml/2006/main" showMasterSp="0" showMasterPhAnim="0">
   <p:cSld>
     <p:spTree>
       <p:nvGrpSpPr>
-        <p:cNvPr id="1" name="Shape 264"/>
+        <p:cNvPr id="1" name="Shape 139"/>
         <p:cNvGrpSpPr/>
         <p:nvPr/>
       </p:nvGrpSpPr>
@@ -1489,7 +7960,7 @@
       </p:grpSpPr>
       <p:sp>
         <p:nvSpPr>
-          <p:cNvPr id="265" name="Shape 265"/>
+          <p:cNvPr id="140" name="Shape 140"/>
           <p:cNvSpPr>
             <a:spLocks noGrp="1" noRot="1" noChangeAspect="1"/>
           </p:cNvSpPr>
@@ -1530,111 +8001,7 @@
       </p:sp>
       <p:sp>
         <p:nvSpPr>
-          <p:cNvPr id="266" name="Shape 266"/>
-          <p:cNvSpPr txBox="1">
-            <a:spLocks noGrp="1"/>
-          </p:cNvSpPr>
-          <p:nvPr>
-            <p:ph type="body" idx="1"/>
-          </p:nvPr>
-        </p:nvSpPr>
-        <p:spPr>
-          <a:xfrm>
-            <a:off x="685800" y="4343400"/>
-            <a:ext cx="5486400" cy="4114800"/>
-          </a:xfrm>
-          <a:prstGeom prst="rect">
-            <a:avLst/>
-          </a:prstGeom>
-        </p:spPr>
-        <p:txBody>
-          <a:bodyPr spcFirstLastPara="1" wrap="square" lIns="91425" tIns="91425" rIns="91425" bIns="91425" anchor="t" anchorCtr="0">
-            <a:noAutofit/>
-          </a:bodyPr>
-          <a:lstStyle/>
-          <a:p>
-            <a:pPr marL="0" lvl="0" indent="0">
-              <a:spcBef>
-                <a:spcPts val="0"/>
-              </a:spcBef>
-              <a:spcAft>
-                <a:spcPts val="0"/>
-              </a:spcAft>
-              <a:buNone/>
-            </a:pPr>
-            <a:endParaRPr/>
-          </a:p>
-        </p:txBody>
-      </p:sp>
-    </p:spTree>
-  </p:cSld>
-  <p:clrMapOvr>
-    <a:masterClrMapping/>
-  </p:clrMapOvr>
-</p:notes>
-</file>
-
-<file path=ppt/notesSlides/notesSlide9.xml><?xml version="1.0" encoding="utf-8"?>
-<p:notes xmlns:a="http://schemas.openxmlformats.org/drawingml/2006/main" xmlns:r="http://schemas.openxmlformats.org/officeDocument/2006/relationships" xmlns:p="http://schemas.openxmlformats.org/presentationml/2006/main" showMasterSp="0" showMasterPhAnim="0">
-  <p:cSld>
-    <p:spTree>
-      <p:nvGrpSpPr>
-        <p:cNvPr id="1" name="Shape 281"/>
-        <p:cNvGrpSpPr/>
-        <p:nvPr/>
-      </p:nvGrpSpPr>
-      <p:grpSpPr>
-        <a:xfrm>
-          <a:off x="0" y="0"/>
-          <a:ext cx="0" cy="0"/>
-          <a:chOff x="0" y="0"/>
-          <a:chExt cx="0" cy="0"/>
-        </a:xfrm>
-      </p:grpSpPr>
-      <p:sp>
-        <p:nvSpPr>
-          <p:cNvPr id="282" name="Shape 282"/>
-          <p:cNvSpPr>
-            <a:spLocks noGrp="1" noRot="1" noChangeAspect="1"/>
-          </p:cNvSpPr>
-          <p:nvPr>
-            <p:ph type="sldImg" idx="2"/>
-          </p:nvPr>
-        </p:nvSpPr>
-        <p:spPr>
-          <a:xfrm>
-            <a:off x="381000" y="685800"/>
-            <a:ext cx="6096000" cy="3429000"/>
-          </a:xfrm>
-          <a:custGeom>
-            <a:avLst/>
-            <a:gdLst/>
-            <a:ahLst/>
-            <a:cxnLst/>
-            <a:rect l="0" t="0" r="0" b="0"/>
-            <a:pathLst>
-              <a:path w="120000" h="120000" extrusionOk="0">
-                <a:moveTo>
-                  <a:pt x="0" y="0"/>
-                </a:moveTo>
-                <a:lnTo>
-                  <a:pt x="120000" y="0"/>
-                </a:lnTo>
-                <a:lnTo>
-                  <a:pt x="120000" y="120000"/>
-                </a:lnTo>
-                <a:lnTo>
-                  <a:pt x="0" y="120000"/>
-                </a:lnTo>
-                <a:close/>
-              </a:path>
-            </a:pathLst>
-          </a:custGeom>
-        </p:spPr>
-      </p:sp>
-      <p:sp>
-        <p:nvSpPr>
-          <p:cNvPr id="283" name="Shape 283"/>
+          <p:cNvPr id="141" name="Shape 141"/>
           <p:cNvSpPr txBox="1">
             <a:spLocks noGrp="1"/>
           </p:cNvSpPr>
@@ -9949,6 +16316,704 @@
   <p:clrMapOvr>
     <a:masterClrMapping/>
   </p:clrMapOvr>
+  <p:timing>
+    <p:tnLst>
+      <p:par>
+        <p:cTn id="1" dur="indefinite" restart="never" nodeType="tmRoot"/>
+      </p:par>
+    </p:tnLst>
+  </p:timing>
+</p:sld>
+</file>
+
+<file path=ppt/slides/slide10.xml><?xml version="1.0" encoding="utf-8"?>
+<p:sld xmlns:a="http://schemas.openxmlformats.org/drawingml/2006/main" xmlns:r="http://schemas.openxmlformats.org/officeDocument/2006/relationships" xmlns:p="http://schemas.openxmlformats.org/presentationml/2006/main">
+  <p:cSld>
+    <p:bg>
+      <p:bgPr>
+        <a:solidFill>
+          <a:srgbClr val="FFFFFF"/>
+        </a:solidFill>
+        <a:effectLst/>
+      </p:bgPr>
+    </p:bg>
+    <p:spTree>
+      <p:nvGrpSpPr>
+        <p:cNvPr id="1" name="Shape 267"/>
+        <p:cNvGrpSpPr/>
+        <p:nvPr/>
+      </p:nvGrpSpPr>
+      <p:grpSpPr>
+        <a:xfrm>
+          <a:off x="0" y="0"/>
+          <a:ext cx="0" cy="0"/>
+          <a:chOff x="0" y="0"/>
+          <a:chExt cx="0" cy="0"/>
+        </a:xfrm>
+      </p:grpSpPr>
+      <p:sp>
+        <p:nvSpPr>
+          <p:cNvPr id="268" name="Shape 268"/>
+          <p:cNvSpPr txBox="1"/>
+          <p:nvPr/>
+        </p:nvSpPr>
+        <p:spPr>
+          <a:xfrm>
+            <a:off x="1182300" y="343750"/>
+            <a:ext cx="6779400" cy="790800"/>
+          </a:xfrm>
+          <a:prstGeom prst="rect">
+            <a:avLst/>
+          </a:prstGeom>
+          <a:noFill/>
+          <a:ln>
+            <a:noFill/>
+          </a:ln>
+        </p:spPr>
+        <p:txBody>
+          <a:bodyPr spcFirstLastPara="1" wrap="square" lIns="91425" tIns="91425" rIns="91425" bIns="91425" anchor="t" anchorCtr="0">
+            <a:noAutofit/>
+          </a:bodyPr>
+          <a:lstStyle/>
+          <a:p>
+            <a:pPr marL="0" lvl="0" indent="0" rtl="0">
+              <a:spcBef>
+                <a:spcPts val="0"/>
+              </a:spcBef>
+              <a:spcAft>
+                <a:spcPts val="0"/>
+              </a:spcAft>
+              <a:buNone/>
+            </a:pPr>
+            <a:r>
+              <a:rPr lang="en-GB" sz="4400">
+                <a:latin typeface="Oswald"/>
+                <a:ea typeface="Oswald"/>
+                <a:cs typeface="Oswald"/>
+                <a:sym typeface="Oswald"/>
+              </a:rPr>
+              <a:t>FUTURE WORK</a:t>
+            </a:r>
+            <a:endParaRPr sz="4400">
+              <a:latin typeface="Oswald"/>
+              <a:ea typeface="Oswald"/>
+              <a:cs typeface="Oswald"/>
+              <a:sym typeface="Oswald"/>
+            </a:endParaRPr>
+          </a:p>
+        </p:txBody>
+      </p:sp>
+      <p:grpSp>
+        <p:nvGrpSpPr>
+          <p:cNvPr id="269" name="Shape 269"/>
+          <p:cNvGrpSpPr/>
+          <p:nvPr/>
+        </p:nvGrpSpPr>
+        <p:grpSpPr>
+          <a:xfrm>
+            <a:off x="-906626" y="1614789"/>
+            <a:ext cx="7300911" cy="731700"/>
+            <a:chOff x="710674" y="1323164"/>
+            <a:chExt cx="7300911" cy="731700"/>
+          </a:xfrm>
+        </p:grpSpPr>
+        <p:sp>
+          <p:nvSpPr>
+            <p:cNvPr id="270" name="Shape 270"/>
+            <p:cNvSpPr txBox="1"/>
+            <p:nvPr/>
+          </p:nvSpPr>
+          <p:spPr>
+            <a:xfrm>
+              <a:off x="710674" y="1373350"/>
+              <a:ext cx="2004300" cy="629700"/>
+            </a:xfrm>
+            <a:prstGeom prst="rect">
+              <a:avLst/>
+            </a:prstGeom>
+            <a:noFill/>
+            <a:ln>
+              <a:noFill/>
+            </a:ln>
+          </p:spPr>
+          <p:txBody>
+            <a:bodyPr spcFirstLastPara="1" wrap="square" lIns="91425" tIns="45700" rIns="91425" bIns="45700" anchor="ctr" anchorCtr="0">
+              <a:noAutofit/>
+            </a:bodyPr>
+            <a:lstStyle/>
+            <a:p>
+              <a:pPr marL="0" lvl="0" indent="0" algn="r">
+                <a:lnSpc>
+                  <a:spcPct val="90000"/>
+                </a:lnSpc>
+                <a:spcBef>
+                  <a:spcPts val="0"/>
+                </a:spcBef>
+                <a:spcAft>
+                  <a:spcPts val="0"/>
+                </a:spcAft>
+                <a:buNone/>
+              </a:pPr>
+              <a:endParaRPr sz="4400">
+                <a:solidFill>
+                  <a:srgbClr val="2F2F2F"/>
+                </a:solidFill>
+                <a:latin typeface="Roboto Medium"/>
+                <a:ea typeface="Roboto Medium"/>
+                <a:cs typeface="Roboto Medium"/>
+                <a:sym typeface="Roboto Medium"/>
+              </a:endParaRPr>
+            </a:p>
+          </p:txBody>
+        </p:sp>
+        <p:sp>
+          <p:nvSpPr>
+            <p:cNvPr id="271" name="Shape 271"/>
+            <p:cNvSpPr/>
+            <p:nvPr/>
+          </p:nvSpPr>
+          <p:spPr>
+            <a:xfrm>
+              <a:off x="2789785" y="1323164"/>
+              <a:ext cx="5221800" cy="731700"/>
+            </a:xfrm>
+            <a:prstGeom prst="rect">
+              <a:avLst/>
+            </a:prstGeom>
+            <a:solidFill>
+              <a:srgbClr val="2F2F2F"/>
+            </a:solidFill>
+            <a:ln>
+              <a:noFill/>
+            </a:ln>
+          </p:spPr>
+          <p:txBody>
+            <a:bodyPr spcFirstLastPara="1" wrap="square" lIns="91425" tIns="45700" rIns="91425" bIns="45700" anchor="ctr" anchorCtr="0">
+              <a:noAutofit/>
+            </a:bodyPr>
+            <a:lstStyle/>
+            <a:p>
+              <a:pPr marL="0" lvl="0" indent="0">
+                <a:spcBef>
+                  <a:spcPts val="0"/>
+                </a:spcBef>
+                <a:spcAft>
+                  <a:spcPts val="0"/>
+                </a:spcAft>
+                <a:buNone/>
+              </a:pPr>
+              <a:endParaRPr/>
+            </a:p>
+          </p:txBody>
+        </p:sp>
+        <p:sp>
+          <p:nvSpPr>
+            <p:cNvPr id="272" name="Shape 272"/>
+            <p:cNvSpPr txBox="1"/>
+            <p:nvPr/>
+          </p:nvSpPr>
+          <p:spPr>
+            <a:xfrm>
+              <a:off x="2914389" y="1407440"/>
+              <a:ext cx="4765800" cy="575400"/>
+            </a:xfrm>
+            <a:prstGeom prst="rect">
+              <a:avLst/>
+            </a:prstGeom>
+            <a:noFill/>
+            <a:ln>
+              <a:noFill/>
+            </a:ln>
+          </p:spPr>
+          <p:txBody>
+            <a:bodyPr spcFirstLastPara="1" wrap="square" lIns="91425" tIns="45700" rIns="91425" bIns="45700" anchor="ctr" anchorCtr="0">
+              <a:noAutofit/>
+            </a:bodyPr>
+            <a:lstStyle/>
+            <a:p>
+              <a:pPr marL="0" lvl="0" indent="0">
+                <a:lnSpc>
+                  <a:spcPct val="115000"/>
+                </a:lnSpc>
+                <a:spcBef>
+                  <a:spcPts val="0"/>
+                </a:spcBef>
+                <a:spcAft>
+                  <a:spcPts val="0"/>
+                </a:spcAft>
+                <a:buNone/>
+              </a:pPr>
+              <a:r>
+                <a:rPr lang="en-GB" sz="1800">
+                  <a:solidFill>
+                    <a:srgbClr val="FFFFFF"/>
+                  </a:solidFill>
+                  <a:latin typeface="Oswald"/>
+                  <a:ea typeface="Oswald"/>
+                  <a:cs typeface="Oswald"/>
+                  <a:sym typeface="Oswald"/>
+                </a:rPr>
+                <a:t>Portal for extensive outreach towards wider audience</a:t>
+              </a:r>
+              <a:endParaRPr sz="1800">
+                <a:solidFill>
+                  <a:srgbClr val="FFFFFF"/>
+                </a:solidFill>
+                <a:latin typeface="Oswald"/>
+                <a:ea typeface="Oswald"/>
+                <a:cs typeface="Oswald"/>
+                <a:sym typeface="Oswald"/>
+              </a:endParaRPr>
+            </a:p>
+          </p:txBody>
+        </p:sp>
+      </p:grpSp>
+      <p:grpSp>
+        <p:nvGrpSpPr>
+          <p:cNvPr id="273" name="Shape 273"/>
+          <p:cNvGrpSpPr/>
+          <p:nvPr/>
+        </p:nvGrpSpPr>
+        <p:grpSpPr>
+          <a:xfrm>
+            <a:off x="-1617293" y="2499150"/>
+            <a:ext cx="7650080" cy="731700"/>
+            <a:chOff x="7" y="2207525"/>
+            <a:chExt cx="7650080" cy="731700"/>
+          </a:xfrm>
+        </p:grpSpPr>
+        <p:sp>
+          <p:nvSpPr>
+            <p:cNvPr id="274" name="Shape 274"/>
+            <p:cNvSpPr txBox="1"/>
+            <p:nvPr/>
+          </p:nvSpPr>
+          <p:spPr>
+            <a:xfrm>
+              <a:off x="7" y="2257725"/>
+              <a:ext cx="2715300" cy="629700"/>
+            </a:xfrm>
+            <a:prstGeom prst="rect">
+              <a:avLst/>
+            </a:prstGeom>
+            <a:noFill/>
+            <a:ln>
+              <a:noFill/>
+            </a:ln>
+          </p:spPr>
+          <p:txBody>
+            <a:bodyPr spcFirstLastPara="1" wrap="square" lIns="91425" tIns="45700" rIns="91425" bIns="45700" anchor="ctr" anchorCtr="0">
+              <a:noAutofit/>
+            </a:bodyPr>
+            <a:lstStyle/>
+            <a:p>
+              <a:pPr marL="0" lvl="0" indent="0" algn="r">
+                <a:lnSpc>
+                  <a:spcPct val="90000"/>
+                </a:lnSpc>
+                <a:spcBef>
+                  <a:spcPts val="0"/>
+                </a:spcBef>
+                <a:spcAft>
+                  <a:spcPts val="0"/>
+                </a:spcAft>
+                <a:buNone/>
+              </a:pPr>
+              <a:endParaRPr sz="4400">
+                <a:solidFill>
+                  <a:srgbClr val="3D3D3D"/>
+                </a:solidFill>
+                <a:latin typeface="Roboto Medium"/>
+                <a:ea typeface="Roboto Medium"/>
+                <a:cs typeface="Roboto Medium"/>
+                <a:sym typeface="Roboto Medium"/>
+              </a:endParaRPr>
+            </a:p>
+          </p:txBody>
+        </p:sp>
+        <p:sp>
+          <p:nvSpPr>
+            <p:cNvPr id="275" name="Shape 275"/>
+            <p:cNvSpPr/>
+            <p:nvPr/>
+          </p:nvSpPr>
+          <p:spPr>
+            <a:xfrm>
+              <a:off x="2789787" y="2207525"/>
+              <a:ext cx="4860300" cy="731700"/>
+            </a:xfrm>
+            <a:prstGeom prst="rect">
+              <a:avLst/>
+            </a:prstGeom>
+            <a:solidFill>
+              <a:srgbClr val="3D3D3D"/>
+            </a:solidFill>
+            <a:ln>
+              <a:noFill/>
+            </a:ln>
+          </p:spPr>
+          <p:txBody>
+            <a:bodyPr spcFirstLastPara="1" wrap="square" lIns="91425" tIns="45700" rIns="91425" bIns="45700" anchor="ctr" anchorCtr="0">
+              <a:noAutofit/>
+            </a:bodyPr>
+            <a:lstStyle/>
+            <a:p>
+              <a:pPr marL="0" lvl="0" indent="0">
+                <a:spcBef>
+                  <a:spcPts val="0"/>
+                </a:spcBef>
+                <a:spcAft>
+                  <a:spcPts val="0"/>
+                </a:spcAft>
+                <a:buNone/>
+              </a:pPr>
+              <a:endParaRPr/>
+            </a:p>
+          </p:txBody>
+        </p:sp>
+        <p:sp>
+          <p:nvSpPr>
+            <p:cNvPr id="276" name="Shape 276"/>
+            <p:cNvSpPr txBox="1"/>
+            <p:nvPr/>
+          </p:nvSpPr>
+          <p:spPr>
+            <a:xfrm>
+              <a:off x="2914387" y="2414096"/>
+              <a:ext cx="4373100" cy="330600"/>
+            </a:xfrm>
+            <a:prstGeom prst="rect">
+              <a:avLst/>
+            </a:prstGeom>
+            <a:noFill/>
+            <a:ln>
+              <a:noFill/>
+            </a:ln>
+          </p:spPr>
+          <p:txBody>
+            <a:bodyPr spcFirstLastPara="1" wrap="square" lIns="91425" tIns="45700" rIns="91425" bIns="45700" anchor="ctr" anchorCtr="0">
+              <a:noAutofit/>
+            </a:bodyPr>
+            <a:lstStyle/>
+            <a:p>
+              <a:pPr marL="0" lvl="0" indent="0">
+                <a:lnSpc>
+                  <a:spcPct val="115000"/>
+                </a:lnSpc>
+                <a:spcBef>
+                  <a:spcPts val="0"/>
+                </a:spcBef>
+                <a:spcAft>
+                  <a:spcPts val="0"/>
+                </a:spcAft>
+                <a:buNone/>
+              </a:pPr>
+              <a:r>
+                <a:rPr lang="en-GB" sz="1800">
+                  <a:solidFill>
+                    <a:srgbClr val="FFFFFF"/>
+                  </a:solidFill>
+                  <a:latin typeface="Oswald"/>
+                  <a:ea typeface="Oswald"/>
+                  <a:cs typeface="Oswald"/>
+                  <a:sym typeface="Oswald"/>
+                </a:rPr>
+                <a:t>Means to donate an amount through the app</a:t>
+              </a:r>
+              <a:endParaRPr sz="1800">
+                <a:solidFill>
+                  <a:srgbClr val="FFFFFF"/>
+                </a:solidFill>
+                <a:latin typeface="Oswald"/>
+                <a:ea typeface="Oswald"/>
+                <a:cs typeface="Oswald"/>
+                <a:sym typeface="Oswald"/>
+              </a:endParaRPr>
+            </a:p>
+          </p:txBody>
+        </p:sp>
+      </p:grpSp>
+      <p:grpSp>
+        <p:nvGrpSpPr>
+          <p:cNvPr id="277" name="Shape 277"/>
+          <p:cNvGrpSpPr/>
+          <p:nvPr/>
+        </p:nvGrpSpPr>
+        <p:grpSpPr>
+          <a:xfrm>
+            <a:off x="-787420" y="3380250"/>
+            <a:ext cx="6457508" cy="731700"/>
+            <a:chOff x="829880" y="3088625"/>
+            <a:chExt cx="6457508" cy="731700"/>
+          </a:xfrm>
+        </p:grpSpPr>
+        <p:sp>
+          <p:nvSpPr>
+            <p:cNvPr id="278" name="Shape 278"/>
+            <p:cNvSpPr txBox="1"/>
+            <p:nvPr/>
+          </p:nvSpPr>
+          <p:spPr>
+            <a:xfrm>
+              <a:off x="829880" y="3145625"/>
+              <a:ext cx="1959900" cy="629700"/>
+            </a:xfrm>
+            <a:prstGeom prst="rect">
+              <a:avLst/>
+            </a:prstGeom>
+            <a:noFill/>
+            <a:ln>
+              <a:noFill/>
+            </a:ln>
+          </p:spPr>
+          <p:txBody>
+            <a:bodyPr spcFirstLastPara="1" wrap="square" lIns="91425" tIns="45700" rIns="91425" bIns="45700" anchor="ctr" anchorCtr="0">
+              <a:noAutofit/>
+            </a:bodyPr>
+            <a:lstStyle/>
+            <a:p>
+              <a:pPr marL="0" lvl="0" indent="0" algn="r">
+                <a:lnSpc>
+                  <a:spcPct val="90000"/>
+                </a:lnSpc>
+                <a:spcBef>
+                  <a:spcPts val="0"/>
+                </a:spcBef>
+                <a:spcAft>
+                  <a:spcPts val="0"/>
+                </a:spcAft>
+                <a:buNone/>
+              </a:pPr>
+              <a:endParaRPr sz="4400">
+                <a:solidFill>
+                  <a:srgbClr val="414141"/>
+                </a:solidFill>
+                <a:latin typeface="Roboto Medium"/>
+                <a:ea typeface="Roboto Medium"/>
+                <a:cs typeface="Roboto Medium"/>
+                <a:sym typeface="Roboto Medium"/>
+              </a:endParaRPr>
+            </a:p>
+          </p:txBody>
+        </p:sp>
+        <p:sp>
+          <p:nvSpPr>
+            <p:cNvPr id="279" name="Shape 279"/>
+            <p:cNvSpPr/>
+            <p:nvPr/>
+          </p:nvSpPr>
+          <p:spPr>
+            <a:xfrm>
+              <a:off x="2789787" y="3088625"/>
+              <a:ext cx="4497600" cy="731700"/>
+            </a:xfrm>
+            <a:prstGeom prst="rect">
+              <a:avLst/>
+            </a:prstGeom>
+            <a:solidFill>
+              <a:srgbClr val="414141"/>
+            </a:solidFill>
+            <a:ln>
+              <a:noFill/>
+            </a:ln>
+          </p:spPr>
+          <p:txBody>
+            <a:bodyPr spcFirstLastPara="1" wrap="square" lIns="91425" tIns="45700" rIns="91425" bIns="45700" anchor="ctr" anchorCtr="0">
+              <a:noAutofit/>
+            </a:bodyPr>
+            <a:lstStyle/>
+            <a:p>
+              <a:pPr marL="0" lvl="0" indent="0">
+                <a:spcBef>
+                  <a:spcPts val="0"/>
+                </a:spcBef>
+                <a:spcAft>
+                  <a:spcPts val="0"/>
+                </a:spcAft>
+                <a:buNone/>
+              </a:pPr>
+              <a:endParaRPr/>
+            </a:p>
+          </p:txBody>
+        </p:sp>
+        <p:sp>
+          <p:nvSpPr>
+            <p:cNvPr id="280" name="Shape 280"/>
+            <p:cNvSpPr txBox="1"/>
+            <p:nvPr/>
+          </p:nvSpPr>
+          <p:spPr>
+            <a:xfrm>
+              <a:off x="2914388" y="3295180"/>
+              <a:ext cx="3849900" cy="330600"/>
+            </a:xfrm>
+            <a:prstGeom prst="rect">
+              <a:avLst/>
+            </a:prstGeom>
+            <a:noFill/>
+            <a:ln>
+              <a:noFill/>
+            </a:ln>
+          </p:spPr>
+          <p:txBody>
+            <a:bodyPr spcFirstLastPara="1" wrap="square" lIns="91425" tIns="45700" rIns="91425" bIns="45700" anchor="ctr" anchorCtr="0">
+              <a:noAutofit/>
+            </a:bodyPr>
+            <a:lstStyle/>
+            <a:p>
+              <a:pPr marL="0" lvl="0" indent="0">
+                <a:lnSpc>
+                  <a:spcPct val="115000"/>
+                </a:lnSpc>
+                <a:spcBef>
+                  <a:spcPts val="0"/>
+                </a:spcBef>
+                <a:spcAft>
+                  <a:spcPts val="0"/>
+                </a:spcAft>
+                <a:buNone/>
+              </a:pPr>
+              <a:r>
+                <a:rPr lang="en-GB" sz="1800" dirty="0" smtClean="0">
+                  <a:solidFill>
+                    <a:srgbClr val="FFFFFF"/>
+                  </a:solidFill>
+                  <a:latin typeface="Oswald"/>
+                  <a:ea typeface="Oswald"/>
+                  <a:cs typeface="Oswald"/>
+                  <a:sym typeface="Oswald"/>
+                </a:rPr>
+                <a:t>Wider </a:t>
+              </a:r>
+              <a:r>
+                <a:rPr lang="en-GB" sz="1800" dirty="0">
+                  <a:solidFill>
+                    <a:srgbClr val="FFFFFF"/>
+                  </a:solidFill>
+                  <a:latin typeface="Oswald"/>
+                  <a:ea typeface="Oswald"/>
+                  <a:cs typeface="Oswald"/>
+                  <a:sym typeface="Oswald"/>
+                </a:rPr>
+                <a:t>collaboration with corporates</a:t>
+              </a:r>
+              <a:endParaRPr sz="1800" dirty="0">
+                <a:solidFill>
+                  <a:srgbClr val="FFFFFF"/>
+                </a:solidFill>
+                <a:latin typeface="Oswald"/>
+                <a:ea typeface="Oswald"/>
+                <a:cs typeface="Oswald"/>
+                <a:sym typeface="Oswald"/>
+              </a:endParaRPr>
+            </a:p>
+          </p:txBody>
+        </p:sp>
+      </p:grpSp>
+    </p:spTree>
+  </p:cSld>
+  <p:clrMapOvr>
+    <a:masterClrMapping/>
+  </p:clrMapOvr>
+  <p:timing>
+    <p:tnLst>
+      <p:par>
+        <p:cTn id="1" dur="indefinite" restart="never" nodeType="tmRoot"/>
+      </p:par>
+    </p:tnLst>
+  </p:timing>
+</p:sld>
+</file>
+
+<file path=ppt/slides/slide11.xml><?xml version="1.0" encoding="utf-8"?>
+<p:sld xmlns:a="http://schemas.openxmlformats.org/drawingml/2006/main" xmlns:r="http://schemas.openxmlformats.org/officeDocument/2006/relationships" xmlns:p="http://schemas.openxmlformats.org/presentationml/2006/main">
+  <p:cSld>
+    <p:bg>
+      <p:bgPr>
+        <a:solidFill>
+          <a:srgbClr val="FFFFFF"/>
+        </a:solidFill>
+        <a:effectLst/>
+      </p:bgPr>
+    </p:bg>
+    <p:spTree>
+      <p:nvGrpSpPr>
+        <p:cNvPr id="1" name="Shape 284"/>
+        <p:cNvGrpSpPr/>
+        <p:nvPr/>
+      </p:nvGrpSpPr>
+      <p:grpSpPr>
+        <a:xfrm>
+          <a:off x="0" y="0"/>
+          <a:ext cx="0" cy="0"/>
+          <a:chOff x="0" y="0"/>
+          <a:chExt cx="0" cy="0"/>
+        </a:xfrm>
+      </p:grpSpPr>
+      <p:sp>
+        <p:nvSpPr>
+          <p:cNvPr id="286" name="Shape 286"/>
+          <p:cNvSpPr txBox="1"/>
+          <p:nvPr/>
+        </p:nvSpPr>
+        <p:spPr>
+          <a:xfrm>
+            <a:off x="1182300" y="1934525"/>
+            <a:ext cx="6779400" cy="790800"/>
+          </a:xfrm>
+          <a:prstGeom prst="rect">
+            <a:avLst/>
+          </a:prstGeom>
+          <a:noFill/>
+          <a:ln>
+            <a:noFill/>
+          </a:ln>
+        </p:spPr>
+        <p:txBody>
+          <a:bodyPr spcFirstLastPara="1" wrap="square" lIns="91425" tIns="91425" rIns="91425" bIns="91425" anchor="t" anchorCtr="0">
+            <a:noAutofit/>
+          </a:bodyPr>
+          <a:lstStyle/>
+          <a:p>
+            <a:pPr marL="0" lvl="0" indent="0" algn="ctr" rtl="0">
+              <a:spcBef>
+                <a:spcPts val="0"/>
+              </a:spcBef>
+              <a:spcAft>
+                <a:spcPts val="0"/>
+              </a:spcAft>
+              <a:buNone/>
+            </a:pPr>
+            <a:r>
+              <a:rPr lang="en-GB" sz="4400">
+                <a:latin typeface="Oswald"/>
+                <a:ea typeface="Oswald"/>
+                <a:cs typeface="Oswald"/>
+                <a:sym typeface="Oswald"/>
+              </a:rPr>
+              <a:t>THANK YOU</a:t>
+            </a:r>
+            <a:endParaRPr sz="4400">
+              <a:latin typeface="Oswald"/>
+              <a:ea typeface="Oswald"/>
+              <a:cs typeface="Oswald"/>
+              <a:sym typeface="Oswald"/>
+            </a:endParaRPr>
+          </a:p>
+        </p:txBody>
+      </p:sp>
+    </p:spTree>
+  </p:cSld>
+  <p:clrMapOvr>
+    <a:masterClrMapping/>
+  </p:clrMapOvr>
+  <p:timing>
+    <p:tnLst>
+      <p:par>
+        <p:cTn id="1" dur="indefinite" restart="never" nodeType="tmRoot"/>
+      </p:par>
+    </p:tnLst>
+  </p:timing>
 </p:sld>
 </file>
 
@@ -10118,10 +17183,142 @@
   <p:clrMapOvr>
     <a:masterClrMapping/>
   </p:clrMapOvr>
+  <p:timing>
+    <p:tnLst>
+      <p:par>
+        <p:cTn id="1" dur="indefinite" restart="never" nodeType="tmRoot"/>
+      </p:par>
+    </p:tnLst>
+  </p:timing>
 </p:sld>
 </file>
 
 <file path=ppt/slides/slide3.xml><?xml version="1.0" encoding="utf-8"?>
+<p:sld xmlns:a="http://schemas.openxmlformats.org/drawingml/2006/main" xmlns:r="http://schemas.openxmlformats.org/officeDocument/2006/relationships" xmlns:p="http://schemas.openxmlformats.org/presentationml/2006/main">
+  <p:cSld>
+    <p:bg>
+      <p:bgPr>
+        <a:solidFill>
+          <a:srgbClr val="FFFFFF"/>
+        </a:solidFill>
+        <a:effectLst/>
+      </p:bgPr>
+    </p:bg>
+    <p:spTree>
+      <p:nvGrpSpPr>
+        <p:cNvPr id="1" name="Shape 142"/>
+        <p:cNvGrpSpPr/>
+        <p:nvPr/>
+      </p:nvGrpSpPr>
+      <p:grpSpPr>
+        <a:xfrm>
+          <a:off x="0" y="0"/>
+          <a:ext cx="0" cy="0"/>
+          <a:chOff x="0" y="0"/>
+          <a:chExt cx="0" cy="0"/>
+        </a:xfrm>
+      </p:grpSpPr>
+      <p:sp>
+        <p:nvSpPr>
+          <p:cNvPr id="143" name="Shape 143"/>
+          <p:cNvSpPr txBox="1">
+            <a:spLocks noGrp="1"/>
+          </p:cNvSpPr>
+          <p:nvPr>
+            <p:ph type="title"/>
+          </p:nvPr>
+        </p:nvSpPr>
+        <p:spPr>
+          <a:xfrm>
+            <a:off x="1297500" y="393750"/>
+            <a:ext cx="7038900" cy="914100"/>
+          </a:xfrm>
+          <a:prstGeom prst="rect">
+            <a:avLst/>
+          </a:prstGeom>
+        </p:spPr>
+        <p:txBody>
+          <a:bodyPr spcFirstLastPara="1" wrap="square" lIns="91425" tIns="91425" rIns="91425" bIns="91425" anchor="t" anchorCtr="0">
+            <a:noAutofit/>
+          </a:bodyPr>
+          <a:lstStyle/>
+          <a:p>
+            <a:pPr marL="0" lvl="0" indent="0">
+              <a:spcBef>
+                <a:spcPts val="0"/>
+              </a:spcBef>
+              <a:spcAft>
+                <a:spcPts val="0"/>
+              </a:spcAft>
+              <a:buNone/>
+            </a:pPr>
+            <a:r>
+              <a:rPr lang="en-GB" sz="4400" dirty="0" smtClean="0">
+                <a:solidFill>
+                  <a:srgbClr val="000000"/>
+                </a:solidFill>
+                <a:latin typeface="Oswald"/>
+                <a:ea typeface="Oswald"/>
+                <a:cs typeface="Oswald"/>
+                <a:sym typeface="Oswald"/>
+              </a:rPr>
+              <a:t>CURRENT TRENDS</a:t>
+            </a:r>
+            <a:endParaRPr sz="4400" dirty="0">
+              <a:solidFill>
+                <a:srgbClr val="000000"/>
+              </a:solidFill>
+              <a:latin typeface="Oswald"/>
+              <a:ea typeface="Oswald"/>
+              <a:cs typeface="Oswald"/>
+              <a:sym typeface="Oswald"/>
+            </a:endParaRPr>
+          </a:p>
+        </p:txBody>
+      </p:sp>
+      <p:graphicFrame>
+        <p:nvGraphicFramePr>
+          <p:cNvPr id="2" name="Diagram 1"/>
+          <p:cNvGraphicFramePr/>
+          <p:nvPr>
+            <p:extLst>
+              <p:ext uri="{D42A27DB-BD31-4B8C-83A1-F6EECF244321}">
+                <p14:modId xmlns:p14="http://schemas.microsoft.com/office/powerpoint/2010/main" val="715452844"/>
+              </p:ext>
+            </p:extLst>
+          </p:nvPr>
+        </p:nvGraphicFramePr>
+        <p:xfrm>
+          <a:off x="1455576" y="1595534"/>
+          <a:ext cx="5570374" cy="2892490"/>
+        </p:xfrm>
+        <a:graphic>
+          <a:graphicData uri="http://schemas.openxmlformats.org/drawingml/2006/diagram">
+            <dgm:relIds xmlns:dgm="http://schemas.openxmlformats.org/drawingml/2006/diagram" xmlns:r="http://schemas.openxmlformats.org/officeDocument/2006/relationships" r:dm="rId3" r:lo="rId4" r:qs="rId5" r:cs="rId6"/>
+          </a:graphicData>
+        </a:graphic>
+      </p:graphicFrame>
+    </p:spTree>
+    <p:extLst>
+      <p:ext uri="{BB962C8B-B14F-4D97-AF65-F5344CB8AC3E}">
+        <p14:creationId xmlns:p14="http://schemas.microsoft.com/office/powerpoint/2010/main" val="1310174790"/>
+      </p:ext>
+    </p:extLst>
+  </p:cSld>
+  <p:clrMapOvr>
+    <a:masterClrMapping/>
+  </p:clrMapOvr>
+  <p:timing>
+    <p:tnLst>
+      <p:par>
+        <p:cTn id="1" dur="indefinite" restart="never" nodeType="tmRoot"/>
+      </p:par>
+    </p:tnLst>
+  </p:timing>
+</p:sld>
+</file>
+
+<file path=ppt/slides/slide4.xml><?xml version="1.0" encoding="utf-8"?>
 <p:sld xmlns:a="http://schemas.openxmlformats.org/drawingml/2006/main" xmlns:r="http://schemas.openxmlformats.org/officeDocument/2006/relationships" xmlns:p="http://schemas.openxmlformats.org/presentationml/2006/main">
   <p:cSld>
     <p:bg>
@@ -10803,15 +18000,63 @@
           </a:ln>
         </p:spPr>
       </p:cxnSp>
+      <p:pic>
+        <p:nvPicPr>
+          <p:cNvPr id="2051" name="Picture 3" descr="C:\Users\mohoith\Desktop\unnamed.png"/>
+          <p:cNvPicPr>
+            <a:picLocks noChangeAspect="1" noChangeArrowheads="1"/>
+          </p:cNvPicPr>
+          <p:nvPr/>
+        </p:nvPicPr>
+        <p:blipFill>
+          <a:blip r:embed="rId3">
+            <a:extLst>
+              <a:ext uri="{28A0092B-C50C-407E-A947-70E740481C1C}">
+                <a14:useLocalDpi xmlns:a14="http://schemas.microsoft.com/office/drawing/2010/main" val="0"/>
+              </a:ext>
+            </a:extLst>
+          </a:blip>
+          <a:srcRect/>
+          <a:stretch>
+            <a:fillRect/>
+          </a:stretch>
+        </p:blipFill>
+        <p:spPr bwMode="auto">
+          <a:xfrm>
+            <a:off x="5396764" y="1318373"/>
+            <a:ext cx="1369610" cy="3055371"/>
+          </a:xfrm>
+          <a:prstGeom prst="rect">
+            <a:avLst/>
+          </a:prstGeom>
+          <a:noFill/>
+          <a:extLst>
+            <a:ext uri="{909E8E84-426E-40DD-AFC4-6F175D3DCCD1}">
+              <a14:hiddenFill xmlns:a14="http://schemas.microsoft.com/office/drawing/2010/main">
+                <a:solidFill>
+                  <a:srgbClr val="FFFFFF"/>
+                </a:solidFill>
+              </a14:hiddenFill>
+            </a:ext>
+          </a:extLst>
+        </p:spPr>
+      </p:pic>
     </p:spTree>
   </p:cSld>
   <p:clrMapOvr>
     <a:masterClrMapping/>
   </p:clrMapOvr>
+  <p:timing>
+    <p:tnLst>
+      <p:par>
+        <p:cTn id="1" dur="indefinite" restart="never" nodeType="tmRoot"/>
+      </p:par>
+    </p:tnLst>
+  </p:timing>
 </p:sld>
 </file>
 
-<file path=ppt/slides/slide4.xml><?xml version="1.0" encoding="utf-8"?>
+<file path=ppt/slides/slide5.xml><?xml version="1.0" encoding="utf-8"?>
 <p:sld xmlns:a="http://schemas.openxmlformats.org/drawingml/2006/main" xmlns:r="http://schemas.openxmlformats.org/officeDocument/2006/relationships" xmlns:p="http://schemas.openxmlformats.org/presentationml/2006/main">
   <p:cSld>
     <p:bg>
@@ -11540,7 +18785,7 @@
         <p:spPr>
           <a:xfrm>
             <a:off x="2836506" y="2554100"/>
-            <a:ext cx="2377694" cy="0"/>
+            <a:ext cx="1527914" cy="0"/>
           </a:xfrm>
           <a:prstGeom prst="straightConnector1">
             <a:avLst/>
@@ -11557,15 +18802,86 @@
           </a:ln>
         </p:spPr>
       </p:cxnSp>
+      <p:pic>
+        <p:nvPicPr>
+          <p:cNvPr id="1027" name="Picture 3"/>
+          <p:cNvPicPr>
+            <a:picLocks noChangeAspect="1" noChangeArrowheads="1"/>
+          </p:cNvPicPr>
+          <p:nvPr/>
+        </p:nvPicPr>
+        <p:blipFill>
+          <a:blip r:embed="rId3">
+            <a:extLst>
+              <a:ext uri="{28A0092B-C50C-407E-A947-70E740481C1C}">
+                <a14:useLocalDpi xmlns:a14="http://schemas.microsoft.com/office/drawing/2010/main" val="0"/>
+              </a:ext>
+            </a:extLst>
+          </a:blip>
+          <a:srcRect/>
+          <a:stretch>
+            <a:fillRect/>
+          </a:stretch>
+        </p:blipFill>
+        <p:spPr bwMode="auto">
+          <a:xfrm>
+            <a:off x="4364420" y="1455469"/>
+            <a:ext cx="4229074" cy="2375633"/>
+          </a:xfrm>
+          <a:prstGeom prst="rect">
+            <a:avLst/>
+          </a:prstGeom>
+          <a:noFill/>
+          <a:ln>
+            <a:noFill/>
+          </a:ln>
+          <a:effectLst/>
+          <a:extLst>
+            <a:ext uri="{909E8E84-426E-40DD-AFC4-6F175D3DCCD1}">
+              <a14:hiddenFill xmlns:a14="http://schemas.microsoft.com/office/drawing/2010/main">
+                <a:solidFill>
+                  <a:schemeClr val="accent1"/>
+                </a:solidFill>
+              </a14:hiddenFill>
+            </a:ext>
+            <a:ext uri="{91240B29-F687-4F45-9708-019B960494DF}">
+              <a14:hiddenLine xmlns:a14="http://schemas.microsoft.com/office/drawing/2010/main" w="9525">
+                <a:solidFill>
+                  <a:schemeClr val="tx1"/>
+                </a:solidFill>
+                <a:miter lim="800000"/>
+                <a:headEnd/>
+                <a:tailEnd/>
+              </a14:hiddenLine>
+            </a:ext>
+            <a:ext uri="{AF507438-7753-43E0-B8FC-AC1667EBCBE1}">
+              <a14:hiddenEffects xmlns:a14="http://schemas.microsoft.com/office/drawing/2010/main">
+                <a:effectLst>
+                  <a:outerShdw dist="35921" dir="2700000" algn="ctr" rotWithShape="0">
+                    <a:schemeClr val="bg2"/>
+                  </a:outerShdw>
+                </a:effectLst>
+              </a14:hiddenEffects>
+            </a:ext>
+          </a:extLst>
+        </p:spPr>
+      </p:pic>
     </p:spTree>
   </p:cSld>
   <p:clrMapOvr>
     <a:masterClrMapping/>
   </p:clrMapOvr>
+  <p:timing>
+    <p:tnLst>
+      <p:par>
+        <p:cTn id="1" dur="indefinite" restart="never" nodeType="tmRoot"/>
+      </p:par>
+    </p:tnLst>
+  </p:timing>
 </p:sld>
 </file>
 
-<file path=ppt/slides/slide5.xml><?xml version="1.0" encoding="utf-8"?>
+<file path=ppt/slides/slide6.xml><?xml version="1.0" encoding="utf-8"?>
 <p:sld xmlns:a="http://schemas.openxmlformats.org/drawingml/2006/main" xmlns:r="http://schemas.openxmlformats.org/officeDocument/2006/relationships" xmlns:p="http://schemas.openxmlformats.org/presentationml/2006/main">
   <p:cSld>
     <p:bg>
@@ -12468,7 +19784,7 @@
         <p:spPr>
           <a:xfrm>
             <a:off x="4566775" y="2848350"/>
-            <a:ext cx="953400" cy="0"/>
+            <a:ext cx="213814" cy="0"/>
           </a:xfrm>
           <a:prstGeom prst="straightConnector1">
             <a:avLst/>
@@ -12485,15 +19801,63 @@
           </a:ln>
         </p:spPr>
       </p:cxnSp>
+      <p:pic>
+        <p:nvPicPr>
+          <p:cNvPr id="3075" name="Picture 3" descr="C:\Users\mohoith\Desktop\Screenshot (9).png"/>
+          <p:cNvPicPr>
+            <a:picLocks noChangeAspect="1" noChangeArrowheads="1"/>
+          </p:cNvPicPr>
+          <p:nvPr/>
+        </p:nvPicPr>
+        <p:blipFill>
+          <a:blip r:embed="rId3">
+            <a:extLst>
+              <a:ext uri="{28A0092B-C50C-407E-A947-70E740481C1C}">
+                <a14:useLocalDpi xmlns:a14="http://schemas.microsoft.com/office/drawing/2010/main" val="0"/>
+              </a:ext>
+            </a:extLst>
+          </a:blip>
+          <a:srcRect/>
+          <a:stretch>
+            <a:fillRect/>
+          </a:stretch>
+        </p:blipFill>
+        <p:spPr bwMode="auto">
+          <a:xfrm>
+            <a:off x="4780589" y="1767927"/>
+            <a:ext cx="4103268" cy="2263396"/>
+          </a:xfrm>
+          <a:prstGeom prst="rect">
+            <a:avLst/>
+          </a:prstGeom>
+          <a:noFill/>
+          <a:extLst>
+            <a:ext uri="{909E8E84-426E-40DD-AFC4-6F175D3DCCD1}">
+              <a14:hiddenFill xmlns:a14="http://schemas.microsoft.com/office/drawing/2010/main">
+                <a:solidFill>
+                  <a:srgbClr val="FFFFFF"/>
+                </a:solidFill>
+              </a14:hiddenFill>
+            </a:ext>
+          </a:extLst>
+        </p:spPr>
+      </p:pic>
     </p:spTree>
   </p:cSld>
   <p:clrMapOvr>
     <a:masterClrMapping/>
   </p:clrMapOvr>
+  <p:timing>
+    <p:tnLst>
+      <p:par>
+        <p:cTn id="1" dur="indefinite" restart="never" nodeType="tmRoot"/>
+      </p:par>
+    </p:tnLst>
+  </p:timing>
 </p:sld>
 </file>
 
-<file path=ppt/slides/slide6.xml><?xml version="1.0" encoding="utf-8"?>
+<file path=ppt/slides/slide7.xml><?xml version="1.0" encoding="utf-8"?>
 <p:sld xmlns:a="http://schemas.openxmlformats.org/drawingml/2006/main" xmlns:r="http://schemas.openxmlformats.org/officeDocument/2006/relationships" xmlns:p="http://schemas.openxmlformats.org/presentationml/2006/main">
   <p:cSld>
     <p:bg>
@@ -13472,7 +20836,7 @@
         <p:spPr>
           <a:xfrm>
             <a:off x="3402950" y="4672700"/>
-            <a:ext cx="1575850" cy="0"/>
+            <a:ext cx="1328662" cy="0"/>
           </a:xfrm>
           <a:prstGeom prst="straightConnector1">
             <a:avLst/>
@@ -13497,7 +20861,7 @@
         </p:nvCxnSpPr>
         <p:spPr>
           <a:xfrm rot="10800000" flipH="1">
-            <a:off x="4990500" y="2836475"/>
+            <a:off x="4719912" y="2864286"/>
             <a:ext cx="11700" cy="1848000"/>
           </a:xfrm>
           <a:prstGeom prst="straightConnector1">
@@ -13522,9 +20886,9 @@
           <p:nvPr/>
         </p:nvCxnSpPr>
         <p:spPr>
-          <a:xfrm>
-            <a:off x="5014025" y="2848350"/>
-            <a:ext cx="812100" cy="11700"/>
+          <a:xfrm flipV="1">
+            <a:off x="4719911" y="2864286"/>
+            <a:ext cx="812100" cy="2513"/>
           </a:xfrm>
           <a:prstGeom prst="straightConnector1">
             <a:avLst/>
@@ -13541,15 +20905,104 @@
           </a:ln>
         </p:spPr>
       </p:cxnSp>
+      <p:pic>
+        <p:nvPicPr>
+          <p:cNvPr id="4098" name="Picture 2" descr="C:\Users\mohoith\Desktop\plot.png"/>
+          <p:cNvPicPr>
+            <a:picLocks noChangeAspect="1" noChangeArrowheads="1"/>
+          </p:cNvPicPr>
+          <p:nvPr/>
+        </p:nvPicPr>
+        <p:blipFill>
+          <a:blip r:embed="rId3">
+            <a:extLst>
+              <a:ext uri="{28A0092B-C50C-407E-A947-70E740481C1C}">
+                <a14:useLocalDpi xmlns:a14="http://schemas.microsoft.com/office/drawing/2010/main" val="0"/>
+              </a:ext>
+            </a:extLst>
+          </a:blip>
+          <a:srcRect/>
+          <a:stretch>
+            <a:fillRect/>
+          </a:stretch>
+        </p:blipFill>
+        <p:spPr bwMode="auto">
+          <a:xfrm>
+            <a:off x="5703831" y="1082266"/>
+            <a:ext cx="2352356" cy="1995423"/>
+          </a:xfrm>
+          <a:prstGeom prst="rect">
+            <a:avLst/>
+          </a:prstGeom>
+          <a:noFill/>
+          <a:extLst>
+            <a:ext uri="{909E8E84-426E-40DD-AFC4-6F175D3DCCD1}">
+              <a14:hiddenFill xmlns:a14="http://schemas.microsoft.com/office/drawing/2010/main">
+                <a:solidFill>
+                  <a:srgbClr val="FFFFFF"/>
+                </a:solidFill>
+              </a14:hiddenFill>
+            </a:ext>
+          </a:extLst>
+        </p:spPr>
+      </p:pic>
+      <p:pic>
+        <p:nvPicPr>
+          <p:cNvPr id="4099" name="Picture 3" descr="C:\Users\mohoith\Desktop\plot1.png"/>
+          <p:cNvPicPr>
+            <a:picLocks noChangeAspect="1" noChangeArrowheads="1"/>
+          </p:cNvPicPr>
+          <p:nvPr/>
+        </p:nvPicPr>
+        <p:blipFill>
+          <a:blip r:embed="rId4">
+            <a:extLst>
+              <a:ext uri="{28A0092B-C50C-407E-A947-70E740481C1C}">
+                <a14:useLocalDpi xmlns:a14="http://schemas.microsoft.com/office/drawing/2010/main" val="0"/>
+              </a:ext>
+            </a:extLst>
+          </a:blip>
+          <a:srcRect/>
+          <a:stretch>
+            <a:fillRect/>
+          </a:stretch>
+        </p:blipFill>
+        <p:spPr bwMode="auto">
+          <a:xfrm>
+            <a:off x="5703831" y="3183346"/>
+            <a:ext cx="2421951" cy="1816793"/>
+          </a:xfrm>
+          <a:prstGeom prst="rect">
+            <a:avLst/>
+          </a:prstGeom>
+          <a:noFill/>
+          <a:extLst>
+            <a:ext uri="{909E8E84-426E-40DD-AFC4-6F175D3DCCD1}">
+              <a14:hiddenFill xmlns:a14="http://schemas.microsoft.com/office/drawing/2010/main">
+                <a:solidFill>
+                  <a:srgbClr val="FFFFFF"/>
+                </a:solidFill>
+              </a14:hiddenFill>
+            </a:ext>
+          </a:extLst>
+        </p:spPr>
+      </p:pic>
     </p:spTree>
   </p:cSld>
   <p:clrMapOvr>
     <a:masterClrMapping/>
   </p:clrMapOvr>
+  <p:timing>
+    <p:tnLst>
+      <p:par>
+        <p:cTn id="1" dur="indefinite" restart="never" nodeType="tmRoot"/>
+      </p:par>
+    </p:tnLst>
+  </p:timing>
 </p:sld>
 </file>
 
-<file path=ppt/slides/slide7.xml><?xml version="1.0" encoding="utf-8"?>
+<file path=ppt/slides/slide8.xml><?xml version="1.0" encoding="utf-8"?>
 <p:sld xmlns:a="http://schemas.openxmlformats.org/drawingml/2006/main" xmlns:r="http://schemas.openxmlformats.org/officeDocument/2006/relationships" xmlns:p="http://schemas.openxmlformats.org/presentationml/2006/main">
   <p:cSld>
     <p:bg>
@@ -13672,586 +21125,13 @@
   <p:clrMapOvr>
     <a:masterClrMapping/>
   </p:clrMapOvr>
-</p:sld>
-</file>
-
-<file path=ppt/slides/slide8.xml><?xml version="1.0" encoding="utf-8"?>
-<p:sld xmlns:a="http://schemas.openxmlformats.org/drawingml/2006/main" xmlns:r="http://schemas.openxmlformats.org/officeDocument/2006/relationships" xmlns:p="http://schemas.openxmlformats.org/presentationml/2006/main">
-  <p:cSld>
-    <p:bg>
-      <p:bgPr>
-        <a:solidFill>
-          <a:srgbClr val="FFFFFF"/>
-        </a:solidFill>
-        <a:effectLst/>
-      </p:bgPr>
-    </p:bg>
-    <p:spTree>
-      <p:nvGrpSpPr>
-        <p:cNvPr id="1" name="Shape 267"/>
-        <p:cNvGrpSpPr/>
-        <p:nvPr/>
-      </p:nvGrpSpPr>
-      <p:grpSpPr>
-        <a:xfrm>
-          <a:off x="0" y="0"/>
-          <a:ext cx="0" cy="0"/>
-          <a:chOff x="0" y="0"/>
-          <a:chExt cx="0" cy="0"/>
-        </a:xfrm>
-      </p:grpSpPr>
-      <p:sp>
-        <p:nvSpPr>
-          <p:cNvPr id="268" name="Shape 268"/>
-          <p:cNvSpPr txBox="1"/>
-          <p:nvPr/>
-        </p:nvSpPr>
-        <p:spPr>
-          <a:xfrm>
-            <a:off x="1182300" y="343750"/>
-            <a:ext cx="6779400" cy="790800"/>
-          </a:xfrm>
-          <a:prstGeom prst="rect">
-            <a:avLst/>
-          </a:prstGeom>
-          <a:noFill/>
-          <a:ln>
-            <a:noFill/>
-          </a:ln>
-        </p:spPr>
-        <p:txBody>
-          <a:bodyPr spcFirstLastPara="1" wrap="square" lIns="91425" tIns="91425" rIns="91425" bIns="91425" anchor="t" anchorCtr="0">
-            <a:noAutofit/>
-          </a:bodyPr>
-          <a:lstStyle/>
-          <a:p>
-            <a:pPr marL="0" lvl="0" indent="0" rtl="0">
-              <a:spcBef>
-                <a:spcPts val="0"/>
-              </a:spcBef>
-              <a:spcAft>
-                <a:spcPts val="0"/>
-              </a:spcAft>
-              <a:buNone/>
-            </a:pPr>
-            <a:r>
-              <a:rPr lang="en-GB" sz="4400">
-                <a:latin typeface="Oswald"/>
-                <a:ea typeface="Oswald"/>
-                <a:cs typeface="Oswald"/>
-                <a:sym typeface="Oswald"/>
-              </a:rPr>
-              <a:t>FUTURE WORK</a:t>
-            </a:r>
-            <a:endParaRPr sz="4400">
-              <a:latin typeface="Oswald"/>
-              <a:ea typeface="Oswald"/>
-              <a:cs typeface="Oswald"/>
-              <a:sym typeface="Oswald"/>
-            </a:endParaRPr>
-          </a:p>
-        </p:txBody>
-      </p:sp>
-      <p:grpSp>
-        <p:nvGrpSpPr>
-          <p:cNvPr id="269" name="Shape 269"/>
-          <p:cNvGrpSpPr/>
-          <p:nvPr/>
-        </p:nvGrpSpPr>
-        <p:grpSpPr>
-          <a:xfrm>
-            <a:off x="-906626" y="1614789"/>
-            <a:ext cx="7300911" cy="731700"/>
-            <a:chOff x="710674" y="1323164"/>
-            <a:chExt cx="7300911" cy="731700"/>
-          </a:xfrm>
-        </p:grpSpPr>
-        <p:sp>
-          <p:nvSpPr>
-            <p:cNvPr id="270" name="Shape 270"/>
-            <p:cNvSpPr txBox="1"/>
-            <p:nvPr/>
-          </p:nvSpPr>
-          <p:spPr>
-            <a:xfrm>
-              <a:off x="710674" y="1373350"/>
-              <a:ext cx="2004300" cy="629700"/>
-            </a:xfrm>
-            <a:prstGeom prst="rect">
-              <a:avLst/>
-            </a:prstGeom>
-            <a:noFill/>
-            <a:ln>
-              <a:noFill/>
-            </a:ln>
-          </p:spPr>
-          <p:txBody>
-            <a:bodyPr spcFirstLastPara="1" wrap="square" lIns="91425" tIns="45700" rIns="91425" bIns="45700" anchor="ctr" anchorCtr="0">
-              <a:noAutofit/>
-            </a:bodyPr>
-            <a:lstStyle/>
-            <a:p>
-              <a:pPr marL="0" lvl="0" indent="0" algn="r">
-                <a:lnSpc>
-                  <a:spcPct val="90000"/>
-                </a:lnSpc>
-                <a:spcBef>
-                  <a:spcPts val="0"/>
-                </a:spcBef>
-                <a:spcAft>
-                  <a:spcPts val="0"/>
-                </a:spcAft>
-                <a:buNone/>
-              </a:pPr>
-              <a:endParaRPr sz="4400">
-                <a:solidFill>
-                  <a:srgbClr val="2F2F2F"/>
-                </a:solidFill>
-                <a:latin typeface="Roboto Medium"/>
-                <a:ea typeface="Roboto Medium"/>
-                <a:cs typeface="Roboto Medium"/>
-                <a:sym typeface="Roboto Medium"/>
-              </a:endParaRPr>
-            </a:p>
-          </p:txBody>
-        </p:sp>
-        <p:sp>
-          <p:nvSpPr>
-            <p:cNvPr id="271" name="Shape 271"/>
-            <p:cNvSpPr/>
-            <p:nvPr/>
-          </p:nvSpPr>
-          <p:spPr>
-            <a:xfrm>
-              <a:off x="2789785" y="1323164"/>
-              <a:ext cx="5221800" cy="731700"/>
-            </a:xfrm>
-            <a:prstGeom prst="rect">
-              <a:avLst/>
-            </a:prstGeom>
-            <a:solidFill>
-              <a:srgbClr val="2F2F2F"/>
-            </a:solidFill>
-            <a:ln>
-              <a:noFill/>
-            </a:ln>
-          </p:spPr>
-          <p:txBody>
-            <a:bodyPr spcFirstLastPara="1" wrap="square" lIns="91425" tIns="45700" rIns="91425" bIns="45700" anchor="ctr" anchorCtr="0">
-              <a:noAutofit/>
-            </a:bodyPr>
-            <a:lstStyle/>
-            <a:p>
-              <a:pPr marL="0" lvl="0" indent="0">
-                <a:spcBef>
-                  <a:spcPts val="0"/>
-                </a:spcBef>
-                <a:spcAft>
-                  <a:spcPts val="0"/>
-                </a:spcAft>
-                <a:buNone/>
-              </a:pPr>
-              <a:endParaRPr/>
-            </a:p>
-          </p:txBody>
-        </p:sp>
-        <p:sp>
-          <p:nvSpPr>
-            <p:cNvPr id="272" name="Shape 272"/>
-            <p:cNvSpPr txBox="1"/>
-            <p:nvPr/>
-          </p:nvSpPr>
-          <p:spPr>
-            <a:xfrm>
-              <a:off x="2914389" y="1407440"/>
-              <a:ext cx="4765800" cy="575400"/>
-            </a:xfrm>
-            <a:prstGeom prst="rect">
-              <a:avLst/>
-            </a:prstGeom>
-            <a:noFill/>
-            <a:ln>
-              <a:noFill/>
-            </a:ln>
-          </p:spPr>
-          <p:txBody>
-            <a:bodyPr spcFirstLastPara="1" wrap="square" lIns="91425" tIns="45700" rIns="91425" bIns="45700" anchor="ctr" anchorCtr="0">
-              <a:noAutofit/>
-            </a:bodyPr>
-            <a:lstStyle/>
-            <a:p>
-              <a:pPr marL="0" lvl="0" indent="0">
-                <a:lnSpc>
-                  <a:spcPct val="115000"/>
-                </a:lnSpc>
-                <a:spcBef>
-                  <a:spcPts val="0"/>
-                </a:spcBef>
-                <a:spcAft>
-                  <a:spcPts val="0"/>
-                </a:spcAft>
-                <a:buNone/>
-              </a:pPr>
-              <a:r>
-                <a:rPr lang="en-GB" sz="1800">
-                  <a:solidFill>
-                    <a:srgbClr val="FFFFFF"/>
-                  </a:solidFill>
-                  <a:latin typeface="Oswald"/>
-                  <a:ea typeface="Oswald"/>
-                  <a:cs typeface="Oswald"/>
-                  <a:sym typeface="Oswald"/>
-                </a:rPr>
-                <a:t>Portal for extensive outreach towards wider audience</a:t>
-              </a:r>
-              <a:endParaRPr sz="1800">
-                <a:solidFill>
-                  <a:srgbClr val="FFFFFF"/>
-                </a:solidFill>
-                <a:latin typeface="Oswald"/>
-                <a:ea typeface="Oswald"/>
-                <a:cs typeface="Oswald"/>
-                <a:sym typeface="Oswald"/>
-              </a:endParaRPr>
-            </a:p>
-          </p:txBody>
-        </p:sp>
-      </p:grpSp>
-      <p:grpSp>
-        <p:nvGrpSpPr>
-          <p:cNvPr id="273" name="Shape 273"/>
-          <p:cNvGrpSpPr/>
-          <p:nvPr/>
-        </p:nvGrpSpPr>
-        <p:grpSpPr>
-          <a:xfrm>
-            <a:off x="-1617293" y="2499150"/>
-            <a:ext cx="7650080" cy="731700"/>
-            <a:chOff x="7" y="2207525"/>
-            <a:chExt cx="7650080" cy="731700"/>
-          </a:xfrm>
-        </p:grpSpPr>
-        <p:sp>
-          <p:nvSpPr>
-            <p:cNvPr id="274" name="Shape 274"/>
-            <p:cNvSpPr txBox="1"/>
-            <p:nvPr/>
-          </p:nvSpPr>
-          <p:spPr>
-            <a:xfrm>
-              <a:off x="7" y="2257725"/>
-              <a:ext cx="2715300" cy="629700"/>
-            </a:xfrm>
-            <a:prstGeom prst="rect">
-              <a:avLst/>
-            </a:prstGeom>
-            <a:noFill/>
-            <a:ln>
-              <a:noFill/>
-            </a:ln>
-          </p:spPr>
-          <p:txBody>
-            <a:bodyPr spcFirstLastPara="1" wrap="square" lIns="91425" tIns="45700" rIns="91425" bIns="45700" anchor="ctr" anchorCtr="0">
-              <a:noAutofit/>
-            </a:bodyPr>
-            <a:lstStyle/>
-            <a:p>
-              <a:pPr marL="0" lvl="0" indent="0" algn="r">
-                <a:lnSpc>
-                  <a:spcPct val="90000"/>
-                </a:lnSpc>
-                <a:spcBef>
-                  <a:spcPts val="0"/>
-                </a:spcBef>
-                <a:spcAft>
-                  <a:spcPts val="0"/>
-                </a:spcAft>
-                <a:buNone/>
-              </a:pPr>
-              <a:endParaRPr sz="4400">
-                <a:solidFill>
-                  <a:srgbClr val="3D3D3D"/>
-                </a:solidFill>
-                <a:latin typeface="Roboto Medium"/>
-                <a:ea typeface="Roboto Medium"/>
-                <a:cs typeface="Roboto Medium"/>
-                <a:sym typeface="Roboto Medium"/>
-              </a:endParaRPr>
-            </a:p>
-          </p:txBody>
-        </p:sp>
-        <p:sp>
-          <p:nvSpPr>
-            <p:cNvPr id="275" name="Shape 275"/>
-            <p:cNvSpPr/>
-            <p:nvPr/>
-          </p:nvSpPr>
-          <p:spPr>
-            <a:xfrm>
-              <a:off x="2789787" y="2207525"/>
-              <a:ext cx="4860300" cy="731700"/>
-            </a:xfrm>
-            <a:prstGeom prst="rect">
-              <a:avLst/>
-            </a:prstGeom>
-            <a:solidFill>
-              <a:srgbClr val="3D3D3D"/>
-            </a:solidFill>
-            <a:ln>
-              <a:noFill/>
-            </a:ln>
-          </p:spPr>
-          <p:txBody>
-            <a:bodyPr spcFirstLastPara="1" wrap="square" lIns="91425" tIns="45700" rIns="91425" bIns="45700" anchor="ctr" anchorCtr="0">
-              <a:noAutofit/>
-            </a:bodyPr>
-            <a:lstStyle/>
-            <a:p>
-              <a:pPr marL="0" lvl="0" indent="0">
-                <a:spcBef>
-                  <a:spcPts val="0"/>
-                </a:spcBef>
-                <a:spcAft>
-                  <a:spcPts val="0"/>
-                </a:spcAft>
-                <a:buNone/>
-              </a:pPr>
-              <a:endParaRPr/>
-            </a:p>
-          </p:txBody>
-        </p:sp>
-        <p:sp>
-          <p:nvSpPr>
-            <p:cNvPr id="276" name="Shape 276"/>
-            <p:cNvSpPr txBox="1"/>
-            <p:nvPr/>
-          </p:nvSpPr>
-          <p:spPr>
-            <a:xfrm>
-              <a:off x="2914387" y="2414096"/>
-              <a:ext cx="4373100" cy="330600"/>
-            </a:xfrm>
-            <a:prstGeom prst="rect">
-              <a:avLst/>
-            </a:prstGeom>
-            <a:noFill/>
-            <a:ln>
-              <a:noFill/>
-            </a:ln>
-          </p:spPr>
-          <p:txBody>
-            <a:bodyPr spcFirstLastPara="1" wrap="square" lIns="91425" tIns="45700" rIns="91425" bIns="45700" anchor="ctr" anchorCtr="0">
-              <a:noAutofit/>
-            </a:bodyPr>
-            <a:lstStyle/>
-            <a:p>
-              <a:pPr marL="0" lvl="0" indent="0">
-                <a:lnSpc>
-                  <a:spcPct val="115000"/>
-                </a:lnSpc>
-                <a:spcBef>
-                  <a:spcPts val="0"/>
-                </a:spcBef>
-                <a:spcAft>
-                  <a:spcPts val="0"/>
-                </a:spcAft>
-                <a:buNone/>
-              </a:pPr>
-              <a:r>
-                <a:rPr lang="en-GB" sz="1800">
-                  <a:solidFill>
-                    <a:srgbClr val="FFFFFF"/>
-                  </a:solidFill>
-                  <a:latin typeface="Oswald"/>
-                  <a:ea typeface="Oswald"/>
-                  <a:cs typeface="Oswald"/>
-                  <a:sym typeface="Oswald"/>
-                </a:rPr>
-                <a:t>Means to donate an amount through the app</a:t>
-              </a:r>
-              <a:endParaRPr sz="1800">
-                <a:solidFill>
-                  <a:srgbClr val="FFFFFF"/>
-                </a:solidFill>
-                <a:latin typeface="Oswald"/>
-                <a:ea typeface="Oswald"/>
-                <a:cs typeface="Oswald"/>
-                <a:sym typeface="Oswald"/>
-              </a:endParaRPr>
-            </a:p>
-          </p:txBody>
-        </p:sp>
-      </p:grpSp>
-      <p:grpSp>
-        <p:nvGrpSpPr>
-          <p:cNvPr id="277" name="Shape 277"/>
-          <p:cNvGrpSpPr/>
-          <p:nvPr/>
-        </p:nvGrpSpPr>
-        <p:grpSpPr>
-          <a:xfrm>
-            <a:off x="-787420" y="3380250"/>
-            <a:ext cx="6457508" cy="731700"/>
-            <a:chOff x="829880" y="3088625"/>
-            <a:chExt cx="6457508" cy="731700"/>
-          </a:xfrm>
-        </p:grpSpPr>
-        <p:sp>
-          <p:nvSpPr>
-            <p:cNvPr id="278" name="Shape 278"/>
-            <p:cNvSpPr txBox="1"/>
-            <p:nvPr/>
-          </p:nvSpPr>
-          <p:spPr>
-            <a:xfrm>
-              <a:off x="829880" y="3145625"/>
-              <a:ext cx="1959900" cy="629700"/>
-            </a:xfrm>
-            <a:prstGeom prst="rect">
-              <a:avLst/>
-            </a:prstGeom>
-            <a:noFill/>
-            <a:ln>
-              <a:noFill/>
-            </a:ln>
-          </p:spPr>
-          <p:txBody>
-            <a:bodyPr spcFirstLastPara="1" wrap="square" lIns="91425" tIns="45700" rIns="91425" bIns="45700" anchor="ctr" anchorCtr="0">
-              <a:noAutofit/>
-            </a:bodyPr>
-            <a:lstStyle/>
-            <a:p>
-              <a:pPr marL="0" lvl="0" indent="0" algn="r">
-                <a:lnSpc>
-                  <a:spcPct val="90000"/>
-                </a:lnSpc>
-                <a:spcBef>
-                  <a:spcPts val="0"/>
-                </a:spcBef>
-                <a:spcAft>
-                  <a:spcPts val="0"/>
-                </a:spcAft>
-                <a:buNone/>
-              </a:pPr>
-              <a:endParaRPr sz="4400">
-                <a:solidFill>
-                  <a:srgbClr val="414141"/>
-                </a:solidFill>
-                <a:latin typeface="Roboto Medium"/>
-                <a:ea typeface="Roboto Medium"/>
-                <a:cs typeface="Roboto Medium"/>
-                <a:sym typeface="Roboto Medium"/>
-              </a:endParaRPr>
-            </a:p>
-          </p:txBody>
-        </p:sp>
-        <p:sp>
-          <p:nvSpPr>
-            <p:cNvPr id="279" name="Shape 279"/>
-            <p:cNvSpPr/>
-            <p:nvPr/>
-          </p:nvSpPr>
-          <p:spPr>
-            <a:xfrm>
-              <a:off x="2789787" y="3088625"/>
-              <a:ext cx="4497600" cy="731700"/>
-            </a:xfrm>
-            <a:prstGeom prst="rect">
-              <a:avLst/>
-            </a:prstGeom>
-            <a:solidFill>
-              <a:srgbClr val="414141"/>
-            </a:solidFill>
-            <a:ln>
-              <a:noFill/>
-            </a:ln>
-          </p:spPr>
-          <p:txBody>
-            <a:bodyPr spcFirstLastPara="1" wrap="square" lIns="91425" tIns="45700" rIns="91425" bIns="45700" anchor="ctr" anchorCtr="0">
-              <a:noAutofit/>
-            </a:bodyPr>
-            <a:lstStyle/>
-            <a:p>
-              <a:pPr marL="0" lvl="0" indent="0">
-                <a:spcBef>
-                  <a:spcPts val="0"/>
-                </a:spcBef>
-                <a:spcAft>
-                  <a:spcPts val="0"/>
-                </a:spcAft>
-                <a:buNone/>
-              </a:pPr>
-              <a:endParaRPr/>
-            </a:p>
-          </p:txBody>
-        </p:sp>
-        <p:sp>
-          <p:nvSpPr>
-            <p:cNvPr id="280" name="Shape 280"/>
-            <p:cNvSpPr txBox="1"/>
-            <p:nvPr/>
-          </p:nvSpPr>
-          <p:spPr>
-            <a:xfrm>
-              <a:off x="2914388" y="3295180"/>
-              <a:ext cx="3849900" cy="330600"/>
-            </a:xfrm>
-            <a:prstGeom prst="rect">
-              <a:avLst/>
-            </a:prstGeom>
-            <a:noFill/>
-            <a:ln>
-              <a:noFill/>
-            </a:ln>
-          </p:spPr>
-          <p:txBody>
-            <a:bodyPr spcFirstLastPara="1" wrap="square" lIns="91425" tIns="45700" rIns="91425" bIns="45700" anchor="ctr" anchorCtr="0">
-              <a:noAutofit/>
-            </a:bodyPr>
-            <a:lstStyle/>
-            <a:p>
-              <a:pPr marL="0" lvl="0" indent="0">
-                <a:lnSpc>
-                  <a:spcPct val="115000"/>
-                </a:lnSpc>
-                <a:spcBef>
-                  <a:spcPts val="0"/>
-                </a:spcBef>
-                <a:spcAft>
-                  <a:spcPts val="0"/>
-                </a:spcAft>
-                <a:buNone/>
-              </a:pPr>
-              <a:r>
-                <a:rPr lang="en-GB" sz="1800">
-                  <a:solidFill>
-                    <a:srgbClr val="FFFFFF"/>
-                  </a:solidFill>
-                  <a:latin typeface="Oswald"/>
-                  <a:ea typeface="Oswald"/>
-                  <a:cs typeface="Oswald"/>
-                  <a:sym typeface="Oswald"/>
-                </a:rPr>
-                <a:t>WIder collaboration with corporates</a:t>
-              </a:r>
-              <a:endParaRPr sz="1800">
-                <a:solidFill>
-                  <a:srgbClr val="FFFFFF"/>
-                </a:solidFill>
-                <a:latin typeface="Oswald"/>
-                <a:ea typeface="Oswald"/>
-                <a:cs typeface="Oswald"/>
-                <a:sym typeface="Oswald"/>
-              </a:endParaRPr>
-            </a:p>
-          </p:txBody>
-        </p:sp>
-      </p:grpSp>
-    </p:spTree>
-  </p:cSld>
-  <p:clrMapOvr>
-    <a:masterClrMapping/>
-  </p:clrMapOvr>
+  <p:timing>
+    <p:tnLst>
+      <p:par>
+        <p:cTn id="1" dur="indefinite" restart="never" nodeType="tmRoot"/>
+      </p:par>
+    </p:tnLst>
+  </p:timing>
 </p:sld>
 </file>
 
@@ -14268,7 +21148,7 @@
     </p:bg>
     <p:spTree>
       <p:nvGrpSpPr>
-        <p:cNvPr id="1" name="Shape 284"/>
+        <p:cNvPr id="1" name="Shape 142"/>
         <p:cNvGrpSpPr/>
         <p:nvPr/>
       </p:nvGrpSpPr>
@@ -14282,22 +21162,22 @@
       </p:grpSpPr>
       <p:sp>
         <p:nvSpPr>
-          <p:cNvPr id="286" name="Shape 286"/>
-          <p:cNvSpPr txBox="1"/>
-          <p:nvPr/>
+          <p:cNvPr id="143" name="Shape 143"/>
+          <p:cNvSpPr txBox="1">
+            <a:spLocks noGrp="1"/>
+          </p:cNvSpPr>
+          <p:nvPr>
+            <p:ph type="title"/>
+          </p:nvPr>
         </p:nvSpPr>
         <p:spPr>
           <a:xfrm>
-            <a:off x="1182300" y="1934525"/>
-            <a:ext cx="6779400" cy="790800"/>
+            <a:off x="1297500" y="393750"/>
+            <a:ext cx="7038900" cy="914100"/>
           </a:xfrm>
           <a:prstGeom prst="rect">
             <a:avLst/>
           </a:prstGeom>
-          <a:noFill/>
-          <a:ln>
-            <a:noFill/>
-          </a:ln>
         </p:spPr>
         <p:txBody>
           <a:bodyPr spcFirstLastPara="1" wrap="square" lIns="91425" tIns="91425" rIns="91425" bIns="91425" anchor="t" anchorCtr="0">
@@ -14305,7 +21185,7 @@
           </a:bodyPr>
           <a:lstStyle/>
           <a:p>
-            <a:pPr marL="0" lvl="0" indent="0" algn="ctr" rtl="0">
+            <a:pPr marL="0" lvl="0" indent="0">
               <a:spcBef>
                 <a:spcPts val="0"/>
               </a:spcBef>
@@ -14315,15 +21195,21 @@
               <a:buNone/>
             </a:pPr>
             <a:r>
-              <a:rPr lang="en-GB" sz="4400">
+              <a:rPr lang="en-GB" sz="4400" dirty="0" smtClean="0">
+                <a:solidFill>
+                  <a:srgbClr val="000000"/>
+                </a:solidFill>
                 <a:latin typeface="Oswald"/>
                 <a:ea typeface="Oswald"/>
                 <a:cs typeface="Oswald"/>
                 <a:sym typeface="Oswald"/>
               </a:rPr>
-              <a:t>THANK YOU</a:t>
+              <a:t>TECH STACK</a:t>
             </a:r>
-            <a:endParaRPr sz="4400">
+            <a:endParaRPr sz="4400" dirty="0">
+              <a:solidFill>
+                <a:srgbClr val="000000"/>
+              </a:solidFill>
               <a:latin typeface="Oswald"/>
               <a:ea typeface="Oswald"/>
               <a:cs typeface="Oswald"/>
@@ -14332,11 +21218,111 @@
           </a:p>
         </p:txBody>
       </p:sp>
+      <p:sp>
+        <p:nvSpPr>
+          <p:cNvPr id="144" name="Shape 144"/>
+          <p:cNvSpPr txBox="1">
+            <a:spLocks noGrp="1"/>
+          </p:cNvSpPr>
+          <p:nvPr>
+            <p:ph type="body" idx="1"/>
+          </p:nvPr>
+        </p:nvSpPr>
+        <p:spPr>
+          <a:xfrm>
+            <a:off x="1297500" y="1567550"/>
+            <a:ext cx="7038900" cy="2911200"/>
+          </a:xfrm>
+          <a:prstGeom prst="rect">
+            <a:avLst/>
+          </a:prstGeom>
+        </p:spPr>
+        <p:txBody>
+          <a:bodyPr spcFirstLastPara="1" wrap="square" lIns="91425" tIns="91425" rIns="91425" bIns="91425" anchor="t" anchorCtr="0">
+            <a:noAutofit/>
+          </a:bodyPr>
+          <a:lstStyle/>
+          <a:p>
+            <a:pPr marL="0" lvl="0" indent="0">
+              <a:spcBef>
+                <a:spcPts val="0"/>
+              </a:spcBef>
+              <a:spcAft>
+                <a:spcPts val="0"/>
+              </a:spcAft>
+              <a:buNone/>
+            </a:pPr>
+            <a:endParaRPr sz="1800" dirty="0">
+              <a:solidFill>
+                <a:srgbClr val="000000"/>
+              </a:solidFill>
+              <a:latin typeface="Oswald"/>
+              <a:ea typeface="Oswald"/>
+              <a:cs typeface="Oswald"/>
+              <a:sym typeface="Oswald"/>
+            </a:endParaRPr>
+          </a:p>
+          <a:p>
+            <a:pPr marL="0" lvl="0" indent="0">
+              <a:spcBef>
+                <a:spcPts val="1600"/>
+              </a:spcBef>
+              <a:spcAft>
+                <a:spcPts val="1600"/>
+              </a:spcAft>
+              <a:buNone/>
+            </a:pPr>
+            <a:endParaRPr sz="2400" dirty="0">
+              <a:solidFill>
+                <a:srgbClr val="000000"/>
+              </a:solidFill>
+              <a:latin typeface="Oswald"/>
+              <a:ea typeface="Oswald"/>
+              <a:cs typeface="Oswald"/>
+              <a:sym typeface="Oswald"/>
+            </a:endParaRPr>
+          </a:p>
+        </p:txBody>
+      </p:sp>
+      <p:graphicFrame>
+        <p:nvGraphicFramePr>
+          <p:cNvPr id="2" name="Diagram 1"/>
+          <p:cNvGraphicFramePr/>
+          <p:nvPr>
+            <p:extLst>
+              <p:ext uri="{D42A27DB-BD31-4B8C-83A1-F6EECF244321}">
+                <p14:modId xmlns:p14="http://schemas.microsoft.com/office/powerpoint/2010/main" val="2606089605"/>
+              </p:ext>
+            </p:extLst>
+          </p:nvPr>
+        </p:nvGraphicFramePr>
+        <p:xfrm>
+          <a:off x="1524000" y="586403"/>
+          <a:ext cx="6096000" cy="4064000"/>
+        </p:xfrm>
+        <a:graphic>
+          <a:graphicData uri="http://schemas.openxmlformats.org/drawingml/2006/diagram">
+            <dgm:relIds xmlns:dgm="http://schemas.openxmlformats.org/drawingml/2006/diagram" xmlns:r="http://schemas.openxmlformats.org/officeDocument/2006/relationships" r:dm="rId3" r:lo="rId4" r:qs="rId5" r:cs="rId6"/>
+          </a:graphicData>
+        </a:graphic>
+      </p:graphicFrame>
     </p:spTree>
+    <p:extLst>
+      <p:ext uri="{BB962C8B-B14F-4D97-AF65-F5344CB8AC3E}">
+        <p14:creationId xmlns:p14="http://schemas.microsoft.com/office/powerpoint/2010/main" val="3691714304"/>
+      </p:ext>
+    </p:extLst>
   </p:cSld>
   <p:clrMapOvr>
     <a:masterClrMapping/>
   </p:clrMapOvr>
+  <p:timing>
+    <p:tnLst>
+      <p:par>
+        <p:cTn id="1" dur="indefinite" restart="never" nodeType="tmRoot"/>
+      </p:par>
+    </p:tnLst>
+  </p:timing>
 </p:sld>
 </file>
 

--- a/jpmc.pptx
+++ b/jpmc.pptx
@@ -5,51 +5,52 @@
     <p:sldMasterId id="2147483659" r:id="rId1"/>
   </p:sldMasterIdLst>
   <p:notesMasterIdLst>
-    <p:notesMasterId r:id="rId13"/>
+    <p:notesMasterId r:id="rId14"/>
   </p:notesMasterIdLst>
   <p:sldIdLst>
     <p:sldId id="256" r:id="rId2"/>
     <p:sldId id="257" r:id="rId3"/>
     <p:sldId id="265" r:id="rId4"/>
-    <p:sldId id="258" r:id="rId5"/>
-    <p:sldId id="259" r:id="rId6"/>
-    <p:sldId id="260" r:id="rId7"/>
-    <p:sldId id="261" r:id="rId8"/>
-    <p:sldId id="262" r:id="rId9"/>
-    <p:sldId id="266" r:id="rId10"/>
-    <p:sldId id="263" r:id="rId11"/>
-    <p:sldId id="264" r:id="rId12"/>
+    <p:sldId id="267" r:id="rId5"/>
+    <p:sldId id="258" r:id="rId6"/>
+    <p:sldId id="259" r:id="rId7"/>
+    <p:sldId id="260" r:id="rId8"/>
+    <p:sldId id="261" r:id="rId9"/>
+    <p:sldId id="262" r:id="rId10"/>
+    <p:sldId id="266" r:id="rId11"/>
+    <p:sldId id="263" r:id="rId12"/>
+    <p:sldId id="264" r:id="rId13"/>
   </p:sldIdLst>
   <p:sldSz cx="9144000" cy="5143500" type="screen16x9"/>
   <p:notesSz cx="6858000" cy="9144000"/>
   <p:embeddedFontLst>
     <p:embeddedFont>
-      <p:font typeface="Roboto Medium" panose="020B0604020202020204" charset="0"/>
-      <p:regular r:id="rId14"/>
-      <p:bold r:id="rId15"/>
-      <p:italic r:id="rId16"/>
-      <p:boldItalic r:id="rId17"/>
+      <p:font typeface="Lato" panose="020B0604020202020204" charset="0"/>
+      <p:regular r:id="rId15"/>
+      <p:bold r:id="rId16"/>
+      <p:italic r:id="rId17"/>
+      <p:boldItalic r:id="rId18"/>
     </p:embeddedFont>
     <p:embeddedFont>
       <p:font typeface="Roboto" panose="020B0604020202020204" charset="0"/>
-      <p:regular r:id="rId18"/>
-      <p:bold r:id="rId19"/>
-      <p:italic r:id="rId20"/>
-      <p:boldItalic r:id="rId21"/>
+      <p:regular r:id="rId19"/>
+      <p:bold r:id="rId20"/>
+      <p:italic r:id="rId21"/>
+      <p:boldItalic r:id="rId22"/>
     </p:embeddedFont>
     <p:embeddedFont>
       <p:font typeface="Montserrat" panose="020B0604020202020204" charset="0"/>
-      <p:regular r:id="rId22"/>
-      <p:bold r:id="rId23"/>
-      <p:italic r:id="rId24"/>
-      <p:boldItalic r:id="rId25"/>
+      <p:regular r:id="rId23"/>
+      <p:bold r:id="rId24"/>
+      <p:italic r:id="rId25"/>
+      <p:boldItalic r:id="rId26"/>
     </p:embeddedFont>
     <p:embeddedFont>
-      <p:font typeface="Lato" panose="020B0604020202020204" charset="0"/>
-      <p:regular r:id="rId26"/>
-      <p:bold r:id="rId27"/>
-      <p:italic r:id="rId28"/>
-      <p:boldItalic r:id="rId29"/>
+      <p:font typeface="Roboto Medium" panose="020B0604020202020204" charset="0"/>
+      <p:regular r:id="rId27"/>
+      <p:bold r:id="rId28"/>
+      <p:italic r:id="rId29"/>
+      <p:boldItalic r:id="rId30"/>
     </p:embeddedFont>
   </p:embeddedFontLst>
   <p:defaultTextStyle>
@@ -2039,6 +2040,13 @@
         </dgm:presLayoutVars>
       </dgm:prSet>
       <dgm:spPr/>
+      <dgm:t>
+        <a:bodyPr/>
+        <a:lstStyle/>
+        <a:p>
+          <a:endParaRPr lang="en-US"/>
+        </a:p>
+      </dgm:t>
     </dgm:pt>
     <dgm:pt modelId="{8C6A9679-07BA-4E5D-B97B-5367379F1343}" type="pres">
       <dgm:prSet presAssocID="{52CA9208-EA91-4CF7-9F33-B4AE3C4F049C}" presName="composite" presStyleCnt="0"/>
@@ -2052,6 +2060,13 @@
         </dgm:presLayoutVars>
       </dgm:prSet>
       <dgm:spPr/>
+      <dgm:t>
+        <a:bodyPr/>
+        <a:lstStyle/>
+        <a:p>
+          <a:endParaRPr lang="en-US"/>
+        </a:p>
+      </dgm:t>
     </dgm:pt>
     <dgm:pt modelId="{7D2A4557-0A83-49D4-BF4C-4C7F9C67F832}" type="pres">
       <dgm:prSet presAssocID="{52CA9208-EA91-4CF7-9F33-B4AE3C4F049C}" presName="descendantText" presStyleLbl="alignAcc1" presStyleIdx="0" presStyleCnt="3">
@@ -2084,6 +2099,13 @@
         </dgm:presLayoutVars>
       </dgm:prSet>
       <dgm:spPr/>
+      <dgm:t>
+        <a:bodyPr/>
+        <a:lstStyle/>
+        <a:p>
+          <a:endParaRPr lang="en-US"/>
+        </a:p>
+      </dgm:t>
     </dgm:pt>
     <dgm:pt modelId="{F9A8C83E-A9BF-4B2E-AEF5-FD6C5443A7A7}" type="pres">
       <dgm:prSet presAssocID="{81FD5CAC-4603-4DDF-8238-BC9E43F11DEC}" presName="descendantText" presStyleLbl="alignAcc1" presStyleIdx="1" presStyleCnt="3">
@@ -2116,6 +2138,13 @@
         </dgm:presLayoutVars>
       </dgm:prSet>
       <dgm:spPr/>
+      <dgm:t>
+        <a:bodyPr/>
+        <a:lstStyle/>
+        <a:p>
+          <a:endParaRPr lang="en-US"/>
+        </a:p>
+      </dgm:t>
     </dgm:pt>
     <dgm:pt modelId="{C276924F-0E78-4A02-8B1A-558A9A7C68EA}" type="pres">
       <dgm:prSet presAssocID="{8724B52A-EF39-4EA7-B778-A2302174228F}" presName="descendantText" presStyleLbl="alignAcc1" presStyleIdx="2" presStyleCnt="3">
@@ -2134,19 +2163,19 @@
     </dgm:pt>
   </dgm:ptLst>
   <dgm:cxnLst>
-    <dgm:cxn modelId="{31619EC7-CFA0-4E62-97BE-BF6940FD98D6}" type="presOf" srcId="{30E7B5A5-7CF9-49CC-B95B-83765E95865B}" destId="{C276924F-0E78-4A02-8B1A-558A9A7C68EA}" srcOrd="0" destOrd="0" presId="urn:microsoft.com/office/officeart/2005/8/layout/chevron2"/>
-    <dgm:cxn modelId="{949AD1A1-6F07-4C4F-99C8-43706A442F97}" type="presOf" srcId="{8724B52A-EF39-4EA7-B778-A2302174228F}" destId="{2BF8C685-6C4F-4CDD-80CD-1A86D69C08EC}" srcOrd="0" destOrd="0" presId="urn:microsoft.com/office/officeart/2005/8/layout/chevron2"/>
-    <dgm:cxn modelId="{6E8A0260-1C82-4ED8-AA7F-696875954221}" srcId="{1DD50390-C8B1-4566-977C-B4C25179264A}" destId="{52CA9208-EA91-4CF7-9F33-B4AE3C4F049C}" srcOrd="0" destOrd="0" parTransId="{A6F14C92-6F49-4F0E-8A29-72AF29A39E83}" sibTransId="{A0FF8F1E-6C0A-4153-9CD4-6C3F71E51BBD}"/>
-    <dgm:cxn modelId="{2CC0FCD3-CBBB-45B5-8F76-D515B477248D}" srcId="{8724B52A-EF39-4EA7-B778-A2302174228F}" destId="{30E7B5A5-7CF9-49CC-B95B-83765E95865B}" srcOrd="0" destOrd="0" parTransId="{195BABDC-1BAC-4398-B5C3-571342BFDB4F}" sibTransId="{2DD76570-9DC6-48AB-9889-9B33FA49F354}"/>
-    <dgm:cxn modelId="{8446BC6B-C360-451E-980F-D85750160295}" type="presOf" srcId="{BEAA85E4-32BB-4812-83ED-F02721C8DF98}" destId="{7D2A4557-0A83-49D4-BF4C-4C7F9C67F832}" srcOrd="0" destOrd="0" presId="urn:microsoft.com/office/officeart/2005/8/layout/chevron2"/>
-    <dgm:cxn modelId="{C2EA34A6-2180-4C27-BE41-5966318A5373}" type="presOf" srcId="{81FD5CAC-4603-4DDF-8238-BC9E43F11DEC}" destId="{30F89650-44DB-451A-9DC8-8D0C92DD8894}" srcOrd="0" destOrd="0" presId="urn:microsoft.com/office/officeart/2005/8/layout/chevron2"/>
     <dgm:cxn modelId="{9A1E5E35-96D8-4F93-A440-1C5D7D64EB3A}" srcId="{1DD50390-C8B1-4566-977C-B4C25179264A}" destId="{8724B52A-EF39-4EA7-B778-A2302174228F}" srcOrd="2" destOrd="0" parTransId="{2DDBEDC1-B757-4F46-BA39-AA20D71D89E0}" sibTransId="{ACF4DA91-4B38-446F-B51A-3E33ACA189D3}"/>
     <dgm:cxn modelId="{10EE72B3-E957-4A53-A24C-1B0EA7F9D564}" type="presOf" srcId="{1DD50390-C8B1-4566-977C-B4C25179264A}" destId="{B94D465E-5233-459F-AF73-387E53D4C06F}" srcOrd="0" destOrd="0" presId="urn:microsoft.com/office/officeart/2005/8/layout/chevron2"/>
+    <dgm:cxn modelId="{C2EA34A6-2180-4C27-BE41-5966318A5373}" type="presOf" srcId="{81FD5CAC-4603-4DDF-8238-BC9E43F11DEC}" destId="{30F89650-44DB-451A-9DC8-8D0C92DD8894}" srcOrd="0" destOrd="0" presId="urn:microsoft.com/office/officeart/2005/8/layout/chevron2"/>
+    <dgm:cxn modelId="{31619EC7-CFA0-4E62-97BE-BF6940FD98D6}" type="presOf" srcId="{30E7B5A5-7CF9-49CC-B95B-83765E95865B}" destId="{C276924F-0E78-4A02-8B1A-558A9A7C68EA}" srcOrd="0" destOrd="0" presId="urn:microsoft.com/office/officeart/2005/8/layout/chevron2"/>
+    <dgm:cxn modelId="{28B7230B-EAAF-457C-BECB-C21C2F71CEFF}" srcId="{1DD50390-C8B1-4566-977C-B4C25179264A}" destId="{81FD5CAC-4603-4DDF-8238-BC9E43F11DEC}" srcOrd="1" destOrd="0" parTransId="{7D6BBCD9-9986-439B-B92D-EBDBD9FC7A8B}" sibTransId="{833B7F17-FBA5-4596-AD08-279131AD773C}"/>
+    <dgm:cxn modelId="{70FA0B0E-4053-4E29-9D9B-AD2A0C373CCE}" srcId="{52CA9208-EA91-4CF7-9F33-B4AE3C4F049C}" destId="{BEAA85E4-32BB-4812-83ED-F02721C8DF98}" srcOrd="0" destOrd="0" parTransId="{DB9B9780-4099-45AF-B533-21E632895153}" sibTransId="{243C10B1-B8BD-4A22-8961-6EA1743A5242}"/>
+    <dgm:cxn modelId="{6E8A0260-1C82-4ED8-AA7F-696875954221}" srcId="{1DD50390-C8B1-4566-977C-B4C25179264A}" destId="{52CA9208-EA91-4CF7-9F33-B4AE3C4F049C}" srcOrd="0" destOrd="0" parTransId="{A6F14C92-6F49-4F0E-8A29-72AF29A39E83}" sibTransId="{A0FF8F1E-6C0A-4153-9CD4-6C3F71E51BBD}"/>
     <dgm:cxn modelId="{598FD622-DEE9-48B4-835C-BF6E10195855}" srcId="{81FD5CAC-4603-4DDF-8238-BC9E43F11DEC}" destId="{D1BA8E5F-8AE7-4E4C-B3D3-FB2153D2B709}" srcOrd="0" destOrd="0" parTransId="{8A336C6F-D738-44A2-87B5-965482BACEE4}" sibTransId="{F0B6D1EC-8655-4BAB-AEB9-0E111AB8C3FA}"/>
     <dgm:cxn modelId="{4A9E8FE7-73EF-4E12-B60A-AA8C592AF287}" type="presOf" srcId="{D1BA8E5F-8AE7-4E4C-B3D3-FB2153D2B709}" destId="{F9A8C83E-A9BF-4B2E-AEF5-FD6C5443A7A7}" srcOrd="0" destOrd="0" presId="urn:microsoft.com/office/officeart/2005/8/layout/chevron2"/>
-    <dgm:cxn modelId="{28B7230B-EAAF-457C-BECB-C21C2F71CEFF}" srcId="{1DD50390-C8B1-4566-977C-B4C25179264A}" destId="{81FD5CAC-4603-4DDF-8238-BC9E43F11DEC}" srcOrd="1" destOrd="0" parTransId="{7D6BBCD9-9986-439B-B92D-EBDBD9FC7A8B}" sibTransId="{833B7F17-FBA5-4596-AD08-279131AD773C}"/>
-    <dgm:cxn modelId="{70FA0B0E-4053-4E29-9D9B-AD2A0C373CCE}" srcId="{52CA9208-EA91-4CF7-9F33-B4AE3C4F049C}" destId="{BEAA85E4-32BB-4812-83ED-F02721C8DF98}" srcOrd="0" destOrd="0" parTransId="{DB9B9780-4099-45AF-B533-21E632895153}" sibTransId="{243C10B1-B8BD-4A22-8961-6EA1743A5242}"/>
+    <dgm:cxn modelId="{8446BC6B-C360-451E-980F-D85750160295}" type="presOf" srcId="{BEAA85E4-32BB-4812-83ED-F02721C8DF98}" destId="{7D2A4557-0A83-49D4-BF4C-4C7F9C67F832}" srcOrd="0" destOrd="0" presId="urn:microsoft.com/office/officeart/2005/8/layout/chevron2"/>
     <dgm:cxn modelId="{BA33B07A-150F-4D4F-AF04-9BF60CF6B1A4}" type="presOf" srcId="{52CA9208-EA91-4CF7-9F33-B4AE3C4F049C}" destId="{50B733CA-6D0E-4D3E-8D05-62328FBAE372}" srcOrd="0" destOrd="0" presId="urn:microsoft.com/office/officeart/2005/8/layout/chevron2"/>
+    <dgm:cxn modelId="{949AD1A1-6F07-4C4F-99C8-43706A442F97}" type="presOf" srcId="{8724B52A-EF39-4EA7-B778-A2302174228F}" destId="{2BF8C685-6C4F-4CDD-80CD-1A86D69C08EC}" srcOrd="0" destOrd="0" presId="urn:microsoft.com/office/officeart/2005/8/layout/chevron2"/>
+    <dgm:cxn modelId="{2CC0FCD3-CBBB-45B5-8F76-D515B477248D}" srcId="{8724B52A-EF39-4EA7-B778-A2302174228F}" destId="{30E7B5A5-7CF9-49CC-B95B-83765E95865B}" srcOrd="0" destOrd="0" parTransId="{195BABDC-1BAC-4398-B5C3-571342BFDB4F}" sibTransId="{2DD76570-9DC6-48AB-9889-9B33FA49F354}"/>
     <dgm:cxn modelId="{09935371-FDB3-4161-8146-9142E9F7823B}" type="presParOf" srcId="{B94D465E-5233-459F-AF73-387E53D4C06F}" destId="{8C6A9679-07BA-4E5D-B97B-5367379F1343}" srcOrd="0" destOrd="0" presId="urn:microsoft.com/office/officeart/2005/8/layout/chevron2"/>
     <dgm:cxn modelId="{BB703FE9-3E2C-4BD1-92F5-51699DFD68CC}" type="presParOf" srcId="{8C6A9679-07BA-4E5D-B97B-5367379F1343}" destId="{50B733CA-6D0E-4D3E-8D05-62328FBAE372}" srcOrd="0" destOrd="0" presId="urn:microsoft.com/office/officeart/2005/8/layout/chevron2"/>
     <dgm:cxn modelId="{42BB6649-226F-45AD-9687-B3360493BBA8}" type="presParOf" srcId="{8C6A9679-07BA-4E5D-B97B-5367379F1343}" destId="{7D2A4557-0A83-49D4-BF4C-4C7F9C67F832}" srcOrd="1" destOrd="0" presId="urn:microsoft.com/office/officeart/2005/8/layout/chevron2"/>
@@ -2669,6 +2698,13 @@
         </dgm:presLayoutVars>
       </dgm:prSet>
       <dgm:spPr/>
+      <dgm:t>
+        <a:bodyPr/>
+        <a:lstStyle/>
+        <a:p>
+          <a:endParaRPr lang="en-US"/>
+        </a:p>
+      </dgm:t>
     </dgm:pt>
     <dgm:pt modelId="{D070E1A1-F27D-4AF4-86A8-5B732D8AEB85}" type="pres">
       <dgm:prSet presAssocID="{46DA820D-201C-4EE5-BA95-E85B327DDA56}" presName="composite" presStyleCnt="0"/>
@@ -2683,6 +2719,13 @@
         </dgm:presLayoutVars>
       </dgm:prSet>
       <dgm:spPr/>
+      <dgm:t>
+        <a:bodyPr/>
+        <a:lstStyle/>
+        <a:p>
+          <a:endParaRPr lang="en-US"/>
+        </a:p>
+      </dgm:t>
     </dgm:pt>
     <dgm:pt modelId="{518CE5FA-7563-41EC-87C5-597C1954D7DD}" type="pres">
       <dgm:prSet presAssocID="{46DA820D-201C-4EE5-BA95-E85B327DDA56}" presName="desTx" presStyleLbl="alignAccFollowNode1" presStyleIdx="0" presStyleCnt="3">
@@ -2781,8 +2824,8 @@
     </dgm:pt>
   </dgm:ptLst>
   <dgm:cxnLst>
+    <dgm:cxn modelId="{799F73B1-A518-4B29-B061-A9DBBF0DFD23}" type="presOf" srcId="{068148B9-235F-42E9-BF29-D92C298FFBF9}" destId="{C2403F88-46ED-460A-9BA4-686E791386E3}" srcOrd="0" destOrd="2" presId="urn:microsoft.com/office/officeart/2005/8/layout/hList1"/>
     <dgm:cxn modelId="{EE07772F-9557-4AE9-A790-685F84674D52}" srcId="{4FF0039D-64B0-41B1-B5C2-00FB1DB065A6}" destId="{46DA820D-201C-4EE5-BA95-E85B327DDA56}" srcOrd="0" destOrd="0" parTransId="{A945D324-7886-4C4B-9588-8DADC968DEB0}" sibTransId="{2822D40C-B250-496B-A45A-90FC1BDF3C49}"/>
-    <dgm:cxn modelId="{799F73B1-A518-4B29-B061-A9DBBF0DFD23}" type="presOf" srcId="{068148B9-235F-42E9-BF29-D92C298FFBF9}" destId="{C2403F88-46ED-460A-9BA4-686E791386E3}" srcOrd="0" destOrd="2" presId="urn:microsoft.com/office/officeart/2005/8/layout/hList1"/>
     <dgm:cxn modelId="{77B0171B-18D0-4EE9-99B4-99386E10CC1D}" srcId="{4FF0039D-64B0-41B1-B5C2-00FB1DB065A6}" destId="{C3215DB5-EFB7-4E5B-8364-A64E35A5D2CD}" srcOrd="2" destOrd="0" parTransId="{30B0A19C-B37E-4C49-80EE-A1987DF6CCB8}" sibTransId="{95593F36-B659-4A3D-99C5-E8A7041D0D99}"/>
     <dgm:cxn modelId="{C13B4731-319B-4165-8EEB-1EED1B7B402E}" type="presOf" srcId="{AE88C527-BEFA-4762-AB06-CEA6FDAD25C5}" destId="{C2403F88-46ED-460A-9BA4-686E791386E3}" srcOrd="0" destOrd="0" presId="urn:microsoft.com/office/officeart/2005/8/layout/hList1"/>
     <dgm:cxn modelId="{1A1CA1A2-9B16-471E-8C80-21E15C380046}" srcId="{C3215DB5-EFB7-4E5B-8364-A64E35A5D2CD}" destId="{12EB942C-400A-43B3-8C53-DA1E650F0498}" srcOrd="0" destOrd="0" parTransId="{4CE960A2-F6DA-48B0-87ED-953E23D9AABA}" sibTransId="{B31E847C-1420-4605-A3FD-3E466B09CB0C}"/>
@@ -2800,8 +2843,8 @@
     <dgm:cxn modelId="{0D8AB58A-CA42-4099-80CB-4003C5B7698F}" srcId="{046966D4-F873-4A1D-AD72-6E45C27860B1}" destId="{068148B9-235F-42E9-BF29-D92C298FFBF9}" srcOrd="2" destOrd="0" parTransId="{1903C21C-6446-49F1-98C8-D9AD3FB50CDA}" sibTransId="{2A04C4E4-3FD2-4778-A2A5-FA5AC9D73B1A}"/>
     <dgm:cxn modelId="{B74CC56C-F1DA-4876-A0E6-2F552253D5F8}" srcId="{046966D4-F873-4A1D-AD72-6E45C27860B1}" destId="{5C66D256-14BB-4A2F-B6E6-9192F6799BE9}" srcOrd="3" destOrd="0" parTransId="{BE3D74F5-903D-4375-8B49-BC632CE91F41}" sibTransId="{EF550B28-4D76-43BF-A46C-4B41DA8464DF}"/>
     <dgm:cxn modelId="{41E05E9E-52A9-46A4-BC8B-EE113E744BBB}" srcId="{46DA820D-201C-4EE5-BA95-E85B327DDA56}" destId="{4D9C37EE-43F0-48ED-BE4A-41204CFDACBF}" srcOrd="2" destOrd="0" parTransId="{24687926-ECC3-4FF5-90B4-488B254D8E34}" sibTransId="{37C36BD5-0993-46D7-B936-100B74313A7D}"/>
+    <dgm:cxn modelId="{20722ABC-F6D0-4D6E-AA35-C0731E98341E}" srcId="{046966D4-F873-4A1D-AD72-6E45C27860B1}" destId="{80F709CA-D933-4078-A0A5-04D1865E3622}" srcOrd="1" destOrd="0" parTransId="{F8D5DA4D-69AE-49D0-8D2C-EE4D346E92D1}" sibTransId="{784191C2-E904-4B1F-9769-B413D0EA81A1}"/>
     <dgm:cxn modelId="{2454FDC0-5715-4421-95A9-ADE4A493FA2E}" srcId="{46DA820D-201C-4EE5-BA95-E85B327DDA56}" destId="{4E91D0CD-AC00-4466-BAAA-EC4BE3ED89B7}" srcOrd="0" destOrd="0" parTransId="{BD3EAEDA-F730-46B2-9A62-1ADA4470FAAC}" sibTransId="{71A38ED7-2CA9-4451-A67C-F253BA24C263}"/>
-    <dgm:cxn modelId="{20722ABC-F6D0-4D6E-AA35-C0731E98341E}" srcId="{046966D4-F873-4A1D-AD72-6E45C27860B1}" destId="{80F709CA-D933-4078-A0A5-04D1865E3622}" srcOrd="1" destOrd="0" parTransId="{F8D5DA4D-69AE-49D0-8D2C-EE4D346E92D1}" sibTransId="{784191C2-E904-4B1F-9769-B413D0EA81A1}"/>
     <dgm:cxn modelId="{E6E867D1-6610-411A-8B46-DC27D6CA9E87}" type="presOf" srcId="{4D9C37EE-43F0-48ED-BE4A-41204CFDACBF}" destId="{518CE5FA-7563-41EC-87C5-597C1954D7DD}" srcOrd="0" destOrd="2" presId="urn:microsoft.com/office/officeart/2005/8/layout/hList1"/>
     <dgm:cxn modelId="{03250648-4EFB-4691-BDA1-00E126D26DE1}" srcId="{46DA820D-201C-4EE5-BA95-E85B327DDA56}" destId="{161FFA56-3887-4515-BC36-BB566BAC2969}" srcOrd="1" destOrd="0" parTransId="{955FC536-03A0-427F-84C5-0BCDE3DF21EC}" sibTransId="{5CAFE2A5-1B67-4C92-86B1-A289974ABED7}"/>
     <dgm:cxn modelId="{60319872-C32F-4859-A49D-BD5CC323683F}" srcId="{046966D4-F873-4A1D-AD72-6E45C27860B1}" destId="{AE88C527-BEFA-4762-AB06-CEA6FDAD25C5}" srcOrd="0" destOrd="0" parTransId="{D7DA9E31-EB10-4479-9477-51C5B041949B}" sibTransId="{D5C4BFED-1D33-468C-9B6A-8EB857FDA7CA}"/>
@@ -7010,6 +7053,110 @@
   <p:cSld>
     <p:spTree>
       <p:nvGrpSpPr>
+        <p:cNvPr id="1" name="Shape 139"/>
+        <p:cNvGrpSpPr/>
+        <p:nvPr/>
+      </p:nvGrpSpPr>
+      <p:grpSpPr>
+        <a:xfrm>
+          <a:off x="0" y="0"/>
+          <a:ext cx="0" cy="0"/>
+          <a:chOff x="0" y="0"/>
+          <a:chExt cx="0" cy="0"/>
+        </a:xfrm>
+      </p:grpSpPr>
+      <p:sp>
+        <p:nvSpPr>
+          <p:cNvPr id="140" name="Shape 140"/>
+          <p:cNvSpPr>
+            <a:spLocks noGrp="1" noRot="1" noChangeAspect="1"/>
+          </p:cNvSpPr>
+          <p:nvPr>
+            <p:ph type="sldImg" idx="2"/>
+          </p:nvPr>
+        </p:nvSpPr>
+        <p:spPr>
+          <a:xfrm>
+            <a:off x="381000" y="685800"/>
+            <a:ext cx="6096000" cy="3429000"/>
+          </a:xfrm>
+          <a:custGeom>
+            <a:avLst/>
+            <a:gdLst/>
+            <a:ahLst/>
+            <a:cxnLst/>
+            <a:rect l="0" t="0" r="0" b="0"/>
+            <a:pathLst>
+              <a:path w="120000" h="120000" extrusionOk="0">
+                <a:moveTo>
+                  <a:pt x="0" y="0"/>
+                </a:moveTo>
+                <a:lnTo>
+                  <a:pt x="120000" y="0"/>
+                </a:lnTo>
+                <a:lnTo>
+                  <a:pt x="120000" y="120000"/>
+                </a:lnTo>
+                <a:lnTo>
+                  <a:pt x="0" y="120000"/>
+                </a:lnTo>
+                <a:close/>
+              </a:path>
+            </a:pathLst>
+          </a:custGeom>
+        </p:spPr>
+      </p:sp>
+      <p:sp>
+        <p:nvSpPr>
+          <p:cNvPr id="141" name="Shape 141"/>
+          <p:cNvSpPr txBox="1">
+            <a:spLocks noGrp="1"/>
+          </p:cNvSpPr>
+          <p:nvPr>
+            <p:ph type="body" idx="1"/>
+          </p:nvPr>
+        </p:nvSpPr>
+        <p:spPr>
+          <a:xfrm>
+            <a:off x="685800" y="4343400"/>
+            <a:ext cx="5486400" cy="4114800"/>
+          </a:xfrm>
+          <a:prstGeom prst="rect">
+            <a:avLst/>
+          </a:prstGeom>
+        </p:spPr>
+        <p:txBody>
+          <a:bodyPr spcFirstLastPara="1" wrap="square" lIns="91425" tIns="91425" rIns="91425" bIns="91425" anchor="t" anchorCtr="0">
+            <a:noAutofit/>
+          </a:bodyPr>
+          <a:lstStyle/>
+          <a:p>
+            <a:pPr marL="0" lvl="0" indent="0">
+              <a:spcBef>
+                <a:spcPts val="0"/>
+              </a:spcBef>
+              <a:spcAft>
+                <a:spcPts val="0"/>
+              </a:spcAft>
+              <a:buNone/>
+            </a:pPr>
+            <a:endParaRPr/>
+          </a:p>
+        </p:txBody>
+      </p:sp>
+    </p:spTree>
+  </p:cSld>
+  <p:clrMapOvr>
+    <a:masterClrMapping/>
+  </p:clrMapOvr>
+</p:notes>
+</file>
+
+<file path=ppt/notesSlides/notesSlide11.xml><?xml version="1.0" encoding="utf-8"?>
+<p:notes xmlns:a="http://schemas.openxmlformats.org/drawingml/2006/main" xmlns:r="http://schemas.openxmlformats.org/officeDocument/2006/relationships" xmlns:p="http://schemas.openxmlformats.org/presentationml/2006/main" showMasterSp="0" showMasterPhAnim="0">
+  <p:cSld>
+    <p:spTree>
+      <p:nvGrpSpPr>
         <p:cNvPr id="1" name="Shape 264"/>
         <p:cNvGrpSpPr/>
         <p:nvPr/>
@@ -7109,7 +7256,7 @@
 </p:notes>
 </file>
 
-<file path=ppt/notesSlides/notesSlide11.xml><?xml version="1.0" encoding="utf-8"?>
+<file path=ppt/notesSlides/notesSlide12.xml><?xml version="1.0" encoding="utf-8"?>
 <p:notes xmlns:a="http://schemas.openxmlformats.org/drawingml/2006/main" xmlns:r="http://schemas.openxmlformats.org/officeDocument/2006/relationships" xmlns:p="http://schemas.openxmlformats.org/presentationml/2006/main" showMasterSp="0" showMasterPhAnim="0">
   <p:cSld>
     <p:spTree>
@@ -7426,6 +7573,110 @@
   <p:cSld>
     <p:spTree>
       <p:nvGrpSpPr>
+        <p:cNvPr id="1" name="Shape 139"/>
+        <p:cNvGrpSpPr/>
+        <p:nvPr/>
+      </p:nvGrpSpPr>
+      <p:grpSpPr>
+        <a:xfrm>
+          <a:off x="0" y="0"/>
+          <a:ext cx="0" cy="0"/>
+          <a:chOff x="0" y="0"/>
+          <a:chExt cx="0" cy="0"/>
+        </a:xfrm>
+      </p:grpSpPr>
+      <p:sp>
+        <p:nvSpPr>
+          <p:cNvPr id="140" name="Shape 140"/>
+          <p:cNvSpPr>
+            <a:spLocks noGrp="1" noRot="1" noChangeAspect="1"/>
+          </p:cNvSpPr>
+          <p:nvPr>
+            <p:ph type="sldImg" idx="2"/>
+          </p:nvPr>
+        </p:nvSpPr>
+        <p:spPr>
+          <a:xfrm>
+            <a:off x="381000" y="685800"/>
+            <a:ext cx="6096000" cy="3429000"/>
+          </a:xfrm>
+          <a:custGeom>
+            <a:avLst/>
+            <a:gdLst/>
+            <a:ahLst/>
+            <a:cxnLst/>
+            <a:rect l="0" t="0" r="0" b="0"/>
+            <a:pathLst>
+              <a:path w="120000" h="120000" extrusionOk="0">
+                <a:moveTo>
+                  <a:pt x="0" y="0"/>
+                </a:moveTo>
+                <a:lnTo>
+                  <a:pt x="120000" y="0"/>
+                </a:lnTo>
+                <a:lnTo>
+                  <a:pt x="120000" y="120000"/>
+                </a:lnTo>
+                <a:lnTo>
+                  <a:pt x="0" y="120000"/>
+                </a:lnTo>
+                <a:close/>
+              </a:path>
+            </a:pathLst>
+          </a:custGeom>
+        </p:spPr>
+      </p:sp>
+      <p:sp>
+        <p:nvSpPr>
+          <p:cNvPr id="141" name="Shape 141"/>
+          <p:cNvSpPr txBox="1">
+            <a:spLocks noGrp="1"/>
+          </p:cNvSpPr>
+          <p:nvPr>
+            <p:ph type="body" idx="1"/>
+          </p:nvPr>
+        </p:nvSpPr>
+        <p:spPr>
+          <a:xfrm>
+            <a:off x="685800" y="4343400"/>
+            <a:ext cx="5486400" cy="4114800"/>
+          </a:xfrm>
+          <a:prstGeom prst="rect">
+            <a:avLst/>
+          </a:prstGeom>
+        </p:spPr>
+        <p:txBody>
+          <a:bodyPr spcFirstLastPara="1" wrap="square" lIns="91425" tIns="91425" rIns="91425" bIns="91425" anchor="t" anchorCtr="0">
+            <a:noAutofit/>
+          </a:bodyPr>
+          <a:lstStyle/>
+          <a:p>
+            <a:pPr marL="0" lvl="0" indent="0">
+              <a:spcBef>
+                <a:spcPts val="0"/>
+              </a:spcBef>
+              <a:spcAft>
+                <a:spcPts val="0"/>
+              </a:spcAft>
+              <a:buNone/>
+            </a:pPr>
+            <a:endParaRPr/>
+          </a:p>
+        </p:txBody>
+      </p:sp>
+    </p:spTree>
+  </p:cSld>
+  <p:clrMapOvr>
+    <a:masterClrMapping/>
+  </p:clrMapOvr>
+</p:notes>
+</file>
+
+<file path=ppt/notesSlides/notesSlide5.xml><?xml version="1.0" encoding="utf-8"?>
+<p:notes xmlns:a="http://schemas.openxmlformats.org/drawingml/2006/main" xmlns:r="http://schemas.openxmlformats.org/officeDocument/2006/relationships" xmlns:p="http://schemas.openxmlformats.org/presentationml/2006/main" showMasterSp="0" showMasterPhAnim="0">
+  <p:cSld>
+    <p:spTree>
+      <p:nvGrpSpPr>
         <p:cNvPr id="1" name="Shape 145"/>
         <p:cNvGrpSpPr/>
         <p:nvPr/>
@@ -7525,7 +7776,7 @@
 </p:notes>
 </file>
 
-<file path=ppt/notesSlides/notesSlide5.xml><?xml version="1.0" encoding="utf-8"?>
+<file path=ppt/notesSlides/notesSlide6.xml><?xml version="1.0" encoding="utf-8"?>
 <p:notes xmlns:a="http://schemas.openxmlformats.org/drawingml/2006/main" xmlns:r="http://schemas.openxmlformats.org/officeDocument/2006/relationships" xmlns:p="http://schemas.openxmlformats.org/presentationml/2006/main" showMasterSp="0" showMasterPhAnim="0">
   <p:cSld>
     <p:spTree>
@@ -7629,7 +7880,7 @@
 </p:notes>
 </file>
 
-<file path=ppt/notesSlides/notesSlide6.xml><?xml version="1.0" encoding="utf-8"?>
+<file path=ppt/notesSlides/notesSlide7.xml><?xml version="1.0" encoding="utf-8"?>
 <p:notes xmlns:a="http://schemas.openxmlformats.org/drawingml/2006/main" xmlns:r="http://schemas.openxmlformats.org/officeDocument/2006/relationships" xmlns:p="http://schemas.openxmlformats.org/presentationml/2006/main" showMasterSp="0" showMasterPhAnim="0">
   <p:cSld>
     <p:spTree>
@@ -7733,7 +7984,7 @@
 </p:notes>
 </file>
 
-<file path=ppt/notesSlides/notesSlide7.xml><?xml version="1.0" encoding="utf-8"?>
+<file path=ppt/notesSlides/notesSlide8.xml><?xml version="1.0" encoding="utf-8"?>
 <p:notes xmlns:a="http://schemas.openxmlformats.org/drawingml/2006/main" xmlns:r="http://schemas.openxmlformats.org/officeDocument/2006/relationships" xmlns:p="http://schemas.openxmlformats.org/presentationml/2006/main" showMasterSp="0" showMasterPhAnim="0">
   <p:cSld>
     <p:spTree>
@@ -7837,7 +8088,7 @@
 </p:notes>
 </file>
 
-<file path=ppt/notesSlides/notesSlide8.xml><?xml version="1.0" encoding="utf-8"?>
+<file path=ppt/notesSlides/notesSlide9.xml><?xml version="1.0" encoding="utf-8"?>
 <p:notes xmlns:a="http://schemas.openxmlformats.org/drawingml/2006/main" xmlns:r="http://schemas.openxmlformats.org/officeDocument/2006/relationships" xmlns:p="http://schemas.openxmlformats.org/presentationml/2006/main" showMasterSp="0" showMasterPhAnim="0">
   <p:cSld>
     <p:spTree>
@@ -7898,110 +8149,6 @@
       <p:sp>
         <p:nvSpPr>
           <p:cNvPr id="260" name="Shape 260"/>
-          <p:cNvSpPr txBox="1">
-            <a:spLocks noGrp="1"/>
-          </p:cNvSpPr>
-          <p:nvPr>
-            <p:ph type="body" idx="1"/>
-          </p:nvPr>
-        </p:nvSpPr>
-        <p:spPr>
-          <a:xfrm>
-            <a:off x="685800" y="4343400"/>
-            <a:ext cx="5486400" cy="4114800"/>
-          </a:xfrm>
-          <a:prstGeom prst="rect">
-            <a:avLst/>
-          </a:prstGeom>
-        </p:spPr>
-        <p:txBody>
-          <a:bodyPr spcFirstLastPara="1" wrap="square" lIns="91425" tIns="91425" rIns="91425" bIns="91425" anchor="t" anchorCtr="0">
-            <a:noAutofit/>
-          </a:bodyPr>
-          <a:lstStyle/>
-          <a:p>
-            <a:pPr marL="0" lvl="0" indent="0">
-              <a:spcBef>
-                <a:spcPts val="0"/>
-              </a:spcBef>
-              <a:spcAft>
-                <a:spcPts val="0"/>
-              </a:spcAft>
-              <a:buNone/>
-            </a:pPr>
-            <a:endParaRPr/>
-          </a:p>
-        </p:txBody>
-      </p:sp>
-    </p:spTree>
-  </p:cSld>
-  <p:clrMapOvr>
-    <a:masterClrMapping/>
-  </p:clrMapOvr>
-</p:notes>
-</file>
-
-<file path=ppt/notesSlides/notesSlide9.xml><?xml version="1.0" encoding="utf-8"?>
-<p:notes xmlns:a="http://schemas.openxmlformats.org/drawingml/2006/main" xmlns:r="http://schemas.openxmlformats.org/officeDocument/2006/relationships" xmlns:p="http://schemas.openxmlformats.org/presentationml/2006/main" showMasterSp="0" showMasterPhAnim="0">
-  <p:cSld>
-    <p:spTree>
-      <p:nvGrpSpPr>
-        <p:cNvPr id="1" name="Shape 139"/>
-        <p:cNvGrpSpPr/>
-        <p:nvPr/>
-      </p:nvGrpSpPr>
-      <p:grpSpPr>
-        <a:xfrm>
-          <a:off x="0" y="0"/>
-          <a:ext cx="0" cy="0"/>
-          <a:chOff x="0" y="0"/>
-          <a:chExt cx="0" cy="0"/>
-        </a:xfrm>
-      </p:grpSpPr>
-      <p:sp>
-        <p:nvSpPr>
-          <p:cNvPr id="140" name="Shape 140"/>
-          <p:cNvSpPr>
-            <a:spLocks noGrp="1" noRot="1" noChangeAspect="1"/>
-          </p:cNvSpPr>
-          <p:nvPr>
-            <p:ph type="sldImg" idx="2"/>
-          </p:nvPr>
-        </p:nvSpPr>
-        <p:spPr>
-          <a:xfrm>
-            <a:off x="381000" y="685800"/>
-            <a:ext cx="6096000" cy="3429000"/>
-          </a:xfrm>
-          <a:custGeom>
-            <a:avLst/>
-            <a:gdLst/>
-            <a:ahLst/>
-            <a:cxnLst/>
-            <a:rect l="0" t="0" r="0" b="0"/>
-            <a:pathLst>
-              <a:path w="120000" h="120000" extrusionOk="0">
-                <a:moveTo>
-                  <a:pt x="0" y="0"/>
-                </a:moveTo>
-                <a:lnTo>
-                  <a:pt x="120000" y="0"/>
-                </a:lnTo>
-                <a:lnTo>
-                  <a:pt x="120000" y="120000"/>
-                </a:lnTo>
-                <a:lnTo>
-                  <a:pt x="0" y="120000"/>
-                </a:lnTo>
-                <a:close/>
-              </a:path>
-            </a:pathLst>
-          </a:custGeom>
-        </p:spPr>
-      </p:sp>
-      <p:sp>
-        <p:nvSpPr>
-          <p:cNvPr id="141" name="Shape 141"/>
           <p:cNvSpPr txBox="1">
             <a:spLocks noGrp="1"/>
           </p:cNvSpPr>
@@ -16339,6 +16486,197 @@
     </p:bg>
     <p:spTree>
       <p:nvGrpSpPr>
+        <p:cNvPr id="1" name="Shape 142"/>
+        <p:cNvGrpSpPr/>
+        <p:nvPr/>
+      </p:nvGrpSpPr>
+      <p:grpSpPr>
+        <a:xfrm>
+          <a:off x="0" y="0"/>
+          <a:ext cx="0" cy="0"/>
+          <a:chOff x="0" y="0"/>
+          <a:chExt cx="0" cy="0"/>
+        </a:xfrm>
+      </p:grpSpPr>
+      <p:sp>
+        <p:nvSpPr>
+          <p:cNvPr id="143" name="Shape 143"/>
+          <p:cNvSpPr txBox="1">
+            <a:spLocks noGrp="1"/>
+          </p:cNvSpPr>
+          <p:nvPr>
+            <p:ph type="title"/>
+          </p:nvPr>
+        </p:nvSpPr>
+        <p:spPr>
+          <a:xfrm>
+            <a:off x="1297500" y="393750"/>
+            <a:ext cx="7038900" cy="914100"/>
+          </a:xfrm>
+          <a:prstGeom prst="rect">
+            <a:avLst/>
+          </a:prstGeom>
+        </p:spPr>
+        <p:txBody>
+          <a:bodyPr spcFirstLastPara="1" wrap="square" lIns="91425" tIns="91425" rIns="91425" bIns="91425" anchor="t" anchorCtr="0">
+            <a:noAutofit/>
+          </a:bodyPr>
+          <a:lstStyle/>
+          <a:p>
+            <a:pPr marL="0" lvl="0" indent="0">
+              <a:spcBef>
+                <a:spcPts val="0"/>
+              </a:spcBef>
+              <a:spcAft>
+                <a:spcPts val="0"/>
+              </a:spcAft>
+              <a:buNone/>
+            </a:pPr>
+            <a:r>
+              <a:rPr lang="en-GB" sz="4400" dirty="0" smtClean="0">
+                <a:solidFill>
+                  <a:srgbClr val="000000"/>
+                </a:solidFill>
+                <a:latin typeface="Oswald"/>
+                <a:ea typeface="Oswald"/>
+                <a:cs typeface="Oswald"/>
+                <a:sym typeface="Oswald"/>
+              </a:rPr>
+              <a:t>TECH STACK</a:t>
+            </a:r>
+            <a:endParaRPr sz="4400" dirty="0">
+              <a:solidFill>
+                <a:srgbClr val="000000"/>
+              </a:solidFill>
+              <a:latin typeface="Oswald"/>
+              <a:ea typeface="Oswald"/>
+              <a:cs typeface="Oswald"/>
+              <a:sym typeface="Oswald"/>
+            </a:endParaRPr>
+          </a:p>
+        </p:txBody>
+      </p:sp>
+      <p:sp>
+        <p:nvSpPr>
+          <p:cNvPr id="144" name="Shape 144"/>
+          <p:cNvSpPr txBox="1">
+            <a:spLocks noGrp="1"/>
+          </p:cNvSpPr>
+          <p:nvPr>
+            <p:ph type="body" idx="1"/>
+          </p:nvPr>
+        </p:nvSpPr>
+        <p:spPr>
+          <a:xfrm>
+            <a:off x="1297500" y="1567550"/>
+            <a:ext cx="7038900" cy="2911200"/>
+          </a:xfrm>
+          <a:prstGeom prst="rect">
+            <a:avLst/>
+          </a:prstGeom>
+        </p:spPr>
+        <p:txBody>
+          <a:bodyPr spcFirstLastPara="1" wrap="square" lIns="91425" tIns="91425" rIns="91425" bIns="91425" anchor="t" anchorCtr="0">
+            <a:noAutofit/>
+          </a:bodyPr>
+          <a:lstStyle/>
+          <a:p>
+            <a:pPr marL="0" lvl="0" indent="0">
+              <a:spcBef>
+                <a:spcPts val="0"/>
+              </a:spcBef>
+              <a:spcAft>
+                <a:spcPts val="0"/>
+              </a:spcAft>
+              <a:buNone/>
+            </a:pPr>
+            <a:endParaRPr sz="1800" dirty="0">
+              <a:solidFill>
+                <a:srgbClr val="000000"/>
+              </a:solidFill>
+              <a:latin typeface="Oswald"/>
+              <a:ea typeface="Oswald"/>
+              <a:cs typeface="Oswald"/>
+              <a:sym typeface="Oswald"/>
+            </a:endParaRPr>
+          </a:p>
+          <a:p>
+            <a:pPr marL="0" lvl="0" indent="0">
+              <a:spcBef>
+                <a:spcPts val="1600"/>
+              </a:spcBef>
+              <a:spcAft>
+                <a:spcPts val="1600"/>
+              </a:spcAft>
+              <a:buNone/>
+            </a:pPr>
+            <a:endParaRPr sz="2400" dirty="0">
+              <a:solidFill>
+                <a:srgbClr val="000000"/>
+              </a:solidFill>
+              <a:latin typeface="Oswald"/>
+              <a:ea typeface="Oswald"/>
+              <a:cs typeface="Oswald"/>
+              <a:sym typeface="Oswald"/>
+            </a:endParaRPr>
+          </a:p>
+        </p:txBody>
+      </p:sp>
+      <p:graphicFrame>
+        <p:nvGraphicFramePr>
+          <p:cNvPr id="2" name="Diagram 1"/>
+          <p:cNvGraphicFramePr/>
+          <p:nvPr>
+            <p:extLst>
+              <p:ext uri="{D42A27DB-BD31-4B8C-83A1-F6EECF244321}">
+                <p14:modId xmlns:p14="http://schemas.microsoft.com/office/powerpoint/2010/main" val="2606089605"/>
+              </p:ext>
+            </p:extLst>
+          </p:nvPr>
+        </p:nvGraphicFramePr>
+        <p:xfrm>
+          <a:off x="1524000" y="586403"/>
+          <a:ext cx="6096000" cy="4064000"/>
+        </p:xfrm>
+        <a:graphic>
+          <a:graphicData uri="http://schemas.openxmlformats.org/drawingml/2006/diagram">
+            <dgm:relIds xmlns:dgm="http://schemas.openxmlformats.org/drawingml/2006/diagram" xmlns:r="http://schemas.openxmlformats.org/officeDocument/2006/relationships" r:dm="rId3" r:lo="rId4" r:qs="rId5" r:cs="rId6"/>
+          </a:graphicData>
+        </a:graphic>
+      </p:graphicFrame>
+    </p:spTree>
+    <p:extLst>
+      <p:ext uri="{BB962C8B-B14F-4D97-AF65-F5344CB8AC3E}">
+        <p14:creationId xmlns:p14="http://schemas.microsoft.com/office/powerpoint/2010/main" val="3691714304"/>
+      </p:ext>
+    </p:extLst>
+  </p:cSld>
+  <p:clrMapOvr>
+    <a:masterClrMapping/>
+  </p:clrMapOvr>
+  <p:timing>
+    <p:tnLst>
+      <p:par>
+        <p:cTn id="1" dur="indefinite" restart="never" nodeType="tmRoot"/>
+      </p:par>
+    </p:tnLst>
+  </p:timing>
+</p:sld>
+</file>
+
+<file path=ppt/slides/slide11.xml><?xml version="1.0" encoding="utf-8"?>
+<p:sld xmlns:a="http://schemas.openxmlformats.org/drawingml/2006/main" xmlns:r="http://schemas.openxmlformats.org/officeDocument/2006/relationships" xmlns:p="http://schemas.openxmlformats.org/presentationml/2006/main">
+  <p:cSld>
+    <p:bg>
+      <p:bgPr>
+        <a:solidFill>
+          <a:srgbClr val="FFFFFF"/>
+        </a:solidFill>
+        <a:effectLst/>
+      </p:bgPr>
+    </p:bg>
+    <p:spTree>
+      <p:nvGrpSpPr>
         <p:cNvPr id="1" name="Shape 267"/>
         <p:cNvGrpSpPr/>
         <p:nvPr/>
@@ -16544,7 +16882,7 @@
                 <a:buNone/>
               </a:pPr>
               <a:r>
-                <a:rPr lang="en-GB" sz="1800">
+                <a:rPr lang="en-US" sz="1800" dirty="0" smtClean="0">
                   <a:solidFill>
                     <a:srgbClr val="FFFFFF"/>
                   </a:solidFill>
@@ -16553,9 +16891,9 @@
                   <a:cs typeface="Oswald"/>
                   <a:sym typeface="Oswald"/>
                 </a:rPr>
-                <a:t>Portal for extensive outreach towards wider audience</a:t>
+                <a:t>Implementation of action plan with time stamping</a:t>
               </a:r>
-              <a:endParaRPr sz="1800">
+              <a:endParaRPr sz="1800" dirty="0">
                 <a:solidFill>
                   <a:srgbClr val="FFFFFF"/>
                 </a:solidFill>
@@ -16925,7 +17263,7 @@
 </p:sld>
 </file>
 
-<file path=ppt/slides/slide11.xml><?xml version="1.0" encoding="utf-8"?>
+<file path=ppt/slides/slide12.xml><?xml version="1.0" encoding="utf-8"?>
 <p:sld xmlns:a="http://schemas.openxmlformats.org/drawingml/2006/main" xmlns:r="http://schemas.openxmlformats.org/officeDocument/2006/relationships" xmlns:p="http://schemas.openxmlformats.org/presentationml/2006/main">
   <p:cSld>
     <p:bg>
@@ -17319,6 +17657,150 @@
 </file>
 
 <file path=ppt/slides/slide4.xml><?xml version="1.0" encoding="utf-8"?>
+<p:sld xmlns:a="http://schemas.openxmlformats.org/drawingml/2006/main" xmlns:r="http://schemas.openxmlformats.org/officeDocument/2006/relationships" xmlns:p="http://schemas.openxmlformats.org/presentationml/2006/main">
+  <p:cSld>
+    <p:bg>
+      <p:bgPr>
+        <a:solidFill>
+          <a:srgbClr val="FFFFFF"/>
+        </a:solidFill>
+        <a:effectLst/>
+      </p:bgPr>
+    </p:bg>
+    <p:spTree>
+      <p:nvGrpSpPr>
+        <p:cNvPr id="1" name="Shape 142"/>
+        <p:cNvGrpSpPr/>
+        <p:nvPr/>
+      </p:nvGrpSpPr>
+      <p:grpSpPr>
+        <a:xfrm>
+          <a:off x="0" y="0"/>
+          <a:ext cx="0" cy="0"/>
+          <a:chOff x="0" y="0"/>
+          <a:chExt cx="0" cy="0"/>
+        </a:xfrm>
+      </p:grpSpPr>
+      <p:sp>
+        <p:nvSpPr>
+          <p:cNvPr id="143" name="Shape 143"/>
+          <p:cNvSpPr txBox="1">
+            <a:spLocks noGrp="1"/>
+          </p:cNvSpPr>
+          <p:nvPr>
+            <p:ph type="title"/>
+          </p:nvPr>
+        </p:nvSpPr>
+        <p:spPr>
+          <a:xfrm>
+            <a:off x="1297500" y="393750"/>
+            <a:ext cx="7038900" cy="914100"/>
+          </a:xfrm>
+          <a:prstGeom prst="rect">
+            <a:avLst/>
+          </a:prstGeom>
+        </p:spPr>
+        <p:txBody>
+          <a:bodyPr spcFirstLastPara="1" wrap="square" lIns="91425" tIns="91425" rIns="91425" bIns="91425" anchor="t" anchorCtr="0">
+            <a:noAutofit/>
+          </a:bodyPr>
+          <a:lstStyle/>
+          <a:p>
+            <a:pPr marL="0" lvl="0" indent="0">
+              <a:spcBef>
+                <a:spcPts val="0"/>
+              </a:spcBef>
+              <a:spcAft>
+                <a:spcPts val="0"/>
+              </a:spcAft>
+              <a:buNone/>
+            </a:pPr>
+            <a:r>
+              <a:rPr lang="en-GB" sz="4400" dirty="0" smtClean="0">
+                <a:solidFill>
+                  <a:srgbClr val="000000"/>
+                </a:solidFill>
+                <a:latin typeface="Oswald"/>
+                <a:ea typeface="Oswald"/>
+                <a:cs typeface="Oswald"/>
+                <a:sym typeface="Oswald"/>
+              </a:rPr>
+              <a:t>NEED ASSESSMENT APP</a:t>
+            </a:r>
+            <a:endParaRPr sz="4400" dirty="0">
+              <a:solidFill>
+                <a:srgbClr val="000000"/>
+              </a:solidFill>
+              <a:latin typeface="Oswald"/>
+              <a:ea typeface="Oswald"/>
+              <a:cs typeface="Oswald"/>
+              <a:sym typeface="Oswald"/>
+            </a:endParaRPr>
+          </a:p>
+        </p:txBody>
+      </p:sp>
+      <p:pic>
+        <p:nvPicPr>
+          <p:cNvPr id="1026" name="Picture 2" descr="C:\Users\mohoith\Desktop\Screenshot from 2018-07-08 06-48-18.png"/>
+          <p:cNvPicPr>
+            <a:picLocks noChangeAspect="1" noChangeArrowheads="1"/>
+          </p:cNvPicPr>
+          <p:nvPr/>
+        </p:nvPicPr>
+        <p:blipFill>
+          <a:blip r:embed="rId3">
+            <a:extLst>
+              <a:ext uri="{28A0092B-C50C-407E-A947-70E740481C1C}">
+                <a14:useLocalDpi xmlns:a14="http://schemas.microsoft.com/office/drawing/2010/main" val="0"/>
+              </a:ext>
+            </a:extLst>
+          </a:blip>
+          <a:srcRect/>
+          <a:stretch>
+            <a:fillRect/>
+          </a:stretch>
+        </p:blipFill>
+        <p:spPr bwMode="auto">
+          <a:xfrm>
+            <a:off x="2034075" y="1209382"/>
+            <a:ext cx="5243901" cy="3632975"/>
+          </a:xfrm>
+          <a:prstGeom prst="rect">
+            <a:avLst/>
+          </a:prstGeom>
+          <a:noFill/>
+          <a:extLst>
+            <a:ext uri="{909E8E84-426E-40DD-AFC4-6F175D3DCCD1}">
+              <a14:hiddenFill xmlns:a14="http://schemas.microsoft.com/office/drawing/2010/main">
+                <a:solidFill>
+                  <a:srgbClr val="FFFFFF"/>
+                </a:solidFill>
+              </a14:hiddenFill>
+            </a:ext>
+          </a:extLst>
+        </p:spPr>
+      </p:pic>
+    </p:spTree>
+    <p:extLst>
+      <p:ext uri="{BB962C8B-B14F-4D97-AF65-F5344CB8AC3E}">
+        <p14:creationId xmlns:p14="http://schemas.microsoft.com/office/powerpoint/2010/main" val="444862208"/>
+      </p:ext>
+    </p:extLst>
+  </p:cSld>
+  <p:clrMapOvr>
+    <a:masterClrMapping/>
+  </p:clrMapOvr>
+  <p:timing>
+    <p:tnLst>
+      <p:par>
+        <p:cTn id="1" dur="indefinite" restart="never" nodeType="tmRoot"/>
+      </p:par>
+    </p:tnLst>
+  </p:timing>
+</p:sld>
+</file>
+
+<file path=ppt/slides/slide5.xml><?xml version="1.0" encoding="utf-8"?>
 <p:sld xmlns:a="http://schemas.openxmlformats.org/drawingml/2006/main" xmlns:r="http://schemas.openxmlformats.org/officeDocument/2006/relationships" xmlns:p="http://schemas.openxmlformats.org/presentationml/2006/main">
   <p:cSld>
     <p:bg>
@@ -18056,7 +18538,7 @@
 </p:sld>
 </file>
 
-<file path=ppt/slides/slide5.xml><?xml version="1.0" encoding="utf-8"?>
+<file path=ppt/slides/slide6.xml><?xml version="1.0" encoding="utf-8"?>
 <p:sld xmlns:a="http://schemas.openxmlformats.org/drawingml/2006/main" xmlns:r="http://schemas.openxmlformats.org/officeDocument/2006/relationships" xmlns:p="http://schemas.openxmlformats.org/presentationml/2006/main">
   <p:cSld>
     <p:bg>
@@ -18881,7 +19363,7 @@
 </p:sld>
 </file>
 
-<file path=ppt/slides/slide6.xml><?xml version="1.0" encoding="utf-8"?>
+<file path=ppt/slides/slide7.xml><?xml version="1.0" encoding="utf-8"?>
 <p:sld xmlns:a="http://schemas.openxmlformats.org/drawingml/2006/main" xmlns:r="http://schemas.openxmlformats.org/officeDocument/2006/relationships" xmlns:p="http://schemas.openxmlformats.org/presentationml/2006/main">
   <p:cSld>
     <p:bg>
@@ -19857,7 +20339,7 @@
 </p:sld>
 </file>
 
-<file path=ppt/slides/slide7.xml><?xml version="1.0" encoding="utf-8"?>
+<file path=ppt/slides/slide8.xml><?xml version="1.0" encoding="utf-8"?>
 <p:sld xmlns:a="http://schemas.openxmlformats.org/drawingml/2006/main" xmlns:r="http://schemas.openxmlformats.org/officeDocument/2006/relationships" xmlns:p="http://schemas.openxmlformats.org/presentationml/2006/main">
   <p:cSld>
     <p:bg>
@@ -20810,15 +21292,15 @@
               <a:buNone/>
             </a:pPr>
             <a:r>
-              <a:rPr lang="en-GB">
+              <a:rPr lang="en-US" dirty="0" smtClean="0">
                 <a:latin typeface="Oswald"/>
                 <a:ea typeface="Oswald"/>
                 <a:cs typeface="Oswald"/>
                 <a:sym typeface="Oswald"/>
               </a:rPr>
-              <a:t>VISUALIZATION</a:t>
+              <a:t>ANALYSIS</a:t>
             </a:r>
-            <a:endParaRPr>
+            <a:endParaRPr dirty="0">
               <a:latin typeface="Oswald"/>
               <a:ea typeface="Oswald"/>
               <a:cs typeface="Oswald"/>
@@ -20835,8 +21317,8 @@
         </p:nvCxnSpPr>
         <p:spPr>
           <a:xfrm>
-            <a:off x="3402950" y="4672700"/>
-            <a:ext cx="1328662" cy="0"/>
+            <a:off x="3109550" y="4672700"/>
+            <a:ext cx="1622062" cy="0"/>
           </a:xfrm>
           <a:prstGeom prst="straightConnector1">
             <a:avLst/>
@@ -21002,7 +21484,7 @@
 </p:sld>
 </file>
 
-<file path=ppt/slides/slide8.xml><?xml version="1.0" encoding="utf-8"?>
+<file path=ppt/slides/slide9.xml><?xml version="1.0" encoding="utf-8"?>
 <p:sld xmlns:a="http://schemas.openxmlformats.org/drawingml/2006/main" xmlns:r="http://schemas.openxmlformats.org/officeDocument/2006/relationships" xmlns:p="http://schemas.openxmlformats.org/presentationml/2006/main">
   <p:cSld>
     <p:bg>
@@ -21121,197 +21603,6 @@
         </p:spPr>
       </p:pic>
     </p:spTree>
-  </p:cSld>
-  <p:clrMapOvr>
-    <a:masterClrMapping/>
-  </p:clrMapOvr>
-  <p:timing>
-    <p:tnLst>
-      <p:par>
-        <p:cTn id="1" dur="indefinite" restart="never" nodeType="tmRoot"/>
-      </p:par>
-    </p:tnLst>
-  </p:timing>
-</p:sld>
-</file>
-
-<file path=ppt/slides/slide9.xml><?xml version="1.0" encoding="utf-8"?>
-<p:sld xmlns:a="http://schemas.openxmlformats.org/drawingml/2006/main" xmlns:r="http://schemas.openxmlformats.org/officeDocument/2006/relationships" xmlns:p="http://schemas.openxmlformats.org/presentationml/2006/main">
-  <p:cSld>
-    <p:bg>
-      <p:bgPr>
-        <a:solidFill>
-          <a:srgbClr val="FFFFFF"/>
-        </a:solidFill>
-        <a:effectLst/>
-      </p:bgPr>
-    </p:bg>
-    <p:spTree>
-      <p:nvGrpSpPr>
-        <p:cNvPr id="1" name="Shape 142"/>
-        <p:cNvGrpSpPr/>
-        <p:nvPr/>
-      </p:nvGrpSpPr>
-      <p:grpSpPr>
-        <a:xfrm>
-          <a:off x="0" y="0"/>
-          <a:ext cx="0" cy="0"/>
-          <a:chOff x="0" y="0"/>
-          <a:chExt cx="0" cy="0"/>
-        </a:xfrm>
-      </p:grpSpPr>
-      <p:sp>
-        <p:nvSpPr>
-          <p:cNvPr id="143" name="Shape 143"/>
-          <p:cNvSpPr txBox="1">
-            <a:spLocks noGrp="1"/>
-          </p:cNvSpPr>
-          <p:nvPr>
-            <p:ph type="title"/>
-          </p:nvPr>
-        </p:nvSpPr>
-        <p:spPr>
-          <a:xfrm>
-            <a:off x="1297500" y="393750"/>
-            <a:ext cx="7038900" cy="914100"/>
-          </a:xfrm>
-          <a:prstGeom prst="rect">
-            <a:avLst/>
-          </a:prstGeom>
-        </p:spPr>
-        <p:txBody>
-          <a:bodyPr spcFirstLastPara="1" wrap="square" lIns="91425" tIns="91425" rIns="91425" bIns="91425" anchor="t" anchorCtr="0">
-            <a:noAutofit/>
-          </a:bodyPr>
-          <a:lstStyle/>
-          <a:p>
-            <a:pPr marL="0" lvl="0" indent="0">
-              <a:spcBef>
-                <a:spcPts val="0"/>
-              </a:spcBef>
-              <a:spcAft>
-                <a:spcPts val="0"/>
-              </a:spcAft>
-              <a:buNone/>
-            </a:pPr>
-            <a:r>
-              <a:rPr lang="en-GB" sz="4400" dirty="0" smtClean="0">
-                <a:solidFill>
-                  <a:srgbClr val="000000"/>
-                </a:solidFill>
-                <a:latin typeface="Oswald"/>
-                <a:ea typeface="Oswald"/>
-                <a:cs typeface="Oswald"/>
-                <a:sym typeface="Oswald"/>
-              </a:rPr>
-              <a:t>TECH STACK</a:t>
-            </a:r>
-            <a:endParaRPr sz="4400" dirty="0">
-              <a:solidFill>
-                <a:srgbClr val="000000"/>
-              </a:solidFill>
-              <a:latin typeface="Oswald"/>
-              <a:ea typeface="Oswald"/>
-              <a:cs typeface="Oswald"/>
-              <a:sym typeface="Oswald"/>
-            </a:endParaRPr>
-          </a:p>
-        </p:txBody>
-      </p:sp>
-      <p:sp>
-        <p:nvSpPr>
-          <p:cNvPr id="144" name="Shape 144"/>
-          <p:cNvSpPr txBox="1">
-            <a:spLocks noGrp="1"/>
-          </p:cNvSpPr>
-          <p:nvPr>
-            <p:ph type="body" idx="1"/>
-          </p:nvPr>
-        </p:nvSpPr>
-        <p:spPr>
-          <a:xfrm>
-            <a:off x="1297500" y="1567550"/>
-            <a:ext cx="7038900" cy="2911200"/>
-          </a:xfrm>
-          <a:prstGeom prst="rect">
-            <a:avLst/>
-          </a:prstGeom>
-        </p:spPr>
-        <p:txBody>
-          <a:bodyPr spcFirstLastPara="1" wrap="square" lIns="91425" tIns="91425" rIns="91425" bIns="91425" anchor="t" anchorCtr="0">
-            <a:noAutofit/>
-          </a:bodyPr>
-          <a:lstStyle/>
-          <a:p>
-            <a:pPr marL="0" lvl="0" indent="0">
-              <a:spcBef>
-                <a:spcPts val="0"/>
-              </a:spcBef>
-              <a:spcAft>
-                <a:spcPts val="0"/>
-              </a:spcAft>
-              <a:buNone/>
-            </a:pPr>
-            <a:endParaRPr sz="1800" dirty="0">
-              <a:solidFill>
-                <a:srgbClr val="000000"/>
-              </a:solidFill>
-              <a:latin typeface="Oswald"/>
-              <a:ea typeface="Oswald"/>
-              <a:cs typeface="Oswald"/>
-              <a:sym typeface="Oswald"/>
-            </a:endParaRPr>
-          </a:p>
-          <a:p>
-            <a:pPr marL="0" lvl="0" indent="0">
-              <a:spcBef>
-                <a:spcPts val="1600"/>
-              </a:spcBef>
-              <a:spcAft>
-                <a:spcPts val="1600"/>
-              </a:spcAft>
-              <a:buNone/>
-            </a:pPr>
-            <a:endParaRPr sz="2400" dirty="0">
-              <a:solidFill>
-                <a:srgbClr val="000000"/>
-              </a:solidFill>
-              <a:latin typeface="Oswald"/>
-              <a:ea typeface="Oswald"/>
-              <a:cs typeface="Oswald"/>
-              <a:sym typeface="Oswald"/>
-            </a:endParaRPr>
-          </a:p>
-        </p:txBody>
-      </p:sp>
-      <p:graphicFrame>
-        <p:nvGraphicFramePr>
-          <p:cNvPr id="2" name="Diagram 1"/>
-          <p:cNvGraphicFramePr/>
-          <p:nvPr>
-            <p:extLst>
-              <p:ext uri="{D42A27DB-BD31-4B8C-83A1-F6EECF244321}">
-                <p14:modId xmlns:p14="http://schemas.microsoft.com/office/powerpoint/2010/main" val="2606089605"/>
-              </p:ext>
-            </p:extLst>
-          </p:nvPr>
-        </p:nvGraphicFramePr>
-        <p:xfrm>
-          <a:off x="1524000" y="586403"/>
-          <a:ext cx="6096000" cy="4064000"/>
-        </p:xfrm>
-        <a:graphic>
-          <a:graphicData uri="http://schemas.openxmlformats.org/drawingml/2006/diagram">
-            <dgm:relIds xmlns:dgm="http://schemas.openxmlformats.org/drawingml/2006/diagram" xmlns:r="http://schemas.openxmlformats.org/officeDocument/2006/relationships" r:dm="rId3" r:lo="rId4" r:qs="rId5" r:cs="rId6"/>
-          </a:graphicData>
-        </a:graphic>
-      </p:graphicFrame>
-    </p:spTree>
-    <p:extLst>
-      <p:ext uri="{BB962C8B-B14F-4D97-AF65-F5344CB8AC3E}">
-        <p14:creationId xmlns:p14="http://schemas.microsoft.com/office/powerpoint/2010/main" val="3691714304"/>
-      </p:ext>
-    </p:extLst>
   </p:cSld>
   <p:clrMapOvr>
     <a:masterClrMapping/>
